--- a/dnnQuery.pptx
+++ b/dnnQuery.pptx
@@ -5,30 +5,32 @@
     <p:sldMasterId id="2147483768" r:id="rId1"/>
   </p:sldMasterIdLst>
   <p:notesMasterIdLst>
-    <p:notesMasterId r:id="rId23"/>
+    <p:notesMasterId r:id="rId25"/>
   </p:notesMasterIdLst>
   <p:sldIdLst>
     <p:sldId id="256" r:id="rId2"/>
     <p:sldId id="265" r:id="rId3"/>
     <p:sldId id="269" r:id="rId4"/>
     <p:sldId id="268" r:id="rId5"/>
-    <p:sldId id="270" r:id="rId6"/>
-    <p:sldId id="276" r:id="rId7"/>
-    <p:sldId id="277" r:id="rId8"/>
-    <p:sldId id="267" r:id="rId9"/>
-    <p:sldId id="261" r:id="rId10"/>
-    <p:sldId id="274" r:id="rId11"/>
-    <p:sldId id="260" r:id="rId12"/>
-    <p:sldId id="258" r:id="rId13"/>
-    <p:sldId id="272" r:id="rId14"/>
-    <p:sldId id="278" r:id="rId15"/>
-    <p:sldId id="264" r:id="rId16"/>
-    <p:sldId id="263" r:id="rId17"/>
-    <p:sldId id="262" r:id="rId18"/>
-    <p:sldId id="257" r:id="rId19"/>
-    <p:sldId id="273" r:id="rId20"/>
-    <p:sldId id="271" r:id="rId21"/>
-    <p:sldId id="275" r:id="rId22"/>
+    <p:sldId id="280" r:id="rId6"/>
+    <p:sldId id="270" r:id="rId7"/>
+    <p:sldId id="276" r:id="rId8"/>
+    <p:sldId id="277" r:id="rId9"/>
+    <p:sldId id="267" r:id="rId10"/>
+    <p:sldId id="260" r:id="rId11"/>
+    <p:sldId id="261" r:id="rId12"/>
+    <p:sldId id="274" r:id="rId13"/>
+    <p:sldId id="258" r:id="rId14"/>
+    <p:sldId id="272" r:id="rId15"/>
+    <p:sldId id="278" r:id="rId16"/>
+    <p:sldId id="264" r:id="rId17"/>
+    <p:sldId id="263" r:id="rId18"/>
+    <p:sldId id="262" r:id="rId19"/>
+    <p:sldId id="257" r:id="rId20"/>
+    <p:sldId id="273" r:id="rId21"/>
+    <p:sldId id="271" r:id="rId22"/>
+    <p:sldId id="279" r:id="rId23"/>
+    <p:sldId id="275" r:id="rId24"/>
   </p:sldIdLst>
   <p:sldSz cx="9144000" cy="6858000" type="screen4x3"/>
   <p:notesSz cx="6858000" cy="9144000"/>
@@ -525,8 +527,8 @@
           <a:lstStyle/>
           <a:p>
             <a:r>
-              <a:rPr lang="en-US" dirty="0" smtClean="0"/>
-              <a:t>Logical forms</a:t>
+              <a:rPr lang="en-US" altLang="zh-CN" dirty="0" smtClean="0"/>
+              <a:t>Different grammars and composite sentences.</a:t>
             </a:r>
             <a:endParaRPr lang="en-US" dirty="0"/>
           </a:p>
@@ -549,7 +551,7 @@
           <a:p>
             <a:fld id="{F462D47B-A527-614C-BCC4-5E0D5E97ED78}" type="slidenum">
               <a:rPr lang="en-US" smtClean="0"/>
-              <a:t>9</a:t>
+              <a:t>6</a:t>
             </a:fld>
             <a:endParaRPr lang="en-US"/>
           </a:p>
@@ -558,7 +560,7 @@
     </p:spTree>
     <p:extLst>
       <p:ext uri="{BB962C8B-B14F-4D97-AF65-F5344CB8AC3E}">
-        <p14:creationId xmlns:p14="http://schemas.microsoft.com/office/powerpoint/2010/main" val="1021107278"/>
+        <p14:creationId xmlns:p14="http://schemas.microsoft.com/office/powerpoint/2010/main" val="1731969202"/>
       </p:ext>
     </p:extLst>
   </p:cSld>
@@ -614,7 +616,7 @@
           <a:p>
             <a:r>
               <a:rPr lang="en-US" dirty="0" smtClean="0"/>
-              <a:t>Logical forms</a:t>
+              <a:t>Attention-based seq2seq DNN</a:t>
             </a:r>
             <a:endParaRPr lang="en-US" dirty="0"/>
           </a:p>
@@ -646,7 +648,7 @@
     </p:spTree>
     <p:extLst>
       <p:ext uri="{BB962C8B-B14F-4D97-AF65-F5344CB8AC3E}">
-        <p14:creationId xmlns:p14="http://schemas.microsoft.com/office/powerpoint/2010/main" val="1230389964"/>
+        <p14:creationId xmlns:p14="http://schemas.microsoft.com/office/powerpoint/2010/main" val="42821351"/>
       </p:ext>
     </p:extLst>
   </p:cSld>
@@ -702,7 +704,7 @@
           <a:p>
             <a:r>
               <a:rPr lang="en-US" dirty="0" smtClean="0"/>
-              <a:t>Attention-based seq2seq DNN</a:t>
+              <a:t>Logical forms</a:t>
             </a:r>
             <a:endParaRPr lang="en-US" dirty="0"/>
           </a:p>
@@ -734,7 +736,7 @@
     </p:spTree>
     <p:extLst>
       <p:ext uri="{BB962C8B-B14F-4D97-AF65-F5344CB8AC3E}">
-        <p14:creationId xmlns:p14="http://schemas.microsoft.com/office/powerpoint/2010/main" val="42821351"/>
+        <p14:creationId xmlns:p14="http://schemas.microsoft.com/office/powerpoint/2010/main" val="1021107278"/>
       </p:ext>
     </p:extLst>
   </p:cSld>
@@ -788,6 +790,10 @@
           <a:bodyPr/>
           <a:lstStyle/>
           <a:p>
+            <a:r>
+              <a:rPr lang="en-US" dirty="0" smtClean="0"/>
+              <a:t>Logical forms</a:t>
+            </a:r>
             <a:endParaRPr lang="en-US" dirty="0"/>
           </a:p>
         </p:txBody>
@@ -818,7 +824,183 @@
     </p:spTree>
     <p:extLst>
       <p:ext uri="{BB962C8B-B14F-4D97-AF65-F5344CB8AC3E}">
+        <p14:creationId xmlns:p14="http://schemas.microsoft.com/office/powerpoint/2010/main" val="1230389964"/>
+      </p:ext>
+    </p:extLst>
+  </p:cSld>
+  <p:clrMapOvr>
+    <a:masterClrMapping/>
+  </p:clrMapOvr>
+</p:notes>
+</file>
+
+<file path=ppt/notesSlides/notesSlide5.xml><?xml version="1.0" encoding="utf-8"?>
+<p:notes xmlns:a="http://schemas.openxmlformats.org/drawingml/2006/main" xmlns:r="http://schemas.openxmlformats.org/officeDocument/2006/relationships" xmlns:p="http://schemas.openxmlformats.org/presentationml/2006/main">
+  <p:cSld>
+    <p:spTree>
+      <p:nvGrpSpPr>
+        <p:cNvPr id="1" name=""/>
+        <p:cNvGrpSpPr/>
+        <p:nvPr/>
+      </p:nvGrpSpPr>
+      <p:grpSpPr>
+        <a:xfrm>
+          <a:off x="0" y="0"/>
+          <a:ext cx="0" cy="0"/>
+          <a:chOff x="0" y="0"/>
+          <a:chExt cx="0" cy="0"/>
+        </a:xfrm>
+      </p:grpSpPr>
+      <p:sp>
+        <p:nvSpPr>
+          <p:cNvPr id="2" name="Slide Image Placeholder 1"/>
+          <p:cNvSpPr>
+            <a:spLocks noGrp="1" noRot="1" noChangeAspect="1"/>
+          </p:cNvSpPr>
+          <p:nvPr>
+            <p:ph type="sldImg"/>
+          </p:nvPr>
+        </p:nvSpPr>
+        <p:spPr/>
+      </p:sp>
+      <p:sp>
+        <p:nvSpPr>
+          <p:cNvPr id="3" name="Notes Placeholder 2"/>
+          <p:cNvSpPr>
+            <a:spLocks noGrp="1"/>
+          </p:cNvSpPr>
+          <p:nvPr>
+            <p:ph type="body" idx="1"/>
+          </p:nvPr>
+        </p:nvSpPr>
+        <p:spPr/>
+        <p:txBody>
+          <a:bodyPr/>
+          <a:lstStyle/>
+          <a:p>
+            <a:endParaRPr lang="en-US" dirty="0"/>
+          </a:p>
+        </p:txBody>
+      </p:sp>
+      <p:sp>
+        <p:nvSpPr>
+          <p:cNvPr id="4" name="Slide Number Placeholder 3"/>
+          <p:cNvSpPr>
+            <a:spLocks noGrp="1"/>
+          </p:cNvSpPr>
+          <p:nvPr>
+            <p:ph type="sldNum" sz="quarter" idx="10"/>
+          </p:nvPr>
+        </p:nvSpPr>
+        <p:spPr/>
+        <p:txBody>
+          <a:bodyPr/>
+          <a:lstStyle/>
+          <a:p>
+            <a:fld id="{F462D47B-A527-614C-BCC4-5E0D5E97ED78}" type="slidenum">
+              <a:rPr lang="en-US" smtClean="0"/>
+              <a:t>13</a:t>
+            </a:fld>
+            <a:endParaRPr lang="en-US"/>
+          </a:p>
+        </p:txBody>
+      </p:sp>
+    </p:spTree>
+    <p:extLst>
+      <p:ext uri="{BB962C8B-B14F-4D97-AF65-F5344CB8AC3E}">
         <p14:creationId xmlns:p14="http://schemas.microsoft.com/office/powerpoint/2010/main" val="1055368486"/>
+      </p:ext>
+    </p:extLst>
+  </p:cSld>
+  <p:clrMapOvr>
+    <a:masterClrMapping/>
+  </p:clrMapOvr>
+</p:notes>
+</file>
+
+<file path=ppt/notesSlides/notesSlide6.xml><?xml version="1.0" encoding="utf-8"?>
+<p:notes xmlns:a="http://schemas.openxmlformats.org/drawingml/2006/main" xmlns:r="http://schemas.openxmlformats.org/officeDocument/2006/relationships" xmlns:p="http://schemas.openxmlformats.org/presentationml/2006/main">
+  <p:cSld>
+    <p:spTree>
+      <p:nvGrpSpPr>
+        <p:cNvPr id="1" name=""/>
+        <p:cNvGrpSpPr/>
+        <p:nvPr/>
+      </p:nvGrpSpPr>
+      <p:grpSpPr>
+        <a:xfrm>
+          <a:off x="0" y="0"/>
+          <a:ext cx="0" cy="0"/>
+          <a:chOff x="0" y="0"/>
+          <a:chExt cx="0" cy="0"/>
+        </a:xfrm>
+      </p:grpSpPr>
+      <p:sp>
+        <p:nvSpPr>
+          <p:cNvPr id="2" name="Slide Image Placeholder 1"/>
+          <p:cNvSpPr>
+            <a:spLocks noGrp="1" noRot="1" noChangeAspect="1"/>
+          </p:cNvSpPr>
+          <p:nvPr>
+            <p:ph type="sldImg"/>
+          </p:nvPr>
+        </p:nvSpPr>
+        <p:spPr/>
+      </p:sp>
+      <p:sp>
+        <p:nvSpPr>
+          <p:cNvPr id="3" name="Notes Placeholder 2"/>
+          <p:cNvSpPr>
+            <a:spLocks noGrp="1"/>
+          </p:cNvSpPr>
+          <p:nvPr>
+            <p:ph type="body" idx="1"/>
+          </p:nvPr>
+        </p:nvSpPr>
+        <p:spPr/>
+        <p:txBody>
+          <a:bodyPr/>
+          <a:lstStyle/>
+          <a:p>
+            <a:r>
+              <a:rPr lang="en-US" dirty="0" smtClean="0"/>
+              <a:t>Input,</a:t>
+            </a:r>
+            <a:r>
+              <a:rPr lang="en-US" baseline="0" dirty="0" smtClean="0"/>
+              <a:t> output</a:t>
+            </a:r>
+            <a:endParaRPr lang="en-US" dirty="0"/>
+          </a:p>
+        </p:txBody>
+      </p:sp>
+      <p:sp>
+        <p:nvSpPr>
+          <p:cNvPr id="4" name="Slide Number Placeholder 3"/>
+          <p:cNvSpPr>
+            <a:spLocks noGrp="1"/>
+          </p:cNvSpPr>
+          <p:nvPr>
+            <p:ph type="sldNum" sz="quarter" idx="10"/>
+          </p:nvPr>
+        </p:nvSpPr>
+        <p:spPr/>
+        <p:txBody>
+          <a:bodyPr/>
+          <a:lstStyle/>
+          <a:p>
+            <a:fld id="{F462D47B-A527-614C-BCC4-5E0D5E97ED78}" type="slidenum">
+              <a:rPr lang="en-US" smtClean="0"/>
+              <a:t>14</a:t>
+            </a:fld>
+            <a:endParaRPr lang="en-US"/>
+          </a:p>
+        </p:txBody>
+      </p:sp>
+    </p:spTree>
+    <p:extLst>
+      <p:ext uri="{BB962C8B-B14F-4D97-AF65-F5344CB8AC3E}">
+        <p14:creationId xmlns:p14="http://schemas.microsoft.com/office/powerpoint/2010/main" val="202629489"/>
       </p:ext>
     </p:extLst>
   </p:cSld>
@@ -4551,544 +4733,17 @@
   <p:clrMapOvr>
     <a:masterClrMapping/>
   </p:clrMapOvr>
+  <p:timing>
+    <p:tnLst>
+      <p:par>
+        <p:cTn id="1" dur="indefinite" restart="never" nodeType="tmRoot"/>
+      </p:par>
+    </p:tnLst>
+  </p:timing>
 </p:sld>
 </file>
 
 <file path=ppt/slides/slide10.xml><?xml version="1.0" encoding="utf-8"?>
-<p:sld xmlns:a="http://schemas.openxmlformats.org/drawingml/2006/main" xmlns:r="http://schemas.openxmlformats.org/officeDocument/2006/relationships" xmlns:p="http://schemas.openxmlformats.org/presentationml/2006/main">
-  <p:cSld>
-    <p:spTree>
-      <p:nvGrpSpPr>
-        <p:cNvPr id="1" name=""/>
-        <p:cNvGrpSpPr/>
-        <p:nvPr/>
-      </p:nvGrpSpPr>
-      <p:grpSpPr>
-        <a:xfrm>
-          <a:off x="0" y="0"/>
-          <a:ext cx="0" cy="0"/>
-          <a:chOff x="0" y="0"/>
-          <a:chExt cx="0" cy="0"/>
-        </a:xfrm>
-      </p:grpSpPr>
-      <p:sp>
-        <p:nvSpPr>
-          <p:cNvPr id="6" name="Title 5"/>
-          <p:cNvSpPr>
-            <a:spLocks noGrp="1"/>
-          </p:cNvSpPr>
-          <p:nvPr>
-            <p:ph type="title"/>
-          </p:nvPr>
-        </p:nvSpPr>
-        <p:spPr/>
-        <p:txBody>
-          <a:bodyPr/>
-          <a:lstStyle/>
-          <a:p>
-            <a:r>
-              <a:rPr lang="en-US" dirty="0" smtClean="0"/>
-              <a:t>Data augmentation [5,6]</a:t>
-            </a:r>
-            <a:endParaRPr lang="en-US" dirty="0"/>
-          </a:p>
-        </p:txBody>
-      </p:sp>
-      <p:sp>
-        <p:nvSpPr>
-          <p:cNvPr id="4" name="Content Placeholder 2"/>
-          <p:cNvSpPr txBox="1">
-            <a:spLocks/>
-          </p:cNvSpPr>
-          <p:nvPr/>
-        </p:nvSpPr>
-        <p:spPr>
-          <a:xfrm>
-            <a:off x="822959" y="1845734"/>
-            <a:ext cx="7543801" cy="4023360"/>
-          </a:xfrm>
-          <a:prstGeom prst="rect">
-            <a:avLst/>
-          </a:prstGeom>
-        </p:spPr>
-        <p:txBody>
-          <a:bodyPr>
-            <a:normAutofit/>
-          </a:bodyPr>
-          <a:lstStyle>
-            <a:lvl1pPr marL="91440" indent="-91440" algn="l" defTabSz="914400" rtl="0" eaLnBrk="1" latinLnBrk="0" hangingPunct="1">
-              <a:lnSpc>
-                <a:spcPct val="90000"/>
-              </a:lnSpc>
-              <a:spcBef>
-                <a:spcPts val="1200"/>
-              </a:spcBef>
-              <a:spcAft>
-                <a:spcPts val="200"/>
-              </a:spcAft>
-              <a:buClr>
-                <a:schemeClr val="accent1"/>
-              </a:buClr>
-              <a:buSzPct val="100000"/>
-              <a:buFont typeface="Calibri" panose="020F0502020204030204" pitchFamily="34" charset="0"/>
-              <a:buChar char=" "/>
-              <a:defRPr sz="2000" kern="1200">
-                <a:solidFill>
-                  <a:schemeClr val="tx1">
-                    <a:lumMod val="75000"/>
-                    <a:lumOff val="25000"/>
-                  </a:schemeClr>
-                </a:solidFill>
-                <a:latin typeface="+mn-lt"/>
-                <a:ea typeface="+mn-ea"/>
-                <a:cs typeface="+mn-cs"/>
-              </a:defRPr>
-            </a:lvl1pPr>
-            <a:lvl2pPr marL="384048" indent="-182880" algn="l" defTabSz="914400" rtl="0" eaLnBrk="1" latinLnBrk="0" hangingPunct="1">
-              <a:lnSpc>
-                <a:spcPct val="90000"/>
-              </a:lnSpc>
-              <a:spcBef>
-                <a:spcPts val="200"/>
-              </a:spcBef>
-              <a:spcAft>
-                <a:spcPts val="400"/>
-              </a:spcAft>
-              <a:buClr>
-                <a:schemeClr val="accent1"/>
-              </a:buClr>
-              <a:buFont typeface="Calibri" pitchFamily="34" charset="0"/>
-              <a:buChar char="◦"/>
-              <a:defRPr sz="1800" kern="1200">
-                <a:solidFill>
-                  <a:schemeClr val="tx1">
-                    <a:lumMod val="75000"/>
-                    <a:lumOff val="25000"/>
-                  </a:schemeClr>
-                </a:solidFill>
-                <a:latin typeface="+mn-lt"/>
-                <a:ea typeface="+mn-ea"/>
-                <a:cs typeface="+mn-cs"/>
-              </a:defRPr>
-            </a:lvl2pPr>
-            <a:lvl3pPr marL="566928" indent="-182880" algn="l" defTabSz="914400" rtl="0" eaLnBrk="1" latinLnBrk="0" hangingPunct="1">
-              <a:lnSpc>
-                <a:spcPct val="90000"/>
-              </a:lnSpc>
-              <a:spcBef>
-                <a:spcPts val="200"/>
-              </a:spcBef>
-              <a:spcAft>
-                <a:spcPts val="400"/>
-              </a:spcAft>
-              <a:buClr>
-                <a:schemeClr val="accent1"/>
-              </a:buClr>
-              <a:buFont typeface="Calibri" pitchFamily="34" charset="0"/>
-              <a:buChar char="◦"/>
-              <a:defRPr sz="1400" kern="1200">
-                <a:solidFill>
-                  <a:schemeClr val="tx1">
-                    <a:lumMod val="75000"/>
-                    <a:lumOff val="25000"/>
-                  </a:schemeClr>
-                </a:solidFill>
-                <a:latin typeface="+mn-lt"/>
-                <a:ea typeface="+mn-ea"/>
-                <a:cs typeface="+mn-cs"/>
-              </a:defRPr>
-            </a:lvl3pPr>
-            <a:lvl4pPr marL="749808" indent="-182880" algn="l" defTabSz="914400" rtl="0" eaLnBrk="1" latinLnBrk="0" hangingPunct="1">
-              <a:lnSpc>
-                <a:spcPct val="90000"/>
-              </a:lnSpc>
-              <a:spcBef>
-                <a:spcPts val="200"/>
-              </a:spcBef>
-              <a:spcAft>
-                <a:spcPts val="400"/>
-              </a:spcAft>
-              <a:buClr>
-                <a:schemeClr val="accent1"/>
-              </a:buClr>
-              <a:buFont typeface="Calibri" pitchFamily="34" charset="0"/>
-              <a:buChar char="◦"/>
-              <a:defRPr sz="1400" kern="1200">
-                <a:solidFill>
-                  <a:schemeClr val="tx1">
-                    <a:lumMod val="75000"/>
-                    <a:lumOff val="25000"/>
-                  </a:schemeClr>
-                </a:solidFill>
-                <a:latin typeface="+mn-lt"/>
-                <a:ea typeface="+mn-ea"/>
-                <a:cs typeface="+mn-cs"/>
-              </a:defRPr>
-            </a:lvl4pPr>
-            <a:lvl5pPr marL="932688" indent="-182880" algn="l" defTabSz="914400" rtl="0" eaLnBrk="1" latinLnBrk="0" hangingPunct="1">
-              <a:lnSpc>
-                <a:spcPct val="90000"/>
-              </a:lnSpc>
-              <a:spcBef>
-                <a:spcPts val="200"/>
-              </a:spcBef>
-              <a:spcAft>
-                <a:spcPts val="400"/>
-              </a:spcAft>
-              <a:buClr>
-                <a:schemeClr val="accent1"/>
-              </a:buClr>
-              <a:buFont typeface="Calibri" pitchFamily="34" charset="0"/>
-              <a:buChar char="◦"/>
-              <a:defRPr sz="1400" kern="1200">
-                <a:solidFill>
-                  <a:schemeClr val="tx1">
-                    <a:lumMod val="75000"/>
-                    <a:lumOff val="25000"/>
-                  </a:schemeClr>
-                </a:solidFill>
-                <a:latin typeface="+mn-lt"/>
-                <a:ea typeface="+mn-ea"/>
-                <a:cs typeface="+mn-cs"/>
-              </a:defRPr>
-            </a:lvl5pPr>
-            <a:lvl6pPr marL="1100000" indent="-228600" algn="l" defTabSz="914400" rtl="0" eaLnBrk="1" latinLnBrk="0" hangingPunct="1">
-              <a:lnSpc>
-                <a:spcPct val="90000"/>
-              </a:lnSpc>
-              <a:spcBef>
-                <a:spcPts val="200"/>
-              </a:spcBef>
-              <a:spcAft>
-                <a:spcPts val="400"/>
-              </a:spcAft>
-              <a:buClr>
-                <a:schemeClr val="accent1"/>
-              </a:buClr>
-              <a:buFont typeface="Calibri" pitchFamily="34" charset="0"/>
-              <a:buChar char="◦"/>
-              <a:defRPr sz="1400" kern="1200">
-                <a:solidFill>
-                  <a:schemeClr val="tx1">
-                    <a:lumMod val="75000"/>
-                    <a:lumOff val="25000"/>
-                  </a:schemeClr>
-                </a:solidFill>
-                <a:latin typeface="+mn-lt"/>
-                <a:ea typeface="+mn-ea"/>
-                <a:cs typeface="+mn-cs"/>
-              </a:defRPr>
-            </a:lvl6pPr>
-            <a:lvl7pPr marL="1300000" indent="-228600" algn="l" defTabSz="914400" rtl="0" eaLnBrk="1" latinLnBrk="0" hangingPunct="1">
-              <a:lnSpc>
-                <a:spcPct val="90000"/>
-              </a:lnSpc>
-              <a:spcBef>
-                <a:spcPts val="200"/>
-              </a:spcBef>
-              <a:spcAft>
-                <a:spcPts val="400"/>
-              </a:spcAft>
-              <a:buClr>
-                <a:schemeClr val="accent1"/>
-              </a:buClr>
-              <a:buFont typeface="Calibri" pitchFamily="34" charset="0"/>
-              <a:buChar char="◦"/>
-              <a:defRPr sz="1400" kern="1200">
-                <a:solidFill>
-                  <a:schemeClr val="tx1">
-                    <a:lumMod val="75000"/>
-                    <a:lumOff val="25000"/>
-                  </a:schemeClr>
-                </a:solidFill>
-                <a:latin typeface="+mn-lt"/>
-                <a:ea typeface="+mn-ea"/>
-                <a:cs typeface="+mn-cs"/>
-              </a:defRPr>
-            </a:lvl7pPr>
-            <a:lvl8pPr marL="1500000" indent="-228600" algn="l" defTabSz="914400" rtl="0" eaLnBrk="1" latinLnBrk="0" hangingPunct="1">
-              <a:lnSpc>
-                <a:spcPct val="90000"/>
-              </a:lnSpc>
-              <a:spcBef>
-                <a:spcPts val="200"/>
-              </a:spcBef>
-              <a:spcAft>
-                <a:spcPts val="400"/>
-              </a:spcAft>
-              <a:buClr>
-                <a:schemeClr val="accent1"/>
-              </a:buClr>
-              <a:buFont typeface="Calibri" pitchFamily="34" charset="0"/>
-              <a:buChar char="◦"/>
-              <a:defRPr sz="1400" kern="1200">
-                <a:solidFill>
-                  <a:schemeClr val="tx1">
-                    <a:lumMod val="75000"/>
-                    <a:lumOff val="25000"/>
-                  </a:schemeClr>
-                </a:solidFill>
-                <a:latin typeface="+mn-lt"/>
-                <a:ea typeface="+mn-ea"/>
-                <a:cs typeface="+mn-cs"/>
-              </a:defRPr>
-            </a:lvl8pPr>
-            <a:lvl9pPr marL="1700000" indent="-228600" algn="l" defTabSz="914400" rtl="0" eaLnBrk="1" latinLnBrk="0" hangingPunct="1">
-              <a:lnSpc>
-                <a:spcPct val="90000"/>
-              </a:lnSpc>
-              <a:spcBef>
-                <a:spcPts val="200"/>
-              </a:spcBef>
-              <a:spcAft>
-                <a:spcPts val="400"/>
-              </a:spcAft>
-              <a:buClr>
-                <a:schemeClr val="accent1"/>
-              </a:buClr>
-              <a:buFont typeface="Calibri" pitchFamily="34" charset="0"/>
-              <a:buChar char="◦"/>
-              <a:defRPr sz="1400" kern="1200">
-                <a:solidFill>
-                  <a:schemeClr val="tx1">
-                    <a:lumMod val="75000"/>
-                    <a:lumOff val="25000"/>
-                  </a:schemeClr>
-                </a:solidFill>
-                <a:latin typeface="+mn-lt"/>
-                <a:ea typeface="+mn-ea"/>
-                <a:cs typeface="+mn-cs"/>
-              </a:defRPr>
-            </a:lvl9pPr>
-          </a:lstStyle>
-          <a:p>
-            <a:pPr marL="0" indent="0">
-              <a:buNone/>
-            </a:pPr>
-            <a:r>
-              <a:rPr lang="en-US" sz="2400" b="1" dirty="0"/>
-              <a:t>Annotate ~200 queries </a:t>
-            </a:r>
-            <a:r>
-              <a:rPr lang="en-US" sz="2400" dirty="0"/>
-              <a:t>with corresponding </a:t>
-            </a:r>
-            <a:r>
-              <a:rPr lang="en-US" sz="2400" b="1" dirty="0"/>
-              <a:t>SQL-like logical forms</a:t>
-            </a:r>
-            <a:r>
-              <a:rPr lang="en-US" sz="2400" dirty="0"/>
-              <a:t> based on </a:t>
-            </a:r>
-            <a:r>
-              <a:rPr lang="en-US" sz="2400" dirty="0" err="1"/>
-              <a:t>Wikitable</a:t>
-            </a:r>
-            <a:r>
-              <a:rPr lang="en-US" sz="2400" dirty="0"/>
-              <a:t> queries; </a:t>
-            </a:r>
-            <a:r>
-              <a:rPr lang="en-US" sz="2400" b="1" dirty="0"/>
-              <a:t>Augment </a:t>
-            </a:r>
-            <a:r>
-              <a:rPr lang="en-US" sz="2400" b="1" dirty="0" smtClean="0"/>
-              <a:t>to ~4000 </a:t>
-            </a:r>
-            <a:r>
-              <a:rPr lang="en-US" sz="2400" b="1" dirty="0"/>
-              <a:t>queries</a:t>
-            </a:r>
-            <a:r>
-              <a:rPr lang="en-US" sz="2400" dirty="0"/>
-              <a:t> and corresponding logical forms.  </a:t>
-            </a:r>
-            <a:endParaRPr lang="en-US" sz="2400" dirty="0" smtClean="0"/>
-          </a:p>
-          <a:p>
-            <a:pPr lvl="1">
-              <a:buFont typeface="Wingdings" charset="2"/>
-              <a:buChar char="§"/>
-            </a:pPr>
-            <a:endParaRPr lang="en-US" sz="2000" dirty="0"/>
-          </a:p>
-          <a:p>
-            <a:pPr lvl="1">
-              <a:buFont typeface="Wingdings" charset="2"/>
-              <a:buChar char="§"/>
-            </a:pPr>
-            <a:r>
-              <a:rPr lang="en-US" sz="2200" dirty="0" smtClean="0"/>
-              <a:t>Field recombination </a:t>
-            </a:r>
-            <a:r>
-              <a:rPr lang="en-US" dirty="0" smtClean="0"/>
-              <a:t>(</a:t>
-            </a:r>
-            <a:r>
-              <a:rPr lang="en-US" dirty="0" err="1" smtClean="0"/>
-              <a:t>eg</a:t>
-            </a:r>
-            <a:r>
-              <a:rPr lang="en-US" dirty="0"/>
-              <a:t>. </a:t>
-            </a:r>
-            <a:r>
-              <a:rPr lang="en-US" dirty="0" err="1"/>
-              <a:t>argmax</a:t>
-            </a:r>
-            <a:r>
-              <a:rPr lang="en-US" dirty="0"/>
-              <a:t> Nation </a:t>
-            </a:r>
-            <a:r>
-              <a:rPr lang="en-US" b="1" dirty="0"/>
-              <a:t>Gold</a:t>
-            </a:r>
-            <a:r>
-              <a:rPr lang="en-US" dirty="0"/>
-              <a:t> -&gt; </a:t>
-            </a:r>
-            <a:r>
-              <a:rPr lang="en-US" dirty="0" err="1"/>
-              <a:t>argmax</a:t>
-            </a:r>
-            <a:r>
-              <a:rPr lang="en-US" dirty="0"/>
-              <a:t> Nation </a:t>
-            </a:r>
-            <a:r>
-              <a:rPr lang="en-US" b="1" dirty="0"/>
-              <a:t>Silver</a:t>
-            </a:r>
-            <a:r>
-              <a:rPr lang="en-US" dirty="0"/>
-              <a:t>) </a:t>
-            </a:r>
-            <a:endParaRPr lang="en-US" sz="2200" dirty="0"/>
-          </a:p>
-          <a:p>
-            <a:endParaRPr lang="en-US" dirty="0"/>
-          </a:p>
-          <a:p>
-            <a:pPr lvl="1">
-              <a:buFont typeface="Wingdings" charset="2"/>
-              <a:buChar char="§"/>
-            </a:pPr>
-            <a:r>
-              <a:rPr lang="en-US" sz="2200" dirty="0"/>
-              <a:t>Field value replacement </a:t>
-            </a:r>
-            <a:r>
-              <a:rPr lang="en-US" dirty="0" smtClean="0"/>
-              <a:t>(</a:t>
-            </a:r>
-            <a:r>
-              <a:rPr lang="en-US" dirty="0" err="1"/>
-              <a:t>eg</a:t>
-            </a:r>
-            <a:r>
-              <a:rPr lang="en-US" dirty="0"/>
-              <a:t>. where Nation equal </a:t>
-            </a:r>
-            <a:r>
-              <a:rPr lang="en-US" b="1" dirty="0"/>
-              <a:t>Romania</a:t>
-            </a:r>
-            <a:r>
-              <a:rPr lang="en-US" dirty="0"/>
-              <a:t> -&gt; where Nation equal </a:t>
-            </a:r>
-            <a:r>
-              <a:rPr lang="en-US" b="1" dirty="0"/>
-              <a:t>Spain</a:t>
-            </a:r>
-            <a:r>
-              <a:rPr lang="en-US" dirty="0" smtClean="0"/>
-              <a:t>)</a:t>
-            </a:r>
-          </a:p>
-          <a:p>
-            <a:r>
-              <a:rPr lang="en-US" dirty="0" smtClean="0"/>
-              <a:t> </a:t>
-            </a:r>
-            <a:endParaRPr lang="en-US" dirty="0"/>
-          </a:p>
-          <a:p>
-            <a:pPr lvl="1">
-              <a:buFont typeface="Wingdings" charset="2"/>
-              <a:buChar char="§"/>
-            </a:pPr>
-            <a:r>
-              <a:rPr lang="en-US" sz="2200" dirty="0"/>
-              <a:t>Synonyms replacement </a:t>
-            </a:r>
-            <a:r>
-              <a:rPr lang="en-US" dirty="0" smtClean="0"/>
-              <a:t>(</a:t>
-            </a:r>
-            <a:r>
-              <a:rPr lang="en-US" dirty="0" err="1" smtClean="0"/>
-              <a:t>eg</a:t>
-            </a:r>
-            <a:r>
-              <a:rPr lang="en-US" dirty="0"/>
-              <a:t>. which </a:t>
-            </a:r>
-            <a:r>
-              <a:rPr lang="en-US" b="1" dirty="0"/>
-              <a:t>nation</a:t>
-            </a:r>
-            <a:r>
-              <a:rPr lang="en-US" dirty="0"/>
-              <a:t> won -&gt; which </a:t>
-            </a:r>
-            <a:r>
-              <a:rPr lang="en-US" b="1" dirty="0"/>
-              <a:t>country</a:t>
-            </a:r>
-            <a:r>
-              <a:rPr lang="en-US" dirty="0"/>
-              <a:t> won</a:t>
-            </a:r>
-            <a:r>
-              <a:rPr lang="en-US" dirty="0" smtClean="0"/>
-              <a:t>)</a:t>
-            </a:r>
-          </a:p>
-          <a:p>
-            <a:pPr lvl="1">
-              <a:buFont typeface="Wingdings" charset="2"/>
-              <a:buChar char="§"/>
-            </a:pPr>
-            <a:endParaRPr lang="en-US" sz="2200" dirty="0" smtClean="0"/>
-          </a:p>
-          <a:p>
-            <a:pPr lvl="1">
-              <a:buFont typeface="Wingdings" charset="2"/>
-              <a:buChar char="§"/>
-            </a:pPr>
-            <a:endParaRPr lang="en-US" sz="2200" dirty="0"/>
-          </a:p>
-        </p:txBody>
-      </p:sp>
-    </p:spTree>
-    <p:extLst>
-      <p:ext uri="{BB962C8B-B14F-4D97-AF65-F5344CB8AC3E}">
-        <p14:creationId xmlns:p14="http://schemas.microsoft.com/office/powerpoint/2010/main" val="606612439"/>
-      </p:ext>
-    </p:extLst>
-  </p:cSld>
-  <p:clrMapOvr>
-    <a:masterClrMapping/>
-  </p:clrMapOvr>
-</p:sld>
-</file>
-
-<file path=ppt/slides/slide11.xml><?xml version="1.0" encoding="utf-8"?>
 <p:sld xmlns:a="http://schemas.openxmlformats.org/drawingml/2006/main" xmlns:r="http://schemas.openxmlformats.org/officeDocument/2006/relationships" xmlns:p="http://schemas.openxmlformats.org/presentationml/2006/main">
   <p:cSld>
     <p:spTree>
@@ -5682,6 +5337,66 @@
           </p:sp>
         </mc:Fallback>
       </mc:AlternateContent>
+      <p:sp>
+        <p:nvSpPr>
+          <p:cNvPr id="6" name="TextBox 5"/>
+          <p:cNvSpPr txBox="1"/>
+          <p:nvPr/>
+        </p:nvSpPr>
+        <p:spPr>
+          <a:xfrm>
+            <a:off x="1034321" y="4759211"/>
+            <a:ext cx="1289154" cy="461665"/>
+          </a:xfrm>
+          <a:prstGeom prst="rect">
+            <a:avLst/>
+          </a:prstGeom>
+          <a:noFill/>
+        </p:spPr>
+        <p:txBody>
+          <a:bodyPr wrap="square" rtlCol="0">
+            <a:spAutoFit/>
+          </a:bodyPr>
+          <a:lstStyle/>
+          <a:p>
+            <a:r>
+              <a:rPr lang="en-US" sz="2400" b="1" dirty="0" smtClean="0"/>
+              <a:t>Encoder</a:t>
+            </a:r>
+            <a:endParaRPr lang="en-US" sz="2400" b="1" dirty="0"/>
+          </a:p>
+        </p:txBody>
+      </p:sp>
+      <p:sp>
+        <p:nvSpPr>
+          <p:cNvPr id="7" name="TextBox 6"/>
+          <p:cNvSpPr txBox="1"/>
+          <p:nvPr/>
+        </p:nvSpPr>
+        <p:spPr>
+          <a:xfrm>
+            <a:off x="7362669" y="4729231"/>
+            <a:ext cx="1289154" cy="461665"/>
+          </a:xfrm>
+          <a:prstGeom prst="rect">
+            <a:avLst/>
+          </a:prstGeom>
+          <a:noFill/>
+        </p:spPr>
+        <p:txBody>
+          <a:bodyPr wrap="square" rtlCol="0">
+            <a:spAutoFit/>
+          </a:bodyPr>
+          <a:lstStyle/>
+          <a:p>
+            <a:r>
+              <a:rPr lang="en-US" sz="2400" b="1" dirty="0" smtClean="0"/>
+              <a:t>Decoder</a:t>
+            </a:r>
+            <a:endParaRPr lang="en-US" sz="2400" b="1" dirty="0"/>
+          </a:p>
+        </p:txBody>
+      </p:sp>
     </p:spTree>
     <p:extLst>
       <p:ext uri="{BB962C8B-B14F-4D97-AF65-F5344CB8AC3E}">
@@ -5692,10 +5407,1067 @@
   <p:clrMapOvr>
     <a:masterClrMapping/>
   </p:clrMapOvr>
+  <p:timing>
+    <p:tnLst>
+      <p:par>
+        <p:cTn id="1" dur="indefinite" restart="never" nodeType="tmRoot"/>
+      </p:par>
+    </p:tnLst>
+  </p:timing>
+</p:sld>
+</file>
+
+<file path=ppt/slides/slide11.xml><?xml version="1.0" encoding="utf-8"?>
+<p:sld xmlns:a="http://schemas.openxmlformats.org/drawingml/2006/main" xmlns:r="http://schemas.openxmlformats.org/officeDocument/2006/relationships" xmlns:p="http://schemas.openxmlformats.org/presentationml/2006/main">
+  <p:cSld>
+    <p:spTree>
+      <p:nvGrpSpPr>
+        <p:cNvPr id="1" name=""/>
+        <p:cNvGrpSpPr/>
+        <p:nvPr/>
+      </p:nvGrpSpPr>
+      <p:grpSpPr>
+        <a:xfrm>
+          <a:off x="0" y="0"/>
+          <a:ext cx="0" cy="0"/>
+          <a:chOff x="0" y="0"/>
+          <a:chExt cx="0" cy="0"/>
+        </a:xfrm>
+      </p:grpSpPr>
+      <p:pic>
+        <p:nvPicPr>
+          <p:cNvPr id="5" name="Picture 4"/>
+          <p:cNvPicPr>
+            <a:picLocks noChangeAspect="1"/>
+          </p:cNvPicPr>
+          <p:nvPr/>
+        </p:nvPicPr>
+        <p:blipFill>
+          <a:blip r:embed="rId3"/>
+          <a:stretch>
+            <a:fillRect/>
+          </a:stretch>
+        </p:blipFill>
+        <p:spPr>
+          <a:xfrm>
+            <a:off x="1073426" y="2031540"/>
+            <a:ext cx="6781564" cy="4024312"/>
+          </a:xfrm>
+          <a:prstGeom prst="rect">
+            <a:avLst/>
+          </a:prstGeom>
+        </p:spPr>
+      </p:pic>
+      <p:sp>
+        <p:nvSpPr>
+          <p:cNvPr id="6" name="Title 5"/>
+          <p:cNvSpPr>
+            <a:spLocks noGrp="1"/>
+          </p:cNvSpPr>
+          <p:nvPr>
+            <p:ph type="title"/>
+          </p:nvPr>
+        </p:nvSpPr>
+        <p:spPr/>
+        <p:txBody>
+          <a:bodyPr/>
+          <a:lstStyle/>
+          <a:p>
+            <a:r>
+              <a:rPr lang="en-US" dirty="0" smtClean="0"/>
+              <a:t>SQL-like logical forms</a:t>
+            </a:r>
+            <a:endParaRPr lang="en-US" dirty="0"/>
+          </a:p>
+        </p:txBody>
+      </p:sp>
+      <p:sp>
+        <p:nvSpPr>
+          <p:cNvPr id="7" name="Rectangle 6"/>
+          <p:cNvSpPr/>
+          <p:nvPr/>
+        </p:nvSpPr>
+        <p:spPr>
+          <a:xfrm>
+            <a:off x="822960" y="1903751"/>
+            <a:ext cx="7196778" cy="1139252"/>
+          </a:xfrm>
+          <a:prstGeom prst="rect">
+            <a:avLst/>
+          </a:prstGeom>
+          <a:ln>
+            <a:noFill/>
+          </a:ln>
+        </p:spPr>
+        <p:style>
+          <a:lnRef idx="2">
+            <a:schemeClr val="accent6"/>
+          </a:lnRef>
+          <a:fillRef idx="1">
+            <a:schemeClr val="lt1"/>
+          </a:fillRef>
+          <a:effectRef idx="0">
+            <a:schemeClr val="accent6"/>
+          </a:effectRef>
+          <a:fontRef idx="minor">
+            <a:schemeClr val="dk1"/>
+          </a:fontRef>
+        </p:style>
+        <p:txBody>
+          <a:bodyPr rtlCol="0" anchor="ctr"/>
+          <a:lstStyle/>
+          <a:p>
+            <a:pPr algn="ctr"/>
+            <a:endParaRPr lang="en-US"/>
+          </a:p>
+        </p:txBody>
+      </p:sp>
+      <p:sp>
+        <p:nvSpPr>
+          <p:cNvPr id="8" name="Rectangle 7"/>
+          <p:cNvSpPr/>
+          <p:nvPr/>
+        </p:nvSpPr>
+        <p:spPr>
+          <a:xfrm>
+            <a:off x="865819" y="3043002"/>
+            <a:ext cx="7196778" cy="3162925"/>
+          </a:xfrm>
+          <a:prstGeom prst="rect">
+            <a:avLst/>
+          </a:prstGeom>
+          <a:ln>
+            <a:noFill/>
+          </a:ln>
+        </p:spPr>
+        <p:style>
+          <a:lnRef idx="2">
+            <a:schemeClr val="accent6"/>
+          </a:lnRef>
+          <a:fillRef idx="1">
+            <a:schemeClr val="lt1"/>
+          </a:fillRef>
+          <a:effectRef idx="0">
+            <a:schemeClr val="accent6"/>
+          </a:effectRef>
+          <a:fontRef idx="minor">
+            <a:schemeClr val="dk1"/>
+          </a:fontRef>
+        </p:style>
+        <p:txBody>
+          <a:bodyPr rtlCol="0" anchor="ctr"/>
+          <a:lstStyle/>
+          <a:p>
+            <a:pPr algn="ctr"/>
+            <a:endParaRPr lang="en-US"/>
+          </a:p>
+        </p:txBody>
+      </p:sp>
+    </p:spTree>
+    <p:extLst>
+      <p:ext uri="{BB962C8B-B14F-4D97-AF65-F5344CB8AC3E}">
+        <p14:creationId xmlns:p14="http://schemas.microsoft.com/office/powerpoint/2010/main" val="838298693"/>
+      </p:ext>
+    </p:extLst>
+  </p:cSld>
+  <p:clrMapOvr>
+    <a:masterClrMapping/>
+  </p:clrMapOvr>
+  <p:timing>
+    <p:tnLst>
+      <p:par>
+        <p:cTn id="1" dur="indefinite" restart="never" nodeType="tmRoot">
+          <p:childTnLst>
+            <p:seq concurrent="1" nextAc="seek">
+              <p:cTn id="2" dur="indefinite" nodeType="mainSeq">
+                <p:childTnLst>
+                  <p:par>
+                    <p:cTn id="3" fill="hold">
+                      <p:stCondLst>
+                        <p:cond delay="indefinite"/>
+                      </p:stCondLst>
+                      <p:childTnLst>
+                        <p:par>
+                          <p:cTn id="4" fill="hold">
+                            <p:stCondLst>
+                              <p:cond delay="0"/>
+                            </p:stCondLst>
+                            <p:childTnLst>
+                              <p:par>
+                                <p:cTn id="5" presetID="14" presetClass="exit" presetSubtype="10" fill="hold" grpId="0" nodeType="clickEffect">
+                                  <p:stCondLst>
+                                    <p:cond delay="0"/>
+                                  </p:stCondLst>
+                                  <p:childTnLst>
+                                    <p:animEffect transition="out" filter="randombar(horizontal)">
+                                      <p:cBhvr>
+                                        <p:cTn id="6" dur="500"/>
+                                        <p:tgtEl>
+                                          <p:spTgt spid="7"/>
+                                        </p:tgtEl>
+                                      </p:cBhvr>
+                                    </p:animEffect>
+                                    <p:set>
+                                      <p:cBhvr>
+                                        <p:cTn id="7" dur="1" fill="hold">
+                                          <p:stCondLst>
+                                            <p:cond delay="499"/>
+                                          </p:stCondLst>
+                                        </p:cTn>
+                                        <p:tgtEl>
+                                          <p:spTgt spid="7"/>
+                                        </p:tgtEl>
+                                        <p:attrNameLst>
+                                          <p:attrName>style.visibility</p:attrName>
+                                        </p:attrNameLst>
+                                      </p:cBhvr>
+                                      <p:to>
+                                        <p:strVal val="hidden"/>
+                                      </p:to>
+                                    </p:set>
+                                  </p:childTnLst>
+                                </p:cTn>
+                              </p:par>
+                            </p:childTnLst>
+                          </p:cTn>
+                        </p:par>
+                      </p:childTnLst>
+                    </p:cTn>
+                  </p:par>
+                  <p:par>
+                    <p:cTn id="8" fill="hold">
+                      <p:stCondLst>
+                        <p:cond delay="indefinite"/>
+                      </p:stCondLst>
+                      <p:childTnLst>
+                        <p:par>
+                          <p:cTn id="9" fill="hold">
+                            <p:stCondLst>
+                              <p:cond delay="0"/>
+                            </p:stCondLst>
+                            <p:childTnLst>
+                              <p:par>
+                                <p:cTn id="10" presetID="14" presetClass="exit" presetSubtype="10" fill="hold" grpId="0" nodeType="clickEffect">
+                                  <p:stCondLst>
+                                    <p:cond delay="0"/>
+                                  </p:stCondLst>
+                                  <p:childTnLst>
+                                    <p:animEffect transition="out" filter="randombar(horizontal)">
+                                      <p:cBhvr>
+                                        <p:cTn id="11" dur="500"/>
+                                        <p:tgtEl>
+                                          <p:spTgt spid="8"/>
+                                        </p:tgtEl>
+                                      </p:cBhvr>
+                                    </p:animEffect>
+                                    <p:set>
+                                      <p:cBhvr>
+                                        <p:cTn id="12" dur="1" fill="hold">
+                                          <p:stCondLst>
+                                            <p:cond delay="499"/>
+                                          </p:stCondLst>
+                                        </p:cTn>
+                                        <p:tgtEl>
+                                          <p:spTgt spid="8"/>
+                                        </p:tgtEl>
+                                        <p:attrNameLst>
+                                          <p:attrName>style.visibility</p:attrName>
+                                        </p:attrNameLst>
+                                      </p:cBhvr>
+                                      <p:to>
+                                        <p:strVal val="hidden"/>
+                                      </p:to>
+                                    </p:set>
+                                  </p:childTnLst>
+                                </p:cTn>
+                              </p:par>
+                            </p:childTnLst>
+                          </p:cTn>
+                        </p:par>
+                      </p:childTnLst>
+                    </p:cTn>
+                  </p:par>
+                </p:childTnLst>
+              </p:cTn>
+              <p:prevCondLst>
+                <p:cond evt="onPrev" delay="0">
+                  <p:tgtEl>
+                    <p:sldTgt/>
+                  </p:tgtEl>
+                </p:cond>
+              </p:prevCondLst>
+              <p:nextCondLst>
+                <p:cond evt="onNext" delay="0">
+                  <p:tgtEl>
+                    <p:sldTgt/>
+                  </p:tgtEl>
+                </p:cond>
+              </p:nextCondLst>
+            </p:seq>
+          </p:childTnLst>
+        </p:cTn>
+      </p:par>
+    </p:tnLst>
+    <p:bldLst>
+      <p:bldP spid="7" grpId="0" animBg="1"/>
+      <p:bldP spid="8" grpId="0" animBg="1"/>
+    </p:bldLst>
+  </p:timing>
 </p:sld>
 </file>
 
 <file path=ppt/slides/slide12.xml><?xml version="1.0" encoding="utf-8"?>
+<p:sld xmlns:a="http://schemas.openxmlformats.org/drawingml/2006/main" xmlns:r="http://schemas.openxmlformats.org/officeDocument/2006/relationships" xmlns:p="http://schemas.openxmlformats.org/presentationml/2006/main">
+  <p:cSld>
+    <p:spTree>
+      <p:nvGrpSpPr>
+        <p:cNvPr id="1" name=""/>
+        <p:cNvGrpSpPr/>
+        <p:nvPr/>
+      </p:nvGrpSpPr>
+      <p:grpSpPr>
+        <a:xfrm>
+          <a:off x="0" y="0"/>
+          <a:ext cx="0" cy="0"/>
+          <a:chOff x="0" y="0"/>
+          <a:chExt cx="0" cy="0"/>
+        </a:xfrm>
+      </p:grpSpPr>
+      <p:sp>
+        <p:nvSpPr>
+          <p:cNvPr id="6" name="Title 5"/>
+          <p:cNvSpPr>
+            <a:spLocks noGrp="1"/>
+          </p:cNvSpPr>
+          <p:nvPr>
+            <p:ph type="title"/>
+          </p:nvPr>
+        </p:nvSpPr>
+        <p:spPr/>
+        <p:txBody>
+          <a:bodyPr/>
+          <a:lstStyle/>
+          <a:p>
+            <a:r>
+              <a:rPr lang="en-US" dirty="0" smtClean="0"/>
+              <a:t>Data augmentation [5,6]</a:t>
+            </a:r>
+            <a:endParaRPr lang="en-US" dirty="0"/>
+          </a:p>
+        </p:txBody>
+      </p:sp>
+      <p:sp>
+        <p:nvSpPr>
+          <p:cNvPr id="4" name="Content Placeholder 2"/>
+          <p:cNvSpPr txBox="1">
+            <a:spLocks/>
+          </p:cNvSpPr>
+          <p:nvPr/>
+        </p:nvSpPr>
+        <p:spPr>
+          <a:xfrm>
+            <a:off x="822959" y="1845734"/>
+            <a:ext cx="7543801" cy="4023360"/>
+          </a:xfrm>
+          <a:prstGeom prst="rect">
+            <a:avLst/>
+          </a:prstGeom>
+        </p:spPr>
+        <p:txBody>
+          <a:bodyPr>
+            <a:normAutofit/>
+          </a:bodyPr>
+          <a:lstStyle>
+            <a:lvl1pPr marL="91440" indent="-91440" algn="l" defTabSz="914400" rtl="0" eaLnBrk="1" latinLnBrk="0" hangingPunct="1">
+              <a:lnSpc>
+                <a:spcPct val="90000"/>
+              </a:lnSpc>
+              <a:spcBef>
+                <a:spcPts val="1200"/>
+              </a:spcBef>
+              <a:spcAft>
+                <a:spcPts val="200"/>
+              </a:spcAft>
+              <a:buClr>
+                <a:schemeClr val="accent1"/>
+              </a:buClr>
+              <a:buSzPct val="100000"/>
+              <a:buFont typeface="Calibri" panose="020F0502020204030204" pitchFamily="34" charset="0"/>
+              <a:buChar char=" "/>
+              <a:defRPr sz="2000" kern="1200">
+                <a:solidFill>
+                  <a:schemeClr val="tx1">
+                    <a:lumMod val="75000"/>
+                    <a:lumOff val="25000"/>
+                  </a:schemeClr>
+                </a:solidFill>
+                <a:latin typeface="+mn-lt"/>
+                <a:ea typeface="+mn-ea"/>
+                <a:cs typeface="+mn-cs"/>
+              </a:defRPr>
+            </a:lvl1pPr>
+            <a:lvl2pPr marL="384048" indent="-182880" algn="l" defTabSz="914400" rtl="0" eaLnBrk="1" latinLnBrk="0" hangingPunct="1">
+              <a:lnSpc>
+                <a:spcPct val="90000"/>
+              </a:lnSpc>
+              <a:spcBef>
+                <a:spcPts val="200"/>
+              </a:spcBef>
+              <a:spcAft>
+                <a:spcPts val="400"/>
+              </a:spcAft>
+              <a:buClr>
+                <a:schemeClr val="accent1"/>
+              </a:buClr>
+              <a:buFont typeface="Calibri" pitchFamily="34" charset="0"/>
+              <a:buChar char="◦"/>
+              <a:defRPr sz="1800" kern="1200">
+                <a:solidFill>
+                  <a:schemeClr val="tx1">
+                    <a:lumMod val="75000"/>
+                    <a:lumOff val="25000"/>
+                  </a:schemeClr>
+                </a:solidFill>
+                <a:latin typeface="+mn-lt"/>
+                <a:ea typeface="+mn-ea"/>
+                <a:cs typeface="+mn-cs"/>
+              </a:defRPr>
+            </a:lvl2pPr>
+            <a:lvl3pPr marL="566928" indent="-182880" algn="l" defTabSz="914400" rtl="0" eaLnBrk="1" latinLnBrk="0" hangingPunct="1">
+              <a:lnSpc>
+                <a:spcPct val="90000"/>
+              </a:lnSpc>
+              <a:spcBef>
+                <a:spcPts val="200"/>
+              </a:spcBef>
+              <a:spcAft>
+                <a:spcPts val="400"/>
+              </a:spcAft>
+              <a:buClr>
+                <a:schemeClr val="accent1"/>
+              </a:buClr>
+              <a:buFont typeface="Calibri" pitchFamily="34" charset="0"/>
+              <a:buChar char="◦"/>
+              <a:defRPr sz="1400" kern="1200">
+                <a:solidFill>
+                  <a:schemeClr val="tx1">
+                    <a:lumMod val="75000"/>
+                    <a:lumOff val="25000"/>
+                  </a:schemeClr>
+                </a:solidFill>
+                <a:latin typeface="+mn-lt"/>
+                <a:ea typeface="+mn-ea"/>
+                <a:cs typeface="+mn-cs"/>
+              </a:defRPr>
+            </a:lvl3pPr>
+            <a:lvl4pPr marL="749808" indent="-182880" algn="l" defTabSz="914400" rtl="0" eaLnBrk="1" latinLnBrk="0" hangingPunct="1">
+              <a:lnSpc>
+                <a:spcPct val="90000"/>
+              </a:lnSpc>
+              <a:spcBef>
+                <a:spcPts val="200"/>
+              </a:spcBef>
+              <a:spcAft>
+                <a:spcPts val="400"/>
+              </a:spcAft>
+              <a:buClr>
+                <a:schemeClr val="accent1"/>
+              </a:buClr>
+              <a:buFont typeface="Calibri" pitchFamily="34" charset="0"/>
+              <a:buChar char="◦"/>
+              <a:defRPr sz="1400" kern="1200">
+                <a:solidFill>
+                  <a:schemeClr val="tx1">
+                    <a:lumMod val="75000"/>
+                    <a:lumOff val="25000"/>
+                  </a:schemeClr>
+                </a:solidFill>
+                <a:latin typeface="+mn-lt"/>
+                <a:ea typeface="+mn-ea"/>
+                <a:cs typeface="+mn-cs"/>
+              </a:defRPr>
+            </a:lvl4pPr>
+            <a:lvl5pPr marL="932688" indent="-182880" algn="l" defTabSz="914400" rtl="0" eaLnBrk="1" latinLnBrk="0" hangingPunct="1">
+              <a:lnSpc>
+                <a:spcPct val="90000"/>
+              </a:lnSpc>
+              <a:spcBef>
+                <a:spcPts val="200"/>
+              </a:spcBef>
+              <a:spcAft>
+                <a:spcPts val="400"/>
+              </a:spcAft>
+              <a:buClr>
+                <a:schemeClr val="accent1"/>
+              </a:buClr>
+              <a:buFont typeface="Calibri" pitchFamily="34" charset="0"/>
+              <a:buChar char="◦"/>
+              <a:defRPr sz="1400" kern="1200">
+                <a:solidFill>
+                  <a:schemeClr val="tx1">
+                    <a:lumMod val="75000"/>
+                    <a:lumOff val="25000"/>
+                  </a:schemeClr>
+                </a:solidFill>
+                <a:latin typeface="+mn-lt"/>
+                <a:ea typeface="+mn-ea"/>
+                <a:cs typeface="+mn-cs"/>
+              </a:defRPr>
+            </a:lvl5pPr>
+            <a:lvl6pPr marL="1100000" indent="-228600" algn="l" defTabSz="914400" rtl="0" eaLnBrk="1" latinLnBrk="0" hangingPunct="1">
+              <a:lnSpc>
+                <a:spcPct val="90000"/>
+              </a:lnSpc>
+              <a:spcBef>
+                <a:spcPts val="200"/>
+              </a:spcBef>
+              <a:spcAft>
+                <a:spcPts val="400"/>
+              </a:spcAft>
+              <a:buClr>
+                <a:schemeClr val="accent1"/>
+              </a:buClr>
+              <a:buFont typeface="Calibri" pitchFamily="34" charset="0"/>
+              <a:buChar char="◦"/>
+              <a:defRPr sz="1400" kern="1200">
+                <a:solidFill>
+                  <a:schemeClr val="tx1">
+                    <a:lumMod val="75000"/>
+                    <a:lumOff val="25000"/>
+                  </a:schemeClr>
+                </a:solidFill>
+                <a:latin typeface="+mn-lt"/>
+                <a:ea typeface="+mn-ea"/>
+                <a:cs typeface="+mn-cs"/>
+              </a:defRPr>
+            </a:lvl6pPr>
+            <a:lvl7pPr marL="1300000" indent="-228600" algn="l" defTabSz="914400" rtl="0" eaLnBrk="1" latinLnBrk="0" hangingPunct="1">
+              <a:lnSpc>
+                <a:spcPct val="90000"/>
+              </a:lnSpc>
+              <a:spcBef>
+                <a:spcPts val="200"/>
+              </a:spcBef>
+              <a:spcAft>
+                <a:spcPts val="400"/>
+              </a:spcAft>
+              <a:buClr>
+                <a:schemeClr val="accent1"/>
+              </a:buClr>
+              <a:buFont typeface="Calibri" pitchFamily="34" charset="0"/>
+              <a:buChar char="◦"/>
+              <a:defRPr sz="1400" kern="1200">
+                <a:solidFill>
+                  <a:schemeClr val="tx1">
+                    <a:lumMod val="75000"/>
+                    <a:lumOff val="25000"/>
+                  </a:schemeClr>
+                </a:solidFill>
+                <a:latin typeface="+mn-lt"/>
+                <a:ea typeface="+mn-ea"/>
+                <a:cs typeface="+mn-cs"/>
+              </a:defRPr>
+            </a:lvl7pPr>
+            <a:lvl8pPr marL="1500000" indent="-228600" algn="l" defTabSz="914400" rtl="0" eaLnBrk="1" latinLnBrk="0" hangingPunct="1">
+              <a:lnSpc>
+                <a:spcPct val="90000"/>
+              </a:lnSpc>
+              <a:spcBef>
+                <a:spcPts val="200"/>
+              </a:spcBef>
+              <a:spcAft>
+                <a:spcPts val="400"/>
+              </a:spcAft>
+              <a:buClr>
+                <a:schemeClr val="accent1"/>
+              </a:buClr>
+              <a:buFont typeface="Calibri" pitchFamily="34" charset="0"/>
+              <a:buChar char="◦"/>
+              <a:defRPr sz="1400" kern="1200">
+                <a:solidFill>
+                  <a:schemeClr val="tx1">
+                    <a:lumMod val="75000"/>
+                    <a:lumOff val="25000"/>
+                  </a:schemeClr>
+                </a:solidFill>
+                <a:latin typeface="+mn-lt"/>
+                <a:ea typeface="+mn-ea"/>
+                <a:cs typeface="+mn-cs"/>
+              </a:defRPr>
+            </a:lvl8pPr>
+            <a:lvl9pPr marL="1700000" indent="-228600" algn="l" defTabSz="914400" rtl="0" eaLnBrk="1" latinLnBrk="0" hangingPunct="1">
+              <a:lnSpc>
+                <a:spcPct val="90000"/>
+              </a:lnSpc>
+              <a:spcBef>
+                <a:spcPts val="200"/>
+              </a:spcBef>
+              <a:spcAft>
+                <a:spcPts val="400"/>
+              </a:spcAft>
+              <a:buClr>
+                <a:schemeClr val="accent1"/>
+              </a:buClr>
+              <a:buFont typeface="Calibri" pitchFamily="34" charset="0"/>
+              <a:buChar char="◦"/>
+              <a:defRPr sz="1400" kern="1200">
+                <a:solidFill>
+                  <a:schemeClr val="tx1">
+                    <a:lumMod val="75000"/>
+                    <a:lumOff val="25000"/>
+                  </a:schemeClr>
+                </a:solidFill>
+                <a:latin typeface="+mn-lt"/>
+                <a:ea typeface="+mn-ea"/>
+                <a:cs typeface="+mn-cs"/>
+              </a:defRPr>
+            </a:lvl9pPr>
+          </a:lstStyle>
+          <a:p>
+            <a:pPr marL="0" indent="0">
+              <a:buNone/>
+            </a:pPr>
+            <a:r>
+              <a:rPr lang="en-US" sz="2400" b="1" dirty="0"/>
+              <a:t>Annotate ~200 queries </a:t>
+            </a:r>
+            <a:r>
+              <a:rPr lang="en-US" sz="2400" dirty="0"/>
+              <a:t>with corresponding </a:t>
+            </a:r>
+            <a:r>
+              <a:rPr lang="en-US" sz="2400" b="1" dirty="0" smtClean="0"/>
+              <a:t>16 SQL-like </a:t>
+            </a:r>
+            <a:r>
+              <a:rPr lang="en-US" sz="2400" b="1" dirty="0"/>
+              <a:t>logical forms</a:t>
+            </a:r>
+            <a:r>
+              <a:rPr lang="en-US" sz="2400" dirty="0"/>
+              <a:t> based on </a:t>
+            </a:r>
+            <a:r>
+              <a:rPr lang="en-US" sz="2400" dirty="0" err="1"/>
+              <a:t>Wikitable</a:t>
+            </a:r>
+            <a:r>
+              <a:rPr lang="en-US" sz="2400" dirty="0"/>
+              <a:t> queries; </a:t>
+            </a:r>
+            <a:r>
+              <a:rPr lang="en-US" sz="2400" b="1" dirty="0"/>
+              <a:t>Augment </a:t>
+            </a:r>
+            <a:r>
+              <a:rPr lang="en-US" sz="2400" b="1" dirty="0" smtClean="0"/>
+              <a:t>to ~4000 </a:t>
+            </a:r>
+            <a:r>
+              <a:rPr lang="en-US" sz="2400" b="1" dirty="0"/>
+              <a:t>queries</a:t>
+            </a:r>
+            <a:r>
+              <a:rPr lang="en-US" sz="2400" dirty="0"/>
+              <a:t> and corresponding logical forms.  </a:t>
+            </a:r>
+            <a:endParaRPr lang="en-US" sz="2400" dirty="0" smtClean="0"/>
+          </a:p>
+          <a:p>
+            <a:pPr lvl="1">
+              <a:buFont typeface="Wingdings" charset="2"/>
+              <a:buChar char="§"/>
+            </a:pPr>
+            <a:endParaRPr lang="en-US" sz="2000" dirty="0"/>
+          </a:p>
+          <a:p>
+            <a:pPr lvl="1">
+              <a:buFont typeface="Wingdings" charset="2"/>
+              <a:buChar char="§"/>
+            </a:pPr>
+            <a:r>
+              <a:rPr lang="en-US" sz="2200" dirty="0" smtClean="0"/>
+              <a:t>Field recombination </a:t>
+            </a:r>
+            <a:r>
+              <a:rPr lang="en-US" dirty="0" smtClean="0"/>
+              <a:t>(</a:t>
+            </a:r>
+            <a:r>
+              <a:rPr lang="en-US" dirty="0" err="1" smtClean="0"/>
+              <a:t>eg</a:t>
+            </a:r>
+            <a:r>
+              <a:rPr lang="en-US" dirty="0"/>
+              <a:t>. </a:t>
+            </a:r>
+            <a:r>
+              <a:rPr lang="en-US" dirty="0" err="1"/>
+              <a:t>argmax</a:t>
+            </a:r>
+            <a:r>
+              <a:rPr lang="en-US" dirty="0"/>
+              <a:t> Nation </a:t>
+            </a:r>
+            <a:r>
+              <a:rPr lang="en-US" b="1" dirty="0"/>
+              <a:t>Gold</a:t>
+            </a:r>
+            <a:r>
+              <a:rPr lang="en-US" dirty="0"/>
+              <a:t> -&gt; </a:t>
+            </a:r>
+            <a:r>
+              <a:rPr lang="en-US" dirty="0" err="1"/>
+              <a:t>argmax</a:t>
+            </a:r>
+            <a:r>
+              <a:rPr lang="en-US" dirty="0"/>
+              <a:t> Nation </a:t>
+            </a:r>
+            <a:r>
+              <a:rPr lang="en-US" b="1" dirty="0"/>
+              <a:t>Silver</a:t>
+            </a:r>
+            <a:r>
+              <a:rPr lang="en-US" dirty="0"/>
+              <a:t>) </a:t>
+            </a:r>
+            <a:endParaRPr lang="en-US" sz="2200" dirty="0"/>
+          </a:p>
+          <a:p>
+            <a:endParaRPr lang="en-US" dirty="0"/>
+          </a:p>
+          <a:p>
+            <a:pPr lvl="1">
+              <a:buFont typeface="Wingdings" charset="2"/>
+              <a:buChar char="§"/>
+            </a:pPr>
+            <a:r>
+              <a:rPr lang="en-US" sz="2200" dirty="0"/>
+              <a:t>Field value replacement </a:t>
+            </a:r>
+            <a:r>
+              <a:rPr lang="en-US" dirty="0" smtClean="0"/>
+              <a:t>(</a:t>
+            </a:r>
+            <a:r>
+              <a:rPr lang="en-US" dirty="0" err="1"/>
+              <a:t>eg</a:t>
+            </a:r>
+            <a:r>
+              <a:rPr lang="en-US" dirty="0"/>
+              <a:t>. where Nation equal </a:t>
+            </a:r>
+            <a:r>
+              <a:rPr lang="en-US" b="1" dirty="0"/>
+              <a:t>Romania</a:t>
+            </a:r>
+            <a:r>
+              <a:rPr lang="en-US" dirty="0"/>
+              <a:t> -&gt; where Nation equal </a:t>
+            </a:r>
+            <a:r>
+              <a:rPr lang="en-US" b="1" dirty="0"/>
+              <a:t>Spain</a:t>
+            </a:r>
+            <a:r>
+              <a:rPr lang="en-US" dirty="0" smtClean="0"/>
+              <a:t>)</a:t>
+            </a:r>
+          </a:p>
+          <a:p>
+            <a:r>
+              <a:rPr lang="en-US" dirty="0" smtClean="0"/>
+              <a:t> </a:t>
+            </a:r>
+            <a:endParaRPr lang="en-US" dirty="0"/>
+          </a:p>
+          <a:p>
+            <a:pPr lvl="1">
+              <a:buFont typeface="Wingdings" charset="2"/>
+              <a:buChar char="§"/>
+            </a:pPr>
+            <a:r>
+              <a:rPr lang="en-US" sz="2200" dirty="0"/>
+              <a:t>Synonyms replacement </a:t>
+            </a:r>
+            <a:r>
+              <a:rPr lang="en-US" dirty="0" smtClean="0"/>
+              <a:t>(</a:t>
+            </a:r>
+            <a:r>
+              <a:rPr lang="en-US" dirty="0" err="1" smtClean="0"/>
+              <a:t>eg</a:t>
+            </a:r>
+            <a:r>
+              <a:rPr lang="en-US" dirty="0"/>
+              <a:t>. which </a:t>
+            </a:r>
+            <a:r>
+              <a:rPr lang="en-US" b="1" dirty="0"/>
+              <a:t>nation</a:t>
+            </a:r>
+            <a:r>
+              <a:rPr lang="en-US" dirty="0"/>
+              <a:t> won -&gt; which </a:t>
+            </a:r>
+            <a:r>
+              <a:rPr lang="en-US" b="1" dirty="0"/>
+              <a:t>country</a:t>
+            </a:r>
+            <a:r>
+              <a:rPr lang="en-US" dirty="0"/>
+              <a:t> won</a:t>
+            </a:r>
+            <a:r>
+              <a:rPr lang="en-US" dirty="0" smtClean="0"/>
+              <a:t>)</a:t>
+            </a:r>
+          </a:p>
+          <a:p>
+            <a:pPr lvl="1">
+              <a:buFont typeface="Wingdings" charset="2"/>
+              <a:buChar char="§"/>
+            </a:pPr>
+            <a:endParaRPr lang="en-US" sz="2200" dirty="0" smtClean="0"/>
+          </a:p>
+          <a:p>
+            <a:pPr lvl="1">
+              <a:buFont typeface="Wingdings" charset="2"/>
+              <a:buChar char="§"/>
+            </a:pPr>
+            <a:endParaRPr lang="en-US" sz="2200" dirty="0"/>
+          </a:p>
+        </p:txBody>
+      </p:sp>
+    </p:spTree>
+    <p:extLst>
+      <p:ext uri="{BB962C8B-B14F-4D97-AF65-F5344CB8AC3E}">
+        <p14:creationId xmlns:p14="http://schemas.microsoft.com/office/powerpoint/2010/main" val="606612439"/>
+      </p:ext>
+    </p:extLst>
+  </p:cSld>
+  <p:clrMapOvr>
+    <a:masterClrMapping/>
+  </p:clrMapOvr>
+  <p:timing>
+    <p:tnLst>
+      <p:par>
+        <p:cTn id="1" dur="indefinite" restart="never" nodeType="tmRoot">
+          <p:childTnLst>
+            <p:seq concurrent="1" nextAc="seek">
+              <p:cTn id="2" dur="indefinite" nodeType="mainSeq">
+                <p:childTnLst>
+                  <p:par>
+                    <p:cTn id="3" fill="hold">
+                      <p:stCondLst>
+                        <p:cond delay="indefinite"/>
+                      </p:stCondLst>
+                      <p:childTnLst>
+                        <p:par>
+                          <p:cTn id="4" fill="hold">
+                            <p:stCondLst>
+                              <p:cond delay="0"/>
+                            </p:stCondLst>
+                            <p:childTnLst>
+                              <p:par>
+                                <p:cTn id="5" presetID="14" presetClass="entr" presetSubtype="10" fill="hold" nodeType="clickEffect">
+                                  <p:stCondLst>
+                                    <p:cond delay="0"/>
+                                  </p:stCondLst>
+                                  <p:childTnLst>
+                                    <p:set>
+                                      <p:cBhvr>
+                                        <p:cTn id="6" dur="1" fill="hold">
+                                          <p:stCondLst>
+                                            <p:cond delay="0"/>
+                                          </p:stCondLst>
+                                        </p:cTn>
+                                        <p:tgtEl>
+                                          <p:spTgt spid="4">
+                                            <p:txEl>
+                                              <p:pRg st="2" end="2"/>
+                                            </p:txEl>
+                                          </p:spTgt>
+                                        </p:tgtEl>
+                                        <p:attrNameLst>
+                                          <p:attrName>style.visibility</p:attrName>
+                                        </p:attrNameLst>
+                                      </p:cBhvr>
+                                      <p:to>
+                                        <p:strVal val="visible"/>
+                                      </p:to>
+                                    </p:set>
+                                    <p:animEffect transition="in" filter="randombar(horizontal)">
+                                      <p:cBhvr>
+                                        <p:cTn id="7" dur="500"/>
+                                        <p:tgtEl>
+                                          <p:spTgt spid="4">
+                                            <p:txEl>
+                                              <p:pRg st="2" end="2"/>
+                                            </p:txEl>
+                                          </p:spTgt>
+                                        </p:tgtEl>
+                                      </p:cBhvr>
+                                    </p:animEffect>
+                                  </p:childTnLst>
+                                </p:cTn>
+                              </p:par>
+                            </p:childTnLst>
+                          </p:cTn>
+                        </p:par>
+                      </p:childTnLst>
+                    </p:cTn>
+                  </p:par>
+                  <p:par>
+                    <p:cTn id="8" fill="hold">
+                      <p:stCondLst>
+                        <p:cond delay="indefinite"/>
+                      </p:stCondLst>
+                      <p:childTnLst>
+                        <p:par>
+                          <p:cTn id="9" fill="hold">
+                            <p:stCondLst>
+                              <p:cond delay="0"/>
+                            </p:stCondLst>
+                            <p:childTnLst>
+                              <p:par>
+                                <p:cTn id="10" presetID="14" presetClass="entr" presetSubtype="10" fill="hold" nodeType="clickEffect">
+                                  <p:stCondLst>
+                                    <p:cond delay="0"/>
+                                  </p:stCondLst>
+                                  <p:childTnLst>
+                                    <p:set>
+                                      <p:cBhvr>
+                                        <p:cTn id="11" dur="1" fill="hold">
+                                          <p:stCondLst>
+                                            <p:cond delay="0"/>
+                                          </p:stCondLst>
+                                        </p:cTn>
+                                        <p:tgtEl>
+                                          <p:spTgt spid="4">
+                                            <p:txEl>
+                                              <p:pRg st="4" end="4"/>
+                                            </p:txEl>
+                                          </p:spTgt>
+                                        </p:tgtEl>
+                                        <p:attrNameLst>
+                                          <p:attrName>style.visibility</p:attrName>
+                                        </p:attrNameLst>
+                                      </p:cBhvr>
+                                      <p:to>
+                                        <p:strVal val="visible"/>
+                                      </p:to>
+                                    </p:set>
+                                    <p:animEffect transition="in" filter="randombar(horizontal)">
+                                      <p:cBhvr>
+                                        <p:cTn id="12" dur="500"/>
+                                        <p:tgtEl>
+                                          <p:spTgt spid="4">
+                                            <p:txEl>
+                                              <p:pRg st="4" end="4"/>
+                                            </p:txEl>
+                                          </p:spTgt>
+                                        </p:tgtEl>
+                                      </p:cBhvr>
+                                    </p:animEffect>
+                                  </p:childTnLst>
+                                </p:cTn>
+                              </p:par>
+                            </p:childTnLst>
+                          </p:cTn>
+                        </p:par>
+                      </p:childTnLst>
+                    </p:cTn>
+                  </p:par>
+                  <p:par>
+                    <p:cTn id="13" fill="hold">
+                      <p:stCondLst>
+                        <p:cond delay="indefinite"/>
+                      </p:stCondLst>
+                      <p:childTnLst>
+                        <p:par>
+                          <p:cTn id="14" fill="hold">
+                            <p:stCondLst>
+                              <p:cond delay="0"/>
+                            </p:stCondLst>
+                            <p:childTnLst>
+                              <p:par>
+                                <p:cTn id="15" presetID="14" presetClass="entr" presetSubtype="10" fill="hold" nodeType="clickEffect">
+                                  <p:stCondLst>
+                                    <p:cond delay="0"/>
+                                  </p:stCondLst>
+                                  <p:childTnLst>
+                                    <p:set>
+                                      <p:cBhvr>
+                                        <p:cTn id="16" dur="1" fill="hold">
+                                          <p:stCondLst>
+                                            <p:cond delay="0"/>
+                                          </p:stCondLst>
+                                        </p:cTn>
+                                        <p:tgtEl>
+                                          <p:spTgt spid="4">
+                                            <p:txEl>
+                                              <p:pRg st="6" end="6"/>
+                                            </p:txEl>
+                                          </p:spTgt>
+                                        </p:tgtEl>
+                                        <p:attrNameLst>
+                                          <p:attrName>style.visibility</p:attrName>
+                                        </p:attrNameLst>
+                                      </p:cBhvr>
+                                      <p:to>
+                                        <p:strVal val="visible"/>
+                                      </p:to>
+                                    </p:set>
+                                    <p:animEffect transition="in" filter="randombar(horizontal)">
+                                      <p:cBhvr>
+                                        <p:cTn id="17" dur="500"/>
+                                        <p:tgtEl>
+                                          <p:spTgt spid="4">
+                                            <p:txEl>
+                                              <p:pRg st="6" end="6"/>
+                                            </p:txEl>
+                                          </p:spTgt>
+                                        </p:tgtEl>
+                                      </p:cBhvr>
+                                    </p:animEffect>
+                                  </p:childTnLst>
+                                </p:cTn>
+                              </p:par>
+                            </p:childTnLst>
+                          </p:cTn>
+                        </p:par>
+                      </p:childTnLst>
+                    </p:cTn>
+                  </p:par>
+                </p:childTnLst>
+              </p:cTn>
+              <p:prevCondLst>
+                <p:cond evt="onPrev" delay="0">
+                  <p:tgtEl>
+                    <p:sldTgt/>
+                  </p:tgtEl>
+                </p:cond>
+              </p:prevCondLst>
+              <p:nextCondLst>
+                <p:cond evt="onNext" delay="0">
+                  <p:tgtEl>
+                    <p:sldTgt/>
+                  </p:tgtEl>
+                </p:cond>
+              </p:nextCondLst>
+            </p:seq>
+          </p:childTnLst>
+        </p:cTn>
+      </p:par>
+    </p:tnLst>
+  </p:timing>
+</p:sld>
+</file>
+
+<file path=ppt/slides/slide13.xml><?xml version="1.0" encoding="utf-8"?>
 <p:sld xmlns:a="http://schemas.openxmlformats.org/drawingml/2006/main" xmlns:r="http://schemas.openxmlformats.org/officeDocument/2006/relationships" xmlns:p="http://schemas.openxmlformats.org/presentationml/2006/main">
   <p:cSld>
     <p:spTree>
@@ -5861,10 +6633,17 @@
   <p:clrMapOvr>
     <a:masterClrMapping/>
   </p:clrMapOvr>
+  <p:timing>
+    <p:tnLst>
+      <p:par>
+        <p:cTn id="1" dur="indefinite" restart="never" nodeType="tmRoot"/>
+      </p:par>
+    </p:tnLst>
+  </p:timing>
 </p:sld>
 </file>
 
-<file path=ppt/slides/slide13.xml><?xml version="1.0" encoding="utf-8"?>
+<file path=ppt/slides/slide14.xml><?xml version="1.0" encoding="utf-8"?>
 <p:sld xmlns:a="http://schemas.openxmlformats.org/drawingml/2006/main" xmlns:r="http://schemas.openxmlformats.org/officeDocument/2006/relationships" xmlns:p="http://schemas.openxmlformats.org/presentationml/2006/main">
   <p:cSld>
     <p:spTree>
@@ -5992,7 +6771,19 @@
             </a:r>
             <a:r>
               <a:rPr lang="en-US" sz="2400" dirty="0"/>
-              <a:t>. country -&gt; Nation) </a:t>
+              <a:t>. </a:t>
+            </a:r>
+            <a:r>
+              <a:rPr lang="en-US" sz="2400" dirty="0" smtClean="0"/>
+              <a:t>nation </a:t>
+            </a:r>
+            <a:r>
+              <a:rPr lang="en-US" sz="2400" dirty="0"/>
+              <a:t>-&gt; </a:t>
+            </a:r>
+            <a:r>
+              <a:rPr lang="en-US" sz="2400" dirty="0" smtClean="0"/>
+              <a:t>Country) </a:t>
             </a:r>
             <a:endParaRPr lang="en-US" sz="2400" dirty="0"/>
           </a:p>
@@ -6007,7 +6798,7 @@
           <p:nvPr/>
         </p:nvPicPr>
         <p:blipFill>
-          <a:blip r:embed="rId2">
+          <a:blip r:embed="rId3">
             <a:extLst>
               <a:ext uri="{28A0092B-C50C-407E-A947-70E740481C1C}">
                 <a14:useLocalDpi xmlns:a14="http://schemas.microsoft.com/office/drawing/2010/main" val="0"/>
@@ -6041,14 +6832,220 @@
   <p:timing>
     <p:tnLst>
       <p:par>
-        <p:cTn id="1" dur="indefinite" restart="never" nodeType="tmRoot"/>
+        <p:cTn id="1" dur="indefinite" restart="never" nodeType="tmRoot">
+          <p:childTnLst>
+            <p:seq concurrent="1" nextAc="seek">
+              <p:cTn id="2" dur="indefinite" nodeType="mainSeq">
+                <p:childTnLst>
+                  <p:par>
+                    <p:cTn id="3" fill="hold">
+                      <p:stCondLst>
+                        <p:cond delay="indefinite"/>
+                      </p:stCondLst>
+                      <p:childTnLst>
+                        <p:par>
+                          <p:cTn id="4" fill="hold">
+                            <p:stCondLst>
+                              <p:cond delay="0"/>
+                            </p:stCondLst>
+                            <p:childTnLst>
+                              <p:par>
+                                <p:cTn id="5" presetID="14" presetClass="entr" presetSubtype="10" fill="hold" nodeType="clickEffect">
+                                  <p:stCondLst>
+                                    <p:cond delay="0"/>
+                                  </p:stCondLst>
+                                  <p:childTnLst>
+                                    <p:set>
+                                      <p:cBhvr>
+                                        <p:cTn id="6" dur="1" fill="hold">
+                                          <p:stCondLst>
+                                            <p:cond delay="0"/>
+                                          </p:stCondLst>
+                                        </p:cTn>
+                                        <p:tgtEl>
+                                          <p:spTgt spid="3">
+                                            <p:txEl>
+                                              <p:pRg st="0" end="0"/>
+                                            </p:txEl>
+                                          </p:spTgt>
+                                        </p:tgtEl>
+                                        <p:attrNameLst>
+                                          <p:attrName>style.visibility</p:attrName>
+                                        </p:attrNameLst>
+                                      </p:cBhvr>
+                                      <p:to>
+                                        <p:strVal val="visible"/>
+                                      </p:to>
+                                    </p:set>
+                                    <p:animEffect transition="in" filter="randombar(horizontal)">
+                                      <p:cBhvr>
+                                        <p:cTn id="7" dur="500"/>
+                                        <p:tgtEl>
+                                          <p:spTgt spid="3">
+                                            <p:txEl>
+                                              <p:pRg st="0" end="0"/>
+                                            </p:txEl>
+                                          </p:spTgt>
+                                        </p:tgtEl>
+                                      </p:cBhvr>
+                                    </p:animEffect>
+                                  </p:childTnLst>
+                                </p:cTn>
+                              </p:par>
+                            </p:childTnLst>
+                          </p:cTn>
+                        </p:par>
+                      </p:childTnLst>
+                    </p:cTn>
+                  </p:par>
+                  <p:par>
+                    <p:cTn id="8" fill="hold">
+                      <p:stCondLst>
+                        <p:cond delay="indefinite"/>
+                      </p:stCondLst>
+                      <p:childTnLst>
+                        <p:par>
+                          <p:cTn id="9" fill="hold">
+                            <p:stCondLst>
+                              <p:cond delay="0"/>
+                            </p:stCondLst>
+                            <p:childTnLst>
+                              <p:par>
+                                <p:cTn id="10" presetID="14" presetClass="entr" presetSubtype="10" fill="hold" nodeType="clickEffect">
+                                  <p:stCondLst>
+                                    <p:cond delay="0"/>
+                                  </p:stCondLst>
+                                  <p:childTnLst>
+                                    <p:set>
+                                      <p:cBhvr>
+                                        <p:cTn id="11" dur="1" fill="hold">
+                                          <p:stCondLst>
+                                            <p:cond delay="0"/>
+                                          </p:stCondLst>
+                                        </p:cTn>
+                                        <p:tgtEl>
+                                          <p:spTgt spid="3">
+                                            <p:txEl>
+                                              <p:pRg st="1" end="1"/>
+                                            </p:txEl>
+                                          </p:spTgt>
+                                        </p:tgtEl>
+                                        <p:attrNameLst>
+                                          <p:attrName>style.visibility</p:attrName>
+                                        </p:attrNameLst>
+                                      </p:cBhvr>
+                                      <p:to>
+                                        <p:strVal val="visible"/>
+                                      </p:to>
+                                    </p:set>
+                                    <p:animEffect transition="in" filter="randombar(horizontal)">
+                                      <p:cBhvr>
+                                        <p:cTn id="12" dur="500"/>
+                                        <p:tgtEl>
+                                          <p:spTgt spid="3">
+                                            <p:txEl>
+                                              <p:pRg st="1" end="1"/>
+                                            </p:txEl>
+                                          </p:spTgt>
+                                        </p:tgtEl>
+                                      </p:cBhvr>
+                                    </p:animEffect>
+                                  </p:childTnLst>
+                                </p:cTn>
+                              </p:par>
+                            </p:childTnLst>
+                          </p:cTn>
+                        </p:par>
+                      </p:childTnLst>
+                    </p:cTn>
+                  </p:par>
+                  <p:par>
+                    <p:cTn id="13" fill="hold">
+                      <p:stCondLst>
+                        <p:cond delay="indefinite"/>
+                      </p:stCondLst>
+                      <p:childTnLst>
+                        <p:par>
+                          <p:cTn id="14" fill="hold">
+                            <p:stCondLst>
+                              <p:cond delay="0"/>
+                            </p:stCondLst>
+                            <p:childTnLst>
+                              <p:par>
+                                <p:cTn id="15" presetID="14" presetClass="entr" presetSubtype="10" fill="hold" nodeType="clickEffect">
+                                  <p:stCondLst>
+                                    <p:cond delay="0"/>
+                                  </p:stCondLst>
+                                  <p:childTnLst>
+                                    <p:set>
+                                      <p:cBhvr>
+                                        <p:cTn id="16" dur="1" fill="hold">
+                                          <p:stCondLst>
+                                            <p:cond delay="0"/>
+                                          </p:stCondLst>
+                                        </p:cTn>
+                                        <p:tgtEl>
+                                          <p:spTgt spid="3">
+                                            <p:txEl>
+                                              <p:pRg st="2" end="2"/>
+                                            </p:txEl>
+                                          </p:spTgt>
+                                        </p:tgtEl>
+                                        <p:attrNameLst>
+                                          <p:attrName>style.visibility</p:attrName>
+                                        </p:attrNameLst>
+                                      </p:cBhvr>
+                                      <p:to>
+                                        <p:strVal val="visible"/>
+                                      </p:to>
+                                    </p:set>
+                                    <p:animEffect transition="in" filter="randombar(horizontal)">
+                                      <p:cBhvr>
+                                        <p:cTn id="17" dur="500"/>
+                                        <p:tgtEl>
+                                          <p:spTgt spid="3">
+                                            <p:txEl>
+                                              <p:pRg st="2" end="2"/>
+                                            </p:txEl>
+                                          </p:spTgt>
+                                        </p:tgtEl>
+                                      </p:cBhvr>
+                                    </p:animEffect>
+                                  </p:childTnLst>
+                                </p:cTn>
+                              </p:par>
+                            </p:childTnLst>
+                          </p:cTn>
+                        </p:par>
+                      </p:childTnLst>
+                    </p:cTn>
+                  </p:par>
+                </p:childTnLst>
+              </p:cTn>
+              <p:prevCondLst>
+                <p:cond evt="onPrev" delay="0">
+                  <p:tgtEl>
+                    <p:sldTgt/>
+                  </p:tgtEl>
+                </p:cond>
+              </p:prevCondLst>
+              <p:nextCondLst>
+                <p:cond evt="onNext" delay="0">
+                  <p:tgtEl>
+                    <p:sldTgt/>
+                  </p:tgtEl>
+                </p:cond>
+              </p:nextCondLst>
+            </p:seq>
+          </p:childTnLst>
+        </p:cTn>
       </p:par>
     </p:tnLst>
   </p:timing>
 </p:sld>
 </file>
 
-<file path=ppt/slides/slide14.xml><?xml version="1.0" encoding="utf-8"?>
+<file path=ppt/slides/slide15.xml><?xml version="1.0" encoding="utf-8"?>
 <p:sld xmlns:a="http://schemas.openxmlformats.org/drawingml/2006/main" xmlns:r="http://schemas.openxmlformats.org/officeDocument/2006/relationships" xmlns:p="http://schemas.openxmlformats.org/presentationml/2006/main">
   <p:cSld>
     <p:spTree>
@@ -6157,14 +7154,159 @@
   <p:timing>
     <p:tnLst>
       <p:par>
-        <p:cTn id="1" dur="indefinite" restart="never" nodeType="tmRoot"/>
+        <p:cTn id="1" dur="indefinite" restart="never" nodeType="tmRoot">
+          <p:childTnLst>
+            <p:seq concurrent="1" nextAc="seek">
+              <p:cTn id="2" dur="indefinite" nodeType="mainSeq">
+                <p:childTnLst>
+                  <p:par>
+                    <p:cTn id="3" fill="hold">
+                      <p:stCondLst>
+                        <p:cond delay="indefinite"/>
+                      </p:stCondLst>
+                      <p:childTnLst>
+                        <p:par>
+                          <p:cTn id="4" fill="hold">
+                            <p:stCondLst>
+                              <p:cond delay="0"/>
+                            </p:stCondLst>
+                            <p:childTnLst>
+                              <p:par>
+                                <p:cTn id="5" presetID="14" presetClass="entr" presetSubtype="10" fill="hold" nodeType="clickEffect">
+                                  <p:stCondLst>
+                                    <p:cond delay="0"/>
+                                  </p:stCondLst>
+                                  <p:childTnLst>
+                                    <p:set>
+                                      <p:cBhvr>
+                                        <p:cTn id="6" dur="1" fill="hold">
+                                          <p:stCondLst>
+                                            <p:cond delay="0"/>
+                                          </p:stCondLst>
+                                        </p:cTn>
+                                        <p:tgtEl>
+                                          <p:spTgt spid="3">
+                                            <p:txEl>
+                                              <p:pRg st="1" end="1"/>
+                                            </p:txEl>
+                                          </p:spTgt>
+                                        </p:tgtEl>
+                                        <p:attrNameLst>
+                                          <p:attrName>style.visibility</p:attrName>
+                                        </p:attrNameLst>
+                                      </p:cBhvr>
+                                      <p:to>
+                                        <p:strVal val="visible"/>
+                                      </p:to>
+                                    </p:set>
+                                    <p:animEffect transition="in" filter="randombar(horizontal)">
+                                      <p:cBhvr>
+                                        <p:cTn id="7" dur="500"/>
+                                        <p:tgtEl>
+                                          <p:spTgt spid="3">
+                                            <p:txEl>
+                                              <p:pRg st="1" end="1"/>
+                                            </p:txEl>
+                                          </p:spTgt>
+                                        </p:tgtEl>
+                                      </p:cBhvr>
+                                    </p:animEffect>
+                                  </p:childTnLst>
+                                </p:cTn>
+                              </p:par>
+                            </p:childTnLst>
+                          </p:cTn>
+                        </p:par>
+                      </p:childTnLst>
+                    </p:cTn>
+                  </p:par>
+                  <p:par>
+                    <p:cTn id="8" fill="hold">
+                      <p:stCondLst>
+                        <p:cond delay="indefinite"/>
+                      </p:stCondLst>
+                      <p:childTnLst>
+                        <p:par>
+                          <p:cTn id="9" fill="hold">
+                            <p:stCondLst>
+                              <p:cond delay="0"/>
+                            </p:stCondLst>
+                            <p:childTnLst>
+                              <p:par>
+                                <p:cTn id="10" presetID="14" presetClass="entr" presetSubtype="10" fill="hold" nodeType="clickEffect">
+                                  <p:stCondLst>
+                                    <p:cond delay="0"/>
+                                  </p:stCondLst>
+                                  <p:childTnLst>
+                                    <p:set>
+                                      <p:cBhvr>
+                                        <p:cTn id="11" dur="1" fill="hold">
+                                          <p:stCondLst>
+                                            <p:cond delay="0"/>
+                                          </p:stCondLst>
+                                        </p:cTn>
+                                        <p:tgtEl>
+                                          <p:spTgt spid="3">
+                                            <p:txEl>
+                                              <p:pRg st="2" end="2"/>
+                                            </p:txEl>
+                                          </p:spTgt>
+                                        </p:tgtEl>
+                                        <p:attrNameLst>
+                                          <p:attrName>style.visibility</p:attrName>
+                                        </p:attrNameLst>
+                                      </p:cBhvr>
+                                      <p:to>
+                                        <p:strVal val="visible"/>
+                                      </p:to>
+                                    </p:set>
+                                    <p:animEffect transition="in" filter="randombar(horizontal)">
+                                      <p:cBhvr>
+                                        <p:cTn id="12" dur="500"/>
+                                        <p:tgtEl>
+                                          <p:spTgt spid="3">
+                                            <p:txEl>
+                                              <p:pRg st="2" end="2"/>
+                                            </p:txEl>
+                                          </p:spTgt>
+                                        </p:tgtEl>
+                                      </p:cBhvr>
+                                    </p:animEffect>
+                                  </p:childTnLst>
+                                </p:cTn>
+                              </p:par>
+                            </p:childTnLst>
+                          </p:cTn>
+                        </p:par>
+                      </p:childTnLst>
+                    </p:cTn>
+                  </p:par>
+                </p:childTnLst>
+              </p:cTn>
+              <p:prevCondLst>
+                <p:cond evt="onPrev" delay="0">
+                  <p:tgtEl>
+                    <p:sldTgt/>
+                  </p:tgtEl>
+                </p:cond>
+              </p:prevCondLst>
+              <p:nextCondLst>
+                <p:cond evt="onNext" delay="0">
+                  <p:tgtEl>
+                    <p:sldTgt/>
+                  </p:tgtEl>
+                </p:cond>
+              </p:nextCondLst>
+            </p:seq>
+          </p:childTnLst>
+        </p:cTn>
       </p:par>
     </p:tnLst>
   </p:timing>
 </p:sld>
 </file>
 
-<file path=ppt/slides/slide15.xml><?xml version="1.0" encoding="utf-8"?>
+<file path=ppt/slides/slide16.xml><?xml version="1.0" encoding="utf-8"?>
 <p:sld xmlns:a="http://schemas.openxmlformats.org/drawingml/2006/main" xmlns:r="http://schemas.openxmlformats.org/officeDocument/2006/relationships" xmlns:p="http://schemas.openxmlformats.org/presentationml/2006/main">
   <p:cSld>
     <p:spTree>
@@ -6189,16 +7331,15 @@
           </p:cNvPicPr>
           <p:nvPr/>
         </p:nvPicPr>
-        <p:blipFill>
+        <p:blipFill rotWithShape="1">
           <a:blip r:embed="rId2"/>
-          <a:stretch>
-            <a:fillRect/>
-          </a:stretch>
+          <a:srcRect b="9397"/>
+          <a:stretch/>
         </p:blipFill>
         <p:spPr>
           <a:xfrm>
             <a:off x="0" y="2033821"/>
-            <a:ext cx="9144000" cy="3959584"/>
+            <a:ext cx="9144000" cy="3587490"/>
           </a:xfrm>
           <a:prstGeom prst="rect">
             <a:avLst/>
@@ -6287,14 +7428,93 @@
   <p:timing>
     <p:tnLst>
       <p:par>
-        <p:cTn id="1" dur="indefinite" restart="never" nodeType="tmRoot"/>
+        <p:cTn id="1" dur="indefinite" restart="never" nodeType="tmRoot">
+          <p:childTnLst>
+            <p:seq concurrent="1" nextAc="seek">
+              <p:cTn id="2" dur="indefinite" nodeType="mainSeq">
+                <p:childTnLst>
+                  <p:par>
+                    <p:cTn id="3" fill="hold">
+                      <p:stCondLst>
+                        <p:cond delay="indefinite"/>
+                      </p:stCondLst>
+                      <p:childTnLst>
+                        <p:par>
+                          <p:cTn id="4" fill="hold">
+                            <p:stCondLst>
+                              <p:cond delay="0"/>
+                            </p:stCondLst>
+                            <p:childTnLst>
+                              <p:par>
+                                <p:cTn id="5" presetID="9" presetClass="entr" presetSubtype="0" fill="hold" grpId="0" nodeType="clickEffect">
+                                  <p:stCondLst>
+                                    <p:cond delay="0"/>
+                                  </p:stCondLst>
+                                  <p:childTnLst>
+                                    <p:set>
+                                      <p:cBhvr>
+                                        <p:cTn id="6" dur="1" fill="hold">
+                                          <p:stCondLst>
+                                            <p:cond delay="0"/>
+                                          </p:stCondLst>
+                                        </p:cTn>
+                                        <p:tgtEl>
+                                          <p:spTgt spid="4"/>
+                                        </p:tgtEl>
+                                        <p:attrNameLst>
+                                          <p:attrName>style.visibility</p:attrName>
+                                        </p:attrNameLst>
+                                      </p:cBhvr>
+                                      <p:to>
+                                        <p:strVal val="visible"/>
+                                      </p:to>
+                                    </p:set>
+                                    <p:animEffect transition="in" filter="dissolve">
+                                      <p:cBhvr>
+                                        <p:cTn id="7" dur="500"/>
+                                        <p:tgtEl>
+                                          <p:spTgt spid="4"/>
+                                        </p:tgtEl>
+                                      </p:cBhvr>
+                                    </p:animEffect>
+                                  </p:childTnLst>
+                                </p:cTn>
+                              </p:par>
+                            </p:childTnLst>
+                          </p:cTn>
+                        </p:par>
+                      </p:childTnLst>
+                    </p:cTn>
+                  </p:par>
+                </p:childTnLst>
+              </p:cTn>
+              <p:prevCondLst>
+                <p:cond evt="onPrev" delay="0">
+                  <p:tgtEl>
+                    <p:sldTgt/>
+                  </p:tgtEl>
+                </p:cond>
+              </p:prevCondLst>
+              <p:nextCondLst>
+                <p:cond evt="onNext" delay="0">
+                  <p:tgtEl>
+                    <p:sldTgt/>
+                  </p:tgtEl>
+                </p:cond>
+              </p:nextCondLst>
+            </p:seq>
+          </p:childTnLst>
+        </p:cTn>
       </p:par>
     </p:tnLst>
+    <p:bldLst>
+      <p:bldP spid="4" grpId="0" animBg="1"/>
+    </p:bldLst>
   </p:timing>
 </p:sld>
 </file>
 
-<file path=ppt/slides/slide16.xml><?xml version="1.0" encoding="utf-8"?>
+<file path=ppt/slides/slide17.xml><?xml version="1.0" encoding="utf-8"?>
 <p:sld xmlns:a="http://schemas.openxmlformats.org/drawingml/2006/main" xmlns:r="http://schemas.openxmlformats.org/officeDocument/2006/relationships" xmlns:p="http://schemas.openxmlformats.org/presentationml/2006/main">
   <p:cSld>
     <p:spTree>
@@ -6319,16 +7539,15 @@
           </p:cNvPicPr>
           <p:nvPr/>
         </p:nvPicPr>
-        <p:blipFill>
+        <p:blipFill rotWithShape="1">
           <a:blip r:embed="rId2"/>
-          <a:stretch>
-            <a:fillRect/>
-          </a:stretch>
+          <a:srcRect t="76370" r="7868"/>
+          <a:stretch/>
         </p:blipFill>
         <p:spPr>
           <a:xfrm>
-            <a:off x="0" y="1748204"/>
-            <a:ext cx="9144000" cy="5130412"/>
+            <a:off x="314792" y="4227228"/>
+            <a:ext cx="8424472" cy="1212334"/>
           </a:xfrm>
           <a:prstGeom prst="rect">
             <a:avLst/>
@@ -6358,6 +7577,29 @@
           </a:p>
         </p:txBody>
       </p:sp>
+      <p:pic>
+        <p:nvPicPr>
+          <p:cNvPr id="5" name="Picture 4"/>
+          <p:cNvPicPr>
+            <a:picLocks noChangeAspect="1"/>
+          </p:cNvPicPr>
+          <p:nvPr/>
+        </p:nvPicPr>
+        <p:blipFill rotWithShape="1">
+          <a:blip r:embed="rId2"/>
+          <a:srcRect r="7896" b="65754"/>
+          <a:stretch/>
+        </p:blipFill>
+        <p:spPr>
+          <a:xfrm>
+            <a:off x="317291" y="2470227"/>
+            <a:ext cx="8421973" cy="1756996"/>
+          </a:xfrm>
+          <a:prstGeom prst="rect">
+            <a:avLst/>
+          </a:prstGeom>
+        </p:spPr>
+      </p:pic>
       <p:sp>
         <p:nvSpPr>
           <p:cNvPr id="4" name="Rectangle 3"/>
@@ -6366,7 +7608,7 @@
         </p:nvSpPr>
         <p:spPr>
           <a:xfrm>
-            <a:off x="4976734" y="5666282"/>
+            <a:off x="5291526" y="4227228"/>
             <a:ext cx="1139253" cy="1079292"/>
           </a:xfrm>
           <a:prstGeom prst="rect">
@@ -6408,194 +7650,6 @@
     <p:extLst>
       <p:ext uri="{BB962C8B-B14F-4D97-AF65-F5344CB8AC3E}">
         <p14:creationId xmlns:p14="http://schemas.microsoft.com/office/powerpoint/2010/main" val="1369545978"/>
-      </p:ext>
-    </p:extLst>
-  </p:cSld>
-  <p:clrMapOvr>
-    <a:masterClrMapping/>
-  </p:clrMapOvr>
-  <p:timing>
-    <p:tnLst>
-      <p:par>
-        <p:cTn id="1" dur="indefinite" restart="never" nodeType="tmRoot"/>
-      </p:par>
-    </p:tnLst>
-  </p:timing>
-</p:sld>
-</file>
-
-<file path=ppt/slides/slide17.xml><?xml version="1.0" encoding="utf-8"?>
-<p:sld xmlns:a="http://schemas.openxmlformats.org/drawingml/2006/main" xmlns:r="http://schemas.openxmlformats.org/officeDocument/2006/relationships" xmlns:p="http://schemas.openxmlformats.org/presentationml/2006/main">
-  <p:cSld>
-    <p:spTree>
-      <p:nvGrpSpPr>
-        <p:cNvPr id="1" name=""/>
-        <p:cNvGrpSpPr/>
-        <p:nvPr/>
-      </p:nvGrpSpPr>
-      <p:grpSpPr>
-        <a:xfrm>
-          <a:off x="0" y="0"/>
-          <a:ext cx="0" cy="0"/>
-          <a:chOff x="0" y="0"/>
-          <a:chExt cx="0" cy="0"/>
-        </a:xfrm>
-      </p:grpSpPr>
-      <p:pic>
-        <p:nvPicPr>
-          <p:cNvPr id="2" name="Picture 1"/>
-          <p:cNvPicPr>
-            <a:picLocks noChangeAspect="1"/>
-          </p:cNvPicPr>
-          <p:nvPr/>
-        </p:nvPicPr>
-        <p:blipFill>
-          <a:blip r:embed="rId2"/>
-          <a:stretch>
-            <a:fillRect/>
-          </a:stretch>
-        </p:blipFill>
-        <p:spPr>
-          <a:xfrm>
-            <a:off x="0" y="2588728"/>
-            <a:ext cx="9144000" cy="2430049"/>
-          </a:xfrm>
-          <a:prstGeom prst="rect">
-            <a:avLst/>
-          </a:prstGeom>
-        </p:spPr>
-      </p:pic>
-      <p:sp>
-        <p:nvSpPr>
-          <p:cNvPr id="3" name="Title 2"/>
-          <p:cNvSpPr>
-            <a:spLocks noGrp="1"/>
-          </p:cNvSpPr>
-          <p:nvPr>
-            <p:ph type="title"/>
-          </p:nvPr>
-        </p:nvSpPr>
-        <p:spPr/>
-        <p:txBody>
-          <a:bodyPr/>
-          <a:lstStyle/>
-          <a:p>
-            <a:r>
-              <a:rPr lang="en-US" dirty="0" smtClean="0"/>
-              <a:t>Train </a:t>
-            </a:r>
-            <a:r>
-              <a:rPr lang="en-US" dirty="0" err="1" smtClean="0"/>
-              <a:t>acc</a:t>
-            </a:r>
-            <a:r>
-              <a:rPr lang="en-US" dirty="0" smtClean="0"/>
-              <a:t> &amp; dev </a:t>
-            </a:r>
-            <a:r>
-              <a:rPr lang="en-US" dirty="0" err="1" smtClean="0"/>
-              <a:t>acc</a:t>
-            </a:r>
-            <a:endParaRPr lang="en-US" dirty="0"/>
-          </a:p>
-        </p:txBody>
-      </p:sp>
-      <p:sp>
-        <p:nvSpPr>
-          <p:cNvPr id="4" name="Rectangle 3"/>
-          <p:cNvSpPr/>
-          <p:nvPr/>
-        </p:nvSpPr>
-        <p:spPr>
-          <a:xfrm>
-            <a:off x="4527030" y="4482060"/>
-            <a:ext cx="1259173" cy="419725"/>
-          </a:xfrm>
-          <a:prstGeom prst="rect">
-            <a:avLst/>
-          </a:prstGeom>
-          <a:noFill/>
-          <a:ln w="28575">
-            <a:solidFill>
-              <a:srgbClr val="FF0000"/>
-            </a:solidFill>
-          </a:ln>
-        </p:spPr>
-        <p:style>
-          <a:lnRef idx="2">
-            <a:schemeClr val="accent1">
-              <a:shade val="50000"/>
-            </a:schemeClr>
-          </a:lnRef>
-          <a:fillRef idx="1">
-            <a:schemeClr val="accent1"/>
-          </a:fillRef>
-          <a:effectRef idx="0">
-            <a:schemeClr val="accent1"/>
-          </a:effectRef>
-          <a:fontRef idx="minor">
-            <a:schemeClr val="lt1"/>
-          </a:fontRef>
-        </p:style>
-        <p:txBody>
-          <a:bodyPr rtlCol="0" anchor="ctr"/>
-          <a:lstStyle/>
-          <a:p>
-            <a:pPr algn="ctr"/>
-            <a:endParaRPr lang="en-US"/>
-          </a:p>
-        </p:txBody>
-      </p:sp>
-      <p:sp>
-        <p:nvSpPr>
-          <p:cNvPr id="5" name="TextBox 4"/>
-          <p:cNvSpPr txBox="1"/>
-          <p:nvPr/>
-        </p:nvSpPr>
-        <p:spPr>
-          <a:xfrm>
-            <a:off x="2833142" y="5426439"/>
-            <a:ext cx="5936106" cy="830997"/>
-          </a:xfrm>
-          <a:prstGeom prst="rect">
-            <a:avLst/>
-          </a:prstGeom>
-          <a:noFill/>
-        </p:spPr>
-        <p:txBody>
-          <a:bodyPr wrap="square" rtlCol="0">
-            <a:spAutoFit/>
-          </a:bodyPr>
-          <a:lstStyle/>
-          <a:p>
-            <a:r>
-              <a:rPr lang="en-US" sz="2400" dirty="0" smtClean="0"/>
-              <a:t>2-layer-1024-unit seq2seq tagging model, a new </a:t>
-            </a:r>
-            <a:r>
-              <a:rPr lang="en-US" sz="2400" b="1" dirty="0" smtClean="0"/>
-              <a:t>benchmark</a:t>
-            </a:r>
-            <a:r>
-              <a:rPr lang="en-US" sz="2400" dirty="0" smtClean="0"/>
-              <a:t> on </a:t>
-            </a:r>
-            <a:r>
-              <a:rPr lang="en-US" sz="2400" dirty="0" err="1" smtClean="0"/>
-              <a:t>Wikitable</a:t>
-            </a:r>
-            <a:r>
-              <a:rPr lang="en-US" sz="2400" dirty="0" smtClean="0"/>
-              <a:t>-related dataset.</a:t>
-            </a:r>
-            <a:endParaRPr lang="en-US" sz="2400" dirty="0"/>
-          </a:p>
-        </p:txBody>
-      </p:sp>
-    </p:spTree>
-    <p:extLst>
-      <p:ext uri="{BB962C8B-B14F-4D97-AF65-F5344CB8AC3E}">
-        <p14:creationId xmlns:p14="http://schemas.microsoft.com/office/powerpoint/2010/main" val="1450434725"/>
       </p:ext>
     </p:extLst>
   </p:cSld>
@@ -6638,6 +7692,295 @@
           <p:nvPr/>
         </p:nvPicPr>
         <p:blipFill rotWithShape="1">
+          <a:blip r:embed="rId2"/>
+          <a:srcRect t="77913" r="8524" b="497"/>
+          <a:stretch/>
+        </p:blipFill>
+        <p:spPr>
+          <a:xfrm>
+            <a:off x="314790" y="3732556"/>
+            <a:ext cx="8364511" cy="524651"/>
+          </a:xfrm>
+          <a:prstGeom prst="rect">
+            <a:avLst/>
+          </a:prstGeom>
+        </p:spPr>
+      </p:pic>
+      <p:sp>
+        <p:nvSpPr>
+          <p:cNvPr id="3" name="Title 2"/>
+          <p:cNvSpPr>
+            <a:spLocks noGrp="1"/>
+          </p:cNvSpPr>
+          <p:nvPr>
+            <p:ph type="title"/>
+          </p:nvPr>
+        </p:nvSpPr>
+        <p:spPr/>
+        <p:txBody>
+          <a:bodyPr/>
+          <a:lstStyle/>
+          <a:p>
+            <a:r>
+              <a:rPr lang="en-US" dirty="0" smtClean="0"/>
+              <a:t>Train </a:t>
+            </a:r>
+            <a:r>
+              <a:rPr lang="en-US" dirty="0" err="1" smtClean="0"/>
+              <a:t>acc</a:t>
+            </a:r>
+            <a:r>
+              <a:rPr lang="en-US" dirty="0" smtClean="0"/>
+              <a:t> &amp; dev </a:t>
+            </a:r>
+            <a:r>
+              <a:rPr lang="en-US" dirty="0" err="1" smtClean="0"/>
+              <a:t>acc</a:t>
+            </a:r>
+            <a:endParaRPr lang="en-US" dirty="0"/>
+          </a:p>
+        </p:txBody>
+      </p:sp>
+      <p:sp>
+        <p:nvSpPr>
+          <p:cNvPr id="5" name="TextBox 4"/>
+          <p:cNvSpPr txBox="1"/>
+          <p:nvPr/>
+        </p:nvSpPr>
+        <p:spPr>
+          <a:xfrm>
+            <a:off x="2833142" y="4886797"/>
+            <a:ext cx="5936106" cy="830997"/>
+          </a:xfrm>
+          <a:prstGeom prst="rect">
+            <a:avLst/>
+          </a:prstGeom>
+          <a:noFill/>
+        </p:spPr>
+        <p:txBody>
+          <a:bodyPr wrap="square" rtlCol="0">
+            <a:spAutoFit/>
+          </a:bodyPr>
+          <a:lstStyle/>
+          <a:p>
+            <a:r>
+              <a:rPr lang="en-US" sz="2400" dirty="0" smtClean="0"/>
+              <a:t>2-layer-1024-unit seq2seq tagging model, a new </a:t>
+            </a:r>
+            <a:r>
+              <a:rPr lang="en-US" sz="2400" b="1" dirty="0" smtClean="0"/>
+              <a:t>benchmark</a:t>
+            </a:r>
+            <a:r>
+              <a:rPr lang="en-US" sz="2400" dirty="0" smtClean="0"/>
+              <a:t> on </a:t>
+            </a:r>
+            <a:r>
+              <a:rPr lang="en-US" sz="2400" dirty="0" err="1" smtClean="0"/>
+              <a:t>Wikitable</a:t>
+            </a:r>
+            <a:r>
+              <a:rPr lang="en-US" sz="2400" dirty="0" smtClean="0"/>
+              <a:t>-related dataset.</a:t>
+            </a:r>
+            <a:endParaRPr lang="en-US" sz="2400" dirty="0"/>
+          </a:p>
+        </p:txBody>
+      </p:sp>
+      <p:pic>
+        <p:nvPicPr>
+          <p:cNvPr id="6" name="Picture 5"/>
+          <p:cNvPicPr>
+            <a:picLocks noChangeAspect="1"/>
+          </p:cNvPicPr>
+          <p:nvPr/>
+        </p:nvPicPr>
+        <p:blipFill rotWithShape="1">
+          <a:blip r:embed="rId2"/>
+          <a:srcRect r="8552" b="55500"/>
+          <a:stretch/>
+        </p:blipFill>
+        <p:spPr>
+          <a:xfrm>
+            <a:off x="317290" y="2666178"/>
+            <a:ext cx="8362011" cy="1081364"/>
+          </a:xfrm>
+          <a:prstGeom prst="rect">
+            <a:avLst/>
+          </a:prstGeom>
+        </p:spPr>
+      </p:pic>
+      <p:sp>
+        <p:nvSpPr>
+          <p:cNvPr id="4" name="Rectangle 3"/>
+          <p:cNvSpPr/>
+          <p:nvPr/>
+        </p:nvSpPr>
+        <p:spPr>
+          <a:xfrm>
+            <a:off x="4841820" y="3732556"/>
+            <a:ext cx="1259173" cy="419725"/>
+          </a:xfrm>
+          <a:prstGeom prst="rect">
+            <a:avLst/>
+          </a:prstGeom>
+          <a:noFill/>
+          <a:ln w="28575">
+            <a:solidFill>
+              <a:srgbClr val="FF0000"/>
+            </a:solidFill>
+          </a:ln>
+        </p:spPr>
+        <p:style>
+          <a:lnRef idx="2">
+            <a:schemeClr val="accent1">
+              <a:shade val="50000"/>
+            </a:schemeClr>
+          </a:lnRef>
+          <a:fillRef idx="1">
+            <a:schemeClr val="accent1"/>
+          </a:fillRef>
+          <a:effectRef idx="0">
+            <a:schemeClr val="accent1"/>
+          </a:effectRef>
+          <a:fontRef idx="minor">
+            <a:schemeClr val="lt1"/>
+          </a:fontRef>
+        </p:style>
+        <p:txBody>
+          <a:bodyPr rtlCol="0" anchor="ctr"/>
+          <a:lstStyle/>
+          <a:p>
+            <a:pPr algn="ctr"/>
+            <a:endParaRPr lang="en-US"/>
+          </a:p>
+        </p:txBody>
+      </p:sp>
+    </p:spTree>
+    <p:extLst>
+      <p:ext uri="{BB962C8B-B14F-4D97-AF65-F5344CB8AC3E}">
+        <p14:creationId xmlns:p14="http://schemas.microsoft.com/office/powerpoint/2010/main" val="1450434725"/>
+      </p:ext>
+    </p:extLst>
+  </p:cSld>
+  <p:clrMapOvr>
+    <a:masterClrMapping/>
+  </p:clrMapOvr>
+  <p:timing>
+    <p:tnLst>
+      <p:par>
+        <p:cTn id="1" dur="indefinite" restart="never" nodeType="tmRoot">
+          <p:childTnLst>
+            <p:seq concurrent="1" nextAc="seek">
+              <p:cTn id="2" dur="indefinite" nodeType="mainSeq">
+                <p:childTnLst>
+                  <p:par>
+                    <p:cTn id="3" fill="hold">
+                      <p:stCondLst>
+                        <p:cond delay="indefinite"/>
+                      </p:stCondLst>
+                      <p:childTnLst>
+                        <p:par>
+                          <p:cTn id="4" fill="hold">
+                            <p:stCondLst>
+                              <p:cond delay="0"/>
+                            </p:stCondLst>
+                            <p:childTnLst>
+                              <p:par>
+                                <p:cTn id="5" presetID="14" presetClass="entr" presetSubtype="10" fill="hold" grpId="0" nodeType="clickEffect">
+                                  <p:stCondLst>
+                                    <p:cond delay="0"/>
+                                  </p:stCondLst>
+                                  <p:childTnLst>
+                                    <p:set>
+                                      <p:cBhvr>
+                                        <p:cTn id="6" dur="1" fill="hold">
+                                          <p:stCondLst>
+                                            <p:cond delay="0"/>
+                                          </p:stCondLst>
+                                        </p:cTn>
+                                        <p:tgtEl>
+                                          <p:spTgt spid="5"/>
+                                        </p:tgtEl>
+                                        <p:attrNameLst>
+                                          <p:attrName>style.visibility</p:attrName>
+                                        </p:attrNameLst>
+                                      </p:cBhvr>
+                                      <p:to>
+                                        <p:strVal val="visible"/>
+                                      </p:to>
+                                    </p:set>
+                                    <p:animEffect transition="in" filter="randombar(horizontal)">
+                                      <p:cBhvr>
+                                        <p:cTn id="7" dur="500"/>
+                                        <p:tgtEl>
+                                          <p:spTgt spid="5"/>
+                                        </p:tgtEl>
+                                      </p:cBhvr>
+                                    </p:animEffect>
+                                  </p:childTnLst>
+                                </p:cTn>
+                              </p:par>
+                            </p:childTnLst>
+                          </p:cTn>
+                        </p:par>
+                      </p:childTnLst>
+                    </p:cTn>
+                  </p:par>
+                </p:childTnLst>
+              </p:cTn>
+              <p:prevCondLst>
+                <p:cond evt="onPrev" delay="0">
+                  <p:tgtEl>
+                    <p:sldTgt/>
+                  </p:tgtEl>
+                </p:cond>
+              </p:prevCondLst>
+              <p:nextCondLst>
+                <p:cond evt="onNext" delay="0">
+                  <p:tgtEl>
+                    <p:sldTgt/>
+                  </p:tgtEl>
+                </p:cond>
+              </p:nextCondLst>
+            </p:seq>
+          </p:childTnLst>
+        </p:cTn>
+      </p:par>
+    </p:tnLst>
+    <p:bldLst>
+      <p:bldP spid="5" grpId="0"/>
+    </p:bldLst>
+  </p:timing>
+</p:sld>
+</file>
+
+<file path=ppt/slides/slide19.xml><?xml version="1.0" encoding="utf-8"?>
+<p:sld xmlns:a="http://schemas.openxmlformats.org/drawingml/2006/main" xmlns:r="http://schemas.openxmlformats.org/officeDocument/2006/relationships" xmlns:p="http://schemas.openxmlformats.org/presentationml/2006/main">
+  <p:cSld>
+    <p:spTree>
+      <p:nvGrpSpPr>
+        <p:cNvPr id="1" name=""/>
+        <p:cNvGrpSpPr/>
+        <p:nvPr/>
+      </p:nvGrpSpPr>
+      <p:grpSpPr>
+        <a:xfrm>
+          <a:off x="0" y="0"/>
+          <a:ext cx="0" cy="0"/>
+          <a:chOff x="0" y="0"/>
+          <a:chExt cx="0" cy="0"/>
+        </a:xfrm>
+      </p:grpSpPr>
+      <p:pic>
+        <p:nvPicPr>
+          <p:cNvPr id="2" name="Picture 1"/>
+          <p:cNvPicPr>
+            <a:picLocks noChangeAspect="1"/>
+          </p:cNvPicPr>
+          <p:nvPr/>
+        </p:nvPicPr>
+        <p:blipFill rotWithShape="1">
           <a:blip r:embed="rId2">
             <a:extLst>
               <a:ext uri="{28A0092B-C50C-407E-A947-70E740481C1C}">
@@ -6650,7 +7993,7 @@
         </p:blipFill>
         <p:spPr>
           <a:xfrm>
-            <a:off x="-43258" y="2027580"/>
+            <a:off x="-43258" y="2252430"/>
             <a:ext cx="3167270" cy="3006381"/>
           </a:xfrm>
           <a:prstGeom prst="rect">
@@ -6679,7 +8022,7 @@
         </p:blipFill>
         <p:spPr>
           <a:xfrm>
-            <a:off x="3129084" y="2027580"/>
+            <a:off x="3129084" y="2252430"/>
             <a:ext cx="3177414" cy="3006380"/>
           </a:xfrm>
           <a:prstGeom prst="rect">
@@ -6708,7 +8051,7 @@
         </p:blipFill>
         <p:spPr>
           <a:xfrm>
-            <a:off x="6306498" y="2027580"/>
+            <a:off x="6306498" y="2252430"/>
             <a:ext cx="2903762" cy="3006381"/>
           </a:xfrm>
           <a:prstGeom prst="rect">
@@ -6778,6 +8121,40 @@
               <a:t>.</a:t>
             </a:r>
             <a:endParaRPr lang="en-US" sz="2400" dirty="0"/>
+          </a:p>
+        </p:txBody>
+      </p:sp>
+      <p:sp>
+        <p:nvSpPr>
+          <p:cNvPr id="7" name="TextBox 6"/>
+          <p:cNvSpPr txBox="1"/>
+          <p:nvPr/>
+        </p:nvSpPr>
+        <p:spPr>
+          <a:xfrm>
+            <a:off x="822960" y="2008682"/>
+            <a:ext cx="3159519" cy="369332"/>
+          </a:xfrm>
+          <a:prstGeom prst="rect">
+            <a:avLst/>
+          </a:prstGeom>
+          <a:noFill/>
+        </p:spPr>
+        <p:txBody>
+          <a:bodyPr wrap="none" rtlCol="0">
+            <a:spAutoFit/>
+          </a:bodyPr>
+          <a:lstStyle/>
+          <a:p>
+            <a:r>
+              <a:rPr lang="en-US" dirty="0" smtClean="0"/>
+              <a:t>PCA Dimension reduction: t-</a:t>
+            </a:r>
+            <a:r>
+              <a:rPr lang="en-US" dirty="0" err="1" smtClean="0"/>
+              <a:t>sne</a:t>
+            </a:r>
+            <a:endParaRPr lang="en-US" dirty="0"/>
           </a:p>
         </p:txBody>
       </p:sp>
@@ -6801,7 +8178,7 @@
 </p:sld>
 </file>
 
-<file path=ppt/slides/slide19.xml><?xml version="1.0" encoding="utf-8"?>
+<file path=ppt/slides/slide2.xml><?xml version="1.0" encoding="utf-8"?>
 <p:sld xmlns:a="http://schemas.openxmlformats.org/drawingml/2006/main" xmlns:r="http://schemas.openxmlformats.org/officeDocument/2006/relationships" xmlns:p="http://schemas.openxmlformats.org/presentationml/2006/main">
   <p:cSld>
     <p:spTree>
@@ -6835,11 +8212,136 @@
           <a:p>
             <a:r>
               <a:rPr lang="en-US" altLang="zh-CN" dirty="0" smtClean="0"/>
-              <a:t>Conclusion </a:t>
-            </a:r>
-            <a:r>
-              <a:rPr lang="en-US" altLang="zh-CN" smtClean="0"/>
-              <a:t>&amp; Perspectives</a:t>
+              <a:t>Outline</a:t>
+            </a:r>
+            <a:endParaRPr lang="en-US" dirty="0"/>
+          </a:p>
+        </p:txBody>
+      </p:sp>
+      <p:sp>
+        <p:nvSpPr>
+          <p:cNvPr id="3" name="Content Placeholder 2"/>
+          <p:cNvSpPr>
+            <a:spLocks noGrp="1"/>
+          </p:cNvSpPr>
+          <p:nvPr>
+            <p:ph idx="1"/>
+          </p:nvPr>
+        </p:nvSpPr>
+        <p:spPr/>
+        <p:txBody>
+          <a:bodyPr>
+            <a:normAutofit/>
+          </a:bodyPr>
+          <a:lstStyle/>
+          <a:p>
+            <a:pPr lvl="1">
+              <a:buFont typeface="Wingdings" charset="2"/>
+              <a:buChar char="§"/>
+            </a:pPr>
+            <a:r>
+              <a:rPr lang="en-US" sz="2400" dirty="0" smtClean="0"/>
+              <a:t>Problem Statement</a:t>
+            </a:r>
+          </a:p>
+          <a:p>
+            <a:pPr lvl="1">
+              <a:buFont typeface="Wingdings" charset="2"/>
+              <a:buChar char="§"/>
+            </a:pPr>
+            <a:r>
+              <a:rPr lang="en-US" sz="2400" dirty="0" smtClean="0"/>
+              <a:t>Related Work</a:t>
+            </a:r>
+          </a:p>
+          <a:p>
+            <a:pPr lvl="1">
+              <a:buFont typeface="Wingdings" charset="2"/>
+              <a:buChar char="§"/>
+            </a:pPr>
+            <a:r>
+              <a:rPr lang="en-US" sz="2400" dirty="0" smtClean="0"/>
+              <a:t>Approach</a:t>
+            </a:r>
+          </a:p>
+          <a:p>
+            <a:pPr lvl="1">
+              <a:buFont typeface="Wingdings" charset="2"/>
+              <a:buChar char="§"/>
+            </a:pPr>
+            <a:r>
+              <a:rPr lang="en-US" sz="2400" dirty="0" smtClean="0"/>
+              <a:t>Experiment</a:t>
+            </a:r>
+          </a:p>
+          <a:p>
+            <a:pPr lvl="1">
+              <a:buFont typeface="Wingdings" charset="2"/>
+              <a:buChar char="§"/>
+            </a:pPr>
+            <a:r>
+              <a:rPr lang="en-US" sz="2400" dirty="0" smtClean="0"/>
+              <a:t>Conclusion &amp; Perspectives</a:t>
+            </a:r>
+            <a:endParaRPr lang="en-US" sz="2400" dirty="0"/>
+          </a:p>
+        </p:txBody>
+      </p:sp>
+    </p:spTree>
+    <p:extLst>
+      <p:ext uri="{BB962C8B-B14F-4D97-AF65-F5344CB8AC3E}">
+        <p14:creationId xmlns:p14="http://schemas.microsoft.com/office/powerpoint/2010/main" val="1191783986"/>
+      </p:ext>
+    </p:extLst>
+  </p:cSld>
+  <p:clrMapOvr>
+    <a:masterClrMapping/>
+  </p:clrMapOvr>
+  <p:timing>
+    <p:tnLst>
+      <p:par>
+        <p:cTn id="1" dur="indefinite" restart="never" nodeType="tmRoot"/>
+      </p:par>
+    </p:tnLst>
+  </p:timing>
+</p:sld>
+</file>
+
+<file path=ppt/slides/slide20.xml><?xml version="1.0" encoding="utf-8"?>
+<p:sld xmlns:a="http://schemas.openxmlformats.org/drawingml/2006/main" xmlns:r="http://schemas.openxmlformats.org/officeDocument/2006/relationships" xmlns:p="http://schemas.openxmlformats.org/presentationml/2006/main">
+  <p:cSld>
+    <p:spTree>
+      <p:nvGrpSpPr>
+        <p:cNvPr id="1" name=""/>
+        <p:cNvGrpSpPr/>
+        <p:nvPr/>
+      </p:nvGrpSpPr>
+      <p:grpSpPr>
+        <a:xfrm>
+          <a:off x="0" y="0"/>
+          <a:ext cx="0" cy="0"/>
+          <a:chOff x="0" y="0"/>
+          <a:chExt cx="0" cy="0"/>
+        </a:xfrm>
+      </p:grpSpPr>
+      <p:sp>
+        <p:nvSpPr>
+          <p:cNvPr id="2" name="Title 1"/>
+          <p:cNvSpPr>
+            <a:spLocks noGrp="1"/>
+          </p:cNvSpPr>
+          <p:nvPr>
+            <p:ph type="title"/>
+          </p:nvPr>
+        </p:nvSpPr>
+        <p:spPr/>
+        <p:txBody>
+          <a:bodyPr/>
+          <a:lstStyle/>
+          <a:p>
+            <a:r>
+              <a:rPr lang="en-US" altLang="zh-CN" dirty="0" smtClean="0"/>
+              <a:t>Conclusion</a:t>
             </a:r>
             <a:endParaRPr lang="en-US" dirty="0"/>
           </a:p>
@@ -6976,238 +8478,189 @@
   <p:timing>
     <p:tnLst>
       <p:par>
-        <p:cTn id="1" dur="indefinite" restart="never" nodeType="tmRoot"/>
-      </p:par>
-    </p:tnLst>
-  </p:timing>
-</p:sld>
-</file>
-
-<file path=ppt/slides/slide2.xml><?xml version="1.0" encoding="utf-8"?>
-<p:sld xmlns:a="http://schemas.openxmlformats.org/drawingml/2006/main" xmlns:r="http://schemas.openxmlformats.org/officeDocument/2006/relationships" xmlns:p="http://schemas.openxmlformats.org/presentationml/2006/main">
-  <p:cSld>
-    <p:spTree>
-      <p:nvGrpSpPr>
-        <p:cNvPr id="1" name=""/>
-        <p:cNvGrpSpPr/>
-        <p:nvPr/>
-      </p:nvGrpSpPr>
-      <p:grpSpPr>
-        <a:xfrm>
-          <a:off x="0" y="0"/>
-          <a:ext cx="0" cy="0"/>
-          <a:chOff x="0" y="0"/>
-          <a:chExt cx="0" cy="0"/>
-        </a:xfrm>
-      </p:grpSpPr>
-      <p:sp>
-        <p:nvSpPr>
-          <p:cNvPr id="2" name="Title 1"/>
-          <p:cNvSpPr>
-            <a:spLocks noGrp="1"/>
-          </p:cNvSpPr>
-          <p:nvPr>
-            <p:ph type="title"/>
-          </p:nvPr>
-        </p:nvSpPr>
-        <p:spPr/>
-        <p:txBody>
-          <a:bodyPr/>
-          <a:lstStyle/>
-          <a:p>
-            <a:r>
-              <a:rPr lang="en-US" altLang="zh-CN" dirty="0" smtClean="0"/>
-              <a:t>Outline</a:t>
-            </a:r>
-            <a:endParaRPr lang="en-US" dirty="0"/>
-          </a:p>
-        </p:txBody>
-      </p:sp>
-      <p:sp>
-        <p:nvSpPr>
-          <p:cNvPr id="3" name="Content Placeholder 2"/>
-          <p:cNvSpPr>
-            <a:spLocks noGrp="1"/>
-          </p:cNvSpPr>
-          <p:nvPr>
-            <p:ph idx="1"/>
-          </p:nvPr>
-        </p:nvSpPr>
-        <p:spPr/>
-        <p:txBody>
-          <a:bodyPr>
-            <a:normAutofit/>
-          </a:bodyPr>
-          <a:lstStyle/>
-          <a:p>
-            <a:pPr lvl="1">
-              <a:buFont typeface="Wingdings" charset="2"/>
-              <a:buChar char="§"/>
-            </a:pPr>
-            <a:r>
-              <a:rPr lang="en-US" sz="2400" dirty="0" smtClean="0"/>
-              <a:t>Problem Statement</a:t>
-            </a:r>
-          </a:p>
-          <a:p>
-            <a:pPr lvl="1">
-              <a:buFont typeface="Wingdings" charset="2"/>
-              <a:buChar char="§"/>
-            </a:pPr>
-            <a:r>
-              <a:rPr lang="en-US" sz="2400" dirty="0" smtClean="0"/>
-              <a:t>Related Work</a:t>
-            </a:r>
-          </a:p>
-          <a:p>
-            <a:pPr lvl="1">
-              <a:buFont typeface="Wingdings" charset="2"/>
-              <a:buChar char="§"/>
-            </a:pPr>
-            <a:r>
-              <a:rPr lang="en-US" sz="2400" dirty="0" smtClean="0"/>
-              <a:t>Approach</a:t>
-            </a:r>
-          </a:p>
-          <a:p>
-            <a:pPr lvl="1">
-              <a:buFont typeface="Wingdings" charset="2"/>
-              <a:buChar char="§"/>
-            </a:pPr>
-            <a:r>
-              <a:rPr lang="en-US" sz="2400" dirty="0" smtClean="0"/>
-              <a:t>Experiment</a:t>
-            </a:r>
-          </a:p>
-          <a:p>
-            <a:pPr lvl="1">
-              <a:buFont typeface="Wingdings" charset="2"/>
-              <a:buChar char="§"/>
-            </a:pPr>
-            <a:r>
-              <a:rPr lang="en-US" sz="2400" dirty="0" smtClean="0"/>
-              <a:t>Conclusion &amp; Perspectives</a:t>
-            </a:r>
-            <a:endParaRPr lang="en-US" sz="2400" dirty="0"/>
-          </a:p>
-        </p:txBody>
-      </p:sp>
-    </p:spTree>
-    <p:extLst>
-      <p:ext uri="{BB962C8B-B14F-4D97-AF65-F5344CB8AC3E}">
-        <p14:creationId xmlns:p14="http://schemas.microsoft.com/office/powerpoint/2010/main" val="1191783986"/>
-      </p:ext>
-    </p:extLst>
-  </p:cSld>
-  <p:clrMapOvr>
-    <a:masterClrMapping/>
-  </p:clrMapOvr>
-</p:sld>
-</file>
-
-<file path=ppt/slides/slide20.xml><?xml version="1.0" encoding="utf-8"?>
-<p:sld xmlns:a="http://schemas.openxmlformats.org/drawingml/2006/main" xmlns:r="http://schemas.openxmlformats.org/officeDocument/2006/relationships" xmlns:p="http://schemas.openxmlformats.org/presentationml/2006/main">
-  <p:cSld>
-    <p:spTree>
-      <p:nvGrpSpPr>
-        <p:cNvPr id="1" name=""/>
-        <p:cNvGrpSpPr/>
-        <p:nvPr/>
-      </p:nvGrpSpPr>
-      <p:grpSpPr>
-        <a:xfrm>
-          <a:off x="0" y="0"/>
-          <a:ext cx="0" cy="0"/>
-          <a:chOff x="0" y="0"/>
-          <a:chExt cx="0" cy="0"/>
-        </a:xfrm>
-      </p:grpSpPr>
-      <p:sp>
-        <p:nvSpPr>
-          <p:cNvPr id="2" name="Title 1"/>
-          <p:cNvSpPr>
-            <a:spLocks noGrp="1"/>
-          </p:cNvSpPr>
-          <p:nvPr>
-            <p:ph type="title"/>
-          </p:nvPr>
-        </p:nvSpPr>
-        <p:spPr/>
-        <p:txBody>
-          <a:bodyPr/>
-          <a:lstStyle/>
-          <a:p>
-            <a:r>
-              <a:rPr lang="en-US" altLang="zh-CN" dirty="0" smtClean="0"/>
-              <a:t>Conclusion &amp; Perspectives</a:t>
-            </a:r>
-            <a:endParaRPr lang="en-US" dirty="0"/>
-          </a:p>
-        </p:txBody>
-      </p:sp>
-      <p:sp>
-        <p:nvSpPr>
-          <p:cNvPr id="3" name="Content Placeholder 2"/>
-          <p:cNvSpPr>
-            <a:spLocks noGrp="1"/>
-          </p:cNvSpPr>
-          <p:nvPr>
-            <p:ph idx="1"/>
-          </p:nvPr>
-        </p:nvSpPr>
-        <p:spPr/>
-        <p:txBody>
-          <a:bodyPr>
-            <a:normAutofit/>
-          </a:bodyPr>
-          <a:lstStyle/>
-          <a:p>
-            <a:pPr lvl="1">
-              <a:buFont typeface="Wingdings" charset="2"/>
-              <a:buChar char="§"/>
-            </a:pPr>
-            <a:r>
-              <a:rPr lang="en-US" sz="2400" dirty="0" smtClean="0"/>
-              <a:t>Extend SQL-like logical forms to more query types</a:t>
-            </a:r>
-          </a:p>
-          <a:p>
-            <a:pPr lvl="1">
-              <a:buFont typeface="Wingdings" charset="2"/>
-              <a:buChar char="§"/>
-            </a:pPr>
-            <a:r>
-              <a:rPr lang="en-US" sz="2400" dirty="0" smtClean="0"/>
-              <a:t>Improve tagging algorithm for unseen words</a:t>
-            </a:r>
-          </a:p>
-          <a:p>
-            <a:pPr lvl="1">
-              <a:buFont typeface="Wingdings" charset="2"/>
-              <a:buChar char="§"/>
-            </a:pPr>
-            <a:r>
-              <a:rPr lang="en-US" sz="2400" dirty="0" smtClean="0"/>
-              <a:t>Greedy decoder -&gt; beam search</a:t>
-            </a:r>
-            <a:endParaRPr lang="en-US" sz="2400" dirty="0"/>
-          </a:p>
-        </p:txBody>
-      </p:sp>
-    </p:spTree>
-    <p:extLst>
-      <p:ext uri="{BB962C8B-B14F-4D97-AF65-F5344CB8AC3E}">
-        <p14:creationId xmlns:p14="http://schemas.microsoft.com/office/powerpoint/2010/main" val="163101381"/>
-      </p:ext>
-    </p:extLst>
-  </p:cSld>
-  <p:clrMapOvr>
-    <a:masterClrMapping/>
-  </p:clrMapOvr>
-  <p:timing>
-    <p:tnLst>
-      <p:par>
-        <p:cTn id="1" dur="indefinite" restart="never" nodeType="tmRoot"/>
+        <p:cTn id="1" dur="indefinite" restart="never" nodeType="tmRoot">
+          <p:childTnLst>
+            <p:seq concurrent="1" nextAc="seek">
+              <p:cTn id="2" dur="indefinite" nodeType="mainSeq">
+                <p:childTnLst>
+                  <p:par>
+                    <p:cTn id="3" fill="hold">
+                      <p:stCondLst>
+                        <p:cond delay="indefinite"/>
+                      </p:stCondLst>
+                      <p:childTnLst>
+                        <p:par>
+                          <p:cTn id="4" fill="hold">
+                            <p:stCondLst>
+                              <p:cond delay="0"/>
+                            </p:stCondLst>
+                            <p:childTnLst>
+                              <p:par>
+                                <p:cTn id="5" presetID="14" presetClass="entr" presetSubtype="10" fill="hold" nodeType="clickEffect">
+                                  <p:stCondLst>
+                                    <p:cond delay="0"/>
+                                  </p:stCondLst>
+                                  <p:childTnLst>
+                                    <p:set>
+                                      <p:cBhvr>
+                                        <p:cTn id="6" dur="1" fill="hold">
+                                          <p:stCondLst>
+                                            <p:cond delay="0"/>
+                                          </p:stCondLst>
+                                        </p:cTn>
+                                        <p:tgtEl>
+                                          <p:spTgt spid="5"/>
+                                        </p:tgtEl>
+                                        <p:attrNameLst>
+                                          <p:attrName>style.visibility</p:attrName>
+                                        </p:attrNameLst>
+                                      </p:cBhvr>
+                                      <p:to>
+                                        <p:strVal val="visible"/>
+                                      </p:to>
+                                    </p:set>
+                                    <p:animEffect transition="in" filter="randombar(horizontal)">
+                                      <p:cBhvr>
+                                        <p:cTn id="7" dur="500"/>
+                                        <p:tgtEl>
+                                          <p:spTgt spid="5"/>
+                                        </p:tgtEl>
+                                      </p:cBhvr>
+                                    </p:animEffect>
+                                  </p:childTnLst>
+                                </p:cTn>
+                              </p:par>
+                            </p:childTnLst>
+                          </p:cTn>
+                        </p:par>
+                      </p:childTnLst>
+                    </p:cTn>
+                  </p:par>
+                  <p:par>
+                    <p:cTn id="8" fill="hold">
+                      <p:stCondLst>
+                        <p:cond delay="indefinite"/>
+                      </p:stCondLst>
+                      <p:childTnLst>
+                        <p:par>
+                          <p:cTn id="9" fill="hold">
+                            <p:stCondLst>
+                              <p:cond delay="0"/>
+                            </p:stCondLst>
+                            <p:childTnLst>
+                              <p:par>
+                                <p:cTn id="10" presetID="14" presetClass="entr" presetSubtype="10" fill="hold" nodeType="clickEffect">
+                                  <p:stCondLst>
+                                    <p:cond delay="0"/>
+                                  </p:stCondLst>
+                                  <p:childTnLst>
+                                    <p:set>
+                                      <p:cBhvr>
+                                        <p:cTn id="11" dur="1" fill="hold">
+                                          <p:stCondLst>
+                                            <p:cond delay="0"/>
+                                          </p:stCondLst>
+                                        </p:cTn>
+                                        <p:tgtEl>
+                                          <p:spTgt spid="6"/>
+                                        </p:tgtEl>
+                                        <p:attrNameLst>
+                                          <p:attrName>style.visibility</p:attrName>
+                                        </p:attrNameLst>
+                                      </p:cBhvr>
+                                      <p:to>
+                                        <p:strVal val="visible"/>
+                                      </p:to>
+                                    </p:set>
+                                    <p:animEffect transition="in" filter="randombar(horizontal)">
+                                      <p:cBhvr>
+                                        <p:cTn id="12" dur="500"/>
+                                        <p:tgtEl>
+                                          <p:spTgt spid="6"/>
+                                        </p:tgtEl>
+                                      </p:cBhvr>
+                                    </p:animEffect>
+                                  </p:childTnLst>
+                                </p:cTn>
+                              </p:par>
+                            </p:childTnLst>
+                          </p:cTn>
+                        </p:par>
+                      </p:childTnLst>
+                    </p:cTn>
+                  </p:par>
+                  <p:par>
+                    <p:cTn id="13" fill="hold">
+                      <p:stCondLst>
+                        <p:cond delay="indefinite"/>
+                      </p:stCondLst>
+                      <p:childTnLst>
+                        <p:par>
+                          <p:cTn id="14" fill="hold">
+                            <p:stCondLst>
+                              <p:cond delay="0"/>
+                            </p:stCondLst>
+                            <p:childTnLst>
+                              <p:par>
+                                <p:cTn id="15" presetID="14" presetClass="entr" presetSubtype="10" fill="hold" nodeType="clickEffect">
+                                  <p:stCondLst>
+                                    <p:cond delay="0"/>
+                                  </p:stCondLst>
+                                  <p:childTnLst>
+                                    <p:set>
+                                      <p:cBhvr>
+                                        <p:cTn id="16" dur="1" fill="hold">
+                                          <p:stCondLst>
+                                            <p:cond delay="0"/>
+                                          </p:stCondLst>
+                                        </p:cTn>
+                                        <p:tgtEl>
+                                          <p:spTgt spid="4"/>
+                                        </p:tgtEl>
+                                        <p:attrNameLst>
+                                          <p:attrName>style.visibility</p:attrName>
+                                        </p:attrNameLst>
+                                      </p:cBhvr>
+                                      <p:to>
+                                        <p:strVal val="visible"/>
+                                      </p:to>
+                                    </p:set>
+                                    <p:animEffect transition="in" filter="randombar(horizontal)">
+                                      <p:cBhvr>
+                                        <p:cTn id="17" dur="500"/>
+                                        <p:tgtEl>
+                                          <p:spTgt spid="4"/>
+                                        </p:tgtEl>
+                                      </p:cBhvr>
+                                    </p:animEffect>
+                                  </p:childTnLst>
+                                </p:cTn>
+                              </p:par>
+                            </p:childTnLst>
+                          </p:cTn>
+                        </p:par>
+                      </p:childTnLst>
+                    </p:cTn>
+                  </p:par>
+                </p:childTnLst>
+              </p:cTn>
+              <p:prevCondLst>
+                <p:cond evt="onPrev" delay="0">
+                  <p:tgtEl>
+                    <p:sldTgt/>
+                  </p:tgtEl>
+                </p:cond>
+              </p:prevCondLst>
+              <p:nextCondLst>
+                <p:cond evt="onNext" delay="0">
+                  <p:tgtEl>
+                    <p:sldTgt/>
+                  </p:tgtEl>
+                </p:cond>
+              </p:nextCondLst>
+            </p:seq>
+          </p:childTnLst>
+        </p:cTn>
       </p:par>
     </p:tnLst>
   </p:timing>
@@ -7248,6 +8701,1297 @@
           <a:p>
             <a:r>
               <a:rPr lang="en-US" dirty="0" smtClean="0"/>
+              <a:t>Next steps</a:t>
+            </a:r>
+            <a:endParaRPr lang="en-US" dirty="0"/>
+          </a:p>
+        </p:txBody>
+      </p:sp>
+      <mc:AlternateContent xmlns:mc="http://schemas.openxmlformats.org/markup-compatibility/2006">
+        <mc:Choice xmlns:a14="http://schemas.microsoft.com/office/drawing/2010/main" Requires="a14">
+          <p:sp>
+            <p:nvSpPr>
+              <p:cNvPr id="3" name="Content Placeholder 2"/>
+              <p:cNvSpPr>
+                <a:spLocks noGrp="1"/>
+              </p:cNvSpPr>
+              <p:nvPr>
+                <p:ph idx="1"/>
+              </p:nvPr>
+            </p:nvSpPr>
+            <p:spPr/>
+            <p:txBody>
+              <a:bodyPr>
+                <a:normAutofit/>
+              </a:bodyPr>
+              <a:lstStyle/>
+              <a:p>
+                <a:pPr lvl="1">
+                  <a:buFont typeface="Wingdings" charset="2"/>
+                  <a:buChar char="§"/>
+                </a:pPr>
+                <a:r>
+                  <a:rPr lang="en-US" sz="2400" dirty="0" smtClean="0"/>
+                  <a:t>Fields generalization (we do not care about the exact name of field): </a:t>
+                </a:r>
+              </a:p>
+              <a:p>
+                <a:pPr marL="715518" lvl="1" indent="-514350">
+                  <a:buFont typeface="+mj-lt"/>
+                  <a:buAutoNum type="romanUcPeriod"/>
+                </a:pPr>
+                <a:r>
+                  <a:rPr lang="en-US" sz="2400" dirty="0"/>
+                  <a:t>R</a:t>
+                </a:r>
+                <a:r>
+                  <a:rPr lang="en-US" sz="2400" dirty="0" smtClean="0"/>
+                  <a:t>epresent e</a:t>
+                </a:r>
+                <a:r>
+                  <a:rPr lang="en-US" altLang="zh-CN" sz="2400" dirty="0" smtClean="0"/>
+                  <a:t>ach field with (</a:t>
+                </a:r>
+                <a14:m>
+                  <m:oMath xmlns:m="http://schemas.openxmlformats.org/officeDocument/2006/math">
+                    <m:r>
+                      <a:rPr lang="en-US" altLang="zh-CN" sz="2400" i="1" dirty="0" smtClean="0">
+                        <a:latin typeface="Cambria Math" charset="0"/>
+                      </a:rPr>
+                      <m:t>𝑖𝑑</m:t>
+                    </m:r>
+                    <m:r>
+                      <a:rPr lang="en-US" altLang="zh-CN" sz="2400" i="1" dirty="0" smtClean="0">
+                        <a:latin typeface="Cambria Math" charset="0"/>
+                      </a:rPr>
+                      <m:t>, </m:t>
+                    </m:r>
+                    <m:r>
+                      <a:rPr lang="en-US" altLang="zh-CN" sz="2400" i="1" dirty="0" smtClean="0">
+                        <a:latin typeface="Cambria Math" charset="0"/>
+                      </a:rPr>
+                      <m:t>𝑡𝑦𝑝𝑒</m:t>
+                    </m:r>
+                  </m:oMath>
+                </a14:m>
+                <a:r>
+                  <a:rPr lang="en-US" altLang="zh-CN" sz="2400" dirty="0" smtClean="0"/>
+                  <a:t>), where </a:t>
+                </a:r>
+                <a14:m>
+                  <m:oMath xmlns:m="http://schemas.openxmlformats.org/officeDocument/2006/math">
+                    <m:r>
+                      <a:rPr lang="en-US" altLang="zh-CN" sz="2400" b="0" i="1" smtClean="0">
+                        <a:latin typeface="Cambria Math" charset="0"/>
+                      </a:rPr>
+                      <m:t>𝑡𝑦𝑝𝑒</m:t>
+                    </m:r>
+                    <m:r>
+                      <a:rPr lang="en-US" altLang="zh-CN" sz="2400" b="0" i="1" smtClean="0">
+                        <a:latin typeface="Cambria Math" charset="0"/>
+                      </a:rPr>
+                      <m:t>∈</m:t>
+                    </m:r>
+                    <m:d>
+                      <m:dPr>
+                        <m:begChr m:val="{"/>
+                        <m:endChr m:val="}"/>
+                        <m:ctrlPr>
+                          <a:rPr lang="en-US" altLang="zh-CN" sz="2400" b="0" i="1" smtClean="0">
+                            <a:latin typeface="Cambria Math" charset="0"/>
+                          </a:rPr>
+                        </m:ctrlPr>
+                      </m:dPr>
+                      <m:e>
+                        <m:r>
+                          <m:rPr>
+                            <m:sty m:val="p"/>
+                          </m:rPr>
+                          <a:rPr lang="en-US" altLang="zh-CN" sz="2400" b="0" i="0" smtClean="0">
+                            <a:latin typeface="Cambria Math" charset="0"/>
+                          </a:rPr>
+                          <m:t>int</m:t>
+                        </m:r>
+                        <m:r>
+                          <a:rPr lang="en-US" altLang="zh-CN" sz="2400" b="0" i="0" smtClean="0">
+                            <a:latin typeface="Cambria Math" charset="0"/>
+                          </a:rPr>
+                          <m:t>, </m:t>
+                        </m:r>
+                        <m:r>
+                          <m:rPr>
+                            <m:sty m:val="p"/>
+                          </m:rPr>
+                          <a:rPr lang="en-US" altLang="zh-CN" sz="2400" b="0" i="0" smtClean="0">
+                            <a:latin typeface="Cambria Math" charset="0"/>
+                          </a:rPr>
+                          <m:t>string</m:t>
+                        </m:r>
+                        <m:r>
+                          <a:rPr lang="en-US" altLang="zh-CN" sz="2400" b="0" i="0" smtClean="0">
+                            <a:latin typeface="Cambria Math" charset="0"/>
+                          </a:rPr>
+                          <m:t>, </m:t>
+                        </m:r>
+                        <m:r>
+                          <m:rPr>
+                            <m:sty m:val="p"/>
+                          </m:rPr>
+                          <a:rPr lang="en-US" altLang="zh-CN" sz="2400" b="0" i="0" smtClean="0">
+                            <a:latin typeface="Cambria Math" charset="0"/>
+                          </a:rPr>
+                          <m:t>date</m:t>
+                        </m:r>
+                        <m:r>
+                          <a:rPr lang="en-US" altLang="zh-CN" sz="2400" b="0" i="1" smtClean="0">
+                            <a:latin typeface="Cambria Math" charset="0"/>
+                          </a:rPr>
+                          <m:t>…</m:t>
+                        </m:r>
+                      </m:e>
+                    </m:d>
+                  </m:oMath>
+                </a14:m>
+                <a:r>
+                  <a:rPr lang="en-US" sz="2400" dirty="0" smtClean="0"/>
+                  <a:t>; </a:t>
+                </a:r>
+              </a:p>
+              <a:p>
+                <a:pPr marL="715518" lvl="1" indent="-514350">
+                  <a:buFont typeface="+mj-lt"/>
+                  <a:buAutoNum type="romanUcPeriod"/>
+                </a:pPr>
+                <a:r>
+                  <a:rPr lang="en-US" sz="2400" dirty="0" smtClean="0"/>
+                  <a:t>Tagging each token/phrase in the query with one of the </a:t>
+                </a:r>
+                <a14:m>
+                  <m:oMath xmlns:m="http://schemas.openxmlformats.org/officeDocument/2006/math">
+                    <m:r>
+                      <a:rPr lang="en-US" sz="2400" i="0" dirty="0" smtClean="0">
+                        <a:latin typeface="Cambria Math" charset="0"/>
+                      </a:rPr>
+                      <m:t>{</m:t>
+                    </m:r>
+                    <m:r>
+                      <a:rPr lang="en-US" sz="2400" b="0" i="0" dirty="0" smtClean="0">
+                        <a:latin typeface="Cambria Math" charset="0"/>
+                      </a:rPr>
+                      <m:t>&lt;</m:t>
+                    </m:r>
+                    <m:r>
+                      <m:rPr>
+                        <m:sty m:val="p"/>
+                      </m:rPr>
+                      <a:rPr lang="en-US" sz="2400" b="0" i="0" dirty="0" smtClean="0">
+                        <a:latin typeface="Cambria Math" charset="0"/>
+                      </a:rPr>
+                      <m:t>field</m:t>
+                    </m:r>
+                    <m:r>
+                      <a:rPr lang="en-US" sz="2400" b="0" i="0" dirty="0" smtClean="0">
+                        <a:latin typeface="Cambria Math" charset="0"/>
+                      </a:rPr>
+                      <m:t>:</m:t>
+                    </m:r>
+                    <m:r>
+                      <a:rPr lang="en-US" sz="2400" b="0" i="1" dirty="0" smtClean="0">
+                        <a:latin typeface="Cambria Math" charset="0"/>
+                      </a:rPr>
+                      <m:t>𝑖</m:t>
+                    </m:r>
+                    <m:r>
+                      <a:rPr lang="en-US" sz="2400" b="0" i="0" dirty="0" smtClean="0">
+                        <a:latin typeface="Cambria Math" charset="0"/>
+                      </a:rPr>
+                      <m:t>&gt;,&lt;</m:t>
+                    </m:r>
+                    <m:r>
+                      <m:rPr>
+                        <m:sty m:val="p"/>
+                      </m:rPr>
+                      <a:rPr lang="en-US" sz="2400" b="0" i="0" dirty="0" smtClean="0">
+                        <a:latin typeface="Cambria Math" charset="0"/>
+                      </a:rPr>
+                      <m:t>field</m:t>
+                    </m:r>
+                    <m:r>
+                      <a:rPr lang="en-US" sz="2400" b="0" i="0" dirty="0" smtClean="0">
+                        <a:latin typeface="Cambria Math" charset="0"/>
+                      </a:rPr>
+                      <m:t> </m:t>
+                    </m:r>
+                    <m:r>
+                      <m:rPr>
+                        <m:sty m:val="p"/>
+                      </m:rPr>
+                      <a:rPr lang="en-US" sz="2400" b="0" i="0" dirty="0" smtClean="0">
+                        <a:latin typeface="Cambria Math" charset="0"/>
+                      </a:rPr>
+                      <m:t>val</m:t>
+                    </m:r>
+                    <m:r>
+                      <a:rPr lang="en-US" sz="2400" b="0" i="0" dirty="0" smtClean="0">
+                        <a:latin typeface="Cambria Math" charset="0"/>
+                      </a:rPr>
+                      <m:t>:</m:t>
+                    </m:r>
+                    <m:r>
+                      <a:rPr lang="en-US" sz="2400" b="0" i="1" dirty="0" smtClean="0">
+                        <a:latin typeface="Cambria Math" charset="0"/>
+                      </a:rPr>
+                      <m:t>𝑗</m:t>
+                    </m:r>
+                    <m:r>
+                      <a:rPr lang="en-US" sz="2400" b="0" i="0" dirty="0" smtClean="0">
+                        <a:latin typeface="Cambria Math" charset="0"/>
+                      </a:rPr>
+                      <m:t>&gt;,&lt;</m:t>
+                    </m:r>
+                    <m:r>
+                      <m:rPr>
+                        <m:sty m:val="p"/>
+                      </m:rPr>
+                      <a:rPr lang="en-US" sz="2400" b="0" i="0" dirty="0" smtClean="0">
+                        <a:latin typeface="Cambria Math" charset="0"/>
+                      </a:rPr>
+                      <m:t>nan</m:t>
+                    </m:r>
+                    <m:r>
+                      <a:rPr lang="en-US" sz="2400" b="0" i="0" dirty="0" smtClean="0">
+                        <a:latin typeface="Cambria Math" charset="0"/>
+                      </a:rPr>
+                      <m:t>&gt;</m:t>
+                    </m:r>
+                    <m:r>
+                      <a:rPr lang="en-US" sz="2400" i="1" dirty="0" smtClean="0">
+                        <a:latin typeface="Cambria Math" charset="0"/>
+                      </a:rPr>
+                      <m:t>}</m:t>
+                    </m:r>
+                  </m:oMath>
+                </a14:m>
+                <a:endParaRPr lang="en-US" sz="2400" dirty="0" smtClean="0"/>
+              </a:p>
+            </p:txBody>
+          </p:sp>
+        </mc:Choice>
+        <mc:Fallback>
+          <p:sp>
+            <p:nvSpPr>
+              <p:cNvPr id="3" name="Content Placeholder 2"/>
+              <p:cNvSpPr>
+                <a:spLocks noGrp="1" noRot="1" noChangeAspect="1" noMove="1" noResize="1" noEditPoints="1" noAdjustHandles="1" noChangeArrowheads="1" noChangeShapeType="1" noTextEdit="1"/>
+              </p:cNvSpPr>
+              <p:nvPr>
+                <p:ph idx="1"/>
+              </p:nvPr>
+            </p:nvSpPr>
+            <p:spPr>
+              <a:blipFill rotWithShape="0">
+                <a:blip r:embed="rId2"/>
+                <a:stretch>
+                  <a:fillRect t="-2121"/>
+                </a:stretch>
+              </a:blipFill>
+            </p:spPr>
+            <p:txBody>
+              <a:bodyPr/>
+              <a:lstStyle/>
+              <a:p>
+                <a:r>
+                  <a:rPr lang="en-US">
+                    <a:noFill/>
+                  </a:rPr>
+                  <a:t> </a:t>
+                </a:r>
+              </a:p>
+            </p:txBody>
+          </p:sp>
+        </mc:Fallback>
+      </mc:AlternateContent>
+      <p:sp>
+        <p:nvSpPr>
+          <p:cNvPr id="4" name="TextBox 3"/>
+          <p:cNvSpPr txBox="1"/>
+          <p:nvPr/>
+        </p:nvSpPr>
+        <p:spPr>
+          <a:xfrm>
+            <a:off x="4541269" y="5021274"/>
+            <a:ext cx="4602731" cy="646331"/>
+          </a:xfrm>
+          <a:prstGeom prst="rect">
+            <a:avLst/>
+          </a:prstGeom>
+          <a:noFill/>
+        </p:spPr>
+        <p:txBody>
+          <a:bodyPr wrap="square" rtlCol="0">
+            <a:spAutoFit/>
+          </a:bodyPr>
+          <a:lstStyle/>
+          <a:p>
+            <a:r>
+              <a:rPr lang="en-US" dirty="0" smtClean="0"/>
+              <a:t>&lt;nan&gt; &lt;nan&gt; &lt;field: 1&gt; &lt;nan&gt; &lt;nan&gt; &lt;field: 2&gt; &lt;field: 3&gt; &lt;field </a:t>
+            </a:r>
+            <a:r>
+              <a:rPr lang="en-US" dirty="0" err="1" smtClean="0"/>
+              <a:t>val</a:t>
+            </a:r>
+            <a:r>
+              <a:rPr lang="en-US" dirty="0" smtClean="0"/>
+              <a:t>: 3&gt; &lt;nan&gt;</a:t>
+            </a:r>
+            <a:endParaRPr lang="en-US" dirty="0"/>
+          </a:p>
+        </p:txBody>
+      </p:sp>
+      <p:sp>
+        <p:nvSpPr>
+          <p:cNvPr id="5" name="TextBox 4"/>
+          <p:cNvSpPr txBox="1"/>
+          <p:nvPr/>
+        </p:nvSpPr>
+        <p:spPr>
+          <a:xfrm>
+            <a:off x="4556259" y="4323150"/>
+            <a:ext cx="3791764" cy="646331"/>
+          </a:xfrm>
+          <a:prstGeom prst="rect">
+            <a:avLst/>
+          </a:prstGeom>
+          <a:noFill/>
+        </p:spPr>
+        <p:txBody>
+          <a:bodyPr wrap="square" rtlCol="0">
+            <a:spAutoFit/>
+          </a:bodyPr>
+          <a:lstStyle/>
+          <a:p>
+            <a:r>
+              <a:rPr lang="en-US" b="1" dirty="0" smtClean="0"/>
+              <a:t>how many gold medals the nation ranked 14 won</a:t>
+            </a:r>
+            <a:endParaRPr lang="en-US" b="1" dirty="0"/>
+          </a:p>
+        </p:txBody>
+      </p:sp>
+      <p:sp>
+        <p:nvSpPr>
+          <p:cNvPr id="6" name="TextBox 5"/>
+          <p:cNvSpPr txBox="1"/>
+          <p:nvPr/>
+        </p:nvSpPr>
+        <p:spPr>
+          <a:xfrm>
+            <a:off x="652440" y="4348448"/>
+            <a:ext cx="3583399" cy="646331"/>
+          </a:xfrm>
+          <a:prstGeom prst="rect">
+            <a:avLst/>
+          </a:prstGeom>
+          <a:noFill/>
+        </p:spPr>
+        <p:txBody>
+          <a:bodyPr wrap="square" rtlCol="0">
+            <a:spAutoFit/>
+          </a:bodyPr>
+          <a:lstStyle/>
+          <a:p>
+            <a:r>
+              <a:rPr lang="en-US" b="1" dirty="0" smtClean="0"/>
+              <a:t>Country Rank Gold Silver Bronze Total</a:t>
+            </a:r>
+            <a:endParaRPr lang="en-US" b="1" dirty="0"/>
+          </a:p>
+        </p:txBody>
+      </p:sp>
+      <p:sp>
+        <p:nvSpPr>
+          <p:cNvPr id="7" name="TextBox 6"/>
+          <p:cNvSpPr txBox="1"/>
+          <p:nvPr/>
+        </p:nvSpPr>
+        <p:spPr>
+          <a:xfrm>
+            <a:off x="637450" y="5021347"/>
+            <a:ext cx="3763281" cy="646331"/>
+          </a:xfrm>
+          <a:prstGeom prst="rect">
+            <a:avLst/>
+          </a:prstGeom>
+          <a:noFill/>
+        </p:spPr>
+        <p:txBody>
+          <a:bodyPr wrap="square" rtlCol="0">
+            <a:spAutoFit/>
+          </a:bodyPr>
+          <a:lstStyle/>
+          <a:p>
+            <a:r>
+              <a:rPr lang="en-US" dirty="0" smtClean="0"/>
+              <a:t>(1, string) (2, </a:t>
+            </a:r>
+            <a:r>
+              <a:rPr lang="en-US" dirty="0" err="1" smtClean="0"/>
+              <a:t>int</a:t>
+            </a:r>
+            <a:r>
+              <a:rPr lang="en-US" dirty="0" smtClean="0"/>
+              <a:t>) (3, </a:t>
+            </a:r>
+            <a:r>
+              <a:rPr lang="en-US" dirty="0" err="1" smtClean="0"/>
+              <a:t>int</a:t>
+            </a:r>
+            <a:r>
+              <a:rPr lang="en-US" dirty="0" smtClean="0"/>
+              <a:t>) (4, </a:t>
+            </a:r>
+            <a:r>
+              <a:rPr lang="en-US" dirty="0" err="1" smtClean="0"/>
+              <a:t>int</a:t>
+            </a:r>
+            <a:r>
+              <a:rPr lang="en-US" dirty="0" smtClean="0"/>
+              <a:t>) (5, </a:t>
+            </a:r>
+            <a:r>
+              <a:rPr lang="en-US" dirty="0" err="1" smtClean="0"/>
+              <a:t>int</a:t>
+            </a:r>
+            <a:r>
+              <a:rPr lang="en-US" dirty="0" smtClean="0"/>
+              <a:t>) (6, </a:t>
+            </a:r>
+            <a:r>
+              <a:rPr lang="en-US" dirty="0" err="1" smtClean="0"/>
+              <a:t>int</a:t>
+            </a:r>
+            <a:r>
+              <a:rPr lang="en-US" dirty="0" smtClean="0"/>
+              <a:t>)</a:t>
+            </a:r>
+            <a:endParaRPr lang="en-US" dirty="0"/>
+          </a:p>
+        </p:txBody>
+      </p:sp>
+      <p:sp>
+        <p:nvSpPr>
+          <p:cNvPr id="8" name="TextBox 7"/>
+          <p:cNvSpPr txBox="1"/>
+          <p:nvPr/>
+        </p:nvSpPr>
+        <p:spPr>
+          <a:xfrm>
+            <a:off x="4543769" y="5638367"/>
+            <a:ext cx="4602731" cy="646331"/>
+          </a:xfrm>
+          <a:prstGeom prst="rect">
+            <a:avLst/>
+          </a:prstGeom>
+          <a:noFill/>
+        </p:spPr>
+        <p:txBody>
+          <a:bodyPr wrap="square" rtlCol="0">
+            <a:spAutoFit/>
+          </a:bodyPr>
+          <a:lstStyle/>
+          <a:p>
+            <a:r>
+              <a:rPr lang="en-US" dirty="0" smtClean="0"/>
+              <a:t>where </a:t>
+            </a:r>
+            <a:r>
+              <a:rPr lang="en-US" dirty="0" smtClean="0"/>
+              <a:t>&lt;field: 3&gt; equal &lt;field </a:t>
+            </a:r>
+            <a:r>
+              <a:rPr lang="en-US" dirty="0" err="1" smtClean="0"/>
+              <a:t>val</a:t>
+            </a:r>
+            <a:r>
+              <a:rPr lang="en-US" dirty="0" smtClean="0"/>
+              <a:t>: 3&gt; select &lt;field: 2&gt;  as A </a:t>
+            </a:r>
+            <a:r>
+              <a:rPr lang="en-US" dirty="0" smtClean="0"/>
+              <a:t>select &lt;field: 1&gt;</a:t>
+            </a:r>
+            <a:endParaRPr lang="en-US" dirty="0"/>
+          </a:p>
+        </p:txBody>
+      </p:sp>
+    </p:spTree>
+    <p:extLst>
+      <p:ext uri="{BB962C8B-B14F-4D97-AF65-F5344CB8AC3E}">
+        <p14:creationId xmlns:p14="http://schemas.microsoft.com/office/powerpoint/2010/main" val="163101381"/>
+      </p:ext>
+    </p:extLst>
+  </p:cSld>
+  <p:clrMapOvr>
+    <a:masterClrMapping/>
+  </p:clrMapOvr>
+  <p:timing>
+    <p:tnLst>
+      <p:par>
+        <p:cTn id="1" dur="indefinite" restart="never" nodeType="tmRoot">
+          <p:childTnLst>
+            <p:seq concurrent="1" nextAc="seek">
+              <p:cTn id="2" dur="indefinite" nodeType="mainSeq">
+                <p:childTnLst>
+                  <p:par>
+                    <p:cTn id="3" fill="hold">
+                      <p:stCondLst>
+                        <p:cond delay="indefinite"/>
+                      </p:stCondLst>
+                      <p:childTnLst>
+                        <p:par>
+                          <p:cTn id="4" fill="hold">
+                            <p:stCondLst>
+                              <p:cond delay="0"/>
+                            </p:stCondLst>
+                            <p:childTnLst>
+                              <p:par>
+                                <p:cTn id="5" presetID="14" presetClass="entr" presetSubtype="10" fill="hold" nodeType="clickEffect">
+                                  <p:stCondLst>
+                                    <p:cond delay="0"/>
+                                  </p:stCondLst>
+                                  <p:childTnLst>
+                                    <p:set>
+                                      <p:cBhvr>
+                                        <p:cTn id="6" dur="1" fill="hold">
+                                          <p:stCondLst>
+                                            <p:cond delay="0"/>
+                                          </p:stCondLst>
+                                        </p:cTn>
+                                        <p:tgtEl>
+                                          <p:spTgt spid="3">
+                                            <p:txEl>
+                                              <p:pRg st="0" end="0"/>
+                                            </p:txEl>
+                                          </p:spTgt>
+                                        </p:tgtEl>
+                                        <p:attrNameLst>
+                                          <p:attrName>style.visibility</p:attrName>
+                                        </p:attrNameLst>
+                                      </p:cBhvr>
+                                      <p:to>
+                                        <p:strVal val="visible"/>
+                                      </p:to>
+                                    </p:set>
+                                    <p:animEffect transition="in" filter="randombar(horizontal)">
+                                      <p:cBhvr>
+                                        <p:cTn id="7" dur="500"/>
+                                        <p:tgtEl>
+                                          <p:spTgt spid="3">
+                                            <p:txEl>
+                                              <p:pRg st="0" end="0"/>
+                                            </p:txEl>
+                                          </p:spTgt>
+                                        </p:tgtEl>
+                                      </p:cBhvr>
+                                    </p:animEffect>
+                                  </p:childTnLst>
+                                </p:cTn>
+                              </p:par>
+                            </p:childTnLst>
+                          </p:cTn>
+                        </p:par>
+                      </p:childTnLst>
+                    </p:cTn>
+                  </p:par>
+                  <p:par>
+                    <p:cTn id="8" fill="hold">
+                      <p:stCondLst>
+                        <p:cond delay="indefinite"/>
+                      </p:stCondLst>
+                      <p:childTnLst>
+                        <p:par>
+                          <p:cTn id="9" fill="hold">
+                            <p:stCondLst>
+                              <p:cond delay="0"/>
+                            </p:stCondLst>
+                            <p:childTnLst>
+                              <p:par>
+                                <p:cTn id="10" presetID="14" presetClass="entr" presetSubtype="10" fill="hold" nodeType="clickEffect">
+                                  <p:stCondLst>
+                                    <p:cond delay="0"/>
+                                  </p:stCondLst>
+                                  <p:childTnLst>
+                                    <p:set>
+                                      <p:cBhvr>
+                                        <p:cTn id="11" dur="1" fill="hold">
+                                          <p:stCondLst>
+                                            <p:cond delay="0"/>
+                                          </p:stCondLst>
+                                        </p:cTn>
+                                        <p:tgtEl>
+                                          <p:spTgt spid="3">
+                                            <p:txEl>
+                                              <p:pRg st="1" end="1"/>
+                                            </p:txEl>
+                                          </p:spTgt>
+                                        </p:tgtEl>
+                                        <p:attrNameLst>
+                                          <p:attrName>style.visibility</p:attrName>
+                                        </p:attrNameLst>
+                                      </p:cBhvr>
+                                      <p:to>
+                                        <p:strVal val="visible"/>
+                                      </p:to>
+                                    </p:set>
+                                    <p:animEffect transition="in" filter="randombar(horizontal)">
+                                      <p:cBhvr>
+                                        <p:cTn id="12" dur="500"/>
+                                        <p:tgtEl>
+                                          <p:spTgt spid="3">
+                                            <p:txEl>
+                                              <p:pRg st="1" end="1"/>
+                                            </p:txEl>
+                                          </p:spTgt>
+                                        </p:tgtEl>
+                                      </p:cBhvr>
+                                    </p:animEffect>
+                                  </p:childTnLst>
+                                </p:cTn>
+                              </p:par>
+                            </p:childTnLst>
+                          </p:cTn>
+                        </p:par>
+                      </p:childTnLst>
+                    </p:cTn>
+                  </p:par>
+                  <p:par>
+                    <p:cTn id="13" fill="hold">
+                      <p:stCondLst>
+                        <p:cond delay="indefinite"/>
+                      </p:stCondLst>
+                      <p:childTnLst>
+                        <p:par>
+                          <p:cTn id="14" fill="hold">
+                            <p:stCondLst>
+                              <p:cond delay="0"/>
+                            </p:stCondLst>
+                            <p:childTnLst>
+                              <p:par>
+                                <p:cTn id="15" presetID="14" presetClass="entr" presetSubtype="10" fill="hold" grpId="0" nodeType="clickEffect">
+                                  <p:stCondLst>
+                                    <p:cond delay="0"/>
+                                  </p:stCondLst>
+                                  <p:childTnLst>
+                                    <p:set>
+                                      <p:cBhvr>
+                                        <p:cTn id="16" dur="1" fill="hold">
+                                          <p:stCondLst>
+                                            <p:cond delay="0"/>
+                                          </p:stCondLst>
+                                        </p:cTn>
+                                        <p:tgtEl>
+                                          <p:spTgt spid="6"/>
+                                        </p:tgtEl>
+                                        <p:attrNameLst>
+                                          <p:attrName>style.visibility</p:attrName>
+                                        </p:attrNameLst>
+                                      </p:cBhvr>
+                                      <p:to>
+                                        <p:strVal val="visible"/>
+                                      </p:to>
+                                    </p:set>
+                                    <p:animEffect transition="in" filter="randombar(horizontal)">
+                                      <p:cBhvr>
+                                        <p:cTn id="17" dur="500"/>
+                                        <p:tgtEl>
+                                          <p:spTgt spid="6"/>
+                                        </p:tgtEl>
+                                      </p:cBhvr>
+                                    </p:animEffect>
+                                  </p:childTnLst>
+                                </p:cTn>
+                              </p:par>
+                              <p:par>
+                                <p:cTn id="18" presetID="14" presetClass="entr" presetSubtype="10" fill="hold" grpId="0" nodeType="withEffect">
+                                  <p:stCondLst>
+                                    <p:cond delay="0"/>
+                                  </p:stCondLst>
+                                  <p:childTnLst>
+                                    <p:set>
+                                      <p:cBhvr>
+                                        <p:cTn id="19" dur="1" fill="hold">
+                                          <p:stCondLst>
+                                            <p:cond delay="0"/>
+                                          </p:stCondLst>
+                                        </p:cTn>
+                                        <p:tgtEl>
+                                          <p:spTgt spid="7"/>
+                                        </p:tgtEl>
+                                        <p:attrNameLst>
+                                          <p:attrName>style.visibility</p:attrName>
+                                        </p:attrNameLst>
+                                      </p:cBhvr>
+                                      <p:to>
+                                        <p:strVal val="visible"/>
+                                      </p:to>
+                                    </p:set>
+                                    <p:animEffect transition="in" filter="randombar(horizontal)">
+                                      <p:cBhvr>
+                                        <p:cTn id="20" dur="500"/>
+                                        <p:tgtEl>
+                                          <p:spTgt spid="7"/>
+                                        </p:tgtEl>
+                                      </p:cBhvr>
+                                    </p:animEffect>
+                                  </p:childTnLst>
+                                </p:cTn>
+                              </p:par>
+                            </p:childTnLst>
+                          </p:cTn>
+                        </p:par>
+                      </p:childTnLst>
+                    </p:cTn>
+                  </p:par>
+                  <p:par>
+                    <p:cTn id="21" fill="hold">
+                      <p:stCondLst>
+                        <p:cond delay="indefinite"/>
+                      </p:stCondLst>
+                      <p:childTnLst>
+                        <p:par>
+                          <p:cTn id="22" fill="hold">
+                            <p:stCondLst>
+                              <p:cond delay="0"/>
+                            </p:stCondLst>
+                            <p:childTnLst>
+                              <p:par>
+                                <p:cTn id="23" presetID="14" presetClass="entr" presetSubtype="10" fill="hold" nodeType="clickEffect">
+                                  <p:stCondLst>
+                                    <p:cond delay="0"/>
+                                  </p:stCondLst>
+                                  <p:childTnLst>
+                                    <p:set>
+                                      <p:cBhvr>
+                                        <p:cTn id="24" dur="1" fill="hold">
+                                          <p:stCondLst>
+                                            <p:cond delay="0"/>
+                                          </p:stCondLst>
+                                        </p:cTn>
+                                        <p:tgtEl>
+                                          <p:spTgt spid="3">
+                                            <p:txEl>
+                                              <p:pRg st="2" end="2"/>
+                                            </p:txEl>
+                                          </p:spTgt>
+                                        </p:tgtEl>
+                                        <p:attrNameLst>
+                                          <p:attrName>style.visibility</p:attrName>
+                                        </p:attrNameLst>
+                                      </p:cBhvr>
+                                      <p:to>
+                                        <p:strVal val="visible"/>
+                                      </p:to>
+                                    </p:set>
+                                    <p:animEffect transition="in" filter="randombar(horizontal)">
+                                      <p:cBhvr>
+                                        <p:cTn id="25" dur="500"/>
+                                        <p:tgtEl>
+                                          <p:spTgt spid="3">
+                                            <p:txEl>
+                                              <p:pRg st="2" end="2"/>
+                                            </p:txEl>
+                                          </p:spTgt>
+                                        </p:tgtEl>
+                                      </p:cBhvr>
+                                    </p:animEffect>
+                                  </p:childTnLst>
+                                </p:cTn>
+                              </p:par>
+                              <p:par>
+                                <p:cTn id="26" presetID="14" presetClass="entr" presetSubtype="10" fill="hold" grpId="0" nodeType="withEffect">
+                                  <p:stCondLst>
+                                    <p:cond delay="0"/>
+                                  </p:stCondLst>
+                                  <p:childTnLst>
+                                    <p:set>
+                                      <p:cBhvr>
+                                        <p:cTn id="27" dur="1" fill="hold">
+                                          <p:stCondLst>
+                                            <p:cond delay="0"/>
+                                          </p:stCondLst>
+                                        </p:cTn>
+                                        <p:tgtEl>
+                                          <p:spTgt spid="5"/>
+                                        </p:tgtEl>
+                                        <p:attrNameLst>
+                                          <p:attrName>style.visibility</p:attrName>
+                                        </p:attrNameLst>
+                                      </p:cBhvr>
+                                      <p:to>
+                                        <p:strVal val="visible"/>
+                                      </p:to>
+                                    </p:set>
+                                    <p:animEffect transition="in" filter="randombar(horizontal)">
+                                      <p:cBhvr>
+                                        <p:cTn id="28" dur="500"/>
+                                        <p:tgtEl>
+                                          <p:spTgt spid="5"/>
+                                        </p:tgtEl>
+                                      </p:cBhvr>
+                                    </p:animEffect>
+                                  </p:childTnLst>
+                                </p:cTn>
+                              </p:par>
+                            </p:childTnLst>
+                          </p:cTn>
+                        </p:par>
+                      </p:childTnLst>
+                    </p:cTn>
+                  </p:par>
+                  <p:par>
+                    <p:cTn id="29" fill="hold">
+                      <p:stCondLst>
+                        <p:cond delay="indefinite"/>
+                      </p:stCondLst>
+                      <p:childTnLst>
+                        <p:par>
+                          <p:cTn id="30" fill="hold">
+                            <p:stCondLst>
+                              <p:cond delay="0"/>
+                            </p:stCondLst>
+                            <p:childTnLst>
+                              <p:par>
+                                <p:cTn id="31" presetID="14" presetClass="entr" presetSubtype="10" fill="hold" grpId="0" nodeType="clickEffect">
+                                  <p:stCondLst>
+                                    <p:cond delay="0"/>
+                                  </p:stCondLst>
+                                  <p:childTnLst>
+                                    <p:set>
+                                      <p:cBhvr>
+                                        <p:cTn id="32" dur="1" fill="hold">
+                                          <p:stCondLst>
+                                            <p:cond delay="0"/>
+                                          </p:stCondLst>
+                                        </p:cTn>
+                                        <p:tgtEl>
+                                          <p:spTgt spid="4"/>
+                                        </p:tgtEl>
+                                        <p:attrNameLst>
+                                          <p:attrName>style.visibility</p:attrName>
+                                        </p:attrNameLst>
+                                      </p:cBhvr>
+                                      <p:to>
+                                        <p:strVal val="visible"/>
+                                      </p:to>
+                                    </p:set>
+                                    <p:animEffect transition="in" filter="randombar(horizontal)">
+                                      <p:cBhvr>
+                                        <p:cTn id="33" dur="500"/>
+                                        <p:tgtEl>
+                                          <p:spTgt spid="4"/>
+                                        </p:tgtEl>
+                                      </p:cBhvr>
+                                    </p:animEffect>
+                                  </p:childTnLst>
+                                </p:cTn>
+                              </p:par>
+                            </p:childTnLst>
+                          </p:cTn>
+                        </p:par>
+                      </p:childTnLst>
+                    </p:cTn>
+                  </p:par>
+                  <p:par>
+                    <p:cTn id="34" fill="hold">
+                      <p:stCondLst>
+                        <p:cond delay="indefinite"/>
+                      </p:stCondLst>
+                      <p:childTnLst>
+                        <p:par>
+                          <p:cTn id="35" fill="hold">
+                            <p:stCondLst>
+                              <p:cond delay="0"/>
+                            </p:stCondLst>
+                            <p:childTnLst>
+                              <p:par>
+                                <p:cTn id="36" presetID="14" presetClass="entr" presetSubtype="10" fill="hold" grpId="0" nodeType="clickEffect">
+                                  <p:stCondLst>
+                                    <p:cond delay="0"/>
+                                  </p:stCondLst>
+                                  <p:childTnLst>
+                                    <p:set>
+                                      <p:cBhvr>
+                                        <p:cTn id="37" dur="1" fill="hold">
+                                          <p:stCondLst>
+                                            <p:cond delay="0"/>
+                                          </p:stCondLst>
+                                        </p:cTn>
+                                        <p:tgtEl>
+                                          <p:spTgt spid="8"/>
+                                        </p:tgtEl>
+                                        <p:attrNameLst>
+                                          <p:attrName>style.visibility</p:attrName>
+                                        </p:attrNameLst>
+                                      </p:cBhvr>
+                                      <p:to>
+                                        <p:strVal val="visible"/>
+                                      </p:to>
+                                    </p:set>
+                                    <p:animEffect transition="in" filter="randombar(horizontal)">
+                                      <p:cBhvr>
+                                        <p:cTn id="38" dur="500"/>
+                                        <p:tgtEl>
+                                          <p:spTgt spid="8"/>
+                                        </p:tgtEl>
+                                      </p:cBhvr>
+                                    </p:animEffect>
+                                  </p:childTnLst>
+                                </p:cTn>
+                              </p:par>
+                            </p:childTnLst>
+                          </p:cTn>
+                        </p:par>
+                      </p:childTnLst>
+                    </p:cTn>
+                  </p:par>
+                </p:childTnLst>
+              </p:cTn>
+              <p:prevCondLst>
+                <p:cond evt="onPrev" delay="0">
+                  <p:tgtEl>
+                    <p:sldTgt/>
+                  </p:tgtEl>
+                </p:cond>
+              </p:prevCondLst>
+              <p:nextCondLst>
+                <p:cond evt="onNext" delay="0">
+                  <p:tgtEl>
+                    <p:sldTgt/>
+                  </p:tgtEl>
+                </p:cond>
+              </p:nextCondLst>
+            </p:seq>
+          </p:childTnLst>
+        </p:cTn>
+      </p:par>
+    </p:tnLst>
+    <p:bldLst>
+      <p:bldP spid="4" grpId="0"/>
+      <p:bldP spid="5" grpId="0"/>
+      <p:bldP spid="6" grpId="0"/>
+      <p:bldP spid="7" grpId="0"/>
+      <p:bldP spid="8" grpId="0"/>
+    </p:bldLst>
+  </p:timing>
+</p:sld>
+</file>
+
+<file path=ppt/slides/slide22.xml><?xml version="1.0" encoding="utf-8"?>
+<p:sld xmlns:a="http://schemas.openxmlformats.org/drawingml/2006/main" xmlns:r="http://schemas.openxmlformats.org/officeDocument/2006/relationships" xmlns:p="http://schemas.openxmlformats.org/presentationml/2006/main">
+  <p:cSld>
+    <p:spTree>
+      <p:nvGrpSpPr>
+        <p:cNvPr id="1" name=""/>
+        <p:cNvGrpSpPr/>
+        <p:nvPr/>
+      </p:nvGrpSpPr>
+      <p:grpSpPr>
+        <a:xfrm>
+          <a:off x="0" y="0"/>
+          <a:ext cx="0" cy="0"/>
+          <a:chOff x="0" y="0"/>
+          <a:chExt cx="0" cy="0"/>
+        </a:xfrm>
+      </p:grpSpPr>
+      <p:sp>
+        <p:nvSpPr>
+          <p:cNvPr id="2" name="Title 1"/>
+          <p:cNvSpPr>
+            <a:spLocks noGrp="1"/>
+          </p:cNvSpPr>
+          <p:nvPr>
+            <p:ph type="title"/>
+          </p:nvPr>
+        </p:nvSpPr>
+        <p:spPr/>
+        <p:txBody>
+          <a:bodyPr/>
+          <a:lstStyle/>
+          <a:p>
+            <a:r>
+              <a:rPr lang="en-US" dirty="0"/>
+              <a:t>Next steps</a:t>
+            </a:r>
+          </a:p>
+        </p:txBody>
+      </p:sp>
+      <p:sp>
+        <p:nvSpPr>
+          <p:cNvPr id="3" name="Content Placeholder 2"/>
+          <p:cNvSpPr>
+            <a:spLocks noGrp="1"/>
+          </p:cNvSpPr>
+          <p:nvPr>
+            <p:ph idx="1"/>
+          </p:nvPr>
+        </p:nvSpPr>
+        <p:spPr/>
+        <p:txBody>
+          <a:bodyPr>
+            <a:normAutofit/>
+          </a:bodyPr>
+          <a:lstStyle/>
+          <a:p>
+            <a:pPr lvl="1">
+              <a:buFont typeface="Wingdings" charset="2"/>
+              <a:buChar char="§"/>
+            </a:pPr>
+            <a:r>
+              <a:rPr lang="en-US" sz="2400" dirty="0" smtClean="0"/>
+              <a:t>Improve tagging algorithm </a:t>
+            </a:r>
+            <a:r>
+              <a:rPr lang="en-US" altLang="zh-CN" sz="2400" dirty="0" smtClean="0"/>
+              <a:t>to</a:t>
+            </a:r>
+            <a:r>
+              <a:rPr lang="en-US" sz="2400" dirty="0" smtClean="0"/>
+              <a:t> identify words that are possible values of a certain field. (e.g. ‘china’ or ‘japan’ would be related to ‘Nation’, using Bloom filter)</a:t>
+            </a:r>
+          </a:p>
+          <a:p>
+            <a:pPr lvl="1">
+              <a:buFont typeface="Wingdings" charset="2"/>
+              <a:buChar char="§"/>
+            </a:pPr>
+            <a:endParaRPr lang="en-US" sz="2400" dirty="0"/>
+          </a:p>
+          <a:p>
+            <a:pPr lvl="1">
+              <a:buFont typeface="Wingdings" charset="2"/>
+              <a:buChar char="§"/>
+            </a:pPr>
+            <a:endParaRPr lang="en-US" sz="2400" dirty="0" smtClean="0"/>
+          </a:p>
+          <a:p>
+            <a:pPr lvl="1">
+              <a:buFont typeface="Wingdings" charset="2"/>
+              <a:buChar char="§"/>
+            </a:pPr>
+            <a:r>
+              <a:rPr lang="en-US" sz="2400" dirty="0"/>
+              <a:t>Greedy decoder -&gt; beam search</a:t>
+            </a:r>
+          </a:p>
+          <a:p>
+            <a:pPr lvl="1">
+              <a:buFont typeface="Wingdings" charset="2"/>
+              <a:buChar char="§"/>
+            </a:pPr>
+            <a:endParaRPr lang="en-US" sz="2400" dirty="0" smtClean="0"/>
+          </a:p>
+        </p:txBody>
+      </p:sp>
+    </p:spTree>
+    <p:extLst>
+      <p:ext uri="{BB962C8B-B14F-4D97-AF65-F5344CB8AC3E}">
+        <p14:creationId xmlns:p14="http://schemas.microsoft.com/office/powerpoint/2010/main" val="181608289"/>
+      </p:ext>
+    </p:extLst>
+  </p:cSld>
+  <p:clrMapOvr>
+    <a:masterClrMapping/>
+  </p:clrMapOvr>
+  <p:timing>
+    <p:tnLst>
+      <p:par>
+        <p:cTn id="1" dur="indefinite" restart="never" nodeType="tmRoot">
+          <p:childTnLst>
+            <p:seq concurrent="1" nextAc="seek">
+              <p:cTn id="2" dur="indefinite" nodeType="mainSeq">
+                <p:childTnLst>
+                  <p:par>
+                    <p:cTn id="3" fill="hold">
+                      <p:stCondLst>
+                        <p:cond delay="indefinite"/>
+                      </p:stCondLst>
+                      <p:childTnLst>
+                        <p:par>
+                          <p:cTn id="4" fill="hold">
+                            <p:stCondLst>
+                              <p:cond delay="0"/>
+                            </p:stCondLst>
+                            <p:childTnLst>
+                              <p:par>
+                                <p:cTn id="5" presetID="14" presetClass="entr" presetSubtype="10" fill="hold" nodeType="clickEffect">
+                                  <p:stCondLst>
+                                    <p:cond delay="0"/>
+                                  </p:stCondLst>
+                                  <p:childTnLst>
+                                    <p:set>
+                                      <p:cBhvr>
+                                        <p:cTn id="6" dur="1" fill="hold">
+                                          <p:stCondLst>
+                                            <p:cond delay="0"/>
+                                          </p:stCondLst>
+                                        </p:cTn>
+                                        <p:tgtEl>
+                                          <p:spTgt spid="3">
+                                            <p:txEl>
+                                              <p:pRg st="0" end="0"/>
+                                            </p:txEl>
+                                          </p:spTgt>
+                                        </p:tgtEl>
+                                        <p:attrNameLst>
+                                          <p:attrName>style.visibility</p:attrName>
+                                        </p:attrNameLst>
+                                      </p:cBhvr>
+                                      <p:to>
+                                        <p:strVal val="visible"/>
+                                      </p:to>
+                                    </p:set>
+                                    <p:animEffect transition="in" filter="randombar(horizontal)">
+                                      <p:cBhvr>
+                                        <p:cTn id="7" dur="500"/>
+                                        <p:tgtEl>
+                                          <p:spTgt spid="3">
+                                            <p:txEl>
+                                              <p:pRg st="0" end="0"/>
+                                            </p:txEl>
+                                          </p:spTgt>
+                                        </p:tgtEl>
+                                      </p:cBhvr>
+                                    </p:animEffect>
+                                  </p:childTnLst>
+                                </p:cTn>
+                              </p:par>
+                            </p:childTnLst>
+                          </p:cTn>
+                        </p:par>
+                      </p:childTnLst>
+                    </p:cTn>
+                  </p:par>
+                  <p:par>
+                    <p:cTn id="8" fill="hold">
+                      <p:stCondLst>
+                        <p:cond delay="indefinite"/>
+                      </p:stCondLst>
+                      <p:childTnLst>
+                        <p:par>
+                          <p:cTn id="9" fill="hold">
+                            <p:stCondLst>
+                              <p:cond delay="0"/>
+                            </p:stCondLst>
+                            <p:childTnLst>
+                              <p:par>
+                                <p:cTn id="10" presetID="14" presetClass="entr" presetSubtype="10" fill="hold" nodeType="clickEffect">
+                                  <p:stCondLst>
+                                    <p:cond delay="0"/>
+                                  </p:stCondLst>
+                                  <p:childTnLst>
+                                    <p:set>
+                                      <p:cBhvr>
+                                        <p:cTn id="11" dur="1" fill="hold">
+                                          <p:stCondLst>
+                                            <p:cond delay="0"/>
+                                          </p:stCondLst>
+                                        </p:cTn>
+                                        <p:tgtEl>
+                                          <p:spTgt spid="3">
+                                            <p:txEl>
+                                              <p:pRg st="3" end="3"/>
+                                            </p:txEl>
+                                          </p:spTgt>
+                                        </p:tgtEl>
+                                        <p:attrNameLst>
+                                          <p:attrName>style.visibility</p:attrName>
+                                        </p:attrNameLst>
+                                      </p:cBhvr>
+                                      <p:to>
+                                        <p:strVal val="visible"/>
+                                      </p:to>
+                                    </p:set>
+                                    <p:animEffect transition="in" filter="randombar(horizontal)">
+                                      <p:cBhvr>
+                                        <p:cTn id="12" dur="500"/>
+                                        <p:tgtEl>
+                                          <p:spTgt spid="3">
+                                            <p:txEl>
+                                              <p:pRg st="3" end="3"/>
+                                            </p:txEl>
+                                          </p:spTgt>
+                                        </p:tgtEl>
+                                      </p:cBhvr>
+                                    </p:animEffect>
+                                  </p:childTnLst>
+                                </p:cTn>
+                              </p:par>
+                            </p:childTnLst>
+                          </p:cTn>
+                        </p:par>
+                      </p:childTnLst>
+                    </p:cTn>
+                  </p:par>
+                </p:childTnLst>
+              </p:cTn>
+              <p:prevCondLst>
+                <p:cond evt="onPrev" delay="0">
+                  <p:tgtEl>
+                    <p:sldTgt/>
+                  </p:tgtEl>
+                </p:cond>
+              </p:prevCondLst>
+              <p:nextCondLst>
+                <p:cond evt="onNext" delay="0">
+                  <p:tgtEl>
+                    <p:sldTgt/>
+                  </p:tgtEl>
+                </p:cond>
+              </p:nextCondLst>
+            </p:seq>
+          </p:childTnLst>
+        </p:cTn>
+      </p:par>
+    </p:tnLst>
+  </p:timing>
+</p:sld>
+</file>
+
+<file path=ppt/slides/slide23.xml><?xml version="1.0" encoding="utf-8"?>
+<p:sld xmlns:a="http://schemas.openxmlformats.org/drawingml/2006/main" xmlns:r="http://schemas.openxmlformats.org/officeDocument/2006/relationships" xmlns:p="http://schemas.openxmlformats.org/presentationml/2006/main">
+  <p:cSld>
+    <p:spTree>
+      <p:nvGrpSpPr>
+        <p:cNvPr id="1" name=""/>
+        <p:cNvGrpSpPr/>
+        <p:nvPr/>
+      </p:nvGrpSpPr>
+      <p:grpSpPr>
+        <a:xfrm>
+          <a:off x="0" y="0"/>
+          <a:ext cx="0" cy="0"/>
+          <a:chOff x="0" y="0"/>
+          <a:chExt cx="0" cy="0"/>
+        </a:xfrm>
+      </p:grpSpPr>
+      <p:sp>
+        <p:nvSpPr>
+          <p:cNvPr id="2" name="Title 1"/>
+          <p:cNvSpPr>
+            <a:spLocks noGrp="1"/>
+          </p:cNvSpPr>
+          <p:nvPr>
+            <p:ph type="title"/>
+          </p:nvPr>
+        </p:nvSpPr>
+        <p:spPr/>
+        <p:txBody>
+          <a:bodyPr/>
+          <a:lstStyle/>
+          <a:p>
+            <a:r>
+              <a:rPr lang="en-US" dirty="0" smtClean="0"/>
               <a:t>Reference</a:t>
             </a:r>
             <a:endParaRPr lang="en-US" dirty="0"/>
@@ -7471,10 +10215,802 @@
   <p:clrMapOvr>
     <a:masterClrMapping/>
   </p:clrMapOvr>
+  <p:timing>
+    <p:tnLst>
+      <p:par>
+        <p:cTn id="1" dur="indefinite" restart="never" nodeType="tmRoot"/>
+      </p:par>
+    </p:tnLst>
+  </p:timing>
 </p:sld>
 </file>
 
 <file path=ppt/slides/slide3.xml><?xml version="1.0" encoding="utf-8"?>
+<p:sld xmlns:a="http://schemas.openxmlformats.org/drawingml/2006/main" xmlns:r="http://schemas.openxmlformats.org/officeDocument/2006/relationships" xmlns:p="http://schemas.openxmlformats.org/presentationml/2006/main">
+  <p:cSld>
+    <p:spTree>
+      <p:nvGrpSpPr>
+        <p:cNvPr id="1" name=""/>
+        <p:cNvGrpSpPr/>
+        <p:nvPr/>
+      </p:nvGrpSpPr>
+      <p:grpSpPr>
+        <a:xfrm>
+          <a:off x="0" y="0"/>
+          <a:ext cx="0" cy="0"/>
+          <a:chOff x="0" y="0"/>
+          <a:chExt cx="0" cy="0"/>
+        </a:xfrm>
+      </p:grpSpPr>
+      <p:sp>
+        <p:nvSpPr>
+          <p:cNvPr id="2" name="Title 1"/>
+          <p:cNvSpPr>
+            <a:spLocks noGrp="1"/>
+          </p:cNvSpPr>
+          <p:nvPr>
+            <p:ph type="title"/>
+          </p:nvPr>
+        </p:nvSpPr>
+        <p:spPr>
+          <a:xfrm>
+            <a:off x="822960" y="286604"/>
+            <a:ext cx="6072515" cy="1450757"/>
+          </a:xfrm>
+        </p:spPr>
+        <p:txBody>
+          <a:bodyPr/>
+          <a:lstStyle/>
+          <a:p>
+            <a:r>
+              <a:rPr lang="en-US" altLang="zh-CN" dirty="0" smtClean="0"/>
+              <a:t>Problem Statement</a:t>
+            </a:r>
+            <a:endParaRPr lang="en-US" dirty="0"/>
+          </a:p>
+        </p:txBody>
+      </p:sp>
+      <mc:AlternateContent xmlns:mc="http://schemas.openxmlformats.org/markup-compatibility/2006">
+        <mc:Choice xmlns:a14="http://schemas.microsoft.com/office/drawing/2010/main" Requires="a14">
+          <p:sp>
+            <p:nvSpPr>
+              <p:cNvPr id="3" name="Content Placeholder 2"/>
+              <p:cNvSpPr>
+                <a:spLocks noGrp="1"/>
+              </p:cNvSpPr>
+              <p:nvPr>
+                <p:ph idx="1"/>
+              </p:nvPr>
+            </p:nvSpPr>
+            <p:spPr>
+              <a:xfrm>
+                <a:off x="822959" y="1845734"/>
+                <a:ext cx="3674090" cy="4225282"/>
+              </a:xfrm>
+            </p:spPr>
+            <p:txBody>
+              <a:bodyPr>
+                <a:normAutofit/>
+              </a:bodyPr>
+              <a:lstStyle/>
+              <a:p>
+                <a:pPr lvl="1">
+                  <a:buFont typeface="Wingdings" charset="2"/>
+                  <a:buChar char="§"/>
+                </a:pPr>
+                <a:r>
+                  <a:rPr lang="en-US" sz="2400" i="1" dirty="0" smtClean="0"/>
+                  <a:t>Problem: natural language question-answer into tables.</a:t>
+                </a:r>
+              </a:p>
+              <a:p>
+                <a:pPr lvl="1">
+                  <a:buFont typeface="Wingdings" charset="2"/>
+                  <a:buChar char="§"/>
+                </a:pPr>
+                <a:r>
+                  <a:rPr lang="en-US" sz="2400" dirty="0" smtClean="0"/>
+                  <a:t>Input: NL queries. </a:t>
+                </a:r>
+                <a14:m>
+                  <m:oMath xmlns:m="http://schemas.openxmlformats.org/officeDocument/2006/math">
+                    <m:r>
+                      <a:rPr lang="en-US" sz="2400" b="0" i="1" smtClean="0">
+                        <a:latin typeface="Cambria Math" charset="0"/>
+                      </a:rPr>
+                      <m:t>𝑞</m:t>
+                    </m:r>
+                    <m:r>
+                      <a:rPr lang="en-US" sz="2400" b="0" i="1" smtClean="0">
+                        <a:latin typeface="Cambria Math" charset="0"/>
+                      </a:rPr>
+                      <m:t>=</m:t>
+                    </m:r>
+                    <m:sSub>
+                      <m:sSubPr>
+                        <m:ctrlPr>
+                          <a:rPr lang="en-US" sz="2400" b="0" i="1" smtClean="0">
+                            <a:latin typeface="Cambria Math" charset="0"/>
+                          </a:rPr>
+                        </m:ctrlPr>
+                      </m:sSubPr>
+                      <m:e>
+                        <m:r>
+                          <a:rPr lang="en-US" sz="2400" b="0" i="1" smtClean="0">
+                            <a:latin typeface="Cambria Math" charset="0"/>
+                          </a:rPr>
+                          <m:t>𝑥</m:t>
+                        </m:r>
+                      </m:e>
+                      <m:sub>
+                        <m:r>
+                          <a:rPr lang="en-US" sz="2400" b="0" i="1" smtClean="0">
+                            <a:latin typeface="Cambria Math" charset="0"/>
+                          </a:rPr>
+                          <m:t>1</m:t>
+                        </m:r>
+                      </m:sub>
+                    </m:sSub>
+                    <m:r>
+                      <a:rPr lang="en-US" sz="2400" b="0" i="1" smtClean="0">
+                        <a:latin typeface="Cambria Math" charset="0"/>
+                      </a:rPr>
+                      <m:t>,</m:t>
+                    </m:r>
+                    <m:sSub>
+                      <m:sSubPr>
+                        <m:ctrlPr>
+                          <a:rPr lang="en-US" sz="2400" b="0" i="1" smtClean="0">
+                            <a:latin typeface="Cambria Math" charset="0"/>
+                          </a:rPr>
+                        </m:ctrlPr>
+                      </m:sSubPr>
+                      <m:e>
+                        <m:r>
+                          <a:rPr lang="en-US" sz="2400" b="0" i="1" smtClean="0">
+                            <a:latin typeface="Cambria Math" charset="0"/>
+                          </a:rPr>
+                          <m:t>𝑥</m:t>
+                        </m:r>
+                      </m:e>
+                      <m:sub>
+                        <m:r>
+                          <a:rPr lang="en-US" sz="2400" b="0" i="1" smtClean="0">
+                            <a:latin typeface="Cambria Math" charset="0"/>
+                          </a:rPr>
+                          <m:t>2</m:t>
+                        </m:r>
+                      </m:sub>
+                    </m:sSub>
+                    <m:r>
+                      <a:rPr lang="en-US" sz="2400" b="0" i="1" smtClean="0">
+                        <a:latin typeface="Cambria Math" charset="0"/>
+                      </a:rPr>
+                      <m:t>,…,</m:t>
+                    </m:r>
+                    <m:sSub>
+                      <m:sSubPr>
+                        <m:ctrlPr>
+                          <a:rPr lang="en-US" sz="2400" b="0" i="1" smtClean="0">
+                            <a:latin typeface="Cambria Math" charset="0"/>
+                          </a:rPr>
+                        </m:ctrlPr>
+                      </m:sSubPr>
+                      <m:e>
+                        <m:r>
+                          <a:rPr lang="en-US" sz="2400" b="0" i="1" smtClean="0">
+                            <a:latin typeface="Cambria Math" charset="0"/>
+                          </a:rPr>
+                          <m:t>𝑥</m:t>
+                        </m:r>
+                      </m:e>
+                      <m:sub>
+                        <m:d>
+                          <m:dPr>
+                            <m:begChr m:val="|"/>
+                            <m:endChr m:val="|"/>
+                            <m:ctrlPr>
+                              <a:rPr lang="en-US" sz="2400" b="0" i="1" smtClean="0">
+                                <a:latin typeface="Cambria Math" charset="0"/>
+                              </a:rPr>
+                            </m:ctrlPr>
+                          </m:dPr>
+                          <m:e>
+                            <m:r>
+                              <a:rPr lang="en-US" sz="2400" b="0" i="1" smtClean="0">
+                                <a:latin typeface="Cambria Math" charset="0"/>
+                              </a:rPr>
+                              <m:t>𝑞</m:t>
+                            </m:r>
+                          </m:e>
+                        </m:d>
+                      </m:sub>
+                    </m:sSub>
+                  </m:oMath>
+                </a14:m>
+                <a:endParaRPr lang="en-US" sz="2400" dirty="0" smtClean="0"/>
+              </a:p>
+              <a:p>
+                <a:pPr lvl="1">
+                  <a:buFont typeface="Wingdings" charset="2"/>
+                  <a:buChar char="§"/>
+                </a:pPr>
+                <a:r>
+                  <a:rPr lang="en-US" sz="2400" dirty="0" smtClean="0"/>
+                  <a:t>Output: answers for table</a:t>
+                </a:r>
+              </a:p>
+            </p:txBody>
+          </p:sp>
+        </mc:Choice>
+        <mc:Fallback>
+          <p:sp>
+            <p:nvSpPr>
+              <p:cNvPr id="3" name="Content Placeholder 2"/>
+              <p:cNvSpPr>
+                <a:spLocks noGrp="1" noRot="1" noChangeAspect="1" noMove="1" noResize="1" noEditPoints="1" noAdjustHandles="1" noChangeArrowheads="1" noChangeShapeType="1" noTextEdit="1"/>
+              </p:cNvSpPr>
+              <p:nvPr>
+                <p:ph idx="1"/>
+              </p:nvPr>
+            </p:nvSpPr>
+            <p:spPr>
+              <a:xfrm>
+                <a:off x="822959" y="1845734"/>
+                <a:ext cx="3674090" cy="4225282"/>
+              </a:xfrm>
+              <a:blipFill rotWithShape="0">
+                <a:blip r:embed="rId2"/>
+                <a:stretch>
+                  <a:fillRect t="-2020" r="-6633"/>
+                </a:stretch>
+              </a:blipFill>
+            </p:spPr>
+            <p:txBody>
+              <a:bodyPr/>
+              <a:lstStyle/>
+              <a:p>
+                <a:r>
+                  <a:rPr lang="en-US">
+                    <a:noFill/>
+                  </a:rPr>
+                  <a:t> </a:t>
+                </a:r>
+              </a:p>
+            </p:txBody>
+          </p:sp>
+        </mc:Fallback>
+      </mc:AlternateContent>
+      <p:pic>
+        <p:nvPicPr>
+          <p:cNvPr id="6" name="Picture 5"/>
+          <p:cNvPicPr>
+            <a:picLocks noChangeAspect="1"/>
+          </p:cNvPicPr>
+          <p:nvPr/>
+        </p:nvPicPr>
+        <p:blipFill>
+          <a:blip r:embed="rId3">
+            <a:extLst>
+              <a:ext uri="{28A0092B-C50C-407E-A947-70E740481C1C}">
+                <a14:useLocalDpi xmlns:a14="http://schemas.microsoft.com/office/drawing/2010/main" val="0"/>
+              </a:ext>
+            </a:extLst>
+          </a:blip>
+          <a:stretch>
+            <a:fillRect/>
+          </a:stretch>
+        </p:blipFill>
+        <p:spPr>
+          <a:xfrm>
+            <a:off x="4699791" y="1905695"/>
+            <a:ext cx="3842576" cy="3805557"/>
+          </a:xfrm>
+          <a:prstGeom prst="rect">
+            <a:avLst/>
+          </a:prstGeom>
+        </p:spPr>
+      </p:pic>
+    </p:spTree>
+    <p:extLst>
+      <p:ext uri="{BB962C8B-B14F-4D97-AF65-F5344CB8AC3E}">
+        <p14:creationId xmlns:p14="http://schemas.microsoft.com/office/powerpoint/2010/main" val="1297761010"/>
+      </p:ext>
+    </p:extLst>
+  </p:cSld>
+  <p:clrMapOvr>
+    <a:masterClrMapping/>
+  </p:clrMapOvr>
+  <p:timing>
+    <p:tnLst>
+      <p:par>
+        <p:cTn id="1" dur="indefinite" restart="never" nodeType="tmRoot">
+          <p:childTnLst>
+            <p:seq concurrent="1" nextAc="seek">
+              <p:cTn id="2" dur="indefinite" nodeType="mainSeq">
+                <p:childTnLst>
+                  <p:par>
+                    <p:cTn id="3" fill="hold">
+                      <p:stCondLst>
+                        <p:cond delay="indefinite"/>
+                      </p:stCondLst>
+                      <p:childTnLst>
+                        <p:par>
+                          <p:cTn id="4" fill="hold">
+                            <p:stCondLst>
+                              <p:cond delay="0"/>
+                            </p:stCondLst>
+                            <p:childTnLst>
+                              <p:par>
+                                <p:cTn id="5" presetID="14" presetClass="entr" presetSubtype="10" fill="hold" nodeType="clickEffect">
+                                  <p:stCondLst>
+                                    <p:cond delay="0"/>
+                                  </p:stCondLst>
+                                  <p:childTnLst>
+                                    <p:set>
+                                      <p:cBhvr>
+                                        <p:cTn id="6" dur="1" fill="hold">
+                                          <p:stCondLst>
+                                            <p:cond delay="0"/>
+                                          </p:stCondLst>
+                                        </p:cTn>
+                                        <p:tgtEl>
+                                          <p:spTgt spid="3">
+                                            <p:txEl>
+                                              <p:pRg st="1" end="1"/>
+                                            </p:txEl>
+                                          </p:spTgt>
+                                        </p:tgtEl>
+                                        <p:attrNameLst>
+                                          <p:attrName>style.visibility</p:attrName>
+                                        </p:attrNameLst>
+                                      </p:cBhvr>
+                                      <p:to>
+                                        <p:strVal val="visible"/>
+                                      </p:to>
+                                    </p:set>
+                                    <p:animEffect transition="in" filter="randombar(horizontal)">
+                                      <p:cBhvr>
+                                        <p:cTn id="7" dur="500"/>
+                                        <p:tgtEl>
+                                          <p:spTgt spid="3">
+                                            <p:txEl>
+                                              <p:pRg st="1" end="1"/>
+                                            </p:txEl>
+                                          </p:spTgt>
+                                        </p:tgtEl>
+                                      </p:cBhvr>
+                                    </p:animEffect>
+                                  </p:childTnLst>
+                                </p:cTn>
+                              </p:par>
+                              <p:par>
+                                <p:cTn id="8" presetID="14" presetClass="entr" presetSubtype="10" fill="hold" nodeType="withEffect">
+                                  <p:stCondLst>
+                                    <p:cond delay="0"/>
+                                  </p:stCondLst>
+                                  <p:childTnLst>
+                                    <p:set>
+                                      <p:cBhvr>
+                                        <p:cTn id="9" dur="1" fill="hold">
+                                          <p:stCondLst>
+                                            <p:cond delay="0"/>
+                                          </p:stCondLst>
+                                        </p:cTn>
+                                        <p:tgtEl>
+                                          <p:spTgt spid="3">
+                                            <p:txEl>
+                                              <p:pRg st="2" end="2"/>
+                                            </p:txEl>
+                                          </p:spTgt>
+                                        </p:tgtEl>
+                                        <p:attrNameLst>
+                                          <p:attrName>style.visibility</p:attrName>
+                                        </p:attrNameLst>
+                                      </p:cBhvr>
+                                      <p:to>
+                                        <p:strVal val="visible"/>
+                                      </p:to>
+                                    </p:set>
+                                    <p:animEffect transition="in" filter="randombar(horizontal)">
+                                      <p:cBhvr>
+                                        <p:cTn id="10" dur="500"/>
+                                        <p:tgtEl>
+                                          <p:spTgt spid="3">
+                                            <p:txEl>
+                                              <p:pRg st="2" end="2"/>
+                                            </p:txEl>
+                                          </p:spTgt>
+                                        </p:tgtEl>
+                                      </p:cBhvr>
+                                    </p:animEffect>
+                                  </p:childTnLst>
+                                </p:cTn>
+                              </p:par>
+                            </p:childTnLst>
+                          </p:cTn>
+                        </p:par>
+                      </p:childTnLst>
+                    </p:cTn>
+                  </p:par>
+                  <p:par>
+                    <p:cTn id="11" fill="hold">
+                      <p:stCondLst>
+                        <p:cond delay="indefinite"/>
+                      </p:stCondLst>
+                      <p:childTnLst>
+                        <p:par>
+                          <p:cTn id="12" fill="hold">
+                            <p:stCondLst>
+                              <p:cond delay="0"/>
+                            </p:stCondLst>
+                            <p:childTnLst>
+                              <p:par>
+                                <p:cTn id="13" presetID="14" presetClass="entr" presetSubtype="10" fill="hold" nodeType="clickEffect">
+                                  <p:stCondLst>
+                                    <p:cond delay="0"/>
+                                  </p:stCondLst>
+                                  <p:childTnLst>
+                                    <p:set>
+                                      <p:cBhvr>
+                                        <p:cTn id="14" dur="1" fill="hold">
+                                          <p:stCondLst>
+                                            <p:cond delay="0"/>
+                                          </p:stCondLst>
+                                        </p:cTn>
+                                        <p:tgtEl>
+                                          <p:spTgt spid="6"/>
+                                        </p:tgtEl>
+                                        <p:attrNameLst>
+                                          <p:attrName>style.visibility</p:attrName>
+                                        </p:attrNameLst>
+                                      </p:cBhvr>
+                                      <p:to>
+                                        <p:strVal val="visible"/>
+                                      </p:to>
+                                    </p:set>
+                                    <p:animEffect transition="in" filter="randombar(horizontal)">
+                                      <p:cBhvr>
+                                        <p:cTn id="15" dur="500"/>
+                                        <p:tgtEl>
+                                          <p:spTgt spid="6"/>
+                                        </p:tgtEl>
+                                      </p:cBhvr>
+                                    </p:animEffect>
+                                  </p:childTnLst>
+                                </p:cTn>
+                              </p:par>
+                            </p:childTnLst>
+                          </p:cTn>
+                        </p:par>
+                      </p:childTnLst>
+                    </p:cTn>
+                  </p:par>
+                </p:childTnLst>
+              </p:cTn>
+              <p:prevCondLst>
+                <p:cond evt="onPrev" delay="0">
+                  <p:tgtEl>
+                    <p:sldTgt/>
+                  </p:tgtEl>
+                </p:cond>
+              </p:prevCondLst>
+              <p:nextCondLst>
+                <p:cond evt="onNext" delay="0">
+                  <p:tgtEl>
+                    <p:sldTgt/>
+                  </p:tgtEl>
+                </p:cond>
+              </p:nextCondLst>
+            </p:seq>
+          </p:childTnLst>
+        </p:cTn>
+      </p:par>
+    </p:tnLst>
+  </p:timing>
+</p:sld>
+</file>
+
+<file path=ppt/slides/slide4.xml><?xml version="1.0" encoding="utf-8"?>
+<p:sld xmlns:a="http://schemas.openxmlformats.org/drawingml/2006/main" xmlns:r="http://schemas.openxmlformats.org/officeDocument/2006/relationships" xmlns:p="http://schemas.openxmlformats.org/presentationml/2006/main">
+  <p:cSld>
+    <p:spTree>
+      <p:nvGrpSpPr>
+        <p:cNvPr id="1" name=""/>
+        <p:cNvGrpSpPr/>
+        <p:nvPr/>
+      </p:nvGrpSpPr>
+      <p:grpSpPr>
+        <a:xfrm>
+          <a:off x="0" y="0"/>
+          <a:ext cx="0" cy="0"/>
+          <a:chOff x="0" y="0"/>
+          <a:chExt cx="0" cy="0"/>
+        </a:xfrm>
+      </p:grpSpPr>
+      <p:sp>
+        <p:nvSpPr>
+          <p:cNvPr id="2" name="Title 1"/>
+          <p:cNvSpPr>
+            <a:spLocks noGrp="1"/>
+          </p:cNvSpPr>
+          <p:nvPr>
+            <p:ph type="title"/>
+          </p:nvPr>
+        </p:nvSpPr>
+        <p:spPr>
+          <a:xfrm>
+            <a:off x="822960" y="286604"/>
+            <a:ext cx="6072515" cy="1450757"/>
+          </a:xfrm>
+        </p:spPr>
+        <p:txBody>
+          <a:bodyPr/>
+          <a:lstStyle/>
+          <a:p>
+            <a:r>
+              <a:rPr lang="en-US" altLang="zh-CN" dirty="0" smtClean="0"/>
+              <a:t>Problem Statement</a:t>
+            </a:r>
+            <a:endParaRPr lang="en-US" dirty="0"/>
+          </a:p>
+        </p:txBody>
+      </p:sp>
+      <p:sp>
+        <p:nvSpPr>
+          <p:cNvPr id="3" name="Content Placeholder 2"/>
+          <p:cNvSpPr>
+            <a:spLocks noGrp="1"/>
+          </p:cNvSpPr>
+          <p:nvPr>
+            <p:ph idx="1"/>
+          </p:nvPr>
+        </p:nvSpPr>
+        <p:spPr>
+          <a:xfrm>
+            <a:off x="822959" y="1845734"/>
+            <a:ext cx="3674090" cy="4023360"/>
+          </a:xfrm>
+        </p:spPr>
+        <p:txBody>
+          <a:bodyPr>
+            <a:normAutofit/>
+          </a:bodyPr>
+          <a:lstStyle/>
+          <a:p>
+            <a:pPr lvl="1">
+              <a:buFont typeface="Wingdings" charset="2"/>
+              <a:buChar char="§"/>
+            </a:pPr>
+            <a:r>
+              <a:rPr lang="en-US" sz="2400" i="1" dirty="0" smtClean="0"/>
+              <a:t>Problem: natural language question-answer into tables.</a:t>
+            </a:r>
+          </a:p>
+          <a:p>
+            <a:pPr lvl="1">
+              <a:buFont typeface="Wingdings" charset="2"/>
+              <a:buChar char="§"/>
+            </a:pPr>
+            <a:r>
+              <a:rPr lang="en-US" sz="2400" dirty="0" smtClean="0"/>
+              <a:t>Dataset: </a:t>
+            </a:r>
+            <a:r>
+              <a:rPr lang="en-US" sz="2400" dirty="0" err="1" smtClean="0"/>
+              <a:t>Wikitable</a:t>
+            </a:r>
+            <a:r>
+              <a:rPr lang="en-US" sz="2400" dirty="0" smtClean="0"/>
+              <a:t> [1]</a:t>
+            </a:r>
+          </a:p>
+          <a:p>
+            <a:pPr lvl="1">
+              <a:buFont typeface="Wingdings" charset="2"/>
+              <a:buChar char="§"/>
+            </a:pPr>
+            <a:r>
+              <a:rPr lang="fr-FR" sz="2400" dirty="0"/>
+              <a:t>22033 </a:t>
+            </a:r>
+            <a:r>
+              <a:rPr lang="fr-FR" sz="2400" dirty="0" err="1"/>
+              <a:t>queries</a:t>
+            </a:r>
+            <a:r>
+              <a:rPr lang="fr-FR" sz="2400" dirty="0"/>
+              <a:t> on 2108 tables) </a:t>
+            </a:r>
+            <a:endParaRPr lang="fr-FR" sz="2400" dirty="0"/>
+          </a:p>
+          <a:p>
+            <a:pPr lvl="1">
+              <a:buFont typeface="Wingdings" charset="2"/>
+              <a:buChar char="§"/>
+            </a:pPr>
+            <a:endParaRPr lang="en-US" sz="2400" dirty="0" smtClean="0"/>
+          </a:p>
+        </p:txBody>
+      </p:sp>
+      <p:pic>
+        <p:nvPicPr>
+          <p:cNvPr id="4" name="Picture 3"/>
+          <p:cNvPicPr>
+            <a:picLocks noChangeAspect="1"/>
+          </p:cNvPicPr>
+          <p:nvPr/>
+        </p:nvPicPr>
+        <p:blipFill>
+          <a:blip r:embed="rId2">
+            <a:extLst>
+              <a:ext uri="{28A0092B-C50C-407E-A947-70E740481C1C}">
+                <a14:useLocalDpi xmlns:a14="http://schemas.microsoft.com/office/drawing/2010/main" val="0"/>
+              </a:ext>
+            </a:extLst>
+          </a:blip>
+          <a:stretch>
+            <a:fillRect/>
+          </a:stretch>
+        </p:blipFill>
+        <p:spPr>
+          <a:xfrm>
+            <a:off x="4699791" y="1905695"/>
+            <a:ext cx="3842576" cy="3805557"/>
+          </a:xfrm>
+          <a:prstGeom prst="rect">
+            <a:avLst/>
+          </a:prstGeom>
+        </p:spPr>
+      </p:pic>
+    </p:spTree>
+    <p:extLst>
+      <p:ext uri="{BB962C8B-B14F-4D97-AF65-F5344CB8AC3E}">
+        <p14:creationId xmlns:p14="http://schemas.microsoft.com/office/powerpoint/2010/main" val="472262638"/>
+      </p:ext>
+    </p:extLst>
+  </p:cSld>
+  <p:clrMapOvr>
+    <a:masterClrMapping/>
+  </p:clrMapOvr>
+  <p:timing>
+    <p:tnLst>
+      <p:par>
+        <p:cTn id="1" dur="indefinite" restart="never" nodeType="tmRoot">
+          <p:childTnLst>
+            <p:seq concurrent="1" nextAc="seek">
+              <p:cTn id="2" dur="indefinite" nodeType="mainSeq">
+                <p:childTnLst>
+                  <p:par>
+                    <p:cTn id="3" fill="hold">
+                      <p:stCondLst>
+                        <p:cond delay="indefinite"/>
+                      </p:stCondLst>
+                      <p:childTnLst>
+                        <p:par>
+                          <p:cTn id="4" fill="hold">
+                            <p:stCondLst>
+                              <p:cond delay="0"/>
+                            </p:stCondLst>
+                            <p:childTnLst>
+                              <p:par>
+                                <p:cTn id="5" presetID="14" presetClass="entr" presetSubtype="10" fill="hold" nodeType="clickEffect">
+                                  <p:stCondLst>
+                                    <p:cond delay="0"/>
+                                  </p:stCondLst>
+                                  <p:childTnLst>
+                                    <p:set>
+                                      <p:cBhvr>
+                                        <p:cTn id="6" dur="1" fill="hold">
+                                          <p:stCondLst>
+                                            <p:cond delay="0"/>
+                                          </p:stCondLst>
+                                        </p:cTn>
+                                        <p:tgtEl>
+                                          <p:spTgt spid="3">
+                                            <p:txEl>
+                                              <p:pRg st="1" end="1"/>
+                                            </p:txEl>
+                                          </p:spTgt>
+                                        </p:tgtEl>
+                                        <p:attrNameLst>
+                                          <p:attrName>style.visibility</p:attrName>
+                                        </p:attrNameLst>
+                                      </p:cBhvr>
+                                      <p:to>
+                                        <p:strVal val="visible"/>
+                                      </p:to>
+                                    </p:set>
+                                    <p:animEffect transition="in" filter="randombar(horizontal)">
+                                      <p:cBhvr>
+                                        <p:cTn id="7" dur="500"/>
+                                        <p:tgtEl>
+                                          <p:spTgt spid="3">
+                                            <p:txEl>
+                                              <p:pRg st="1" end="1"/>
+                                            </p:txEl>
+                                          </p:spTgt>
+                                        </p:tgtEl>
+                                      </p:cBhvr>
+                                    </p:animEffect>
+                                  </p:childTnLst>
+                                </p:cTn>
+                              </p:par>
+                              <p:par>
+                                <p:cTn id="8" presetID="14" presetClass="entr" presetSubtype="10" fill="hold" nodeType="withEffect">
+                                  <p:stCondLst>
+                                    <p:cond delay="0"/>
+                                  </p:stCondLst>
+                                  <p:childTnLst>
+                                    <p:set>
+                                      <p:cBhvr>
+                                        <p:cTn id="9" dur="1" fill="hold">
+                                          <p:stCondLst>
+                                            <p:cond delay="0"/>
+                                          </p:stCondLst>
+                                        </p:cTn>
+                                        <p:tgtEl>
+                                          <p:spTgt spid="3">
+                                            <p:txEl>
+                                              <p:pRg st="2" end="2"/>
+                                            </p:txEl>
+                                          </p:spTgt>
+                                        </p:tgtEl>
+                                        <p:attrNameLst>
+                                          <p:attrName>style.visibility</p:attrName>
+                                        </p:attrNameLst>
+                                      </p:cBhvr>
+                                      <p:to>
+                                        <p:strVal val="visible"/>
+                                      </p:to>
+                                    </p:set>
+                                    <p:animEffect transition="in" filter="randombar(horizontal)">
+                                      <p:cBhvr>
+                                        <p:cTn id="10" dur="500"/>
+                                        <p:tgtEl>
+                                          <p:spTgt spid="3">
+                                            <p:txEl>
+                                              <p:pRg st="2" end="2"/>
+                                            </p:txEl>
+                                          </p:spTgt>
+                                        </p:tgtEl>
+                                      </p:cBhvr>
+                                    </p:animEffect>
+                                  </p:childTnLst>
+                                </p:cTn>
+                              </p:par>
+                            </p:childTnLst>
+                          </p:cTn>
+                        </p:par>
+                      </p:childTnLst>
+                    </p:cTn>
+                  </p:par>
+                </p:childTnLst>
+              </p:cTn>
+              <p:prevCondLst>
+                <p:cond evt="onPrev" delay="0">
+                  <p:tgtEl>
+                    <p:sldTgt/>
+                  </p:tgtEl>
+                </p:cond>
+              </p:prevCondLst>
+              <p:nextCondLst>
+                <p:cond evt="onNext" delay="0">
+                  <p:tgtEl>
+                    <p:sldTgt/>
+                  </p:tgtEl>
+                </p:cond>
+              </p:nextCondLst>
+            </p:seq>
+          </p:childTnLst>
+        </p:cTn>
+      </p:par>
+    </p:tnLst>
+  </p:timing>
+</p:sld>
+</file>
+
+<file path=ppt/slides/slide5.xml><?xml version="1.0" encoding="utf-8"?>
 <p:sld xmlns:a="http://schemas.openxmlformats.org/drawingml/2006/main" xmlns:r="http://schemas.openxmlformats.org/officeDocument/2006/relationships" xmlns:p="http://schemas.openxmlformats.org/presentationml/2006/main">
   <p:cSld>
     <p:spTree>
@@ -8134,182 +11670,207 @@
     </p:spTree>
     <p:extLst>
       <p:ext uri="{BB962C8B-B14F-4D97-AF65-F5344CB8AC3E}">
-        <p14:creationId xmlns:p14="http://schemas.microsoft.com/office/powerpoint/2010/main" val="1297761010"/>
+        <p14:creationId xmlns:p14="http://schemas.microsoft.com/office/powerpoint/2010/main" val="1169677627"/>
       </p:ext>
     </p:extLst>
   </p:cSld>
   <p:clrMapOvr>
     <a:masterClrMapping/>
   </p:clrMapOvr>
+  <p:timing>
+    <p:tnLst>
+      <p:par>
+        <p:cTn id="1" dur="indefinite" restart="never" nodeType="tmRoot">
+          <p:childTnLst>
+            <p:seq concurrent="1" nextAc="seek">
+              <p:cTn id="2" dur="indefinite" nodeType="mainSeq">
+                <p:childTnLst>
+                  <p:par>
+                    <p:cTn id="3" fill="hold">
+                      <p:stCondLst>
+                        <p:cond delay="indefinite"/>
+                      </p:stCondLst>
+                      <p:childTnLst>
+                        <p:par>
+                          <p:cTn id="4" fill="hold">
+                            <p:stCondLst>
+                              <p:cond delay="0"/>
+                            </p:stCondLst>
+                            <p:childTnLst>
+                              <p:par>
+                                <p:cTn id="5" presetID="14" presetClass="entr" presetSubtype="10" fill="hold" nodeType="clickEffect">
+                                  <p:stCondLst>
+                                    <p:cond delay="0"/>
+                                  </p:stCondLst>
+                                  <p:childTnLst>
+                                    <p:set>
+                                      <p:cBhvr>
+                                        <p:cTn id="6" dur="1" fill="hold">
+                                          <p:stCondLst>
+                                            <p:cond delay="0"/>
+                                          </p:stCondLst>
+                                        </p:cTn>
+                                        <p:tgtEl>
+                                          <p:spTgt spid="3">
+                                            <p:txEl>
+                                              <p:pRg st="3" end="3"/>
+                                            </p:txEl>
+                                          </p:spTgt>
+                                        </p:tgtEl>
+                                        <p:attrNameLst>
+                                          <p:attrName>style.visibility</p:attrName>
+                                        </p:attrNameLst>
+                                      </p:cBhvr>
+                                      <p:to>
+                                        <p:strVal val="visible"/>
+                                      </p:to>
+                                    </p:set>
+                                    <p:animEffect transition="in" filter="randombar(horizontal)">
+                                      <p:cBhvr>
+                                        <p:cTn id="7" dur="500"/>
+                                        <p:tgtEl>
+                                          <p:spTgt spid="3">
+                                            <p:txEl>
+                                              <p:pRg st="3" end="3"/>
+                                            </p:txEl>
+                                          </p:spTgt>
+                                        </p:tgtEl>
+                                      </p:cBhvr>
+                                    </p:animEffect>
+                                  </p:childTnLst>
+                                </p:cTn>
+                              </p:par>
+                            </p:childTnLst>
+                          </p:cTn>
+                        </p:par>
+                      </p:childTnLst>
+                    </p:cTn>
+                  </p:par>
+                  <p:par>
+                    <p:cTn id="8" fill="hold">
+                      <p:stCondLst>
+                        <p:cond delay="indefinite"/>
+                      </p:stCondLst>
+                      <p:childTnLst>
+                        <p:par>
+                          <p:cTn id="9" fill="hold">
+                            <p:stCondLst>
+                              <p:cond delay="0"/>
+                            </p:stCondLst>
+                            <p:childTnLst>
+                              <p:par>
+                                <p:cTn id="10" presetID="14" presetClass="entr" presetSubtype="10" fill="hold" nodeType="clickEffect">
+                                  <p:stCondLst>
+                                    <p:cond delay="0"/>
+                                  </p:stCondLst>
+                                  <p:childTnLst>
+                                    <p:set>
+                                      <p:cBhvr>
+                                        <p:cTn id="11" dur="1" fill="hold">
+                                          <p:stCondLst>
+                                            <p:cond delay="0"/>
+                                          </p:stCondLst>
+                                        </p:cTn>
+                                        <p:tgtEl>
+                                          <p:spTgt spid="3">
+                                            <p:txEl>
+                                              <p:pRg st="4" end="4"/>
+                                            </p:txEl>
+                                          </p:spTgt>
+                                        </p:tgtEl>
+                                        <p:attrNameLst>
+                                          <p:attrName>style.visibility</p:attrName>
+                                        </p:attrNameLst>
+                                      </p:cBhvr>
+                                      <p:to>
+                                        <p:strVal val="visible"/>
+                                      </p:to>
+                                    </p:set>
+                                    <p:animEffect transition="in" filter="randombar(horizontal)">
+                                      <p:cBhvr>
+                                        <p:cTn id="12" dur="500"/>
+                                        <p:tgtEl>
+                                          <p:spTgt spid="3">
+                                            <p:txEl>
+                                              <p:pRg st="4" end="4"/>
+                                            </p:txEl>
+                                          </p:spTgt>
+                                        </p:tgtEl>
+                                      </p:cBhvr>
+                                    </p:animEffect>
+                                  </p:childTnLst>
+                                </p:cTn>
+                              </p:par>
+                              <p:par>
+                                <p:cTn id="13" presetID="14" presetClass="entr" presetSubtype="10" fill="hold" grpId="0" nodeType="withEffect">
+                                  <p:stCondLst>
+                                    <p:cond delay="0"/>
+                                  </p:stCondLst>
+                                  <p:childTnLst>
+                                    <p:set>
+                                      <p:cBhvr>
+                                        <p:cTn id="14" dur="1" fill="hold">
+                                          <p:stCondLst>
+                                            <p:cond delay="0"/>
+                                          </p:stCondLst>
+                                        </p:cTn>
+                                        <p:tgtEl>
+                                          <p:spTgt spid="4"/>
+                                        </p:tgtEl>
+                                        <p:attrNameLst>
+                                          <p:attrName>style.visibility</p:attrName>
+                                        </p:attrNameLst>
+                                      </p:cBhvr>
+                                      <p:to>
+                                        <p:strVal val="visible"/>
+                                      </p:to>
+                                    </p:set>
+                                    <p:animEffect transition="in" filter="randombar(horizontal)">
+                                      <p:cBhvr>
+                                        <p:cTn id="15" dur="500"/>
+                                        <p:tgtEl>
+                                          <p:spTgt spid="4"/>
+                                        </p:tgtEl>
+                                      </p:cBhvr>
+                                    </p:animEffect>
+                                  </p:childTnLst>
+                                </p:cTn>
+                              </p:par>
+                            </p:childTnLst>
+                          </p:cTn>
+                        </p:par>
+                      </p:childTnLst>
+                    </p:cTn>
+                  </p:par>
+                </p:childTnLst>
+              </p:cTn>
+              <p:prevCondLst>
+                <p:cond evt="onPrev" delay="0">
+                  <p:tgtEl>
+                    <p:sldTgt/>
+                  </p:tgtEl>
+                </p:cond>
+              </p:prevCondLst>
+              <p:nextCondLst>
+                <p:cond evt="onNext" delay="0">
+                  <p:tgtEl>
+                    <p:sldTgt/>
+                  </p:tgtEl>
+                </p:cond>
+              </p:nextCondLst>
+            </p:seq>
+          </p:childTnLst>
+        </p:cTn>
+      </p:par>
+    </p:tnLst>
+    <p:bldLst>
+      <p:bldP spid="4" grpId="0"/>
+    </p:bldLst>
+  </p:timing>
 </p:sld>
 </file>
 
-<file path=ppt/slides/slide4.xml><?xml version="1.0" encoding="utf-8"?>
-<p:sld xmlns:a="http://schemas.openxmlformats.org/drawingml/2006/main" xmlns:r="http://schemas.openxmlformats.org/officeDocument/2006/relationships" xmlns:p="http://schemas.openxmlformats.org/presentationml/2006/main">
-  <p:cSld>
-    <p:spTree>
-      <p:nvGrpSpPr>
-        <p:cNvPr id="1" name=""/>
-        <p:cNvGrpSpPr/>
-        <p:nvPr/>
-      </p:nvGrpSpPr>
-      <p:grpSpPr>
-        <a:xfrm>
-          <a:off x="0" y="0"/>
-          <a:ext cx="0" cy="0"/>
-          <a:chOff x="0" y="0"/>
-          <a:chExt cx="0" cy="0"/>
-        </a:xfrm>
-      </p:grpSpPr>
-      <p:sp>
-        <p:nvSpPr>
-          <p:cNvPr id="2" name="Title 1"/>
-          <p:cNvSpPr>
-            <a:spLocks noGrp="1"/>
-          </p:cNvSpPr>
-          <p:nvPr>
-            <p:ph type="title"/>
-          </p:nvPr>
-        </p:nvSpPr>
-        <p:spPr>
-          <a:xfrm>
-            <a:off x="822960" y="286604"/>
-            <a:ext cx="6072515" cy="1450757"/>
-          </a:xfrm>
-        </p:spPr>
-        <p:txBody>
-          <a:bodyPr/>
-          <a:lstStyle/>
-          <a:p>
-            <a:r>
-              <a:rPr lang="en-US" altLang="zh-CN" dirty="0" smtClean="0"/>
-              <a:t>Problem Statement</a:t>
-            </a:r>
-            <a:endParaRPr lang="en-US" dirty="0"/>
-          </a:p>
-        </p:txBody>
-      </p:sp>
-      <p:sp>
-        <p:nvSpPr>
-          <p:cNvPr id="3" name="Content Placeholder 2"/>
-          <p:cNvSpPr>
-            <a:spLocks noGrp="1"/>
-          </p:cNvSpPr>
-          <p:nvPr>
-            <p:ph idx="1"/>
-          </p:nvPr>
-        </p:nvSpPr>
-        <p:spPr>
-          <a:xfrm>
-            <a:off x="822959" y="1845734"/>
-            <a:ext cx="3674090" cy="4023360"/>
-          </a:xfrm>
-        </p:spPr>
-        <p:txBody>
-          <a:bodyPr>
-            <a:normAutofit/>
-          </a:bodyPr>
-          <a:lstStyle/>
-          <a:p>
-            <a:pPr lvl="1">
-              <a:buFont typeface="Wingdings" charset="2"/>
-              <a:buChar char="§"/>
-            </a:pPr>
-            <a:r>
-              <a:rPr lang="en-US" sz="2400" i="1" dirty="0" smtClean="0"/>
-              <a:t>Problem: natural language question-answer into tables.</a:t>
-            </a:r>
-          </a:p>
-          <a:p>
-            <a:pPr lvl="1">
-              <a:buFont typeface="Wingdings" charset="2"/>
-              <a:buChar char="§"/>
-            </a:pPr>
-            <a:r>
-              <a:rPr lang="en-US" sz="2400" dirty="0" smtClean="0"/>
-              <a:t>Dataset: </a:t>
-            </a:r>
-            <a:r>
-              <a:rPr lang="en-US" sz="2400" dirty="0" err="1" smtClean="0"/>
-              <a:t>Wikitable</a:t>
-            </a:r>
-            <a:r>
-              <a:rPr lang="en-US" sz="2400" dirty="0" smtClean="0"/>
-              <a:t> [1]</a:t>
-            </a:r>
-          </a:p>
-          <a:p>
-            <a:pPr lvl="1">
-              <a:buFont typeface="Wingdings" charset="2"/>
-              <a:buChar char="§"/>
-            </a:pPr>
-            <a:r>
-              <a:rPr lang="fr-FR" sz="2400" dirty="0"/>
-              <a:t>22033 </a:t>
-            </a:r>
-            <a:r>
-              <a:rPr lang="fr-FR" sz="2400" dirty="0" err="1"/>
-              <a:t>queries</a:t>
-            </a:r>
-            <a:r>
-              <a:rPr lang="fr-FR" sz="2400" dirty="0"/>
-              <a:t> on 2108 tables) </a:t>
-            </a:r>
-            <a:endParaRPr lang="fr-FR" sz="2400" dirty="0"/>
-          </a:p>
-          <a:p>
-            <a:pPr lvl="1">
-              <a:buFont typeface="Wingdings" charset="2"/>
-              <a:buChar char="§"/>
-            </a:pPr>
-            <a:endParaRPr lang="en-US" sz="2400" dirty="0" smtClean="0"/>
-          </a:p>
-        </p:txBody>
-      </p:sp>
-      <p:pic>
-        <p:nvPicPr>
-          <p:cNvPr id="4" name="Picture 3"/>
-          <p:cNvPicPr>
-            <a:picLocks noChangeAspect="1"/>
-          </p:cNvPicPr>
-          <p:nvPr/>
-        </p:nvPicPr>
-        <p:blipFill>
-          <a:blip r:embed="rId2">
-            <a:extLst>
-              <a:ext uri="{28A0092B-C50C-407E-A947-70E740481C1C}">
-                <a14:useLocalDpi xmlns:a14="http://schemas.microsoft.com/office/drawing/2010/main" val="0"/>
-              </a:ext>
-            </a:extLst>
-          </a:blip>
-          <a:stretch>
-            <a:fillRect/>
-          </a:stretch>
-        </p:blipFill>
-        <p:spPr>
-          <a:xfrm>
-            <a:off x="4699791" y="1905695"/>
-            <a:ext cx="3842576" cy="3805557"/>
-          </a:xfrm>
-          <a:prstGeom prst="rect">
-            <a:avLst/>
-          </a:prstGeom>
-        </p:spPr>
-      </p:pic>
-    </p:spTree>
-    <p:extLst>
-      <p:ext uri="{BB962C8B-B14F-4D97-AF65-F5344CB8AC3E}">
-        <p14:creationId xmlns:p14="http://schemas.microsoft.com/office/powerpoint/2010/main" val="472262638"/>
-      </p:ext>
-    </p:extLst>
-  </p:cSld>
-  <p:clrMapOvr>
-    <a:masterClrMapping/>
-  </p:clrMapOvr>
-</p:sld>
-</file>
-
-<file path=ppt/slides/slide5.xml><?xml version="1.0" encoding="utf-8"?>
+<file path=ppt/slides/slide6.xml><?xml version="1.0" encoding="utf-8"?>
 <p:sld xmlns:a="http://schemas.openxmlformats.org/drawingml/2006/main" xmlns:r="http://schemas.openxmlformats.org/officeDocument/2006/relationships" xmlns:p="http://schemas.openxmlformats.org/presentationml/2006/main">
   <p:cSld>
     <p:spTree>
@@ -8475,7 +12036,7 @@
                 <a:ext cx="7543801" cy="4210292"/>
               </a:xfrm>
               <a:blipFill rotWithShape="0">
-                <a:blip r:embed="rId2"/>
+                <a:blip r:embed="rId3"/>
                 <a:stretch>
                   <a:fillRect t="-2029"/>
                 </a:stretch>
@@ -8505,7 +12066,7 @@
           <p:nvPr/>
         </p:nvPicPr>
         <p:blipFill>
-          <a:blip r:embed="rId3"/>
+          <a:blip r:embed="rId4"/>
           <a:stretch>
             <a:fillRect/>
           </a:stretch>
@@ -8572,10 +12133,101 @@
   <p:clrMapOvr>
     <a:masterClrMapping/>
   </p:clrMapOvr>
+  <p:timing>
+    <p:tnLst>
+      <p:par>
+        <p:cTn id="1" dur="indefinite" restart="never" nodeType="tmRoot">
+          <p:childTnLst>
+            <p:seq concurrent="1" nextAc="seek">
+              <p:cTn id="2" dur="indefinite" nodeType="mainSeq">
+                <p:childTnLst>
+                  <p:par>
+                    <p:cTn id="3" fill="hold">
+                      <p:stCondLst>
+                        <p:cond delay="indefinite"/>
+                      </p:stCondLst>
+                      <p:childTnLst>
+                        <p:par>
+                          <p:cTn id="4" fill="hold">
+                            <p:stCondLst>
+                              <p:cond delay="0"/>
+                            </p:stCondLst>
+                            <p:childTnLst>
+                              <p:par>
+                                <p:cTn id="5" presetID="14" presetClass="entr" presetSubtype="10" fill="hold" nodeType="clickEffect">
+                                  <p:stCondLst>
+                                    <p:cond delay="0"/>
+                                  </p:stCondLst>
+                                  <p:childTnLst>
+                                    <p:set>
+                                      <p:cBhvr>
+                                        <p:cTn id="6" dur="1" fill="hold">
+                                          <p:stCondLst>
+                                            <p:cond delay="0"/>
+                                          </p:stCondLst>
+                                        </p:cTn>
+                                        <p:tgtEl>
+                                          <p:spTgt spid="3">
+                                            <p:txEl>
+                                              <p:pRg st="8" end="8"/>
+                                            </p:txEl>
+                                          </p:spTgt>
+                                        </p:tgtEl>
+                                        <p:attrNameLst>
+                                          <p:attrName>style.visibility</p:attrName>
+                                        </p:attrNameLst>
+                                      </p:cBhvr>
+                                      <p:to>
+                                        <p:strVal val="visible"/>
+                                      </p:to>
+                                    </p:set>
+                                    <p:animEffect transition="in" filter="randombar(horizontal)">
+                                      <p:cBhvr>
+                                        <p:cTn id="7" dur="500"/>
+                                        <p:tgtEl>
+                                          <p:spTgt spid="3">
+                                            <p:txEl>
+                                              <p:pRg st="8" end="8"/>
+                                            </p:txEl>
+                                          </p:spTgt>
+                                        </p:tgtEl>
+                                      </p:cBhvr>
+                                    </p:animEffect>
+                                  </p:childTnLst>
+                                </p:cTn>
+                              </p:par>
+                            </p:childTnLst>
+                          </p:cTn>
+                        </p:par>
+                      </p:childTnLst>
+                    </p:cTn>
+                  </p:par>
+                </p:childTnLst>
+              </p:cTn>
+              <p:prevCondLst>
+                <p:cond evt="onPrev" delay="0">
+                  <p:tgtEl>
+                    <p:sldTgt/>
+                  </p:tgtEl>
+                </p:cond>
+              </p:prevCondLst>
+              <p:nextCondLst>
+                <p:cond evt="onNext" delay="0">
+                  <p:tgtEl>
+                    <p:sldTgt/>
+                  </p:tgtEl>
+                </p:cond>
+              </p:nextCondLst>
+            </p:seq>
+          </p:childTnLst>
+        </p:cTn>
+      </p:par>
+    </p:tnLst>
+  </p:timing>
 </p:sld>
 </file>
 
-<file path=ppt/slides/slide6.xml><?xml version="1.0" encoding="utf-8"?>
+<file path=ppt/slides/slide7.xml><?xml version="1.0" encoding="utf-8"?>
 <p:sld xmlns:a="http://schemas.openxmlformats.org/drawingml/2006/main" xmlns:r="http://schemas.openxmlformats.org/officeDocument/2006/relationships" xmlns:p="http://schemas.openxmlformats.org/presentationml/2006/main">
   <p:cSld>
     <p:spTree>
@@ -8790,10 +12442,101 @@
   <p:clrMapOvr>
     <a:masterClrMapping/>
   </p:clrMapOvr>
+  <p:timing>
+    <p:tnLst>
+      <p:par>
+        <p:cTn id="1" dur="indefinite" restart="never" nodeType="tmRoot">
+          <p:childTnLst>
+            <p:seq concurrent="1" nextAc="seek">
+              <p:cTn id="2" dur="indefinite" nodeType="mainSeq">
+                <p:childTnLst>
+                  <p:par>
+                    <p:cTn id="3" fill="hold">
+                      <p:stCondLst>
+                        <p:cond delay="indefinite"/>
+                      </p:stCondLst>
+                      <p:childTnLst>
+                        <p:par>
+                          <p:cTn id="4" fill="hold">
+                            <p:stCondLst>
+                              <p:cond delay="0"/>
+                            </p:stCondLst>
+                            <p:childTnLst>
+                              <p:par>
+                                <p:cTn id="5" presetID="14" presetClass="entr" presetSubtype="10" fill="hold" nodeType="clickEffect">
+                                  <p:stCondLst>
+                                    <p:cond delay="0"/>
+                                  </p:stCondLst>
+                                  <p:childTnLst>
+                                    <p:set>
+                                      <p:cBhvr>
+                                        <p:cTn id="6" dur="1" fill="hold">
+                                          <p:stCondLst>
+                                            <p:cond delay="0"/>
+                                          </p:stCondLst>
+                                        </p:cTn>
+                                        <p:tgtEl>
+                                          <p:spTgt spid="3">
+                                            <p:txEl>
+                                              <p:pRg st="9" end="9"/>
+                                            </p:txEl>
+                                          </p:spTgt>
+                                        </p:tgtEl>
+                                        <p:attrNameLst>
+                                          <p:attrName>style.visibility</p:attrName>
+                                        </p:attrNameLst>
+                                      </p:cBhvr>
+                                      <p:to>
+                                        <p:strVal val="visible"/>
+                                      </p:to>
+                                    </p:set>
+                                    <p:animEffect transition="in" filter="randombar(horizontal)">
+                                      <p:cBhvr>
+                                        <p:cTn id="7" dur="500"/>
+                                        <p:tgtEl>
+                                          <p:spTgt spid="3">
+                                            <p:txEl>
+                                              <p:pRg st="9" end="9"/>
+                                            </p:txEl>
+                                          </p:spTgt>
+                                        </p:tgtEl>
+                                      </p:cBhvr>
+                                    </p:animEffect>
+                                  </p:childTnLst>
+                                </p:cTn>
+                              </p:par>
+                            </p:childTnLst>
+                          </p:cTn>
+                        </p:par>
+                      </p:childTnLst>
+                    </p:cTn>
+                  </p:par>
+                </p:childTnLst>
+              </p:cTn>
+              <p:prevCondLst>
+                <p:cond evt="onPrev" delay="0">
+                  <p:tgtEl>
+                    <p:sldTgt/>
+                  </p:tgtEl>
+                </p:cond>
+              </p:prevCondLst>
+              <p:nextCondLst>
+                <p:cond evt="onNext" delay="0">
+                  <p:tgtEl>
+                    <p:sldTgt/>
+                  </p:tgtEl>
+                </p:cond>
+              </p:nextCondLst>
+            </p:seq>
+          </p:childTnLst>
+        </p:cTn>
+      </p:par>
+    </p:tnLst>
+  </p:timing>
 </p:sld>
 </file>
 
-<file path=ppt/slides/slide7.xml><?xml version="1.0" encoding="utf-8"?>
+<file path=ppt/slides/slide8.xml><?xml version="1.0" encoding="utf-8"?>
 <p:sld xmlns:a="http://schemas.openxmlformats.org/drawingml/2006/main" xmlns:r="http://schemas.openxmlformats.org/officeDocument/2006/relationships" xmlns:p="http://schemas.openxmlformats.org/presentationml/2006/main">
   <p:cSld>
     <p:spTree>
@@ -8920,7 +12663,7 @@
             </a:pPr>
             <a:r>
               <a:rPr lang="en-US" sz="2400" b="1" dirty="0" smtClean="0"/>
-              <a:t>Seq2seq model; data recombination</a:t>
+              <a:t>Seq2seq model; data augmentation</a:t>
             </a:r>
           </a:p>
           <a:p>
@@ -9017,124 +12760,158 @@
   <p:clrMapOvr>
     <a:masterClrMapping/>
   </p:clrMapOvr>
-</p:sld>
-</file>
-
-<file path=ppt/slides/slide8.xml><?xml version="1.0" encoding="utf-8"?>
-<p:sld xmlns:a="http://schemas.openxmlformats.org/drawingml/2006/main" xmlns:r="http://schemas.openxmlformats.org/officeDocument/2006/relationships" xmlns:p="http://schemas.openxmlformats.org/presentationml/2006/main">
-  <p:cSld>
-    <p:spTree>
-      <p:nvGrpSpPr>
-        <p:cNvPr id="1" name=""/>
-        <p:cNvGrpSpPr/>
-        <p:nvPr/>
-      </p:nvGrpSpPr>
-      <p:grpSpPr>
-        <a:xfrm>
-          <a:off x="0" y="0"/>
-          <a:ext cx="0" cy="0"/>
-          <a:chOff x="0" y="0"/>
-          <a:chExt cx="0" cy="0"/>
-        </a:xfrm>
-      </p:grpSpPr>
-      <p:sp>
-        <p:nvSpPr>
-          <p:cNvPr id="2" name="Title 1"/>
-          <p:cNvSpPr>
-            <a:spLocks noGrp="1"/>
-          </p:cNvSpPr>
-          <p:nvPr>
-            <p:ph type="title"/>
-          </p:nvPr>
-        </p:nvSpPr>
-        <p:spPr/>
-        <p:txBody>
-          <a:bodyPr/>
-          <a:lstStyle/>
-          <a:p>
-            <a:r>
-              <a:rPr lang="en-US" altLang="zh-CN" dirty="0" smtClean="0"/>
-              <a:t>Approach</a:t>
-            </a:r>
-            <a:endParaRPr lang="en-US" dirty="0"/>
-          </a:p>
-        </p:txBody>
-      </p:sp>
-      <p:sp>
-        <p:nvSpPr>
-          <p:cNvPr id="3" name="Content Placeholder 2"/>
-          <p:cNvSpPr>
-            <a:spLocks noGrp="1"/>
-          </p:cNvSpPr>
-          <p:nvPr>
-            <p:ph idx="1"/>
-          </p:nvPr>
-        </p:nvSpPr>
-        <p:spPr/>
-        <p:txBody>
-          <a:bodyPr>
-            <a:normAutofit/>
-          </a:bodyPr>
-          <a:lstStyle/>
-          <a:p>
-            <a:pPr lvl="1">
-              <a:buFont typeface="Wingdings" charset="2"/>
-              <a:buChar char="§"/>
-            </a:pPr>
-            <a:r>
-              <a:rPr lang="en-US" sz="2400" dirty="0" smtClean="0"/>
-              <a:t>Logical form definition</a:t>
-            </a:r>
-          </a:p>
-          <a:p>
-            <a:pPr lvl="1">
-              <a:buFont typeface="Wingdings" charset="2"/>
-              <a:buChar char="§"/>
-            </a:pPr>
-            <a:r>
-              <a:rPr lang="en-US" sz="2400" dirty="0" smtClean="0"/>
-              <a:t>Data augmentation</a:t>
-            </a:r>
-          </a:p>
-          <a:p>
-            <a:pPr lvl="1">
-              <a:buFont typeface="Wingdings" charset="2"/>
-              <a:buChar char="§"/>
-            </a:pPr>
-            <a:r>
-              <a:rPr lang="en-US" sz="2400" dirty="0" smtClean="0"/>
-              <a:t>Seq2seq attention model</a:t>
-            </a:r>
-          </a:p>
-          <a:p>
-            <a:pPr lvl="1">
-              <a:buFont typeface="Wingdings" charset="2"/>
-              <a:buChar char="§"/>
-            </a:pPr>
-            <a:r>
-              <a:rPr lang="en-US" sz="2400" dirty="0" smtClean="0"/>
-              <a:t>Tagging</a:t>
-            </a:r>
-          </a:p>
-          <a:p>
-            <a:pPr lvl="1">
-              <a:buFont typeface="Wingdings" charset="2"/>
-              <a:buChar char="§"/>
-            </a:pPr>
-            <a:endParaRPr lang="en-US" sz="2400" dirty="0" smtClean="0"/>
-          </a:p>
-        </p:txBody>
-      </p:sp>
-    </p:spTree>
-    <p:extLst>
-      <p:ext uri="{BB962C8B-B14F-4D97-AF65-F5344CB8AC3E}">
-        <p14:creationId xmlns:p14="http://schemas.microsoft.com/office/powerpoint/2010/main" val="1212923925"/>
-      </p:ext>
-    </p:extLst>
-  </p:cSld>
-  <p:clrMapOvr>
-    <a:masterClrMapping/>
-  </p:clrMapOvr>
+  <p:timing>
+    <p:tnLst>
+      <p:par>
+        <p:cTn id="1" dur="indefinite" restart="never" nodeType="tmRoot">
+          <p:childTnLst>
+            <p:seq concurrent="1" nextAc="seek">
+              <p:cTn id="2" dur="indefinite" nodeType="mainSeq">
+                <p:childTnLst>
+                  <p:par>
+                    <p:cTn id="3" fill="hold">
+                      <p:stCondLst>
+                        <p:cond delay="indefinite"/>
+                      </p:stCondLst>
+                      <p:childTnLst>
+                        <p:par>
+                          <p:cTn id="4" fill="hold">
+                            <p:stCondLst>
+                              <p:cond delay="0"/>
+                            </p:stCondLst>
+                            <p:childTnLst>
+                              <p:par>
+                                <p:cTn id="5" presetID="14" presetClass="entr" presetSubtype="10" fill="hold" nodeType="clickEffect">
+                                  <p:stCondLst>
+                                    <p:cond delay="0"/>
+                                  </p:stCondLst>
+                                  <p:childTnLst>
+                                    <p:set>
+                                      <p:cBhvr>
+                                        <p:cTn id="6" dur="1" fill="hold">
+                                          <p:stCondLst>
+                                            <p:cond delay="0"/>
+                                          </p:stCondLst>
+                                        </p:cTn>
+                                        <p:tgtEl>
+                                          <p:spTgt spid="3">
+                                            <p:txEl>
+                                              <p:pRg st="8" end="8"/>
+                                            </p:txEl>
+                                          </p:spTgt>
+                                        </p:tgtEl>
+                                        <p:attrNameLst>
+                                          <p:attrName>style.visibility</p:attrName>
+                                        </p:attrNameLst>
+                                      </p:cBhvr>
+                                      <p:to>
+                                        <p:strVal val="visible"/>
+                                      </p:to>
+                                    </p:set>
+                                    <p:animEffect transition="in" filter="randombar(horizontal)">
+                                      <p:cBhvr>
+                                        <p:cTn id="7" dur="500"/>
+                                        <p:tgtEl>
+                                          <p:spTgt spid="3">
+                                            <p:txEl>
+                                              <p:pRg st="8" end="8"/>
+                                            </p:txEl>
+                                          </p:spTgt>
+                                        </p:tgtEl>
+                                      </p:cBhvr>
+                                    </p:animEffect>
+                                  </p:childTnLst>
+                                </p:cTn>
+                              </p:par>
+                            </p:childTnLst>
+                          </p:cTn>
+                        </p:par>
+                      </p:childTnLst>
+                    </p:cTn>
+                  </p:par>
+                  <p:par>
+                    <p:cTn id="8" fill="hold">
+                      <p:stCondLst>
+                        <p:cond delay="indefinite"/>
+                      </p:stCondLst>
+                      <p:childTnLst>
+                        <p:par>
+                          <p:cTn id="9" fill="hold">
+                            <p:stCondLst>
+                              <p:cond delay="0"/>
+                            </p:stCondLst>
+                            <p:childTnLst>
+                              <p:par>
+                                <p:cTn id="10" presetID="14" presetClass="entr" presetSubtype="10" fill="hold" nodeType="clickEffect">
+                                  <p:stCondLst>
+                                    <p:cond delay="0"/>
+                                  </p:stCondLst>
+                                  <p:childTnLst>
+                                    <p:set>
+                                      <p:cBhvr>
+                                        <p:cTn id="11" dur="1" fill="hold">
+                                          <p:stCondLst>
+                                            <p:cond delay="0"/>
+                                          </p:stCondLst>
+                                        </p:cTn>
+                                        <p:tgtEl>
+                                          <p:spTgt spid="3">
+                                            <p:txEl>
+                                              <p:pRg st="9" end="9"/>
+                                            </p:txEl>
+                                          </p:spTgt>
+                                        </p:tgtEl>
+                                        <p:attrNameLst>
+                                          <p:attrName>style.visibility</p:attrName>
+                                        </p:attrNameLst>
+                                      </p:cBhvr>
+                                      <p:to>
+                                        <p:strVal val="visible"/>
+                                      </p:to>
+                                    </p:set>
+                                    <p:animEffect transition="in" filter="randombar(horizontal)">
+                                      <p:cBhvr>
+                                        <p:cTn id="12" dur="500"/>
+                                        <p:tgtEl>
+                                          <p:spTgt spid="3">
+                                            <p:txEl>
+                                              <p:pRg st="9" end="9"/>
+                                            </p:txEl>
+                                          </p:spTgt>
+                                        </p:tgtEl>
+                                      </p:cBhvr>
+                                    </p:animEffect>
+                                  </p:childTnLst>
+                                </p:cTn>
+                              </p:par>
+                            </p:childTnLst>
+                          </p:cTn>
+                        </p:par>
+                      </p:childTnLst>
+                    </p:cTn>
+                  </p:par>
+                </p:childTnLst>
+              </p:cTn>
+              <p:prevCondLst>
+                <p:cond evt="onPrev" delay="0">
+                  <p:tgtEl>
+                    <p:sldTgt/>
+                  </p:tgtEl>
+                </p:cond>
+              </p:prevCondLst>
+              <p:nextCondLst>
+                <p:cond evt="onNext" delay="0">
+                  <p:tgtEl>
+                    <p:sldTgt/>
+                  </p:tgtEl>
+                </p:cond>
+              </p:nextCondLst>
+            </p:seq>
+          </p:childTnLst>
+        </p:cTn>
+      </p:par>
+    </p:tnLst>
+  </p:timing>
 </p:sld>
 </file>
 
@@ -9155,33 +12932,9 @@
           <a:chExt cx="0" cy="0"/>
         </a:xfrm>
       </p:grpSpPr>
-      <p:pic>
-        <p:nvPicPr>
-          <p:cNvPr id="5" name="Picture 4"/>
-          <p:cNvPicPr>
-            <a:picLocks noChangeAspect="1"/>
-          </p:cNvPicPr>
-          <p:nvPr/>
-        </p:nvPicPr>
-        <p:blipFill>
-          <a:blip r:embed="rId3"/>
-          <a:stretch>
-            <a:fillRect/>
-          </a:stretch>
-        </p:blipFill>
-        <p:spPr>
-          <a:xfrm>
-            <a:off x="1073426" y="2031540"/>
-            <a:ext cx="6781564" cy="4024312"/>
-          </a:xfrm>
-          <a:prstGeom prst="rect">
-            <a:avLst/>
-          </a:prstGeom>
-        </p:spPr>
-      </p:pic>
-      <p:sp>
-        <p:nvSpPr>
-          <p:cNvPr id="6" name="Title 5"/>
+      <p:sp>
+        <p:nvSpPr>
+          <p:cNvPr id="2" name="Title 1"/>
           <p:cNvSpPr>
             <a:spLocks noGrp="1"/>
           </p:cNvSpPr>
@@ -9195,23 +12948,95 @@
           <a:lstStyle/>
           <a:p>
             <a:r>
-              <a:rPr lang="en-US" dirty="0" smtClean="0"/>
-              <a:t>SQL-like logical forms</a:t>
+              <a:rPr lang="en-US" altLang="zh-CN" dirty="0" smtClean="0"/>
+              <a:t>Approach</a:t>
             </a:r>
             <a:endParaRPr lang="en-US" dirty="0"/>
+          </a:p>
+        </p:txBody>
+      </p:sp>
+      <p:sp>
+        <p:nvSpPr>
+          <p:cNvPr id="3" name="Content Placeholder 2"/>
+          <p:cNvSpPr>
+            <a:spLocks noGrp="1"/>
+          </p:cNvSpPr>
+          <p:nvPr>
+            <p:ph idx="1"/>
+          </p:nvPr>
+        </p:nvSpPr>
+        <p:spPr/>
+        <p:txBody>
+          <a:bodyPr>
+            <a:normAutofit/>
+          </a:bodyPr>
+          <a:lstStyle/>
+          <a:p>
+            <a:pPr lvl="1">
+              <a:buFont typeface="Wingdings" charset="2"/>
+              <a:buChar char="§"/>
+            </a:pPr>
+            <a:r>
+              <a:rPr lang="en-US" sz="2400" dirty="0" smtClean="0"/>
+              <a:t>Seq2seq attention model</a:t>
+            </a:r>
+          </a:p>
+          <a:p>
+            <a:pPr lvl="1">
+              <a:buFont typeface="Wingdings" charset="2"/>
+              <a:buChar char="§"/>
+            </a:pPr>
+            <a:r>
+              <a:rPr lang="en-US" sz="2400" dirty="0" smtClean="0"/>
+              <a:t>Logical form definition</a:t>
+            </a:r>
+          </a:p>
+          <a:p>
+            <a:pPr lvl="1">
+              <a:buFont typeface="Wingdings" charset="2"/>
+              <a:buChar char="§"/>
+            </a:pPr>
+            <a:r>
+              <a:rPr lang="en-US" sz="2400" dirty="0" smtClean="0"/>
+              <a:t>Data augmentation</a:t>
+            </a:r>
+          </a:p>
+          <a:p>
+            <a:pPr lvl="1">
+              <a:buFont typeface="Wingdings" charset="2"/>
+              <a:buChar char="§"/>
+            </a:pPr>
+            <a:r>
+              <a:rPr lang="en-US" sz="2400" dirty="0" smtClean="0"/>
+              <a:t>Tagging</a:t>
+            </a:r>
+          </a:p>
+          <a:p>
+            <a:pPr lvl="1">
+              <a:buFont typeface="Wingdings" charset="2"/>
+              <a:buChar char="§"/>
+            </a:pPr>
+            <a:endParaRPr lang="en-US" sz="2400" dirty="0" smtClean="0"/>
           </a:p>
         </p:txBody>
       </p:sp>
     </p:spTree>
     <p:extLst>
       <p:ext uri="{BB962C8B-B14F-4D97-AF65-F5344CB8AC3E}">
-        <p14:creationId xmlns:p14="http://schemas.microsoft.com/office/powerpoint/2010/main" val="838298693"/>
+        <p14:creationId xmlns:p14="http://schemas.microsoft.com/office/powerpoint/2010/main" val="1212923925"/>
       </p:ext>
     </p:extLst>
   </p:cSld>
   <p:clrMapOvr>
     <a:masterClrMapping/>
   </p:clrMapOvr>
+  <p:timing>
+    <p:tnLst>
+      <p:par>
+        <p:cTn id="1" dur="indefinite" restart="never" nodeType="tmRoot"/>
+      </p:par>
+    </p:tnLst>
+  </p:timing>
 </p:sld>
 </file>
 

--- a/dnnQuery.pptx
+++ b/dnnQuery.pptx
@@ -5,7 +5,7 @@
     <p:sldMasterId id="2147483768" r:id="rId1"/>
   </p:sldMasterIdLst>
   <p:notesMasterIdLst>
-    <p:notesMasterId r:id="rId25"/>
+    <p:notesMasterId r:id="rId28"/>
   </p:notesMasterIdLst>
   <p:sldIdLst>
     <p:sldId id="256" r:id="rId2"/>
@@ -31,6 +31,9 @@
     <p:sldId id="271" r:id="rId22"/>
     <p:sldId id="279" r:id="rId23"/>
     <p:sldId id="275" r:id="rId24"/>
+    <p:sldId id="281" r:id="rId25"/>
+    <p:sldId id="282" r:id="rId26"/>
+    <p:sldId id="283" r:id="rId27"/>
   </p:sldIdLst>
   <p:sldSz cx="9144000" cy="6858000" type="screen4x3"/>
   <p:notesSz cx="6858000" cy="9144000"/>
@@ -129,6 +132,11 @@
       </a:defRPr>
     </a:lvl9pPr>
   </p:defaultTextStyle>
+  <p:extLst>
+    <p:ext uri="{EFAFB233-063F-42B5-8137-9DF3F51BA10A}">
+      <p15:sldGuideLst xmlns:p15="http://schemas.microsoft.com/office/powerpoint/2012/main"/>
+    </p:ext>
+  </p:extLst>
 </p:presentation>
 </file>
 
@@ -214,7 +222,7 @@
           <a:p>
             <a:fld id="{6C69AF8A-8554-D74B-B8C7-B6347E590D19}" type="datetimeFigureOut">
               <a:rPr lang="en-US" smtClean="0"/>
-              <a:t>3/28/17</a:t>
+              <a:t>4/29/17</a:t>
             </a:fld>
             <a:endParaRPr lang="en-US"/>
           </a:p>
@@ -1010,6 +1018,423 @@
 </p:notes>
 </file>
 
+<file path=ppt/notesSlides/notesSlide7.xml><?xml version="1.0" encoding="utf-8"?>
+<p:notes xmlns:a="http://schemas.openxmlformats.org/drawingml/2006/main" xmlns:r="http://schemas.openxmlformats.org/officeDocument/2006/relationships" xmlns:p="http://schemas.openxmlformats.org/presentationml/2006/main">
+  <p:cSld>
+    <p:spTree>
+      <p:nvGrpSpPr>
+        <p:cNvPr id="1" name=""/>
+        <p:cNvGrpSpPr/>
+        <p:nvPr/>
+      </p:nvGrpSpPr>
+      <p:grpSpPr>
+        <a:xfrm>
+          <a:off x="0" y="0"/>
+          <a:ext cx="0" cy="0"/>
+          <a:chOff x="0" y="0"/>
+          <a:chExt cx="0" cy="0"/>
+        </a:xfrm>
+      </p:grpSpPr>
+      <p:sp>
+        <p:nvSpPr>
+          <p:cNvPr id="2" name="Slide Image Placeholder 1"/>
+          <p:cNvSpPr>
+            <a:spLocks noGrp="1" noRot="1" noChangeAspect="1"/>
+          </p:cNvSpPr>
+          <p:nvPr>
+            <p:ph type="sldImg"/>
+          </p:nvPr>
+        </p:nvSpPr>
+        <p:spPr>
+          <a:xfrm>
+            <a:off x="1371600" y="1143000"/>
+            <a:ext cx="4114800" cy="3086100"/>
+          </a:xfrm>
+        </p:spPr>
+      </p:sp>
+      <p:sp>
+        <p:nvSpPr>
+          <p:cNvPr id="3" name="Notes Placeholder 2"/>
+          <p:cNvSpPr>
+            <a:spLocks noGrp="1"/>
+          </p:cNvSpPr>
+          <p:nvPr>
+            <p:ph type="body" idx="1"/>
+          </p:nvPr>
+        </p:nvSpPr>
+        <p:spPr/>
+        <p:txBody>
+          <a:bodyPr/>
+          <a:lstStyle/>
+          <a:p>
+            <a:r>
+              <a:rPr lang="en-US" dirty="0" smtClean="0"/>
+              <a:t>Logical forms</a:t>
+            </a:r>
+            <a:endParaRPr lang="en-US" dirty="0"/>
+          </a:p>
+        </p:txBody>
+      </p:sp>
+      <p:sp>
+        <p:nvSpPr>
+          <p:cNvPr id="4" name="Slide Number Placeholder 3"/>
+          <p:cNvSpPr>
+            <a:spLocks noGrp="1"/>
+          </p:cNvSpPr>
+          <p:nvPr>
+            <p:ph type="sldNum" sz="quarter" idx="10"/>
+          </p:nvPr>
+        </p:nvSpPr>
+        <p:spPr/>
+        <p:txBody>
+          <a:bodyPr/>
+          <a:lstStyle/>
+          <a:p>
+            <a:fld id="{F462D47B-A527-614C-BCC4-5E0D5E97ED78}" type="slidenum">
+              <a:rPr lang="en-US" smtClean="0"/>
+              <a:t>24</a:t>
+            </a:fld>
+            <a:endParaRPr lang="en-US"/>
+          </a:p>
+        </p:txBody>
+      </p:sp>
+    </p:spTree>
+    <p:extLst>
+      <p:ext uri="{BB962C8B-B14F-4D97-AF65-F5344CB8AC3E}">
+        <p14:creationId xmlns:p14="http://schemas.microsoft.com/office/powerpoint/2010/main" val="1089868942"/>
+      </p:ext>
+    </p:extLst>
+  </p:cSld>
+  <p:clrMapOvr>
+    <a:masterClrMapping/>
+  </p:clrMapOvr>
+</p:notes>
+</file>
+
+<file path=ppt/notesSlides/notesSlide8.xml><?xml version="1.0" encoding="utf-8"?>
+<p:notes xmlns:a="http://schemas.openxmlformats.org/drawingml/2006/main" xmlns:r="http://schemas.openxmlformats.org/officeDocument/2006/relationships" xmlns:p="http://schemas.openxmlformats.org/presentationml/2006/main">
+  <p:cSld>
+    <p:spTree>
+      <p:nvGrpSpPr>
+        <p:cNvPr id="1" name=""/>
+        <p:cNvGrpSpPr/>
+        <p:nvPr/>
+      </p:nvGrpSpPr>
+      <p:grpSpPr>
+        <a:xfrm>
+          <a:off x="0" y="0"/>
+          <a:ext cx="0" cy="0"/>
+          <a:chOff x="0" y="0"/>
+          <a:chExt cx="0" cy="0"/>
+        </a:xfrm>
+      </p:grpSpPr>
+      <p:sp>
+        <p:nvSpPr>
+          <p:cNvPr id="2" name="Slide Image Placeholder 1"/>
+          <p:cNvSpPr>
+            <a:spLocks noGrp="1" noRot="1" noChangeAspect="1"/>
+          </p:cNvSpPr>
+          <p:nvPr>
+            <p:ph type="sldImg"/>
+          </p:nvPr>
+        </p:nvSpPr>
+        <p:spPr/>
+      </p:sp>
+      <p:sp>
+        <p:nvSpPr>
+          <p:cNvPr id="3" name="Notes Placeholder 2"/>
+          <p:cNvSpPr>
+            <a:spLocks noGrp="1"/>
+          </p:cNvSpPr>
+          <p:nvPr>
+            <p:ph type="body" idx="1"/>
+          </p:nvPr>
+        </p:nvSpPr>
+        <p:spPr/>
+        <p:txBody>
+          <a:bodyPr/>
+          <a:lstStyle/>
+          <a:p>
+            <a:pPr marL="0" marR="0" indent="0" algn="l" defTabSz="914400" rtl="0" eaLnBrk="1" fontAlgn="auto" latinLnBrk="0" hangingPunct="1">
+              <a:lnSpc>
+                <a:spcPct val="100000"/>
+              </a:lnSpc>
+              <a:spcBef>
+                <a:spcPts val="0"/>
+              </a:spcBef>
+              <a:spcAft>
+                <a:spcPts val="0"/>
+              </a:spcAft>
+              <a:buClrTx/>
+              <a:buSzTx/>
+              <a:buFontTx/>
+              <a:buNone/>
+              <a:tabLst/>
+              <a:defRPr/>
+            </a:pPr>
+            <a:r>
+              <a:rPr lang="zh-CN" altLang="en-US" dirty="0" smtClean="0"/>
+              <a:t>后期</a:t>
+            </a:r>
+            <a:r>
+              <a:rPr lang="en-US" altLang="zh-CN" dirty="0" smtClean="0"/>
+              <a:t>adding</a:t>
+            </a:r>
+            <a:r>
+              <a:rPr lang="zh-CN" altLang="en-US" dirty="0" smtClean="0"/>
+              <a:t>新的句子和问答方式：</a:t>
+            </a:r>
+            <a:r>
+              <a:rPr lang="en-US" altLang="zh-CN" dirty="0" smtClean="0"/>
+              <a:t>small fields with {possible paraphrases}</a:t>
+            </a:r>
+            <a:endParaRPr lang="en-US" dirty="0" smtClean="0"/>
+          </a:p>
+        </p:txBody>
+      </p:sp>
+      <p:sp>
+        <p:nvSpPr>
+          <p:cNvPr id="4" name="Slide Number Placeholder 3"/>
+          <p:cNvSpPr>
+            <a:spLocks noGrp="1"/>
+          </p:cNvSpPr>
+          <p:nvPr>
+            <p:ph type="sldNum" sz="quarter" idx="10"/>
+          </p:nvPr>
+        </p:nvSpPr>
+        <p:spPr/>
+        <p:txBody>
+          <a:bodyPr/>
+          <a:lstStyle/>
+          <a:p>
+            <a:fld id="{F462D47B-A527-614C-BCC4-5E0D5E97ED78}" type="slidenum">
+              <a:rPr lang="en-US" smtClean="0"/>
+              <a:t>25</a:t>
+            </a:fld>
+            <a:endParaRPr lang="en-US"/>
+          </a:p>
+        </p:txBody>
+      </p:sp>
+    </p:spTree>
+    <p:extLst>
+      <p:ext uri="{BB962C8B-B14F-4D97-AF65-F5344CB8AC3E}">
+        <p14:creationId xmlns:p14="http://schemas.microsoft.com/office/powerpoint/2010/main" val="2140209555"/>
+      </p:ext>
+    </p:extLst>
+  </p:cSld>
+  <p:clrMapOvr>
+    <a:masterClrMapping/>
+  </p:clrMapOvr>
+</p:notes>
+</file>
+
+<file path=ppt/notesSlides/notesSlide9.xml><?xml version="1.0" encoding="utf-8"?>
+<p:notes xmlns:a="http://schemas.openxmlformats.org/drawingml/2006/main" xmlns:r="http://schemas.openxmlformats.org/officeDocument/2006/relationships" xmlns:p="http://schemas.openxmlformats.org/presentationml/2006/main">
+  <p:cSld>
+    <p:spTree>
+      <p:nvGrpSpPr>
+        <p:cNvPr id="1" name=""/>
+        <p:cNvGrpSpPr/>
+        <p:nvPr/>
+      </p:nvGrpSpPr>
+      <p:grpSpPr>
+        <a:xfrm>
+          <a:off x="0" y="0"/>
+          <a:ext cx="0" cy="0"/>
+          <a:chOff x="0" y="0"/>
+          <a:chExt cx="0" cy="0"/>
+        </a:xfrm>
+      </p:grpSpPr>
+      <p:sp>
+        <p:nvSpPr>
+          <p:cNvPr id="2" name="Slide Image Placeholder 1"/>
+          <p:cNvSpPr>
+            <a:spLocks noGrp="1" noRot="1" noChangeAspect="1"/>
+          </p:cNvSpPr>
+          <p:nvPr>
+            <p:ph type="sldImg"/>
+          </p:nvPr>
+        </p:nvSpPr>
+        <p:spPr/>
+      </p:sp>
+      <p:sp>
+        <p:nvSpPr>
+          <p:cNvPr id="3" name="Notes Placeholder 2"/>
+          <p:cNvSpPr>
+            <a:spLocks noGrp="1"/>
+          </p:cNvSpPr>
+          <p:nvPr>
+            <p:ph type="body" idx="1"/>
+          </p:nvPr>
+        </p:nvSpPr>
+        <p:spPr/>
+        <p:txBody>
+          <a:bodyPr/>
+          <a:lstStyle/>
+          <a:p>
+            <a:r>
+              <a:rPr lang="en-US" dirty="0" smtClean="0"/>
+              <a:t>item: (-1, 0, +1,+3,+5,+10); (or using binary?)</a:t>
+            </a:r>
+          </a:p>
+          <a:p>
+            <a:r>
+              <a:rPr lang="en-US" dirty="0" smtClean="0"/>
+              <a:t>id: (1,2,3,</a:t>
+            </a:r>
+            <a:r>
+              <a:rPr lang="mr-IN" dirty="0" smtClean="0"/>
+              <a:t>…</a:t>
+            </a:r>
+            <a:r>
+              <a:rPr lang="en-US" dirty="0" smtClean="0"/>
+              <a:t>), </a:t>
+            </a:r>
+            <a:r>
+              <a:rPr lang="zh-CN" altLang="en-US" dirty="0" smtClean="0"/>
+              <a:t>按出现顺序编号，除非真的确定指同一个</a:t>
+            </a:r>
+            <a:r>
+              <a:rPr lang="en-US" dirty="0" smtClean="0"/>
+              <a:t>; </a:t>
+            </a:r>
+          </a:p>
+          <a:p>
+            <a:r>
+              <a:rPr lang="en-US" altLang="zh-CN" dirty="0" err="1" smtClean="0"/>
+              <a:t>field_template</a:t>
+            </a:r>
+            <a:r>
+              <a:rPr lang="en-US" altLang="zh-CN" dirty="0" smtClean="0"/>
+              <a:t>: </a:t>
+            </a:r>
+            <a:r>
+              <a:rPr lang="en-US" dirty="0" err="1" smtClean="0"/>
+              <a:t>nparray</a:t>
+            </a:r>
+            <a:r>
+              <a:rPr lang="en-US" dirty="0" smtClean="0"/>
+              <a:t>[] e.g.&lt;$People&gt;&lt;$Country&gt;; </a:t>
+            </a:r>
+          </a:p>
+          <a:p>
+            <a:r>
+              <a:rPr lang="en-US" dirty="0" smtClean="0"/>
+              <a:t>value type: </a:t>
+            </a:r>
+            <a:r>
+              <a:rPr lang="zh-CN" altLang="en-US" dirty="0" smtClean="0"/>
+              <a:t>只有</a:t>
+            </a:r>
+            <a:r>
+              <a:rPr lang="en-US" altLang="zh-CN" dirty="0" smtClean="0"/>
+              <a:t>f/v</a:t>
+            </a:r>
+            <a:r>
+              <a:rPr lang="zh-CN" altLang="en-US" dirty="0" smtClean="0"/>
+              <a:t>非零；</a:t>
+            </a:r>
+            <a:r>
+              <a:rPr lang="en-US" altLang="zh-CN" dirty="0" smtClean="0"/>
+              <a:t>binary</a:t>
+            </a:r>
+            <a:r>
+              <a:rPr lang="zh-CN" altLang="en-US" dirty="0" smtClean="0"/>
+              <a:t>表示</a:t>
+            </a:r>
+            <a:r>
+              <a:rPr lang="en-US" dirty="0" smtClean="0"/>
+              <a:t>([0,0,1,0], [1,0,0,0],</a:t>
+            </a:r>
+            <a:r>
+              <a:rPr lang="mr-IN" dirty="0" smtClean="0"/>
+              <a:t>…</a:t>
+            </a:r>
+            <a:r>
+              <a:rPr lang="en-US" dirty="0" smtClean="0"/>
+              <a:t>) </a:t>
+            </a:r>
+            <a:r>
+              <a:rPr lang="en-US" altLang="zh-CN" dirty="0" smtClean="0"/>
+              <a:t>[</a:t>
+            </a:r>
+            <a:r>
+              <a:rPr lang="en-US" altLang="zh-CN" dirty="0" err="1" smtClean="0"/>
+              <a:t>int</a:t>
+            </a:r>
+            <a:r>
+              <a:rPr lang="en-US" altLang="zh-CN" dirty="0" smtClean="0"/>
+              <a:t>, double,</a:t>
+            </a:r>
+            <a:r>
+              <a:rPr lang="en-US" altLang="zh-CN" baseline="0" dirty="0" smtClean="0"/>
+              <a:t> string, ordinal, category</a:t>
+            </a:r>
+            <a:r>
+              <a:rPr lang="en-US" altLang="zh-CN" dirty="0" smtClean="0"/>
+              <a:t>]</a:t>
+            </a:r>
+            <a:r>
+              <a:rPr lang="en-US" dirty="0" smtClean="0"/>
+              <a:t>; </a:t>
+            </a:r>
+          </a:p>
+          <a:p>
+            <a:r>
+              <a:rPr lang="en-US" dirty="0" err="1" smtClean="0"/>
+              <a:t>value_embed</a:t>
+            </a:r>
+            <a:r>
+              <a:rPr lang="en-US" dirty="0" smtClean="0"/>
+              <a:t>: </a:t>
+            </a:r>
+            <a:r>
+              <a:rPr lang="en-US" dirty="0" err="1" smtClean="0"/>
+              <a:t>nparray</a:t>
+            </a:r>
+            <a:r>
+              <a:rPr lang="en-US" dirty="0" smtClean="0"/>
+              <a:t>[] e.g.</a:t>
+            </a:r>
+          </a:p>
+        </p:txBody>
+      </p:sp>
+      <p:sp>
+        <p:nvSpPr>
+          <p:cNvPr id="4" name="Slide Number Placeholder 3"/>
+          <p:cNvSpPr>
+            <a:spLocks noGrp="1"/>
+          </p:cNvSpPr>
+          <p:nvPr>
+            <p:ph type="sldNum" sz="quarter" idx="10"/>
+          </p:nvPr>
+        </p:nvSpPr>
+        <p:spPr/>
+        <p:txBody>
+          <a:bodyPr/>
+          <a:lstStyle/>
+          <a:p>
+            <a:fld id="{F462D47B-A527-614C-BCC4-5E0D5E97ED78}" type="slidenum">
+              <a:rPr lang="en-US" smtClean="0"/>
+              <a:t>26</a:t>
+            </a:fld>
+            <a:endParaRPr lang="en-US"/>
+          </a:p>
+        </p:txBody>
+      </p:sp>
+    </p:spTree>
+    <p:extLst>
+      <p:ext uri="{BB962C8B-B14F-4D97-AF65-F5344CB8AC3E}">
+        <p14:creationId xmlns:p14="http://schemas.microsoft.com/office/powerpoint/2010/main" val="59206338"/>
+      </p:ext>
+    </p:extLst>
+  </p:cSld>
+  <p:clrMapOvr>
+    <a:masterClrMapping/>
+  </p:clrMapOvr>
+</p:notes>
+</file>
+
 <file path=ppt/slideLayouts/slideLayout1.xml><?xml version="1.0" encoding="utf-8"?>
 <p:sldLayout xmlns:a="http://schemas.openxmlformats.org/drawingml/2006/main" xmlns:r="http://schemas.openxmlformats.org/officeDocument/2006/relationships" xmlns:p="http://schemas.openxmlformats.org/presentationml/2006/main" showMasterSp="0" type="title" preserve="1">
   <p:cSld name="Title Slide">
@@ -1236,7 +1661,7 @@
           <a:p>
             <a:fld id="{9323D940-588B-B243-B64D-D9263B98B06E}" type="datetimeFigureOut">
               <a:rPr lang="en-US" smtClean="0"/>
-              <a:t>3/28/17</a:t>
+              <a:t>4/29/17</a:t>
             </a:fld>
             <a:endParaRPr lang="en-US"/>
           </a:p>
@@ -1439,7 +1864,7 @@
           <a:p>
             <a:fld id="{9323D940-588B-B243-B64D-D9263B98B06E}" type="datetimeFigureOut">
               <a:rPr lang="en-US" smtClean="0"/>
-              <a:t>3/28/17</a:t>
+              <a:t>4/29/17</a:t>
             </a:fld>
             <a:endParaRPr lang="en-US"/>
           </a:p>
@@ -1690,7 +2115,7 @@
           <a:p>
             <a:fld id="{9323D940-588B-B243-B64D-D9263B98B06E}" type="datetimeFigureOut">
               <a:rPr lang="en-US" smtClean="0"/>
-              <a:t>3/28/17</a:t>
+              <a:t>4/29/17</a:t>
             </a:fld>
             <a:endParaRPr lang="en-US"/>
           </a:p>
@@ -1855,7 +2280,7 @@
           <a:p>
             <a:fld id="{9323D940-588B-B243-B64D-D9263B98B06E}" type="datetimeFigureOut">
               <a:rPr lang="en-US" smtClean="0"/>
-              <a:t>3/28/17</a:t>
+              <a:t>4/29/17</a:t>
             </a:fld>
             <a:endParaRPr lang="en-US"/>
           </a:p>
@@ -2193,7 +2618,7 @@
           <a:p>
             <a:fld id="{9323D940-588B-B243-B64D-D9263B98B06E}" type="datetimeFigureOut">
               <a:rPr lang="en-US" smtClean="0"/>
-              <a:t>3/28/17</a:t>
+              <a:t>4/29/17</a:t>
             </a:fld>
             <a:endParaRPr lang="en-US"/>
           </a:p>
@@ -2463,7 +2888,7 @@
           <a:p>
             <a:fld id="{9323D940-588B-B243-B64D-D9263B98B06E}" type="datetimeFigureOut">
               <a:rPr lang="en-US" smtClean="0"/>
-              <a:t>3/28/17</a:t>
+              <a:t>4/29/17</a:t>
             </a:fld>
             <a:endParaRPr lang="en-US"/>
           </a:p>
@@ -2837,7 +3262,7 @@
           <a:p>
             <a:fld id="{9323D940-588B-B243-B64D-D9263B98B06E}" type="datetimeFigureOut">
               <a:rPr lang="en-US" smtClean="0"/>
-              <a:t>3/28/17</a:t>
+              <a:t>4/29/17</a:t>
             </a:fld>
             <a:endParaRPr lang="en-US"/>
           </a:p>
@@ -2950,7 +3375,7 @@
           <a:p>
             <a:fld id="{9323D940-588B-B243-B64D-D9263B98B06E}" type="datetimeFigureOut">
               <a:rPr lang="en-US" smtClean="0"/>
-              <a:t>3/28/17</a:t>
+              <a:t>4/29/17</a:t>
             </a:fld>
             <a:endParaRPr lang="en-US"/>
           </a:p>
@@ -3116,7 +3541,7 @@
           <a:p>
             <a:fld id="{9323D940-588B-B243-B64D-D9263B98B06E}" type="datetimeFigureOut">
               <a:rPr lang="en-US" smtClean="0"/>
-              <a:t>3/28/17</a:t>
+              <a:t>4/29/17</a:t>
             </a:fld>
             <a:endParaRPr lang="en-US"/>
           </a:p>
@@ -3465,7 +3890,7 @@
           <a:p>
             <a:fld id="{9323D940-588B-B243-B64D-D9263B98B06E}" type="datetimeFigureOut">
               <a:rPr lang="en-US" smtClean="0"/>
-              <a:t>3/28/17</a:t>
+              <a:t>4/29/17</a:t>
             </a:fld>
             <a:endParaRPr lang="en-US"/>
           </a:p>
@@ -3837,7 +4262,7 @@
           <a:p>
             <a:fld id="{9323D940-588B-B243-B64D-D9263B98B06E}" type="datetimeFigureOut">
               <a:rPr lang="en-US" smtClean="0"/>
-              <a:t>3/28/17</a:t>
+              <a:t>4/29/17</a:t>
             </a:fld>
             <a:endParaRPr lang="en-US"/>
           </a:p>
@@ -4119,7 +4544,7 @@
           <a:p>
             <a:fld id="{9323D940-588B-B243-B64D-D9263B98B06E}" type="datetimeFigureOut">
               <a:rPr lang="en-US" smtClean="0"/>
-              <a:t>3/28/17</a:t>
+              <a:t>4/29/17</a:t>
             </a:fld>
             <a:endParaRPr lang="en-US"/>
           </a:p>
@@ -4790,8 +5215,8 @@
           </a:prstGeom>
         </p:spPr>
       </p:pic>
-      <mc:AlternateContent xmlns:mc="http://schemas.openxmlformats.org/markup-compatibility/2006">
-        <mc:Choice xmlns:a14="http://schemas.microsoft.com/office/drawing/2010/main" Requires="a14">
+      <mc:AlternateContent xmlns:mc="http://schemas.openxmlformats.org/markup-compatibility/2006" xmlns:a14="http://schemas.microsoft.com/office/drawing/2010/main">
+        <mc:Choice Requires="a14">
           <p:sp>
             <p:nvSpPr>
               <p:cNvPr id="3" name="TextBox 2"/>
@@ -4814,6 +5239,7 @@
               </a:bodyPr>
               <a:lstStyle/>
               <a:p>
+                <a:pPr/>
                 <a14:m>
                   <m:oMathPara xmlns:m="http://schemas.openxmlformats.org/officeDocument/2006/math">
                     <m:oMathParaPr>
@@ -4969,7 +5395,7 @@
             </p:txBody>
           </p:sp>
         </mc:Choice>
-        <mc:Fallback>
+        <mc:Fallback xmlns="">
           <p:sp>
             <p:nvSpPr>
               <p:cNvPr id="3" name="TextBox 2"/>
@@ -5031,8 +5457,8 @@
           </a:p>
         </p:txBody>
       </p:sp>
-      <mc:AlternateContent xmlns:mc="http://schemas.openxmlformats.org/markup-compatibility/2006">
-        <mc:Choice xmlns:a14="http://schemas.microsoft.com/office/drawing/2010/main" Requires="a14">
+      <mc:AlternateContent xmlns:mc="http://schemas.openxmlformats.org/markup-compatibility/2006" xmlns:a14="http://schemas.microsoft.com/office/drawing/2010/main">
+        <mc:Choice Requires="a14">
           <p:sp>
             <p:nvSpPr>
               <p:cNvPr id="5" name="Rectangle 4"/>
@@ -5054,6 +5480,7 @@
               </a:bodyPr>
               <a:lstStyle/>
               <a:p>
+                <a:pPr/>
                 <a14:m>
                   <m:oMathPara xmlns:m="http://schemas.openxmlformats.org/officeDocument/2006/math">
                     <m:oMathParaPr>
@@ -5298,7 +5725,7 @@
             </p:txBody>
           </p:sp>
         </mc:Choice>
-        <mc:Fallback>
+        <mc:Fallback xmlns="">
           <p:sp>
             <p:nvSpPr>
               <p:cNvPr id="5" name="Rectangle 4"/>
@@ -8707,8 +9134,8 @@
           </a:p>
         </p:txBody>
       </p:sp>
-      <mc:AlternateContent xmlns:mc="http://schemas.openxmlformats.org/markup-compatibility/2006">
-        <mc:Choice xmlns:a14="http://schemas.microsoft.com/office/drawing/2010/main" Requires="a14">
+      <mc:AlternateContent xmlns:mc="http://schemas.openxmlformats.org/markup-compatibility/2006" xmlns:a14="http://schemas.microsoft.com/office/drawing/2010/main">
+        <mc:Choice Requires="a14">
           <p:sp>
             <p:nvSpPr>
               <p:cNvPr id="3" name="Content Placeholder 2"/>
@@ -8977,7 +9404,7 @@
             </p:txBody>
           </p:sp>
         </mc:Choice>
-        <mc:Fallback>
+        <mc:Fallback xmlns="">
           <p:sp>
             <p:nvSpPr>
               <p:cNvPr id="3" name="Content Placeholder 2"/>
@@ -9203,11 +9630,7 @@
           <a:p>
             <a:r>
               <a:rPr lang="en-US" dirty="0" smtClean="0"/>
-              <a:t>where </a:t>
-            </a:r>
-            <a:r>
-              <a:rPr lang="en-US" dirty="0" smtClean="0"/>
-              <a:t>&lt;field: 3&gt; equal &lt;field </a:t>
+              <a:t>where &lt;field: 3&gt; equal &lt;field </a:t>
             </a:r>
             <a:r>
               <a:rPr lang="en-US" dirty="0" err="1" smtClean="0"/>
@@ -9215,11 +9638,7 @@
             </a:r>
             <a:r>
               <a:rPr lang="en-US" dirty="0" smtClean="0"/>
-              <a:t>: 3&gt; select &lt;field: 2&gt;  as A </a:t>
-            </a:r>
-            <a:r>
-              <a:rPr lang="en-US" dirty="0" smtClean="0"/>
-              <a:t>select &lt;field: 1&gt;</a:t>
+              <a:t>: 3&gt; select &lt;field: 2&gt;  as A select &lt;field: 1&gt;</a:t>
             </a:r>
             <a:endParaRPr lang="en-US" dirty="0"/>
           </a:p>
@@ -10136,7 +10555,6 @@
               <a:rPr lang="en-US" dirty="0"/>
               <a:t>, abs/1601.01280, 2016. </a:t>
             </a:r>
-            <a:endParaRPr lang="en-US" dirty="0"/>
           </a:p>
           <a:p>
             <a:r>
@@ -10198,7 +10616,6 @@
               <a:rPr lang="en-US" dirty="0"/>
               <a:t>, 2015. </a:t>
             </a:r>
-            <a:endParaRPr lang="en-US" dirty="0"/>
           </a:p>
           <a:p>
             <a:endParaRPr lang="en-US" dirty="0"/>
@@ -10209,6 +10626,3309 @@
     <p:extLst>
       <p:ext uri="{BB962C8B-B14F-4D97-AF65-F5344CB8AC3E}">
         <p14:creationId xmlns:p14="http://schemas.microsoft.com/office/powerpoint/2010/main" val="1730580357"/>
+      </p:ext>
+    </p:extLst>
+  </p:cSld>
+  <p:clrMapOvr>
+    <a:masterClrMapping/>
+  </p:clrMapOvr>
+  <p:timing>
+    <p:tnLst>
+      <p:par>
+        <p:cTn id="1" dur="indefinite" restart="never" nodeType="tmRoot"/>
+      </p:par>
+    </p:tnLst>
+  </p:timing>
+</p:sld>
+</file>
+
+<file path=ppt/slides/slide24.xml><?xml version="1.0" encoding="utf-8"?>
+<p:sld xmlns:a="http://schemas.openxmlformats.org/drawingml/2006/main" xmlns:r="http://schemas.openxmlformats.org/officeDocument/2006/relationships" xmlns:p="http://schemas.openxmlformats.org/presentationml/2006/main">
+  <p:cSld>
+    <p:spTree>
+      <p:nvGrpSpPr>
+        <p:cNvPr id="1" name=""/>
+        <p:cNvGrpSpPr/>
+        <p:nvPr/>
+      </p:nvGrpSpPr>
+      <p:grpSpPr>
+        <a:xfrm>
+          <a:off x="0" y="0"/>
+          <a:ext cx="0" cy="0"/>
+          <a:chOff x="0" y="0"/>
+          <a:chExt cx="0" cy="0"/>
+        </a:xfrm>
+      </p:grpSpPr>
+      <p:pic>
+        <p:nvPicPr>
+          <p:cNvPr id="5" name="Picture 4"/>
+          <p:cNvPicPr>
+            <a:picLocks noChangeAspect="1"/>
+          </p:cNvPicPr>
+          <p:nvPr/>
+        </p:nvPicPr>
+        <p:blipFill>
+          <a:blip r:embed="rId3"/>
+          <a:stretch>
+            <a:fillRect/>
+          </a:stretch>
+        </p:blipFill>
+        <p:spPr>
+          <a:xfrm>
+            <a:off x="1948070" y="2380905"/>
+            <a:ext cx="5086173" cy="3018234"/>
+          </a:xfrm>
+          <a:prstGeom prst="rect">
+            <a:avLst/>
+          </a:prstGeom>
+        </p:spPr>
+      </p:pic>
+      <p:sp>
+        <p:nvSpPr>
+          <p:cNvPr id="6" name="Title 5"/>
+          <p:cNvSpPr>
+            <a:spLocks noGrp="1"/>
+          </p:cNvSpPr>
+          <p:nvPr>
+            <p:ph type="title"/>
+          </p:nvPr>
+        </p:nvSpPr>
+        <p:spPr/>
+        <p:txBody>
+          <a:bodyPr/>
+          <a:lstStyle/>
+          <a:p>
+            <a:r>
+              <a:rPr lang="en-US" dirty="0" smtClean="0"/>
+              <a:t>SQL-like logical forms</a:t>
+            </a:r>
+            <a:endParaRPr lang="en-US" dirty="0"/>
+          </a:p>
+        </p:txBody>
+      </p:sp>
+      <p:sp>
+        <p:nvSpPr>
+          <p:cNvPr id="7" name="Rectangle 6"/>
+          <p:cNvSpPr/>
+          <p:nvPr/>
+        </p:nvSpPr>
+        <p:spPr>
+          <a:xfrm>
+            <a:off x="1760220" y="2285063"/>
+            <a:ext cx="5397584" cy="854439"/>
+          </a:xfrm>
+          <a:prstGeom prst="rect">
+            <a:avLst/>
+          </a:prstGeom>
+          <a:ln>
+            <a:noFill/>
+          </a:ln>
+        </p:spPr>
+        <p:style>
+          <a:lnRef idx="2">
+            <a:schemeClr val="accent6"/>
+          </a:lnRef>
+          <a:fillRef idx="1">
+            <a:schemeClr val="lt1"/>
+          </a:fillRef>
+          <a:effectRef idx="0">
+            <a:schemeClr val="accent6"/>
+          </a:effectRef>
+          <a:fontRef idx="minor">
+            <a:schemeClr val="dk1"/>
+          </a:fontRef>
+        </p:style>
+        <p:txBody>
+          <a:bodyPr rtlCol="0" anchor="ctr"/>
+          <a:lstStyle/>
+          <a:p>
+            <a:pPr algn="ctr"/>
+            <a:endParaRPr lang="en-US" sz="1350"/>
+          </a:p>
+        </p:txBody>
+      </p:sp>
+      <p:sp>
+        <p:nvSpPr>
+          <p:cNvPr id="8" name="Rectangle 7"/>
+          <p:cNvSpPr/>
+          <p:nvPr/>
+        </p:nvSpPr>
+        <p:spPr>
+          <a:xfrm>
+            <a:off x="1792364" y="3139503"/>
+            <a:ext cx="5397584" cy="2372194"/>
+          </a:xfrm>
+          <a:prstGeom prst="rect">
+            <a:avLst/>
+          </a:prstGeom>
+          <a:ln>
+            <a:noFill/>
+          </a:ln>
+        </p:spPr>
+        <p:style>
+          <a:lnRef idx="2">
+            <a:schemeClr val="accent6"/>
+          </a:lnRef>
+          <a:fillRef idx="1">
+            <a:schemeClr val="lt1"/>
+          </a:fillRef>
+          <a:effectRef idx="0">
+            <a:schemeClr val="accent6"/>
+          </a:effectRef>
+          <a:fontRef idx="minor">
+            <a:schemeClr val="dk1"/>
+          </a:fontRef>
+        </p:style>
+        <p:txBody>
+          <a:bodyPr rtlCol="0" anchor="ctr"/>
+          <a:lstStyle/>
+          <a:p>
+            <a:pPr algn="ctr"/>
+            <a:endParaRPr lang="en-US" sz="1350"/>
+          </a:p>
+        </p:txBody>
+      </p:sp>
+    </p:spTree>
+    <p:extLst>
+      <p:ext uri="{BB962C8B-B14F-4D97-AF65-F5344CB8AC3E}">
+        <p14:creationId xmlns:p14="http://schemas.microsoft.com/office/powerpoint/2010/main" val="454298461"/>
+      </p:ext>
+    </p:extLst>
+  </p:cSld>
+  <p:clrMapOvr>
+    <a:masterClrMapping/>
+  </p:clrMapOvr>
+  <p:timing>
+    <p:tnLst>
+      <p:par>
+        <p:cTn id="1" dur="indefinite" restart="never" nodeType="tmRoot">
+          <p:childTnLst>
+            <p:seq concurrent="1" nextAc="seek">
+              <p:cTn id="2" dur="indefinite" nodeType="mainSeq">
+                <p:childTnLst>
+                  <p:par>
+                    <p:cTn id="3" fill="hold">
+                      <p:stCondLst>
+                        <p:cond delay="indefinite"/>
+                      </p:stCondLst>
+                      <p:childTnLst>
+                        <p:par>
+                          <p:cTn id="4" fill="hold">
+                            <p:stCondLst>
+                              <p:cond delay="0"/>
+                            </p:stCondLst>
+                            <p:childTnLst>
+                              <p:par>
+                                <p:cTn id="5" presetID="14" presetClass="exit" presetSubtype="10" fill="hold" grpId="0" nodeType="clickEffect">
+                                  <p:stCondLst>
+                                    <p:cond delay="0"/>
+                                  </p:stCondLst>
+                                  <p:childTnLst>
+                                    <p:animEffect transition="out" filter="randombar(horizontal)">
+                                      <p:cBhvr>
+                                        <p:cTn id="6" dur="500"/>
+                                        <p:tgtEl>
+                                          <p:spTgt spid="7"/>
+                                        </p:tgtEl>
+                                      </p:cBhvr>
+                                    </p:animEffect>
+                                    <p:set>
+                                      <p:cBhvr>
+                                        <p:cTn id="7" dur="1" fill="hold">
+                                          <p:stCondLst>
+                                            <p:cond delay="499"/>
+                                          </p:stCondLst>
+                                        </p:cTn>
+                                        <p:tgtEl>
+                                          <p:spTgt spid="7"/>
+                                        </p:tgtEl>
+                                        <p:attrNameLst>
+                                          <p:attrName>style.visibility</p:attrName>
+                                        </p:attrNameLst>
+                                      </p:cBhvr>
+                                      <p:to>
+                                        <p:strVal val="hidden"/>
+                                      </p:to>
+                                    </p:set>
+                                  </p:childTnLst>
+                                </p:cTn>
+                              </p:par>
+                            </p:childTnLst>
+                          </p:cTn>
+                        </p:par>
+                      </p:childTnLst>
+                    </p:cTn>
+                  </p:par>
+                  <p:par>
+                    <p:cTn id="8" fill="hold">
+                      <p:stCondLst>
+                        <p:cond delay="indefinite"/>
+                      </p:stCondLst>
+                      <p:childTnLst>
+                        <p:par>
+                          <p:cTn id="9" fill="hold">
+                            <p:stCondLst>
+                              <p:cond delay="0"/>
+                            </p:stCondLst>
+                            <p:childTnLst>
+                              <p:par>
+                                <p:cTn id="10" presetID="14" presetClass="exit" presetSubtype="10" fill="hold" grpId="0" nodeType="clickEffect">
+                                  <p:stCondLst>
+                                    <p:cond delay="0"/>
+                                  </p:stCondLst>
+                                  <p:childTnLst>
+                                    <p:animEffect transition="out" filter="randombar(horizontal)">
+                                      <p:cBhvr>
+                                        <p:cTn id="11" dur="500"/>
+                                        <p:tgtEl>
+                                          <p:spTgt spid="8"/>
+                                        </p:tgtEl>
+                                      </p:cBhvr>
+                                    </p:animEffect>
+                                    <p:set>
+                                      <p:cBhvr>
+                                        <p:cTn id="12" dur="1" fill="hold">
+                                          <p:stCondLst>
+                                            <p:cond delay="499"/>
+                                          </p:stCondLst>
+                                        </p:cTn>
+                                        <p:tgtEl>
+                                          <p:spTgt spid="8"/>
+                                        </p:tgtEl>
+                                        <p:attrNameLst>
+                                          <p:attrName>style.visibility</p:attrName>
+                                        </p:attrNameLst>
+                                      </p:cBhvr>
+                                      <p:to>
+                                        <p:strVal val="hidden"/>
+                                      </p:to>
+                                    </p:set>
+                                  </p:childTnLst>
+                                </p:cTn>
+                              </p:par>
+                            </p:childTnLst>
+                          </p:cTn>
+                        </p:par>
+                      </p:childTnLst>
+                    </p:cTn>
+                  </p:par>
+                </p:childTnLst>
+              </p:cTn>
+              <p:prevCondLst>
+                <p:cond evt="onPrev" delay="0">
+                  <p:tgtEl>
+                    <p:sldTgt/>
+                  </p:tgtEl>
+                </p:cond>
+              </p:prevCondLst>
+              <p:nextCondLst>
+                <p:cond evt="onNext" delay="0">
+                  <p:tgtEl>
+                    <p:sldTgt/>
+                  </p:tgtEl>
+                </p:cond>
+              </p:nextCondLst>
+            </p:seq>
+          </p:childTnLst>
+        </p:cTn>
+      </p:par>
+    </p:tnLst>
+    <p:bldLst>
+      <p:bldP spid="7" grpId="0" animBg="1"/>
+      <p:bldP spid="8" grpId="0" animBg="1"/>
+    </p:bldLst>
+  </p:timing>
+</p:sld>
+</file>
+
+<file path=ppt/slides/slide25.xml><?xml version="1.0" encoding="utf-8"?>
+<p:sld xmlns:a="http://schemas.openxmlformats.org/drawingml/2006/main" xmlns:r="http://schemas.openxmlformats.org/officeDocument/2006/relationships" xmlns:p="http://schemas.openxmlformats.org/presentationml/2006/main">
+  <p:cSld>
+    <p:spTree>
+      <p:nvGrpSpPr>
+        <p:cNvPr id="1" name=""/>
+        <p:cNvGrpSpPr/>
+        <p:nvPr/>
+      </p:nvGrpSpPr>
+      <p:grpSpPr>
+        <a:xfrm>
+          <a:off x="0" y="0"/>
+          <a:ext cx="0" cy="0"/>
+          <a:chOff x="0" y="0"/>
+          <a:chExt cx="0" cy="0"/>
+        </a:xfrm>
+      </p:grpSpPr>
+      <p:sp>
+        <p:nvSpPr>
+          <p:cNvPr id="2" name="Rounded Rectangle 1"/>
+          <p:cNvSpPr/>
+          <p:nvPr/>
+        </p:nvSpPr>
+        <p:spPr>
+          <a:xfrm>
+            <a:off x="1292901" y="1745422"/>
+            <a:ext cx="415977" cy="404735"/>
+          </a:xfrm>
+          <a:prstGeom prst="roundRect">
+            <a:avLst/>
+          </a:prstGeom>
+        </p:spPr>
+        <p:style>
+          <a:lnRef idx="2">
+            <a:schemeClr val="accent1">
+              <a:shade val="50000"/>
+            </a:schemeClr>
+          </a:lnRef>
+          <a:fillRef idx="1">
+            <a:schemeClr val="accent1"/>
+          </a:fillRef>
+          <a:effectRef idx="0">
+            <a:schemeClr val="accent1"/>
+          </a:effectRef>
+          <a:fontRef idx="minor">
+            <a:schemeClr val="lt1"/>
+          </a:fontRef>
+        </p:style>
+        <p:txBody>
+          <a:bodyPr rot="0" spcFirstLastPara="0" vertOverflow="overflow" horzOverflow="overflow" vert="horz" wrap="square" lIns="68580" tIns="34290" rIns="68580" bIns="34290" numCol="1" spcCol="0" rtlCol="0" fromWordArt="0" anchor="ctr" anchorCtr="0" forceAA="0" compatLnSpc="1">
+            <a:prstTxWarp prst="textNoShape">
+              <a:avLst/>
+            </a:prstTxWarp>
+            <a:noAutofit/>
+          </a:bodyPr>
+          <a:lstStyle/>
+          <a:p>
+            <a:pPr algn="ctr"/>
+            <a:endParaRPr lang="en-US" sz="1350"/>
+          </a:p>
+        </p:txBody>
+      </p:sp>
+      <p:sp>
+        <p:nvSpPr>
+          <p:cNvPr id="4" name="Rounded Rectangle 3"/>
+          <p:cNvSpPr/>
+          <p:nvPr/>
+        </p:nvSpPr>
+        <p:spPr>
+          <a:xfrm>
+            <a:off x="2748821" y="1745422"/>
+            <a:ext cx="1276038" cy="404735"/>
+          </a:xfrm>
+          <a:prstGeom prst="roundRect">
+            <a:avLst/>
+          </a:prstGeom>
+        </p:spPr>
+        <p:style>
+          <a:lnRef idx="2">
+            <a:schemeClr val="accent6">
+              <a:shade val="50000"/>
+            </a:schemeClr>
+          </a:lnRef>
+          <a:fillRef idx="1">
+            <a:schemeClr val="accent6"/>
+          </a:fillRef>
+          <a:effectRef idx="0">
+            <a:schemeClr val="accent6"/>
+          </a:effectRef>
+          <a:fontRef idx="minor">
+            <a:schemeClr val="lt1"/>
+          </a:fontRef>
+        </p:style>
+        <p:txBody>
+          <a:bodyPr rot="0" spcFirstLastPara="0" vertOverflow="overflow" horzOverflow="overflow" vert="horz" wrap="square" lIns="68580" tIns="34290" rIns="68580" bIns="34290" numCol="1" spcCol="0" rtlCol="0" fromWordArt="0" anchor="ctr" anchorCtr="0" forceAA="0" compatLnSpc="1">
+            <a:prstTxWarp prst="textNoShape">
+              <a:avLst/>
+            </a:prstTxWarp>
+            <a:noAutofit/>
+          </a:bodyPr>
+          <a:lstStyle/>
+          <a:p>
+            <a:pPr algn="ctr"/>
+            <a:endParaRPr lang="en-US" sz="1350"/>
+          </a:p>
+        </p:txBody>
+      </p:sp>
+      <p:sp>
+        <p:nvSpPr>
+          <p:cNvPr id="5" name="Rounded Rectangle 4"/>
+          <p:cNvSpPr/>
+          <p:nvPr/>
+        </p:nvSpPr>
+        <p:spPr>
+          <a:xfrm>
+            <a:off x="4096063" y="1745422"/>
+            <a:ext cx="1276038" cy="404735"/>
+          </a:xfrm>
+          <a:prstGeom prst="roundRect">
+            <a:avLst/>
+          </a:prstGeom>
+        </p:spPr>
+        <p:style>
+          <a:lnRef idx="2">
+            <a:schemeClr val="accent5">
+              <a:shade val="50000"/>
+            </a:schemeClr>
+          </a:lnRef>
+          <a:fillRef idx="1">
+            <a:schemeClr val="accent5"/>
+          </a:fillRef>
+          <a:effectRef idx="0">
+            <a:schemeClr val="accent5"/>
+          </a:effectRef>
+          <a:fontRef idx="minor">
+            <a:schemeClr val="lt1"/>
+          </a:fontRef>
+        </p:style>
+        <p:txBody>
+          <a:bodyPr rot="0" spcFirstLastPara="0" vertOverflow="overflow" horzOverflow="overflow" vert="horz" wrap="square" lIns="68580" tIns="34290" rIns="68580" bIns="34290" numCol="1" spcCol="0" rtlCol="0" fromWordArt="0" anchor="ctr" anchorCtr="0" forceAA="0" compatLnSpc="1">
+            <a:prstTxWarp prst="textNoShape">
+              <a:avLst/>
+            </a:prstTxWarp>
+            <a:noAutofit/>
+          </a:bodyPr>
+          <a:lstStyle/>
+          <a:p>
+            <a:pPr algn="ctr"/>
+            <a:endParaRPr lang="en-US" sz="1350"/>
+          </a:p>
+        </p:txBody>
+      </p:sp>
+      <p:sp>
+        <p:nvSpPr>
+          <p:cNvPr id="6" name="TextBox 5"/>
+          <p:cNvSpPr txBox="1"/>
+          <p:nvPr/>
+        </p:nvSpPr>
+        <p:spPr>
+          <a:xfrm>
+            <a:off x="1247931" y="2341282"/>
+            <a:ext cx="730771" cy="507831"/>
+          </a:xfrm>
+          <a:prstGeom prst="rect">
+            <a:avLst/>
+          </a:prstGeom>
+          <a:noFill/>
+        </p:spPr>
+        <p:txBody>
+          <a:bodyPr wrap="square" rtlCol="0">
+            <a:spAutoFit/>
+          </a:bodyPr>
+          <a:lstStyle/>
+          <a:p>
+            <a:r>
+              <a:rPr lang="en-US" sz="1350" dirty="0"/>
+              <a:t>&lt;nan&gt;</a:t>
+            </a:r>
+          </a:p>
+          <a:p>
+            <a:r>
+              <a:rPr lang="en-US" sz="1350" dirty="0"/>
+              <a:t>&lt;f/v&gt;</a:t>
+            </a:r>
+          </a:p>
+        </p:txBody>
+      </p:sp>
+      <p:sp>
+        <p:nvSpPr>
+          <p:cNvPr id="7" name="TextBox 6"/>
+          <p:cNvSpPr txBox="1"/>
+          <p:nvPr/>
+        </p:nvSpPr>
+        <p:spPr>
+          <a:xfrm>
+            <a:off x="2171685" y="1436608"/>
+            <a:ext cx="1065239" cy="507831"/>
+          </a:xfrm>
+          <a:prstGeom prst="rect">
+            <a:avLst/>
+          </a:prstGeom>
+          <a:noFill/>
+        </p:spPr>
+        <p:txBody>
+          <a:bodyPr wrap="square" rtlCol="0">
+            <a:spAutoFit/>
+          </a:bodyPr>
+          <a:lstStyle/>
+          <a:p>
+            <a:r>
+              <a:rPr lang="en-US" sz="1350" dirty="0" err="1"/>
+              <a:t>shown_up</a:t>
+            </a:r>
+            <a:r>
+              <a:rPr lang="en-US" sz="1350" dirty="0"/>
+              <a:t> id</a:t>
+            </a:r>
+          </a:p>
+        </p:txBody>
+      </p:sp>
+      <p:sp>
+        <p:nvSpPr>
+          <p:cNvPr id="8" name="TextBox 7"/>
+          <p:cNvSpPr txBox="1"/>
+          <p:nvPr/>
+        </p:nvSpPr>
+        <p:spPr>
+          <a:xfrm>
+            <a:off x="2776924" y="2341282"/>
+            <a:ext cx="1225450" cy="300082"/>
+          </a:xfrm>
+          <a:prstGeom prst="rect">
+            <a:avLst/>
+          </a:prstGeom>
+          <a:noFill/>
+        </p:spPr>
+        <p:txBody>
+          <a:bodyPr wrap="square" rtlCol="0">
+            <a:spAutoFit/>
+          </a:bodyPr>
+          <a:lstStyle/>
+          <a:p>
+            <a:r>
+              <a:rPr lang="en-US" sz="1350"/>
+              <a:t>field_template</a:t>
+            </a:r>
+            <a:endParaRPr lang="en-US" sz="1350" dirty="0"/>
+          </a:p>
+        </p:txBody>
+      </p:sp>
+      <p:sp>
+        <p:nvSpPr>
+          <p:cNvPr id="11" name="TextBox 10"/>
+          <p:cNvSpPr txBox="1"/>
+          <p:nvPr/>
+        </p:nvSpPr>
+        <p:spPr>
+          <a:xfrm>
+            <a:off x="4142901" y="2341282"/>
+            <a:ext cx="1225450" cy="923330"/>
+          </a:xfrm>
+          <a:prstGeom prst="rect">
+            <a:avLst/>
+          </a:prstGeom>
+          <a:noFill/>
+        </p:spPr>
+        <p:txBody>
+          <a:bodyPr wrap="square" rtlCol="0">
+            <a:spAutoFit/>
+          </a:bodyPr>
+          <a:lstStyle/>
+          <a:p>
+            <a:r>
+              <a:rPr lang="en-US" sz="1350" dirty="0"/>
+              <a:t>type: {</a:t>
+            </a:r>
+            <a:r>
+              <a:rPr lang="en-US" altLang="zh-CN" sz="1350" dirty="0" err="1"/>
+              <a:t>int</a:t>
+            </a:r>
+            <a:r>
+              <a:rPr lang="en-US" altLang="zh-CN" sz="1350" dirty="0"/>
+              <a:t>, double, string, ordinal, category</a:t>
+            </a:r>
+            <a:r>
+              <a:rPr lang="mr-IN" altLang="zh-CN" sz="1350" dirty="0"/>
+              <a:t>…</a:t>
+            </a:r>
+            <a:r>
+              <a:rPr lang="en-US" sz="1350" dirty="0"/>
+              <a:t>}</a:t>
+            </a:r>
+          </a:p>
+        </p:txBody>
+      </p:sp>
+      <p:sp>
+        <p:nvSpPr>
+          <p:cNvPr id="12" name="TextBox 11"/>
+          <p:cNvSpPr txBox="1"/>
+          <p:nvPr/>
+        </p:nvSpPr>
+        <p:spPr>
+          <a:xfrm>
+            <a:off x="601480" y="1039608"/>
+            <a:ext cx="4682553" cy="369332"/>
+          </a:xfrm>
+          <a:prstGeom prst="rect">
+            <a:avLst/>
+          </a:prstGeom>
+          <a:noFill/>
+        </p:spPr>
+        <p:txBody>
+          <a:bodyPr wrap="square" rtlCol="0">
+            <a:spAutoFit/>
+          </a:bodyPr>
+          <a:lstStyle/>
+          <a:p>
+            <a:r>
+              <a:rPr lang="en-US"/>
+              <a:t>Designed feature for ‘tag’ </a:t>
+            </a:r>
+            <a:r>
+              <a:rPr lang="en-US" dirty="0"/>
+              <a:t>: concatenated vector</a:t>
+            </a:r>
+          </a:p>
+        </p:txBody>
+      </p:sp>
+      <p:graphicFrame>
+        <p:nvGraphicFramePr>
+          <p:cNvPr id="13" name="Table 12"/>
+          <p:cNvGraphicFramePr>
+            <a:graphicFrameLocks noGrp="1"/>
+          </p:cNvGraphicFramePr>
+          <p:nvPr/>
+        </p:nvGraphicFramePr>
+        <p:xfrm>
+          <a:off x="2149216" y="3360983"/>
+          <a:ext cx="5755706" cy="2468880"/>
+        </p:xfrm>
+        <a:graphic>
+          <a:graphicData uri="http://schemas.openxmlformats.org/drawingml/2006/table">
+            <a:tbl>
+              <a:tblPr firstRow="1" bandRow="1">
+                <a:tableStyleId>{5C22544A-7EE6-4342-B048-85BDC9FD1C3A}</a:tableStyleId>
+              </a:tblPr>
+              <a:tblGrid>
+                <a:gridCol w="796879"/>
+                <a:gridCol w="1753322"/>
+                <a:gridCol w="528403"/>
+                <a:gridCol w="1528997"/>
+                <a:gridCol w="1148105"/>
+              </a:tblGrid>
+              <a:tr h="274320">
+                <a:tc>
+                  <a:txBody>
+                    <a:bodyPr/>
+                    <a:lstStyle/>
+                    <a:p>
+                      <a:endParaRPr lang="en-US" sz="1400" dirty="0"/>
+                    </a:p>
+                  </a:txBody>
+                  <a:tcPr marL="68580" marR="68580" marT="34290" marB="34290"/>
+                </a:tc>
+                <a:tc>
+                  <a:txBody>
+                    <a:bodyPr/>
+                    <a:lstStyle/>
+                    <a:p>
+                      <a:r>
+                        <a:rPr lang="en-US" sz="1400" dirty="0" smtClean="0"/>
+                        <a:t>e.g.</a:t>
+                      </a:r>
+                      <a:endParaRPr lang="en-US" sz="1400" dirty="0"/>
+                    </a:p>
+                  </a:txBody>
+                  <a:tcPr marL="68580" marR="68580" marT="34290" marB="34290"/>
+                </a:tc>
+                <a:tc>
+                  <a:txBody>
+                    <a:bodyPr/>
+                    <a:lstStyle/>
+                    <a:p>
+                      <a:r>
+                        <a:rPr lang="en-US" sz="1400" dirty="0" smtClean="0"/>
+                        <a:t>id</a:t>
+                      </a:r>
+                      <a:endParaRPr lang="en-US" sz="1400" dirty="0"/>
+                    </a:p>
+                  </a:txBody>
+                  <a:tcPr marL="68580" marR="68580" marT="34290" marB="34290"/>
+                </a:tc>
+                <a:tc>
+                  <a:txBody>
+                    <a:bodyPr/>
+                    <a:lstStyle/>
+                    <a:p>
+                      <a:r>
+                        <a:rPr lang="en-US" sz="1400" dirty="0" err="1" smtClean="0"/>
+                        <a:t>field_template</a:t>
+                      </a:r>
+                      <a:endParaRPr lang="en-US" sz="1400" dirty="0"/>
+                    </a:p>
+                  </a:txBody>
+                  <a:tcPr marL="68580" marR="68580" marT="34290" marB="34290"/>
+                </a:tc>
+                <a:tc>
+                  <a:txBody>
+                    <a:bodyPr/>
+                    <a:lstStyle/>
+                    <a:p>
+                      <a:r>
+                        <a:rPr lang="en-US" sz="1400" dirty="0" smtClean="0"/>
+                        <a:t>type</a:t>
+                      </a:r>
+                      <a:endParaRPr lang="en-US" sz="1400" dirty="0"/>
+                    </a:p>
+                  </a:txBody>
+                  <a:tcPr marL="68580" marR="68580" marT="34290" marB="34290"/>
+                </a:tc>
+              </a:tr>
+              <a:tr h="274320">
+                <a:tc>
+                  <a:txBody>
+                    <a:bodyPr/>
+                    <a:lstStyle/>
+                    <a:p>
+                      <a:r>
+                        <a:rPr lang="en-US" sz="1400" dirty="0" smtClean="0"/>
+                        <a:t>&lt;nan&gt;</a:t>
+                      </a:r>
+                      <a:endParaRPr lang="en-US" sz="1400" dirty="0"/>
+                    </a:p>
+                  </a:txBody>
+                  <a:tcPr marL="68580" marR="68580" marT="34290" marB="34290"/>
+                </a:tc>
+                <a:tc>
+                  <a:txBody>
+                    <a:bodyPr/>
+                    <a:lstStyle/>
+                    <a:p>
+                      <a:endParaRPr lang="en-US" sz="1400" dirty="0"/>
+                    </a:p>
+                  </a:txBody>
+                  <a:tcPr marL="68580" marR="68580" marT="34290" marB="34290"/>
+                </a:tc>
+                <a:tc>
+                  <a:txBody>
+                    <a:bodyPr/>
+                    <a:lstStyle/>
+                    <a:p>
+                      <a:r>
+                        <a:rPr lang="en-US" sz="1400" dirty="0" smtClean="0"/>
+                        <a:t>0</a:t>
+                      </a:r>
+                      <a:endParaRPr lang="en-US" sz="1400" dirty="0"/>
+                    </a:p>
+                  </a:txBody>
+                  <a:tcPr marL="68580" marR="68580" marT="34290" marB="34290"/>
+                </a:tc>
+                <a:tc>
+                  <a:txBody>
+                    <a:bodyPr/>
+                    <a:lstStyle/>
+                    <a:p>
+                      <a:r>
+                        <a:rPr lang="en-US" sz="1400" dirty="0" smtClean="0"/>
+                        <a:t>[0, 0, </a:t>
+                      </a:r>
+                      <a:r>
+                        <a:rPr lang="mr-IN" sz="1400" dirty="0" smtClean="0"/>
+                        <a:t>…</a:t>
+                      </a:r>
+                      <a:r>
+                        <a:rPr lang="en-US" sz="1400" dirty="0" smtClean="0"/>
+                        <a:t>, 0]</a:t>
+                      </a:r>
+                      <a:endParaRPr lang="en-US" sz="1400" dirty="0"/>
+                    </a:p>
+                  </a:txBody>
+                  <a:tcPr marL="68580" marR="68580" marT="34290" marB="34290"/>
+                </a:tc>
+                <a:tc>
+                  <a:txBody>
+                    <a:bodyPr/>
+                    <a:lstStyle/>
+                    <a:p>
+                      <a:r>
+                        <a:rPr lang="en-US" sz="1400" dirty="0" smtClean="0"/>
+                        <a:t>[0, 0, 0, 0, 0]</a:t>
+                      </a:r>
+                      <a:endParaRPr lang="en-US" sz="1400" dirty="0"/>
+                    </a:p>
+                  </a:txBody>
+                  <a:tcPr marL="68580" marR="68580" marT="34290" marB="34290"/>
+                </a:tc>
+              </a:tr>
+              <a:tr h="274320">
+                <a:tc>
+                  <a:txBody>
+                    <a:bodyPr/>
+                    <a:lstStyle/>
+                    <a:p>
+                      <a:r>
+                        <a:rPr lang="en-US" sz="1400" dirty="0" smtClean="0"/>
+                        <a:t>&lt;field&gt;</a:t>
+                      </a:r>
+                      <a:endParaRPr lang="en-US" sz="1400" dirty="0"/>
+                    </a:p>
+                  </a:txBody>
+                  <a:tcPr marL="68580" marR="68580" marT="34290" marB="34290"/>
+                </a:tc>
+                <a:tc>
+                  <a:txBody>
+                    <a:bodyPr/>
+                    <a:lstStyle/>
+                    <a:p>
+                      <a:r>
+                        <a:rPr lang="en-US" sz="1400" dirty="0" smtClean="0"/>
+                        <a:t>&lt;field:1&gt;, &lt;field:2&gt;</a:t>
+                      </a:r>
+                      <a:endParaRPr lang="en-US" sz="1400" dirty="0"/>
+                    </a:p>
+                  </a:txBody>
+                  <a:tcPr marL="68580" marR="68580" marT="34290" marB="34290"/>
+                </a:tc>
+                <a:tc>
+                  <a:txBody>
+                    <a:bodyPr/>
+                    <a:lstStyle/>
+                    <a:p>
+                      <a:r>
+                        <a:rPr lang="en-US" sz="1400" dirty="0" smtClean="0"/>
+                        <a:t>1,2</a:t>
+                      </a:r>
+                      <a:r>
+                        <a:rPr lang="mr-IN" sz="1400" dirty="0" smtClean="0"/>
+                        <a:t>…</a:t>
+                      </a:r>
+                      <a:endParaRPr lang="en-US" sz="1400" dirty="0"/>
+                    </a:p>
+                  </a:txBody>
+                  <a:tcPr marL="68580" marR="68580" marT="34290" marB="34290"/>
+                </a:tc>
+                <a:tc>
+                  <a:txBody>
+                    <a:bodyPr/>
+                    <a:lstStyle/>
+                    <a:p>
+                      <a:r>
+                        <a:rPr lang="en-US" sz="1400" dirty="0" smtClean="0"/>
+                        <a:t>embed: $People</a:t>
+                      </a:r>
+                      <a:r>
+                        <a:rPr lang="mr-IN" sz="1400" dirty="0" smtClean="0"/>
+                        <a:t>…</a:t>
+                      </a:r>
+                      <a:endParaRPr lang="en-US" sz="1400" dirty="0"/>
+                    </a:p>
+                  </a:txBody>
+                  <a:tcPr marL="68580" marR="68580" marT="34290" marB="34290"/>
+                </a:tc>
+                <a:tc>
+                  <a:txBody>
+                    <a:bodyPr/>
+                    <a:lstStyle/>
+                    <a:p>
+                      <a:endParaRPr lang="en-US" sz="1400" dirty="0"/>
+                    </a:p>
+                  </a:txBody>
+                  <a:tcPr marL="68580" marR="68580" marT="34290" marB="34290"/>
+                </a:tc>
+              </a:tr>
+              <a:tr h="274320">
+                <a:tc>
+                  <a:txBody>
+                    <a:bodyPr/>
+                    <a:lstStyle/>
+                    <a:p>
+                      <a:r>
+                        <a:rPr lang="en-US" sz="1400" dirty="0" smtClean="0"/>
+                        <a:t>&lt;value&gt;</a:t>
+                      </a:r>
+                      <a:endParaRPr lang="en-US" sz="1400" dirty="0"/>
+                    </a:p>
+                  </a:txBody>
+                  <a:tcPr marL="68580" marR="68580" marT="34290" marB="34290"/>
+                </a:tc>
+                <a:tc>
+                  <a:txBody>
+                    <a:bodyPr/>
+                    <a:lstStyle/>
+                    <a:p>
+                      <a:r>
+                        <a:rPr lang="en-US" sz="1400" dirty="0" smtClean="0"/>
+                        <a:t>&lt;value:1&gt;, &lt;value:2&gt;</a:t>
+                      </a:r>
+                      <a:endParaRPr lang="en-US" sz="1400" dirty="0"/>
+                    </a:p>
+                  </a:txBody>
+                  <a:tcPr marL="68580" marR="68580" marT="34290" marB="34290"/>
+                </a:tc>
+                <a:tc>
+                  <a:txBody>
+                    <a:bodyPr/>
+                    <a:lstStyle/>
+                    <a:p>
+                      <a:r>
+                        <a:rPr lang="en-US" sz="1400" dirty="0" smtClean="0"/>
+                        <a:t>1,2</a:t>
+                      </a:r>
+                      <a:r>
+                        <a:rPr lang="mr-IN" sz="1400" dirty="0" smtClean="0"/>
+                        <a:t>…</a:t>
+                      </a:r>
+                      <a:endParaRPr lang="en-US" sz="1400" dirty="0"/>
+                    </a:p>
+                  </a:txBody>
+                  <a:tcPr marL="68580" marR="68580" marT="34290" marB="34290"/>
+                </a:tc>
+                <a:tc>
+                  <a:txBody>
+                    <a:bodyPr/>
+                    <a:lstStyle/>
+                    <a:p>
+                      <a:r>
+                        <a:rPr lang="en-US" sz="1400" dirty="0" err="1" smtClean="0"/>
+                        <a:t>combina</a:t>
+                      </a:r>
+                      <a:r>
+                        <a:rPr lang="en-US" sz="1400" dirty="0" smtClean="0"/>
+                        <a:t> of fields</a:t>
+                      </a:r>
+                      <a:endParaRPr lang="en-US" sz="1400" dirty="0"/>
+                    </a:p>
+                  </a:txBody>
+                  <a:tcPr marL="68580" marR="68580" marT="34290" marB="34290"/>
+                </a:tc>
+                <a:tc>
+                  <a:txBody>
+                    <a:bodyPr/>
+                    <a:lstStyle/>
+                    <a:p>
+                      <a:endParaRPr lang="en-US" sz="1400"/>
+                    </a:p>
+                  </a:txBody>
+                  <a:tcPr marL="68580" marR="68580" marT="34290" marB="34290"/>
+                </a:tc>
+              </a:tr>
+              <a:tr h="274320">
+                <a:tc>
+                  <a:txBody>
+                    <a:bodyPr/>
+                    <a:lstStyle/>
+                    <a:p>
+                      <a:r>
+                        <a:rPr lang="en-US" sz="1400" dirty="0" smtClean="0">
+                          <a:solidFill>
+                            <a:schemeClr val="tx2">
+                              <a:lumMod val="20000"/>
+                              <a:lumOff val="80000"/>
+                            </a:schemeClr>
+                          </a:solidFill>
+                        </a:rPr>
+                        <a:t>&lt;comp&gt;</a:t>
+                      </a:r>
+                      <a:endParaRPr lang="en-US" sz="1400" dirty="0">
+                        <a:solidFill>
+                          <a:schemeClr val="tx2">
+                            <a:lumMod val="20000"/>
+                            <a:lumOff val="80000"/>
+                          </a:schemeClr>
+                        </a:solidFill>
+                      </a:endParaRPr>
+                    </a:p>
+                  </a:txBody>
+                  <a:tcPr marL="68580" marR="68580" marT="34290" marB="34290"/>
+                </a:tc>
+                <a:tc>
+                  <a:txBody>
+                    <a:bodyPr/>
+                    <a:lstStyle/>
+                    <a:p>
+                      <a:r>
+                        <a:rPr lang="en-US" sz="1400" dirty="0" smtClean="0">
+                          <a:solidFill>
+                            <a:schemeClr val="tx2">
+                              <a:lumMod val="20000"/>
+                              <a:lumOff val="80000"/>
+                            </a:schemeClr>
+                          </a:solidFill>
+                        </a:rPr>
+                        <a:t>&lt;</a:t>
+                      </a:r>
+                      <a:r>
+                        <a:rPr lang="en-US" sz="1400" dirty="0" err="1" smtClean="0">
+                          <a:solidFill>
+                            <a:schemeClr val="tx2">
+                              <a:lumMod val="20000"/>
+                              <a:lumOff val="80000"/>
+                            </a:schemeClr>
+                          </a:solidFill>
+                        </a:rPr>
+                        <a:t>comp:eq</a:t>
+                      </a:r>
+                      <a:r>
+                        <a:rPr lang="en-US" sz="1400" dirty="0" smtClean="0">
+                          <a:solidFill>
+                            <a:schemeClr val="tx2">
+                              <a:lumMod val="20000"/>
+                              <a:lumOff val="80000"/>
+                            </a:schemeClr>
+                          </a:solidFill>
+                        </a:rPr>
+                        <a:t>, g, l&gt;</a:t>
+                      </a:r>
+                      <a:endParaRPr lang="en-US" sz="1400" dirty="0">
+                        <a:solidFill>
+                          <a:schemeClr val="tx2">
+                            <a:lumMod val="20000"/>
+                            <a:lumOff val="80000"/>
+                          </a:schemeClr>
+                        </a:solidFill>
+                      </a:endParaRPr>
+                    </a:p>
+                  </a:txBody>
+                  <a:tcPr marL="68580" marR="68580" marT="34290" marB="34290"/>
+                </a:tc>
+                <a:tc>
+                  <a:txBody>
+                    <a:bodyPr/>
+                    <a:lstStyle/>
+                    <a:p>
+                      <a:r>
+                        <a:rPr lang="en-US" sz="1400" dirty="0" smtClean="0">
+                          <a:solidFill>
+                            <a:schemeClr val="tx2">
+                              <a:lumMod val="20000"/>
+                              <a:lumOff val="80000"/>
+                            </a:schemeClr>
+                          </a:solidFill>
+                        </a:rPr>
+                        <a:t>0</a:t>
+                      </a:r>
+                      <a:endParaRPr lang="en-US" sz="1400" dirty="0">
+                        <a:solidFill>
+                          <a:schemeClr val="tx2">
+                            <a:lumMod val="20000"/>
+                            <a:lumOff val="80000"/>
+                          </a:schemeClr>
+                        </a:solidFill>
+                      </a:endParaRPr>
+                    </a:p>
+                  </a:txBody>
+                  <a:tcPr marL="68580" marR="68580" marT="34290" marB="34290"/>
+                </a:tc>
+                <a:tc>
+                  <a:txBody>
+                    <a:bodyPr/>
+                    <a:lstStyle/>
+                    <a:p>
+                      <a:r>
+                        <a:rPr lang="en-US" sz="1400" dirty="0" smtClean="0">
+                          <a:solidFill>
+                            <a:schemeClr val="tx2">
+                              <a:lumMod val="20000"/>
+                              <a:lumOff val="80000"/>
+                            </a:schemeClr>
+                          </a:solidFill>
+                        </a:rPr>
+                        <a:t>embed/[0, 0, </a:t>
+                      </a:r>
+                      <a:r>
+                        <a:rPr lang="mr-IN" sz="1400" dirty="0" smtClean="0">
+                          <a:solidFill>
+                            <a:schemeClr val="tx2">
+                              <a:lumMod val="20000"/>
+                              <a:lumOff val="80000"/>
+                            </a:schemeClr>
+                          </a:solidFill>
+                        </a:rPr>
+                        <a:t>…</a:t>
+                      </a:r>
+                      <a:r>
+                        <a:rPr lang="en-US" sz="1400" dirty="0" smtClean="0">
+                          <a:solidFill>
+                            <a:schemeClr val="tx2">
+                              <a:lumMod val="20000"/>
+                              <a:lumOff val="80000"/>
+                            </a:schemeClr>
+                          </a:solidFill>
+                        </a:rPr>
+                        <a:t>, 0]</a:t>
+                      </a:r>
+                      <a:endParaRPr lang="en-US" sz="1400" dirty="0">
+                        <a:solidFill>
+                          <a:schemeClr val="tx2">
+                            <a:lumMod val="20000"/>
+                            <a:lumOff val="80000"/>
+                          </a:schemeClr>
+                        </a:solidFill>
+                      </a:endParaRPr>
+                    </a:p>
+                  </a:txBody>
+                  <a:tcPr marL="68580" marR="68580" marT="34290" marB="34290"/>
+                </a:tc>
+                <a:tc>
+                  <a:txBody>
+                    <a:bodyPr/>
+                    <a:lstStyle/>
+                    <a:p>
+                      <a:pPr marL="0" marR="0" indent="0" algn="l" defTabSz="914400" rtl="0" eaLnBrk="1" fontAlgn="auto" latinLnBrk="0" hangingPunct="1">
+                        <a:lnSpc>
+                          <a:spcPct val="100000"/>
+                        </a:lnSpc>
+                        <a:spcBef>
+                          <a:spcPts val="0"/>
+                        </a:spcBef>
+                        <a:spcAft>
+                          <a:spcPts val="0"/>
+                        </a:spcAft>
+                        <a:buClrTx/>
+                        <a:buSzTx/>
+                        <a:buFontTx/>
+                        <a:buNone/>
+                        <a:tabLst/>
+                        <a:defRPr/>
+                      </a:pPr>
+                      <a:r>
+                        <a:rPr lang="en-US" sz="1400" dirty="0" smtClean="0">
+                          <a:solidFill>
+                            <a:schemeClr val="tx2">
+                              <a:lumMod val="20000"/>
+                              <a:lumOff val="80000"/>
+                            </a:schemeClr>
+                          </a:solidFill>
+                        </a:rPr>
+                        <a:t>[0, 0, 0, 0, 0]</a:t>
+                      </a:r>
+                    </a:p>
+                  </a:txBody>
+                  <a:tcPr marL="68580" marR="68580" marT="34290" marB="34290"/>
+                </a:tc>
+              </a:tr>
+              <a:tr h="274320">
+                <a:tc>
+                  <a:txBody>
+                    <a:bodyPr/>
+                    <a:lstStyle/>
+                    <a:p>
+                      <a:r>
+                        <a:rPr lang="en-US" sz="1400" dirty="0" smtClean="0">
+                          <a:solidFill>
+                            <a:schemeClr val="tx2">
+                              <a:lumMod val="20000"/>
+                              <a:lumOff val="80000"/>
+                            </a:schemeClr>
+                          </a:solidFill>
+                        </a:rPr>
+                        <a:t>&lt;</a:t>
+                      </a:r>
+                      <a:r>
+                        <a:rPr lang="en-US" sz="1400" dirty="0" err="1" smtClean="0">
+                          <a:solidFill>
+                            <a:schemeClr val="tx2">
+                              <a:lumMod val="20000"/>
+                              <a:lumOff val="80000"/>
+                            </a:schemeClr>
+                          </a:solidFill>
+                        </a:rPr>
+                        <a:t>calc</a:t>
+                      </a:r>
+                      <a:r>
+                        <a:rPr lang="en-US" sz="1400" dirty="0" smtClean="0">
+                          <a:solidFill>
+                            <a:schemeClr val="tx2">
+                              <a:lumMod val="20000"/>
+                              <a:lumOff val="80000"/>
+                            </a:schemeClr>
+                          </a:solidFill>
+                        </a:rPr>
+                        <a:t>&gt;</a:t>
+                      </a:r>
+                      <a:endParaRPr lang="en-US" sz="1400" dirty="0">
+                        <a:solidFill>
+                          <a:schemeClr val="tx2">
+                            <a:lumMod val="20000"/>
+                            <a:lumOff val="80000"/>
+                          </a:schemeClr>
+                        </a:solidFill>
+                      </a:endParaRPr>
+                    </a:p>
+                  </a:txBody>
+                  <a:tcPr marL="68580" marR="68580" marT="34290" marB="34290"/>
+                </a:tc>
+                <a:tc>
+                  <a:txBody>
+                    <a:bodyPr/>
+                    <a:lstStyle/>
+                    <a:p>
+                      <a:r>
+                        <a:rPr lang="en-US" sz="1400" dirty="0" smtClean="0">
+                          <a:solidFill>
+                            <a:schemeClr val="tx2">
+                              <a:lumMod val="20000"/>
+                              <a:lumOff val="80000"/>
+                            </a:schemeClr>
+                          </a:solidFill>
+                        </a:rPr>
+                        <a:t>&lt;</a:t>
+                      </a:r>
+                      <a:r>
+                        <a:rPr lang="en-US" sz="1400" dirty="0" err="1" smtClean="0">
+                          <a:solidFill>
+                            <a:schemeClr val="tx2">
+                              <a:lumMod val="20000"/>
+                              <a:lumOff val="80000"/>
+                            </a:schemeClr>
+                          </a:solidFill>
+                        </a:rPr>
+                        <a:t>calc</a:t>
+                      </a:r>
+                      <a:r>
+                        <a:rPr lang="en-US" sz="1400" dirty="0" smtClean="0">
+                          <a:solidFill>
+                            <a:schemeClr val="tx2">
+                              <a:lumMod val="20000"/>
+                              <a:lumOff val="80000"/>
+                            </a:schemeClr>
+                          </a:solidFill>
+                        </a:rPr>
+                        <a:t>: sum, diff, mean&gt;</a:t>
+                      </a:r>
+                      <a:endParaRPr lang="en-US" sz="1400" dirty="0">
+                        <a:solidFill>
+                          <a:schemeClr val="tx2">
+                            <a:lumMod val="20000"/>
+                            <a:lumOff val="80000"/>
+                          </a:schemeClr>
+                        </a:solidFill>
+                      </a:endParaRPr>
+                    </a:p>
+                  </a:txBody>
+                  <a:tcPr marL="68580" marR="68580" marT="34290" marB="34290"/>
+                </a:tc>
+                <a:tc>
+                  <a:txBody>
+                    <a:bodyPr/>
+                    <a:lstStyle/>
+                    <a:p>
+                      <a:r>
+                        <a:rPr lang="en-US" sz="1400" dirty="0" smtClean="0">
+                          <a:solidFill>
+                            <a:schemeClr val="tx2">
+                              <a:lumMod val="20000"/>
+                              <a:lumOff val="80000"/>
+                            </a:schemeClr>
+                          </a:solidFill>
+                        </a:rPr>
+                        <a:t>0</a:t>
+                      </a:r>
+                      <a:endParaRPr lang="en-US" sz="1400" dirty="0">
+                        <a:solidFill>
+                          <a:schemeClr val="tx2">
+                            <a:lumMod val="20000"/>
+                            <a:lumOff val="80000"/>
+                          </a:schemeClr>
+                        </a:solidFill>
+                      </a:endParaRPr>
+                    </a:p>
+                  </a:txBody>
+                  <a:tcPr marL="68580" marR="68580" marT="34290" marB="34290"/>
+                </a:tc>
+                <a:tc>
+                  <a:txBody>
+                    <a:bodyPr/>
+                    <a:lstStyle/>
+                    <a:p>
+                      <a:r>
+                        <a:rPr lang="en-US" sz="1400" dirty="0" smtClean="0">
+                          <a:solidFill>
+                            <a:schemeClr val="tx2">
+                              <a:lumMod val="20000"/>
+                              <a:lumOff val="80000"/>
+                            </a:schemeClr>
+                          </a:solidFill>
+                        </a:rPr>
+                        <a:t>embed</a:t>
+                      </a:r>
+                      <a:endParaRPr lang="en-US" sz="1400" dirty="0">
+                        <a:solidFill>
+                          <a:schemeClr val="tx2">
+                            <a:lumMod val="20000"/>
+                            <a:lumOff val="80000"/>
+                          </a:schemeClr>
+                        </a:solidFill>
+                      </a:endParaRPr>
+                    </a:p>
+                  </a:txBody>
+                  <a:tcPr marL="68580" marR="68580" marT="34290" marB="34290"/>
+                </a:tc>
+                <a:tc>
+                  <a:txBody>
+                    <a:bodyPr/>
+                    <a:lstStyle/>
+                    <a:p>
+                      <a:pPr marL="0" marR="0" indent="0" algn="l" defTabSz="914400" rtl="0" eaLnBrk="1" fontAlgn="auto" latinLnBrk="0" hangingPunct="1">
+                        <a:lnSpc>
+                          <a:spcPct val="100000"/>
+                        </a:lnSpc>
+                        <a:spcBef>
+                          <a:spcPts val="0"/>
+                        </a:spcBef>
+                        <a:spcAft>
+                          <a:spcPts val="0"/>
+                        </a:spcAft>
+                        <a:buClrTx/>
+                        <a:buSzTx/>
+                        <a:buFontTx/>
+                        <a:buNone/>
+                        <a:tabLst/>
+                        <a:defRPr/>
+                      </a:pPr>
+                      <a:r>
+                        <a:rPr lang="en-US" sz="1400" dirty="0" smtClean="0">
+                          <a:solidFill>
+                            <a:schemeClr val="tx2">
+                              <a:lumMod val="20000"/>
+                              <a:lumOff val="80000"/>
+                            </a:schemeClr>
+                          </a:solidFill>
+                        </a:rPr>
+                        <a:t>[0, 0, 0, 0, 0]</a:t>
+                      </a:r>
+                    </a:p>
+                  </a:txBody>
+                  <a:tcPr marL="68580" marR="68580" marT="34290" marB="34290"/>
+                </a:tc>
+              </a:tr>
+              <a:tr h="274320">
+                <a:tc>
+                  <a:txBody>
+                    <a:bodyPr/>
+                    <a:lstStyle/>
+                    <a:p>
+                      <a:r>
+                        <a:rPr lang="en-US" sz="1400" dirty="0" smtClean="0">
+                          <a:solidFill>
+                            <a:schemeClr val="tx2">
+                              <a:lumMod val="20000"/>
+                              <a:lumOff val="80000"/>
+                            </a:schemeClr>
+                          </a:solidFill>
+                        </a:rPr>
+                        <a:t>&lt;</a:t>
+                      </a:r>
+                      <a:r>
+                        <a:rPr lang="en-US" sz="1400" dirty="0" err="1" smtClean="0">
+                          <a:solidFill>
+                            <a:schemeClr val="tx2">
+                              <a:lumMod val="20000"/>
+                              <a:lumOff val="80000"/>
+                            </a:schemeClr>
+                          </a:solidFill>
+                        </a:rPr>
+                        <a:t>arg</a:t>
+                      </a:r>
+                      <a:r>
+                        <a:rPr lang="en-US" sz="1400" dirty="0" smtClean="0">
+                          <a:solidFill>
+                            <a:schemeClr val="tx2">
+                              <a:lumMod val="20000"/>
+                              <a:lumOff val="80000"/>
+                            </a:schemeClr>
+                          </a:solidFill>
+                        </a:rPr>
+                        <a:t>&gt;</a:t>
+                      </a:r>
+                      <a:endParaRPr lang="en-US" sz="1400" dirty="0">
+                        <a:solidFill>
+                          <a:schemeClr val="tx2">
+                            <a:lumMod val="20000"/>
+                            <a:lumOff val="80000"/>
+                          </a:schemeClr>
+                        </a:solidFill>
+                      </a:endParaRPr>
+                    </a:p>
+                  </a:txBody>
+                  <a:tcPr marL="68580" marR="68580" marT="34290" marB="34290"/>
+                </a:tc>
+                <a:tc>
+                  <a:txBody>
+                    <a:bodyPr/>
+                    <a:lstStyle/>
+                    <a:p>
+                      <a:r>
+                        <a:rPr lang="en-US" sz="1400" dirty="0" smtClean="0">
+                          <a:solidFill>
+                            <a:schemeClr val="tx2">
+                              <a:lumMod val="20000"/>
+                              <a:lumOff val="80000"/>
+                            </a:schemeClr>
+                          </a:solidFill>
+                        </a:rPr>
+                        <a:t>&lt;</a:t>
+                      </a:r>
+                      <a:r>
+                        <a:rPr lang="en-US" sz="1400" dirty="0" err="1" smtClean="0">
+                          <a:solidFill>
+                            <a:schemeClr val="tx2">
+                              <a:lumMod val="20000"/>
+                              <a:lumOff val="80000"/>
+                            </a:schemeClr>
+                          </a:solidFill>
+                        </a:rPr>
+                        <a:t>arg</a:t>
+                      </a:r>
+                      <a:r>
+                        <a:rPr lang="en-US" sz="1400" dirty="0" smtClean="0">
+                          <a:solidFill>
+                            <a:schemeClr val="tx2">
+                              <a:lumMod val="20000"/>
+                              <a:lumOff val="80000"/>
+                            </a:schemeClr>
+                          </a:solidFill>
+                        </a:rPr>
+                        <a:t>: max, min&gt;</a:t>
+                      </a:r>
+                      <a:endParaRPr lang="en-US" sz="1400" dirty="0">
+                        <a:solidFill>
+                          <a:schemeClr val="tx2">
+                            <a:lumMod val="20000"/>
+                            <a:lumOff val="80000"/>
+                          </a:schemeClr>
+                        </a:solidFill>
+                      </a:endParaRPr>
+                    </a:p>
+                  </a:txBody>
+                  <a:tcPr marL="68580" marR="68580" marT="34290" marB="34290"/>
+                </a:tc>
+                <a:tc>
+                  <a:txBody>
+                    <a:bodyPr/>
+                    <a:lstStyle/>
+                    <a:p>
+                      <a:r>
+                        <a:rPr lang="en-US" sz="1400" dirty="0" smtClean="0">
+                          <a:solidFill>
+                            <a:schemeClr val="tx2">
+                              <a:lumMod val="20000"/>
+                              <a:lumOff val="80000"/>
+                            </a:schemeClr>
+                          </a:solidFill>
+                        </a:rPr>
+                        <a:t>0</a:t>
+                      </a:r>
+                      <a:endParaRPr lang="en-US" sz="1400" dirty="0">
+                        <a:solidFill>
+                          <a:schemeClr val="tx2">
+                            <a:lumMod val="20000"/>
+                            <a:lumOff val="80000"/>
+                          </a:schemeClr>
+                        </a:solidFill>
+                      </a:endParaRPr>
+                    </a:p>
+                  </a:txBody>
+                  <a:tcPr marL="68580" marR="68580" marT="34290" marB="34290"/>
+                </a:tc>
+                <a:tc>
+                  <a:txBody>
+                    <a:bodyPr/>
+                    <a:lstStyle/>
+                    <a:p>
+                      <a:r>
+                        <a:rPr lang="en-US" sz="1400" dirty="0" smtClean="0">
+                          <a:solidFill>
+                            <a:schemeClr val="tx2">
+                              <a:lumMod val="20000"/>
+                              <a:lumOff val="80000"/>
+                            </a:schemeClr>
+                          </a:solidFill>
+                        </a:rPr>
+                        <a:t>embed</a:t>
+                      </a:r>
+                      <a:endParaRPr lang="en-US" sz="1400" dirty="0">
+                        <a:solidFill>
+                          <a:schemeClr val="tx2">
+                            <a:lumMod val="20000"/>
+                            <a:lumOff val="80000"/>
+                          </a:schemeClr>
+                        </a:solidFill>
+                      </a:endParaRPr>
+                    </a:p>
+                  </a:txBody>
+                  <a:tcPr marL="68580" marR="68580" marT="34290" marB="34290"/>
+                </a:tc>
+                <a:tc>
+                  <a:txBody>
+                    <a:bodyPr/>
+                    <a:lstStyle/>
+                    <a:p>
+                      <a:pPr marL="0" marR="0" indent="0" algn="l" defTabSz="914400" rtl="0" eaLnBrk="1" fontAlgn="auto" latinLnBrk="0" hangingPunct="1">
+                        <a:lnSpc>
+                          <a:spcPct val="100000"/>
+                        </a:lnSpc>
+                        <a:spcBef>
+                          <a:spcPts val="0"/>
+                        </a:spcBef>
+                        <a:spcAft>
+                          <a:spcPts val="0"/>
+                        </a:spcAft>
+                        <a:buClrTx/>
+                        <a:buSzTx/>
+                        <a:buFontTx/>
+                        <a:buNone/>
+                        <a:tabLst/>
+                        <a:defRPr/>
+                      </a:pPr>
+                      <a:r>
+                        <a:rPr lang="en-US" sz="1400" dirty="0" smtClean="0">
+                          <a:solidFill>
+                            <a:schemeClr val="tx2">
+                              <a:lumMod val="20000"/>
+                              <a:lumOff val="80000"/>
+                            </a:schemeClr>
+                          </a:solidFill>
+                        </a:rPr>
+                        <a:t>[0, 0, 0, 0, 0]</a:t>
+                      </a:r>
+                    </a:p>
+                  </a:txBody>
+                  <a:tcPr marL="68580" marR="68580" marT="34290" marB="34290"/>
+                </a:tc>
+              </a:tr>
+              <a:tr h="274320">
+                <a:tc>
+                  <a:txBody>
+                    <a:bodyPr/>
+                    <a:lstStyle/>
+                    <a:p>
+                      <a:r>
+                        <a:rPr lang="en-US" sz="1400" dirty="0" smtClean="0">
+                          <a:solidFill>
+                            <a:schemeClr val="tx2">
+                              <a:lumMod val="20000"/>
+                              <a:lumOff val="80000"/>
+                            </a:schemeClr>
+                          </a:solidFill>
+                        </a:rPr>
+                        <a:t>&lt;op&gt;</a:t>
+                      </a:r>
+                      <a:endParaRPr lang="en-US" sz="1400" dirty="0">
+                        <a:solidFill>
+                          <a:schemeClr val="tx2">
+                            <a:lumMod val="20000"/>
+                            <a:lumOff val="80000"/>
+                          </a:schemeClr>
+                        </a:solidFill>
+                      </a:endParaRPr>
+                    </a:p>
+                  </a:txBody>
+                  <a:tcPr marL="68580" marR="68580" marT="34290" marB="34290"/>
+                </a:tc>
+                <a:tc>
+                  <a:txBody>
+                    <a:bodyPr/>
+                    <a:lstStyle/>
+                    <a:p>
+                      <a:r>
+                        <a:rPr lang="en-US" sz="1400" dirty="0" smtClean="0">
+                          <a:solidFill>
+                            <a:schemeClr val="tx2">
+                              <a:lumMod val="20000"/>
+                              <a:lumOff val="80000"/>
+                            </a:schemeClr>
+                          </a:solidFill>
+                        </a:rPr>
+                        <a:t>TBD</a:t>
+                      </a:r>
+                      <a:endParaRPr lang="en-US" sz="1400" dirty="0">
+                        <a:solidFill>
+                          <a:schemeClr val="tx2">
+                            <a:lumMod val="20000"/>
+                            <a:lumOff val="80000"/>
+                          </a:schemeClr>
+                        </a:solidFill>
+                      </a:endParaRPr>
+                    </a:p>
+                  </a:txBody>
+                  <a:tcPr marL="68580" marR="68580" marT="34290" marB="34290"/>
+                </a:tc>
+                <a:tc>
+                  <a:txBody>
+                    <a:bodyPr/>
+                    <a:lstStyle/>
+                    <a:p>
+                      <a:r>
+                        <a:rPr lang="en-US" sz="1400" dirty="0" smtClean="0">
+                          <a:solidFill>
+                            <a:schemeClr val="tx2">
+                              <a:lumMod val="20000"/>
+                              <a:lumOff val="80000"/>
+                            </a:schemeClr>
+                          </a:solidFill>
+                        </a:rPr>
+                        <a:t>0</a:t>
+                      </a:r>
+                      <a:endParaRPr lang="en-US" sz="1400" dirty="0">
+                        <a:solidFill>
+                          <a:schemeClr val="tx2">
+                            <a:lumMod val="20000"/>
+                            <a:lumOff val="80000"/>
+                          </a:schemeClr>
+                        </a:solidFill>
+                      </a:endParaRPr>
+                    </a:p>
+                  </a:txBody>
+                  <a:tcPr marL="68580" marR="68580" marT="34290" marB="34290"/>
+                </a:tc>
+                <a:tc>
+                  <a:txBody>
+                    <a:bodyPr/>
+                    <a:lstStyle/>
+                    <a:p>
+                      <a:r>
+                        <a:rPr lang="en-US" sz="1400" dirty="0" smtClean="0">
+                          <a:solidFill>
+                            <a:schemeClr val="tx2">
+                              <a:lumMod val="20000"/>
+                              <a:lumOff val="80000"/>
+                            </a:schemeClr>
+                          </a:solidFill>
+                        </a:rPr>
+                        <a:t>embed</a:t>
+                      </a:r>
+                      <a:endParaRPr lang="en-US" sz="1400" dirty="0">
+                        <a:solidFill>
+                          <a:schemeClr val="tx2">
+                            <a:lumMod val="20000"/>
+                            <a:lumOff val="80000"/>
+                          </a:schemeClr>
+                        </a:solidFill>
+                      </a:endParaRPr>
+                    </a:p>
+                  </a:txBody>
+                  <a:tcPr marL="68580" marR="68580" marT="34290" marB="34290"/>
+                </a:tc>
+                <a:tc>
+                  <a:txBody>
+                    <a:bodyPr/>
+                    <a:lstStyle/>
+                    <a:p>
+                      <a:pPr marL="0" marR="0" indent="0" algn="l" defTabSz="914400" rtl="0" eaLnBrk="1" fontAlgn="auto" latinLnBrk="0" hangingPunct="1">
+                        <a:lnSpc>
+                          <a:spcPct val="100000"/>
+                        </a:lnSpc>
+                        <a:spcBef>
+                          <a:spcPts val="0"/>
+                        </a:spcBef>
+                        <a:spcAft>
+                          <a:spcPts val="0"/>
+                        </a:spcAft>
+                        <a:buClrTx/>
+                        <a:buSzTx/>
+                        <a:buFontTx/>
+                        <a:buNone/>
+                        <a:tabLst/>
+                        <a:defRPr/>
+                      </a:pPr>
+                      <a:r>
+                        <a:rPr lang="en-US" sz="1400" dirty="0" smtClean="0">
+                          <a:solidFill>
+                            <a:schemeClr val="tx2">
+                              <a:lumMod val="20000"/>
+                              <a:lumOff val="80000"/>
+                            </a:schemeClr>
+                          </a:solidFill>
+                        </a:rPr>
+                        <a:t>[0, 0, 0, 0, 0]</a:t>
+                      </a:r>
+                    </a:p>
+                  </a:txBody>
+                  <a:tcPr marL="68580" marR="68580" marT="34290" marB="34290"/>
+                </a:tc>
+              </a:tr>
+            </a:tbl>
+          </a:graphicData>
+        </a:graphic>
+      </p:graphicFrame>
+      <p:sp>
+        <p:nvSpPr>
+          <p:cNvPr id="15" name="Rounded Rectangle 14"/>
+          <p:cNvSpPr/>
+          <p:nvPr/>
+        </p:nvSpPr>
+        <p:spPr>
+          <a:xfrm>
+            <a:off x="2263513" y="1747297"/>
+            <a:ext cx="415977" cy="404735"/>
+          </a:xfrm>
+          <a:prstGeom prst="roundRect">
+            <a:avLst/>
+          </a:prstGeom>
+        </p:spPr>
+        <p:style>
+          <a:lnRef idx="2">
+            <a:schemeClr val="accent4">
+              <a:shade val="50000"/>
+            </a:schemeClr>
+          </a:lnRef>
+          <a:fillRef idx="1">
+            <a:schemeClr val="accent4"/>
+          </a:fillRef>
+          <a:effectRef idx="0">
+            <a:schemeClr val="accent4"/>
+          </a:effectRef>
+          <a:fontRef idx="minor">
+            <a:schemeClr val="lt1"/>
+          </a:fontRef>
+        </p:style>
+        <p:txBody>
+          <a:bodyPr rot="0" spcFirstLastPara="0" vertOverflow="overflow" horzOverflow="overflow" vert="horz" wrap="square" lIns="68580" tIns="34290" rIns="68580" bIns="34290" numCol="1" spcCol="0" rtlCol="0" fromWordArt="0" anchor="ctr" anchorCtr="0" forceAA="0" compatLnSpc="1">
+            <a:prstTxWarp prst="textNoShape">
+              <a:avLst/>
+            </a:prstTxWarp>
+            <a:noAutofit/>
+          </a:bodyPr>
+          <a:lstStyle/>
+          <a:p>
+            <a:pPr algn="ctr"/>
+            <a:endParaRPr lang="en-US" sz="1350"/>
+          </a:p>
+        </p:txBody>
+      </p:sp>
+      <p:cxnSp>
+        <p:nvCxnSpPr>
+          <p:cNvPr id="18" name="Straight Arrow Connector 17"/>
+          <p:cNvCxnSpPr>
+            <a:endCxn id="7" idx="3"/>
+          </p:cNvCxnSpPr>
+          <p:nvPr/>
+        </p:nvCxnSpPr>
+        <p:spPr>
+          <a:xfrm flipH="1">
+            <a:off x="3236924" y="1565536"/>
+            <a:ext cx="2980248" cy="124988"/>
+          </a:xfrm>
+          <a:prstGeom prst="straightConnector1">
+            <a:avLst/>
+          </a:prstGeom>
+          <a:ln>
+            <a:tailEnd type="triangle"/>
+          </a:ln>
+        </p:spPr>
+        <p:style>
+          <a:lnRef idx="1">
+            <a:schemeClr val="accent1"/>
+          </a:lnRef>
+          <a:fillRef idx="0">
+            <a:schemeClr val="accent1"/>
+          </a:fillRef>
+          <a:effectRef idx="0">
+            <a:schemeClr val="accent1"/>
+          </a:effectRef>
+          <a:fontRef idx="minor">
+            <a:schemeClr val="tx1"/>
+          </a:fontRef>
+        </p:style>
+      </p:cxnSp>
+      <p:sp>
+        <p:nvSpPr>
+          <p:cNvPr id="19" name="TextBox 18"/>
+          <p:cNvSpPr txBox="1"/>
+          <p:nvPr/>
+        </p:nvSpPr>
+        <p:spPr>
+          <a:xfrm>
+            <a:off x="6374568" y="1436608"/>
+            <a:ext cx="1530355" cy="507831"/>
+          </a:xfrm>
+          <a:prstGeom prst="rect">
+            <a:avLst/>
+          </a:prstGeom>
+          <a:noFill/>
+        </p:spPr>
+        <p:txBody>
+          <a:bodyPr wrap="square" rtlCol="0">
+            <a:spAutoFit/>
+          </a:bodyPr>
+          <a:lstStyle/>
+          <a:p>
+            <a:r>
+              <a:rPr lang="en-US" sz="1350" dirty="0"/>
+              <a:t>Need to establish </a:t>
+            </a:r>
+            <a:r>
+              <a:rPr lang="en-US" sz="1350"/>
+              <a:t>a correspondence</a:t>
+            </a:r>
+          </a:p>
+        </p:txBody>
+      </p:sp>
+    </p:spTree>
+    <p:extLst>
+      <p:ext uri="{BB962C8B-B14F-4D97-AF65-F5344CB8AC3E}">
+        <p14:creationId xmlns:p14="http://schemas.microsoft.com/office/powerpoint/2010/main" val="1539282931"/>
+      </p:ext>
+    </p:extLst>
+  </p:cSld>
+  <p:clrMapOvr>
+    <a:masterClrMapping/>
+  </p:clrMapOvr>
+  <p:timing>
+    <p:tnLst>
+      <p:par>
+        <p:cTn id="1" dur="indefinite" restart="never" nodeType="tmRoot"/>
+      </p:par>
+    </p:tnLst>
+  </p:timing>
+</p:sld>
+</file>
+
+<file path=ppt/slides/slide26.xml><?xml version="1.0" encoding="utf-8"?>
+<p:sld xmlns:a="http://schemas.openxmlformats.org/drawingml/2006/main" xmlns:r="http://schemas.openxmlformats.org/officeDocument/2006/relationships" xmlns:p="http://schemas.openxmlformats.org/presentationml/2006/main">
+  <p:cSld>
+    <p:spTree>
+      <p:nvGrpSpPr>
+        <p:cNvPr id="1" name=""/>
+        <p:cNvGrpSpPr/>
+        <p:nvPr/>
+      </p:nvGrpSpPr>
+      <p:grpSpPr>
+        <a:xfrm>
+          <a:off x="0" y="0"/>
+          <a:ext cx="0" cy="0"/>
+          <a:chOff x="0" y="0"/>
+          <a:chExt cx="0" cy="0"/>
+        </a:xfrm>
+      </p:grpSpPr>
+      <p:sp>
+        <p:nvSpPr>
+          <p:cNvPr id="2" name="Rounded Rectangle 1"/>
+          <p:cNvSpPr/>
+          <p:nvPr/>
+        </p:nvSpPr>
+        <p:spPr>
+          <a:xfrm>
+            <a:off x="1292901" y="1745422"/>
+            <a:ext cx="415977" cy="404735"/>
+          </a:xfrm>
+          <a:prstGeom prst="roundRect">
+            <a:avLst/>
+          </a:prstGeom>
+        </p:spPr>
+        <p:style>
+          <a:lnRef idx="2">
+            <a:schemeClr val="accent1">
+              <a:shade val="50000"/>
+            </a:schemeClr>
+          </a:lnRef>
+          <a:fillRef idx="1">
+            <a:schemeClr val="accent1"/>
+          </a:fillRef>
+          <a:effectRef idx="0">
+            <a:schemeClr val="accent1"/>
+          </a:effectRef>
+          <a:fontRef idx="minor">
+            <a:schemeClr val="lt1"/>
+          </a:fontRef>
+        </p:style>
+        <p:txBody>
+          <a:bodyPr rot="0" spcFirstLastPara="0" vertOverflow="overflow" horzOverflow="overflow" vert="horz" wrap="square" lIns="68580" tIns="34290" rIns="68580" bIns="34290" numCol="1" spcCol="0" rtlCol="0" fromWordArt="0" anchor="ctr" anchorCtr="0" forceAA="0" compatLnSpc="1">
+            <a:prstTxWarp prst="textNoShape">
+              <a:avLst/>
+            </a:prstTxWarp>
+            <a:noAutofit/>
+          </a:bodyPr>
+          <a:lstStyle/>
+          <a:p>
+            <a:pPr algn="ctr"/>
+            <a:endParaRPr lang="en-US" sz="1350"/>
+          </a:p>
+        </p:txBody>
+      </p:sp>
+      <p:sp>
+        <p:nvSpPr>
+          <p:cNvPr id="3" name="Rounded Rectangle 2"/>
+          <p:cNvSpPr/>
+          <p:nvPr/>
+        </p:nvSpPr>
+        <p:spPr>
+          <a:xfrm>
+            <a:off x="1778209" y="1745422"/>
+            <a:ext cx="415977" cy="404735"/>
+          </a:xfrm>
+          <a:prstGeom prst="roundRect">
+            <a:avLst/>
+          </a:prstGeom>
+        </p:spPr>
+        <p:style>
+          <a:lnRef idx="2">
+            <a:schemeClr val="accent4">
+              <a:shade val="50000"/>
+            </a:schemeClr>
+          </a:lnRef>
+          <a:fillRef idx="1">
+            <a:schemeClr val="accent4"/>
+          </a:fillRef>
+          <a:effectRef idx="0">
+            <a:schemeClr val="accent4"/>
+          </a:effectRef>
+          <a:fontRef idx="minor">
+            <a:schemeClr val="lt1"/>
+          </a:fontRef>
+        </p:style>
+        <p:txBody>
+          <a:bodyPr rot="0" spcFirstLastPara="0" vertOverflow="overflow" horzOverflow="overflow" vert="horz" wrap="square" lIns="68580" tIns="34290" rIns="68580" bIns="34290" numCol="1" spcCol="0" rtlCol="0" fromWordArt="0" anchor="ctr" anchorCtr="0" forceAA="0" compatLnSpc="1">
+            <a:prstTxWarp prst="textNoShape">
+              <a:avLst/>
+            </a:prstTxWarp>
+            <a:noAutofit/>
+          </a:bodyPr>
+          <a:lstStyle/>
+          <a:p>
+            <a:pPr algn="ctr"/>
+            <a:endParaRPr lang="en-US" sz="1350"/>
+          </a:p>
+        </p:txBody>
+      </p:sp>
+      <p:sp>
+        <p:nvSpPr>
+          <p:cNvPr id="4" name="Rounded Rectangle 3"/>
+          <p:cNvSpPr/>
+          <p:nvPr/>
+        </p:nvSpPr>
+        <p:spPr>
+          <a:xfrm>
+            <a:off x="2254148" y="1745422"/>
+            <a:ext cx="1276038" cy="404735"/>
+          </a:xfrm>
+          <a:prstGeom prst="roundRect">
+            <a:avLst/>
+          </a:prstGeom>
+        </p:spPr>
+        <p:style>
+          <a:lnRef idx="2">
+            <a:schemeClr val="accent6">
+              <a:shade val="50000"/>
+            </a:schemeClr>
+          </a:lnRef>
+          <a:fillRef idx="1">
+            <a:schemeClr val="accent6"/>
+          </a:fillRef>
+          <a:effectRef idx="0">
+            <a:schemeClr val="accent6"/>
+          </a:effectRef>
+          <a:fontRef idx="minor">
+            <a:schemeClr val="lt1"/>
+          </a:fontRef>
+        </p:style>
+        <p:txBody>
+          <a:bodyPr rot="0" spcFirstLastPara="0" vertOverflow="overflow" horzOverflow="overflow" vert="horz" wrap="square" lIns="68580" tIns="34290" rIns="68580" bIns="34290" numCol="1" spcCol="0" rtlCol="0" fromWordArt="0" anchor="ctr" anchorCtr="0" forceAA="0" compatLnSpc="1">
+            <a:prstTxWarp prst="textNoShape">
+              <a:avLst/>
+            </a:prstTxWarp>
+            <a:noAutofit/>
+          </a:bodyPr>
+          <a:lstStyle/>
+          <a:p>
+            <a:pPr algn="ctr"/>
+            <a:endParaRPr lang="en-US" sz="1350"/>
+          </a:p>
+        </p:txBody>
+      </p:sp>
+      <p:sp>
+        <p:nvSpPr>
+          <p:cNvPr id="5" name="Rounded Rectangle 4"/>
+          <p:cNvSpPr/>
+          <p:nvPr/>
+        </p:nvSpPr>
+        <p:spPr>
+          <a:xfrm>
+            <a:off x="3601390" y="1745422"/>
+            <a:ext cx="1276038" cy="404735"/>
+          </a:xfrm>
+          <a:prstGeom prst="roundRect">
+            <a:avLst/>
+          </a:prstGeom>
+        </p:spPr>
+        <p:style>
+          <a:lnRef idx="2">
+            <a:schemeClr val="accent5">
+              <a:shade val="50000"/>
+            </a:schemeClr>
+          </a:lnRef>
+          <a:fillRef idx="1">
+            <a:schemeClr val="accent5"/>
+          </a:fillRef>
+          <a:effectRef idx="0">
+            <a:schemeClr val="accent5"/>
+          </a:effectRef>
+          <a:fontRef idx="minor">
+            <a:schemeClr val="lt1"/>
+          </a:fontRef>
+        </p:style>
+        <p:txBody>
+          <a:bodyPr rot="0" spcFirstLastPara="0" vertOverflow="overflow" horzOverflow="overflow" vert="horz" wrap="square" lIns="68580" tIns="34290" rIns="68580" bIns="34290" numCol="1" spcCol="0" rtlCol="0" fromWordArt="0" anchor="ctr" anchorCtr="0" forceAA="0" compatLnSpc="1">
+            <a:prstTxWarp prst="textNoShape">
+              <a:avLst/>
+            </a:prstTxWarp>
+            <a:noAutofit/>
+          </a:bodyPr>
+          <a:lstStyle/>
+          <a:p>
+            <a:pPr algn="ctr"/>
+            <a:endParaRPr lang="en-US" sz="1350"/>
+          </a:p>
+        </p:txBody>
+      </p:sp>
+      <p:sp>
+        <p:nvSpPr>
+          <p:cNvPr id="6" name="TextBox 5"/>
+          <p:cNvSpPr txBox="1"/>
+          <p:nvPr/>
+        </p:nvSpPr>
+        <p:spPr>
+          <a:xfrm>
+            <a:off x="1247931" y="2341282"/>
+            <a:ext cx="730771" cy="1546577"/>
+          </a:xfrm>
+          <a:prstGeom prst="rect">
+            <a:avLst/>
+          </a:prstGeom>
+          <a:noFill/>
+        </p:spPr>
+        <p:txBody>
+          <a:bodyPr wrap="square" rtlCol="0">
+            <a:spAutoFit/>
+          </a:bodyPr>
+          <a:lstStyle/>
+          <a:p>
+            <a:r>
+              <a:rPr lang="en-US" sz="1350" dirty="0"/>
+              <a:t>&lt;nan&gt;</a:t>
+            </a:r>
+          </a:p>
+          <a:p>
+            <a:r>
+              <a:rPr lang="en-US" sz="1350" dirty="0"/>
+              <a:t>&lt;f/v&gt;</a:t>
+            </a:r>
+          </a:p>
+          <a:p>
+            <a:r>
+              <a:rPr lang="en-US" sz="1350" dirty="0"/>
+              <a:t>&lt;comp&gt;</a:t>
+            </a:r>
+          </a:p>
+          <a:p>
+            <a:r>
+              <a:rPr lang="en-US" sz="1350" dirty="0"/>
+              <a:t>&lt;</a:t>
+            </a:r>
+            <a:r>
+              <a:rPr lang="en-US" sz="1350" dirty="0" err="1"/>
+              <a:t>calc</a:t>
+            </a:r>
+            <a:r>
+              <a:rPr lang="en-US" sz="1350" dirty="0"/>
+              <a:t>&gt;</a:t>
+            </a:r>
+          </a:p>
+          <a:p>
+            <a:r>
+              <a:rPr lang="en-US" sz="1350" dirty="0"/>
+              <a:t>&lt;</a:t>
+            </a:r>
+            <a:r>
+              <a:rPr lang="en-US" sz="1350" dirty="0" err="1"/>
+              <a:t>arg</a:t>
+            </a:r>
+            <a:r>
+              <a:rPr lang="en-US" sz="1350" dirty="0"/>
+              <a:t>&gt;</a:t>
+            </a:r>
+          </a:p>
+          <a:p>
+            <a:r>
+              <a:rPr lang="en-US" sz="1350" dirty="0"/>
+              <a:t>&lt;op&gt;</a:t>
+            </a:r>
+          </a:p>
+        </p:txBody>
+      </p:sp>
+      <p:sp>
+        <p:nvSpPr>
+          <p:cNvPr id="7" name="TextBox 6"/>
+          <p:cNvSpPr txBox="1"/>
+          <p:nvPr/>
+        </p:nvSpPr>
+        <p:spPr>
+          <a:xfrm>
+            <a:off x="1845662" y="2343156"/>
+            <a:ext cx="415977" cy="300082"/>
+          </a:xfrm>
+          <a:prstGeom prst="rect">
+            <a:avLst/>
+          </a:prstGeom>
+          <a:noFill/>
+        </p:spPr>
+        <p:txBody>
+          <a:bodyPr wrap="square" rtlCol="0">
+            <a:spAutoFit/>
+          </a:bodyPr>
+          <a:lstStyle/>
+          <a:p>
+            <a:r>
+              <a:rPr lang="en-US" sz="1350"/>
+              <a:t>id</a:t>
+            </a:r>
+            <a:endParaRPr lang="en-US" sz="1350" dirty="0"/>
+          </a:p>
+        </p:txBody>
+      </p:sp>
+      <p:sp>
+        <p:nvSpPr>
+          <p:cNvPr id="8" name="TextBox 7"/>
+          <p:cNvSpPr txBox="1"/>
+          <p:nvPr/>
+        </p:nvSpPr>
+        <p:spPr>
+          <a:xfrm>
+            <a:off x="2282251" y="2341282"/>
+            <a:ext cx="1225450" cy="300082"/>
+          </a:xfrm>
+          <a:prstGeom prst="rect">
+            <a:avLst/>
+          </a:prstGeom>
+          <a:noFill/>
+        </p:spPr>
+        <p:txBody>
+          <a:bodyPr wrap="square" rtlCol="0">
+            <a:spAutoFit/>
+          </a:bodyPr>
+          <a:lstStyle/>
+          <a:p>
+            <a:r>
+              <a:rPr lang="en-US" sz="1350"/>
+              <a:t>field_template</a:t>
+            </a:r>
+            <a:endParaRPr lang="en-US" sz="1350" dirty="0"/>
+          </a:p>
+        </p:txBody>
+      </p:sp>
+      <p:sp>
+        <p:nvSpPr>
+          <p:cNvPr id="9" name="TextBox 8"/>
+          <p:cNvSpPr txBox="1"/>
+          <p:nvPr/>
+        </p:nvSpPr>
+        <p:spPr>
+          <a:xfrm>
+            <a:off x="4973926" y="2341282"/>
+            <a:ext cx="1225450" cy="715581"/>
+          </a:xfrm>
+          <a:prstGeom prst="rect">
+            <a:avLst/>
+          </a:prstGeom>
+          <a:noFill/>
+        </p:spPr>
+        <p:txBody>
+          <a:bodyPr wrap="square" rtlCol="0">
+            <a:spAutoFit/>
+          </a:bodyPr>
+          <a:lstStyle/>
+          <a:p>
+            <a:r>
+              <a:rPr lang="en-US" sz="1350" dirty="0" err="1"/>
+              <a:t>value_embed</a:t>
+            </a:r>
+            <a:r>
+              <a:rPr lang="zh-CN" altLang="en-US" sz="1350" dirty="0"/>
+              <a:t> </a:t>
+            </a:r>
+            <a:r>
+              <a:rPr lang="en-US" altLang="zh-CN" sz="1350" dirty="0"/>
+              <a:t>(corresponding to the type)</a:t>
+            </a:r>
+            <a:endParaRPr lang="en-US" sz="1350" dirty="0"/>
+          </a:p>
+        </p:txBody>
+      </p:sp>
+      <p:sp>
+        <p:nvSpPr>
+          <p:cNvPr id="10" name="Rounded Rectangle 9"/>
+          <p:cNvSpPr/>
+          <p:nvPr/>
+        </p:nvSpPr>
+        <p:spPr>
+          <a:xfrm>
+            <a:off x="4948632" y="1734179"/>
+            <a:ext cx="1276038" cy="404735"/>
+          </a:xfrm>
+          <a:prstGeom prst="roundRect">
+            <a:avLst/>
+          </a:prstGeom>
+        </p:spPr>
+        <p:style>
+          <a:lnRef idx="1">
+            <a:schemeClr val="accent2"/>
+          </a:lnRef>
+          <a:fillRef idx="2">
+            <a:schemeClr val="accent2"/>
+          </a:fillRef>
+          <a:effectRef idx="1">
+            <a:schemeClr val="accent2"/>
+          </a:effectRef>
+          <a:fontRef idx="minor">
+            <a:schemeClr val="dk1"/>
+          </a:fontRef>
+        </p:style>
+        <p:txBody>
+          <a:bodyPr rot="0" spcFirstLastPara="0" vertOverflow="overflow" horzOverflow="overflow" vert="horz" wrap="square" lIns="68580" tIns="34290" rIns="68580" bIns="34290" numCol="1" spcCol="0" rtlCol="0" fromWordArt="0" anchor="ctr" anchorCtr="0" forceAA="0" compatLnSpc="1">
+            <a:prstTxWarp prst="textNoShape">
+              <a:avLst/>
+            </a:prstTxWarp>
+            <a:noAutofit/>
+          </a:bodyPr>
+          <a:lstStyle/>
+          <a:p>
+            <a:pPr algn="ctr"/>
+            <a:endParaRPr lang="en-US" sz="1350"/>
+          </a:p>
+        </p:txBody>
+      </p:sp>
+      <p:sp>
+        <p:nvSpPr>
+          <p:cNvPr id="11" name="TextBox 10"/>
+          <p:cNvSpPr txBox="1"/>
+          <p:nvPr/>
+        </p:nvSpPr>
+        <p:spPr>
+          <a:xfrm>
+            <a:off x="3648228" y="2341282"/>
+            <a:ext cx="1225450" cy="923330"/>
+          </a:xfrm>
+          <a:prstGeom prst="rect">
+            <a:avLst/>
+          </a:prstGeom>
+          <a:noFill/>
+        </p:spPr>
+        <p:txBody>
+          <a:bodyPr wrap="square" rtlCol="0">
+            <a:spAutoFit/>
+          </a:bodyPr>
+          <a:lstStyle/>
+          <a:p>
+            <a:r>
+              <a:rPr lang="en-US" sz="1350" dirty="0"/>
+              <a:t>type: {</a:t>
+            </a:r>
+            <a:r>
+              <a:rPr lang="en-US" altLang="zh-CN" sz="1350" dirty="0" err="1"/>
+              <a:t>int</a:t>
+            </a:r>
+            <a:r>
+              <a:rPr lang="en-US" altLang="zh-CN" sz="1350" dirty="0"/>
+              <a:t>, double, string, ordinal, category</a:t>
+            </a:r>
+            <a:r>
+              <a:rPr lang="mr-IN" altLang="zh-CN" sz="1350" dirty="0"/>
+              <a:t>…</a:t>
+            </a:r>
+            <a:r>
+              <a:rPr lang="en-US" sz="1350" dirty="0"/>
+              <a:t>}</a:t>
+            </a:r>
+          </a:p>
+        </p:txBody>
+      </p:sp>
+      <p:sp>
+        <p:nvSpPr>
+          <p:cNvPr id="12" name="TextBox 11"/>
+          <p:cNvSpPr txBox="1"/>
+          <p:nvPr/>
+        </p:nvSpPr>
+        <p:spPr>
+          <a:xfrm>
+            <a:off x="601480" y="1129548"/>
+            <a:ext cx="4682553" cy="369332"/>
+          </a:xfrm>
+          <a:prstGeom prst="rect">
+            <a:avLst/>
+          </a:prstGeom>
+          <a:noFill/>
+        </p:spPr>
+        <p:txBody>
+          <a:bodyPr wrap="square" rtlCol="0">
+            <a:spAutoFit/>
+          </a:bodyPr>
+          <a:lstStyle/>
+          <a:p>
+            <a:r>
+              <a:rPr lang="en-US"/>
+              <a:t>Designed feature for ‘tag’ </a:t>
+            </a:r>
+            <a:r>
+              <a:rPr lang="en-US" dirty="0"/>
+              <a:t>: concatenated vector</a:t>
+            </a:r>
+          </a:p>
+        </p:txBody>
+      </p:sp>
+      <p:graphicFrame>
+        <p:nvGraphicFramePr>
+          <p:cNvPr id="13" name="Table 12"/>
+          <p:cNvGraphicFramePr>
+            <a:graphicFrameLocks noGrp="1"/>
+          </p:cNvGraphicFramePr>
+          <p:nvPr/>
+        </p:nvGraphicFramePr>
+        <p:xfrm>
+          <a:off x="2149216" y="3394710"/>
+          <a:ext cx="6878610" cy="2682240"/>
+        </p:xfrm>
+        <a:graphic>
+          <a:graphicData uri="http://schemas.openxmlformats.org/drawingml/2006/table">
+            <a:tbl>
+              <a:tblPr firstRow="1" bandRow="1">
+                <a:tableStyleId>{5C22544A-7EE6-4342-B048-85BDC9FD1C3A}</a:tableStyleId>
+              </a:tblPr>
+              <a:tblGrid>
+                <a:gridCol w="796879"/>
+                <a:gridCol w="1753322"/>
+                <a:gridCol w="528403"/>
+                <a:gridCol w="1528997"/>
+                <a:gridCol w="1148105"/>
+                <a:gridCol w="1122904"/>
+              </a:tblGrid>
+              <a:tr h="274320">
+                <a:tc>
+                  <a:txBody>
+                    <a:bodyPr/>
+                    <a:lstStyle/>
+                    <a:p>
+                      <a:endParaRPr lang="en-US" sz="1400" dirty="0"/>
+                    </a:p>
+                  </a:txBody>
+                  <a:tcPr marL="68580" marR="68580" marT="34290" marB="34290"/>
+                </a:tc>
+                <a:tc>
+                  <a:txBody>
+                    <a:bodyPr/>
+                    <a:lstStyle/>
+                    <a:p>
+                      <a:r>
+                        <a:rPr lang="en-US" sz="1400" dirty="0" smtClean="0"/>
+                        <a:t>e.g.</a:t>
+                      </a:r>
+                      <a:endParaRPr lang="en-US" sz="1400" dirty="0"/>
+                    </a:p>
+                  </a:txBody>
+                  <a:tcPr marL="68580" marR="68580" marT="34290" marB="34290"/>
+                </a:tc>
+                <a:tc>
+                  <a:txBody>
+                    <a:bodyPr/>
+                    <a:lstStyle/>
+                    <a:p>
+                      <a:r>
+                        <a:rPr lang="en-US" sz="1400" dirty="0" smtClean="0"/>
+                        <a:t>id</a:t>
+                      </a:r>
+                      <a:endParaRPr lang="en-US" sz="1400" dirty="0"/>
+                    </a:p>
+                  </a:txBody>
+                  <a:tcPr marL="68580" marR="68580" marT="34290" marB="34290"/>
+                </a:tc>
+                <a:tc>
+                  <a:txBody>
+                    <a:bodyPr/>
+                    <a:lstStyle/>
+                    <a:p>
+                      <a:r>
+                        <a:rPr lang="en-US" sz="1400" dirty="0" err="1" smtClean="0"/>
+                        <a:t>field_template</a:t>
+                      </a:r>
+                      <a:endParaRPr lang="en-US" sz="1400" dirty="0"/>
+                    </a:p>
+                  </a:txBody>
+                  <a:tcPr marL="68580" marR="68580" marT="34290" marB="34290"/>
+                </a:tc>
+                <a:tc>
+                  <a:txBody>
+                    <a:bodyPr/>
+                    <a:lstStyle/>
+                    <a:p>
+                      <a:r>
+                        <a:rPr lang="en-US" sz="1400" dirty="0" smtClean="0"/>
+                        <a:t>type</a:t>
+                      </a:r>
+                      <a:endParaRPr lang="en-US" sz="1400" dirty="0"/>
+                    </a:p>
+                  </a:txBody>
+                  <a:tcPr marL="68580" marR="68580" marT="34290" marB="34290"/>
+                </a:tc>
+                <a:tc>
+                  <a:txBody>
+                    <a:bodyPr/>
+                    <a:lstStyle/>
+                    <a:p>
+                      <a:r>
+                        <a:rPr lang="en-US" sz="1400" dirty="0" err="1" smtClean="0">
+                          <a:solidFill>
+                            <a:srgbClr val="FF0000"/>
+                          </a:solidFill>
+                        </a:rPr>
+                        <a:t>value_embed</a:t>
+                      </a:r>
+                      <a:endParaRPr lang="en-US" sz="1400" dirty="0">
+                        <a:solidFill>
+                          <a:srgbClr val="FF0000"/>
+                        </a:solidFill>
+                      </a:endParaRPr>
+                    </a:p>
+                  </a:txBody>
+                  <a:tcPr marL="68580" marR="68580" marT="34290" marB="34290"/>
+                </a:tc>
+              </a:tr>
+              <a:tr h="274320">
+                <a:tc>
+                  <a:txBody>
+                    <a:bodyPr/>
+                    <a:lstStyle/>
+                    <a:p>
+                      <a:r>
+                        <a:rPr lang="en-US" sz="1400" dirty="0" smtClean="0"/>
+                        <a:t>&lt;nan&gt;</a:t>
+                      </a:r>
+                      <a:endParaRPr lang="en-US" sz="1400" dirty="0"/>
+                    </a:p>
+                  </a:txBody>
+                  <a:tcPr marL="68580" marR="68580" marT="34290" marB="34290"/>
+                </a:tc>
+                <a:tc>
+                  <a:txBody>
+                    <a:bodyPr/>
+                    <a:lstStyle/>
+                    <a:p>
+                      <a:endParaRPr lang="en-US" sz="1400" dirty="0"/>
+                    </a:p>
+                  </a:txBody>
+                  <a:tcPr marL="68580" marR="68580" marT="34290" marB="34290"/>
+                </a:tc>
+                <a:tc>
+                  <a:txBody>
+                    <a:bodyPr/>
+                    <a:lstStyle/>
+                    <a:p>
+                      <a:r>
+                        <a:rPr lang="en-US" sz="1400" dirty="0" smtClean="0"/>
+                        <a:t>0</a:t>
+                      </a:r>
+                      <a:endParaRPr lang="en-US" sz="1400" dirty="0"/>
+                    </a:p>
+                  </a:txBody>
+                  <a:tcPr marL="68580" marR="68580" marT="34290" marB="34290"/>
+                </a:tc>
+                <a:tc>
+                  <a:txBody>
+                    <a:bodyPr/>
+                    <a:lstStyle/>
+                    <a:p>
+                      <a:r>
+                        <a:rPr lang="en-US" sz="1400" dirty="0" smtClean="0"/>
+                        <a:t>[0, 0, </a:t>
+                      </a:r>
+                      <a:r>
+                        <a:rPr lang="mr-IN" sz="1400" dirty="0" smtClean="0"/>
+                        <a:t>…</a:t>
+                      </a:r>
+                      <a:r>
+                        <a:rPr lang="en-US" sz="1400" dirty="0" smtClean="0"/>
+                        <a:t>, 0]</a:t>
+                      </a:r>
+                      <a:endParaRPr lang="en-US" sz="1400" dirty="0"/>
+                    </a:p>
+                  </a:txBody>
+                  <a:tcPr marL="68580" marR="68580" marT="34290" marB="34290"/>
+                </a:tc>
+                <a:tc>
+                  <a:txBody>
+                    <a:bodyPr/>
+                    <a:lstStyle/>
+                    <a:p>
+                      <a:r>
+                        <a:rPr lang="en-US" sz="1400" dirty="0" smtClean="0"/>
+                        <a:t>[0, 0, 0, 0, 0]</a:t>
+                      </a:r>
+                      <a:endParaRPr lang="en-US" sz="1400" dirty="0"/>
+                    </a:p>
+                  </a:txBody>
+                  <a:tcPr marL="68580" marR="68580" marT="34290" marB="34290"/>
+                </a:tc>
+                <a:tc>
+                  <a:txBody>
+                    <a:bodyPr/>
+                    <a:lstStyle/>
+                    <a:p>
+                      <a:pPr marL="0" marR="0" indent="0" algn="l" defTabSz="914400" rtl="0" eaLnBrk="1" fontAlgn="auto" latinLnBrk="0" hangingPunct="1">
+                        <a:lnSpc>
+                          <a:spcPct val="100000"/>
+                        </a:lnSpc>
+                        <a:spcBef>
+                          <a:spcPts val="0"/>
+                        </a:spcBef>
+                        <a:spcAft>
+                          <a:spcPts val="0"/>
+                        </a:spcAft>
+                        <a:buClrTx/>
+                        <a:buSzTx/>
+                        <a:buFontTx/>
+                        <a:buNone/>
+                        <a:tabLst/>
+                        <a:defRPr/>
+                      </a:pPr>
+                      <a:r>
+                        <a:rPr lang="en-US" sz="1400" dirty="0" smtClean="0">
+                          <a:solidFill>
+                            <a:srgbClr val="FF0000"/>
+                          </a:solidFill>
+                        </a:rPr>
+                        <a:t>[0, 0, 0, 0, 0]</a:t>
+                      </a:r>
+                    </a:p>
+                  </a:txBody>
+                  <a:tcPr marL="68580" marR="68580" marT="34290" marB="34290"/>
+                </a:tc>
+              </a:tr>
+              <a:tr h="274320">
+                <a:tc>
+                  <a:txBody>
+                    <a:bodyPr/>
+                    <a:lstStyle/>
+                    <a:p>
+                      <a:r>
+                        <a:rPr lang="en-US" sz="1400" dirty="0" smtClean="0"/>
+                        <a:t>&lt;field&gt;</a:t>
+                      </a:r>
+                      <a:endParaRPr lang="en-US" sz="1400" dirty="0"/>
+                    </a:p>
+                  </a:txBody>
+                  <a:tcPr marL="68580" marR="68580" marT="34290" marB="34290"/>
+                </a:tc>
+                <a:tc>
+                  <a:txBody>
+                    <a:bodyPr/>
+                    <a:lstStyle/>
+                    <a:p>
+                      <a:r>
+                        <a:rPr lang="en-US" sz="1400" dirty="0" smtClean="0"/>
+                        <a:t>&lt;field:1&gt;, &lt;field:2&gt;</a:t>
+                      </a:r>
+                      <a:endParaRPr lang="en-US" sz="1400" dirty="0"/>
+                    </a:p>
+                  </a:txBody>
+                  <a:tcPr marL="68580" marR="68580" marT="34290" marB="34290"/>
+                </a:tc>
+                <a:tc>
+                  <a:txBody>
+                    <a:bodyPr/>
+                    <a:lstStyle/>
+                    <a:p>
+                      <a:r>
+                        <a:rPr lang="en-US" sz="1400" dirty="0" smtClean="0"/>
+                        <a:t>1,2</a:t>
+                      </a:r>
+                      <a:r>
+                        <a:rPr lang="mr-IN" sz="1400" dirty="0" smtClean="0"/>
+                        <a:t>…</a:t>
+                      </a:r>
+                      <a:endParaRPr lang="en-US" sz="1400" dirty="0"/>
+                    </a:p>
+                  </a:txBody>
+                  <a:tcPr marL="68580" marR="68580" marT="34290" marB="34290"/>
+                </a:tc>
+                <a:tc>
+                  <a:txBody>
+                    <a:bodyPr/>
+                    <a:lstStyle/>
+                    <a:p>
+                      <a:r>
+                        <a:rPr lang="en-US" sz="1400" dirty="0" smtClean="0"/>
+                        <a:t>embed: $People</a:t>
+                      </a:r>
+                      <a:r>
+                        <a:rPr lang="mr-IN" sz="1400" dirty="0" smtClean="0"/>
+                        <a:t>…</a:t>
+                      </a:r>
+                      <a:endParaRPr lang="en-US" sz="1400" dirty="0"/>
+                    </a:p>
+                  </a:txBody>
+                  <a:tcPr marL="68580" marR="68580" marT="34290" marB="34290"/>
+                </a:tc>
+                <a:tc>
+                  <a:txBody>
+                    <a:bodyPr/>
+                    <a:lstStyle/>
+                    <a:p>
+                      <a:endParaRPr lang="en-US" sz="1400" dirty="0"/>
+                    </a:p>
+                  </a:txBody>
+                  <a:tcPr marL="68580" marR="68580" marT="34290" marB="34290"/>
+                </a:tc>
+                <a:tc>
+                  <a:txBody>
+                    <a:bodyPr/>
+                    <a:lstStyle/>
+                    <a:p>
+                      <a:endParaRPr lang="en-US" sz="1400" dirty="0">
+                        <a:solidFill>
+                          <a:srgbClr val="FF0000"/>
+                        </a:solidFill>
+                      </a:endParaRPr>
+                    </a:p>
+                  </a:txBody>
+                  <a:tcPr marL="68580" marR="68580" marT="34290" marB="34290"/>
+                </a:tc>
+              </a:tr>
+              <a:tr h="274320">
+                <a:tc>
+                  <a:txBody>
+                    <a:bodyPr/>
+                    <a:lstStyle/>
+                    <a:p>
+                      <a:r>
+                        <a:rPr lang="en-US" sz="1400" dirty="0" smtClean="0"/>
+                        <a:t>&lt;value&gt;</a:t>
+                      </a:r>
+                      <a:endParaRPr lang="en-US" sz="1400" dirty="0"/>
+                    </a:p>
+                  </a:txBody>
+                  <a:tcPr marL="68580" marR="68580" marT="34290" marB="34290"/>
+                </a:tc>
+                <a:tc>
+                  <a:txBody>
+                    <a:bodyPr/>
+                    <a:lstStyle/>
+                    <a:p>
+                      <a:r>
+                        <a:rPr lang="en-US" sz="1400" dirty="0" smtClean="0"/>
+                        <a:t>&lt;value:1&gt;, &lt;value:2&gt;</a:t>
+                      </a:r>
+                      <a:endParaRPr lang="en-US" sz="1400" dirty="0"/>
+                    </a:p>
+                  </a:txBody>
+                  <a:tcPr marL="68580" marR="68580" marT="34290" marB="34290"/>
+                </a:tc>
+                <a:tc>
+                  <a:txBody>
+                    <a:bodyPr/>
+                    <a:lstStyle/>
+                    <a:p>
+                      <a:r>
+                        <a:rPr lang="en-US" sz="1400" dirty="0" smtClean="0"/>
+                        <a:t>1,2</a:t>
+                      </a:r>
+                      <a:r>
+                        <a:rPr lang="mr-IN" sz="1400" dirty="0" smtClean="0"/>
+                        <a:t>…</a:t>
+                      </a:r>
+                      <a:endParaRPr lang="en-US" sz="1400" dirty="0"/>
+                    </a:p>
+                  </a:txBody>
+                  <a:tcPr marL="68580" marR="68580" marT="34290" marB="34290"/>
+                </a:tc>
+                <a:tc>
+                  <a:txBody>
+                    <a:bodyPr/>
+                    <a:lstStyle/>
+                    <a:p>
+                      <a:r>
+                        <a:rPr lang="en-US" sz="1400" dirty="0" err="1" smtClean="0"/>
+                        <a:t>combina</a:t>
+                      </a:r>
+                      <a:r>
+                        <a:rPr lang="en-US" sz="1400" dirty="0" smtClean="0"/>
+                        <a:t> of fields</a:t>
+                      </a:r>
+                      <a:endParaRPr lang="en-US" sz="1400" dirty="0"/>
+                    </a:p>
+                  </a:txBody>
+                  <a:tcPr marL="68580" marR="68580" marT="34290" marB="34290"/>
+                </a:tc>
+                <a:tc>
+                  <a:txBody>
+                    <a:bodyPr/>
+                    <a:lstStyle/>
+                    <a:p>
+                      <a:endParaRPr lang="en-US" sz="1400"/>
+                    </a:p>
+                  </a:txBody>
+                  <a:tcPr marL="68580" marR="68580" marT="34290" marB="34290"/>
+                </a:tc>
+                <a:tc>
+                  <a:txBody>
+                    <a:bodyPr/>
+                    <a:lstStyle/>
+                    <a:p>
+                      <a:endParaRPr lang="en-US" sz="1400" dirty="0">
+                        <a:solidFill>
+                          <a:srgbClr val="FF0000"/>
+                        </a:solidFill>
+                      </a:endParaRPr>
+                    </a:p>
+                  </a:txBody>
+                  <a:tcPr marL="68580" marR="68580" marT="34290" marB="34290"/>
+                </a:tc>
+              </a:tr>
+              <a:tr h="274320">
+                <a:tc>
+                  <a:txBody>
+                    <a:bodyPr/>
+                    <a:lstStyle/>
+                    <a:p>
+                      <a:r>
+                        <a:rPr lang="en-US" sz="1400" dirty="0" smtClean="0"/>
+                        <a:t>&lt;comp&gt;</a:t>
+                      </a:r>
+                      <a:endParaRPr lang="en-US" sz="1400" dirty="0"/>
+                    </a:p>
+                  </a:txBody>
+                  <a:tcPr marL="68580" marR="68580" marT="34290" marB="34290"/>
+                </a:tc>
+                <a:tc>
+                  <a:txBody>
+                    <a:bodyPr/>
+                    <a:lstStyle/>
+                    <a:p>
+                      <a:r>
+                        <a:rPr lang="en-US" sz="1400" dirty="0" smtClean="0"/>
+                        <a:t>&lt;</a:t>
+                      </a:r>
+                      <a:r>
+                        <a:rPr lang="en-US" sz="1400" dirty="0" err="1" smtClean="0"/>
+                        <a:t>comp:eq</a:t>
+                      </a:r>
+                      <a:r>
+                        <a:rPr lang="en-US" sz="1400" dirty="0" smtClean="0"/>
+                        <a:t>, g, l&gt;</a:t>
+                      </a:r>
+                      <a:endParaRPr lang="en-US" sz="1400" dirty="0"/>
+                    </a:p>
+                  </a:txBody>
+                  <a:tcPr marL="68580" marR="68580" marT="34290" marB="34290"/>
+                </a:tc>
+                <a:tc>
+                  <a:txBody>
+                    <a:bodyPr/>
+                    <a:lstStyle/>
+                    <a:p>
+                      <a:r>
+                        <a:rPr lang="en-US" sz="1400" dirty="0" smtClean="0"/>
+                        <a:t>0</a:t>
+                      </a:r>
+                      <a:endParaRPr lang="en-US" sz="1400" dirty="0"/>
+                    </a:p>
+                  </a:txBody>
+                  <a:tcPr marL="68580" marR="68580" marT="34290" marB="34290"/>
+                </a:tc>
+                <a:tc>
+                  <a:txBody>
+                    <a:bodyPr/>
+                    <a:lstStyle/>
+                    <a:p>
+                      <a:r>
+                        <a:rPr lang="en-US" sz="1400" dirty="0" smtClean="0"/>
+                        <a:t>embed</a:t>
+                      </a:r>
+                      <a:endParaRPr lang="en-US" sz="1400" dirty="0"/>
+                    </a:p>
+                  </a:txBody>
+                  <a:tcPr marL="68580" marR="68580" marT="34290" marB="34290"/>
+                </a:tc>
+                <a:tc>
+                  <a:txBody>
+                    <a:bodyPr/>
+                    <a:lstStyle/>
+                    <a:p>
+                      <a:pPr marL="0" marR="0" indent="0" algn="l" defTabSz="914400" rtl="0" eaLnBrk="1" fontAlgn="auto" latinLnBrk="0" hangingPunct="1">
+                        <a:lnSpc>
+                          <a:spcPct val="100000"/>
+                        </a:lnSpc>
+                        <a:spcBef>
+                          <a:spcPts val="0"/>
+                        </a:spcBef>
+                        <a:spcAft>
+                          <a:spcPts val="0"/>
+                        </a:spcAft>
+                        <a:buClrTx/>
+                        <a:buSzTx/>
+                        <a:buFontTx/>
+                        <a:buNone/>
+                        <a:tabLst/>
+                        <a:defRPr/>
+                      </a:pPr>
+                      <a:r>
+                        <a:rPr lang="en-US" sz="1400" dirty="0" smtClean="0"/>
+                        <a:t>[0, 0, 0, 0, 0]</a:t>
+                      </a:r>
+                    </a:p>
+                  </a:txBody>
+                  <a:tcPr marL="68580" marR="68580" marT="34290" marB="34290"/>
+                </a:tc>
+                <a:tc>
+                  <a:txBody>
+                    <a:bodyPr/>
+                    <a:lstStyle/>
+                    <a:p>
+                      <a:pPr marL="0" marR="0" indent="0" algn="l" defTabSz="914400" rtl="0" eaLnBrk="1" fontAlgn="auto" latinLnBrk="0" hangingPunct="1">
+                        <a:lnSpc>
+                          <a:spcPct val="100000"/>
+                        </a:lnSpc>
+                        <a:spcBef>
+                          <a:spcPts val="0"/>
+                        </a:spcBef>
+                        <a:spcAft>
+                          <a:spcPts val="0"/>
+                        </a:spcAft>
+                        <a:buClrTx/>
+                        <a:buSzTx/>
+                        <a:buFontTx/>
+                        <a:buNone/>
+                        <a:tabLst/>
+                        <a:defRPr/>
+                      </a:pPr>
+                      <a:r>
+                        <a:rPr lang="en-US" sz="1400" dirty="0" smtClean="0">
+                          <a:solidFill>
+                            <a:srgbClr val="FF0000"/>
+                          </a:solidFill>
+                        </a:rPr>
+                        <a:t>[0, 0, 0, 0, 0]</a:t>
+                      </a:r>
+                    </a:p>
+                  </a:txBody>
+                  <a:tcPr marL="68580" marR="68580" marT="34290" marB="34290"/>
+                </a:tc>
+              </a:tr>
+              <a:tr h="274320">
+                <a:tc>
+                  <a:txBody>
+                    <a:bodyPr/>
+                    <a:lstStyle/>
+                    <a:p>
+                      <a:r>
+                        <a:rPr lang="en-US" sz="1400" dirty="0" smtClean="0"/>
+                        <a:t>&lt;</a:t>
+                      </a:r>
+                      <a:r>
+                        <a:rPr lang="en-US" sz="1400" dirty="0" err="1" smtClean="0"/>
+                        <a:t>calc</a:t>
+                      </a:r>
+                      <a:r>
+                        <a:rPr lang="en-US" sz="1400" dirty="0" smtClean="0"/>
+                        <a:t>&gt;</a:t>
+                      </a:r>
+                      <a:endParaRPr lang="en-US" sz="1400" dirty="0"/>
+                    </a:p>
+                  </a:txBody>
+                  <a:tcPr marL="68580" marR="68580" marT="34290" marB="34290"/>
+                </a:tc>
+                <a:tc>
+                  <a:txBody>
+                    <a:bodyPr/>
+                    <a:lstStyle/>
+                    <a:p>
+                      <a:r>
+                        <a:rPr lang="en-US" sz="1400" dirty="0" smtClean="0"/>
+                        <a:t>&lt;</a:t>
+                      </a:r>
+                      <a:r>
+                        <a:rPr lang="en-US" sz="1400" dirty="0" err="1" smtClean="0"/>
+                        <a:t>calc</a:t>
+                      </a:r>
+                      <a:r>
+                        <a:rPr lang="en-US" sz="1400" dirty="0" smtClean="0"/>
+                        <a:t>: sum, diff, mean&gt;</a:t>
+                      </a:r>
+                      <a:endParaRPr lang="en-US" sz="1400" dirty="0"/>
+                    </a:p>
+                  </a:txBody>
+                  <a:tcPr marL="68580" marR="68580" marT="34290" marB="34290"/>
+                </a:tc>
+                <a:tc>
+                  <a:txBody>
+                    <a:bodyPr/>
+                    <a:lstStyle/>
+                    <a:p>
+                      <a:r>
+                        <a:rPr lang="en-US" sz="1400" dirty="0" smtClean="0"/>
+                        <a:t>0</a:t>
+                      </a:r>
+                      <a:endParaRPr lang="en-US" sz="1400" dirty="0"/>
+                    </a:p>
+                  </a:txBody>
+                  <a:tcPr marL="68580" marR="68580" marT="34290" marB="34290"/>
+                </a:tc>
+                <a:tc>
+                  <a:txBody>
+                    <a:bodyPr/>
+                    <a:lstStyle/>
+                    <a:p>
+                      <a:r>
+                        <a:rPr lang="en-US" sz="1400" dirty="0" smtClean="0"/>
+                        <a:t>embed</a:t>
+                      </a:r>
+                      <a:endParaRPr lang="en-US" sz="1400" dirty="0"/>
+                    </a:p>
+                  </a:txBody>
+                  <a:tcPr marL="68580" marR="68580" marT="34290" marB="34290"/>
+                </a:tc>
+                <a:tc>
+                  <a:txBody>
+                    <a:bodyPr/>
+                    <a:lstStyle/>
+                    <a:p>
+                      <a:pPr marL="0" marR="0" indent="0" algn="l" defTabSz="914400" rtl="0" eaLnBrk="1" fontAlgn="auto" latinLnBrk="0" hangingPunct="1">
+                        <a:lnSpc>
+                          <a:spcPct val="100000"/>
+                        </a:lnSpc>
+                        <a:spcBef>
+                          <a:spcPts val="0"/>
+                        </a:spcBef>
+                        <a:spcAft>
+                          <a:spcPts val="0"/>
+                        </a:spcAft>
+                        <a:buClrTx/>
+                        <a:buSzTx/>
+                        <a:buFontTx/>
+                        <a:buNone/>
+                        <a:tabLst/>
+                        <a:defRPr/>
+                      </a:pPr>
+                      <a:r>
+                        <a:rPr lang="en-US" sz="1400" dirty="0" smtClean="0"/>
+                        <a:t>[0, 0, 0, 0, 0]</a:t>
+                      </a:r>
+                    </a:p>
+                  </a:txBody>
+                  <a:tcPr marL="68580" marR="68580" marT="34290" marB="34290"/>
+                </a:tc>
+                <a:tc>
+                  <a:txBody>
+                    <a:bodyPr/>
+                    <a:lstStyle/>
+                    <a:p>
+                      <a:pPr marL="0" marR="0" indent="0" algn="l" defTabSz="914400" rtl="0" eaLnBrk="1" fontAlgn="auto" latinLnBrk="0" hangingPunct="1">
+                        <a:lnSpc>
+                          <a:spcPct val="100000"/>
+                        </a:lnSpc>
+                        <a:spcBef>
+                          <a:spcPts val="0"/>
+                        </a:spcBef>
+                        <a:spcAft>
+                          <a:spcPts val="0"/>
+                        </a:spcAft>
+                        <a:buClrTx/>
+                        <a:buSzTx/>
+                        <a:buFontTx/>
+                        <a:buNone/>
+                        <a:tabLst/>
+                        <a:defRPr/>
+                      </a:pPr>
+                      <a:r>
+                        <a:rPr lang="en-US" sz="1400" dirty="0" smtClean="0">
+                          <a:solidFill>
+                            <a:srgbClr val="FF0000"/>
+                          </a:solidFill>
+                        </a:rPr>
+                        <a:t>[0, 0, 0, 0, 0]</a:t>
+                      </a:r>
+                    </a:p>
+                  </a:txBody>
+                  <a:tcPr marL="68580" marR="68580" marT="34290" marB="34290"/>
+                </a:tc>
+              </a:tr>
+              <a:tr h="274320">
+                <a:tc>
+                  <a:txBody>
+                    <a:bodyPr/>
+                    <a:lstStyle/>
+                    <a:p>
+                      <a:r>
+                        <a:rPr lang="en-US" sz="1400" dirty="0" smtClean="0"/>
+                        <a:t>&lt;</a:t>
+                      </a:r>
+                      <a:r>
+                        <a:rPr lang="en-US" sz="1400" dirty="0" err="1" smtClean="0"/>
+                        <a:t>arg</a:t>
+                      </a:r>
+                      <a:r>
+                        <a:rPr lang="en-US" sz="1400" dirty="0" smtClean="0"/>
+                        <a:t>&gt;</a:t>
+                      </a:r>
+                      <a:endParaRPr lang="en-US" sz="1400" dirty="0"/>
+                    </a:p>
+                  </a:txBody>
+                  <a:tcPr marL="68580" marR="68580" marT="34290" marB="34290"/>
+                </a:tc>
+                <a:tc>
+                  <a:txBody>
+                    <a:bodyPr/>
+                    <a:lstStyle/>
+                    <a:p>
+                      <a:r>
+                        <a:rPr lang="en-US" sz="1400" dirty="0" smtClean="0"/>
+                        <a:t>&lt;</a:t>
+                      </a:r>
+                      <a:r>
+                        <a:rPr lang="en-US" sz="1400" dirty="0" err="1" smtClean="0"/>
+                        <a:t>arg</a:t>
+                      </a:r>
+                      <a:r>
+                        <a:rPr lang="en-US" sz="1400" dirty="0" smtClean="0"/>
+                        <a:t>: max, min&gt;</a:t>
+                      </a:r>
+                      <a:endParaRPr lang="en-US" sz="1400" dirty="0"/>
+                    </a:p>
+                  </a:txBody>
+                  <a:tcPr marL="68580" marR="68580" marT="34290" marB="34290"/>
+                </a:tc>
+                <a:tc>
+                  <a:txBody>
+                    <a:bodyPr/>
+                    <a:lstStyle/>
+                    <a:p>
+                      <a:r>
+                        <a:rPr lang="en-US" sz="1400" dirty="0" smtClean="0"/>
+                        <a:t>0</a:t>
+                      </a:r>
+                      <a:endParaRPr lang="en-US" sz="1400" dirty="0"/>
+                    </a:p>
+                  </a:txBody>
+                  <a:tcPr marL="68580" marR="68580" marT="34290" marB="34290"/>
+                </a:tc>
+                <a:tc>
+                  <a:txBody>
+                    <a:bodyPr/>
+                    <a:lstStyle/>
+                    <a:p>
+                      <a:r>
+                        <a:rPr lang="en-US" sz="1400" dirty="0" smtClean="0"/>
+                        <a:t>embed</a:t>
+                      </a:r>
+                      <a:endParaRPr lang="en-US" sz="1400" dirty="0"/>
+                    </a:p>
+                  </a:txBody>
+                  <a:tcPr marL="68580" marR="68580" marT="34290" marB="34290"/>
+                </a:tc>
+                <a:tc>
+                  <a:txBody>
+                    <a:bodyPr/>
+                    <a:lstStyle/>
+                    <a:p>
+                      <a:pPr marL="0" marR="0" indent="0" algn="l" defTabSz="914400" rtl="0" eaLnBrk="1" fontAlgn="auto" latinLnBrk="0" hangingPunct="1">
+                        <a:lnSpc>
+                          <a:spcPct val="100000"/>
+                        </a:lnSpc>
+                        <a:spcBef>
+                          <a:spcPts val="0"/>
+                        </a:spcBef>
+                        <a:spcAft>
+                          <a:spcPts val="0"/>
+                        </a:spcAft>
+                        <a:buClrTx/>
+                        <a:buSzTx/>
+                        <a:buFontTx/>
+                        <a:buNone/>
+                        <a:tabLst/>
+                        <a:defRPr/>
+                      </a:pPr>
+                      <a:r>
+                        <a:rPr lang="en-US" sz="1400" dirty="0" smtClean="0"/>
+                        <a:t>[0, 0, 0, 0, 0]</a:t>
+                      </a:r>
+                    </a:p>
+                  </a:txBody>
+                  <a:tcPr marL="68580" marR="68580" marT="34290" marB="34290"/>
+                </a:tc>
+                <a:tc>
+                  <a:txBody>
+                    <a:bodyPr/>
+                    <a:lstStyle/>
+                    <a:p>
+                      <a:pPr marL="0" marR="0" indent="0" algn="l" defTabSz="914400" rtl="0" eaLnBrk="1" fontAlgn="auto" latinLnBrk="0" hangingPunct="1">
+                        <a:lnSpc>
+                          <a:spcPct val="100000"/>
+                        </a:lnSpc>
+                        <a:spcBef>
+                          <a:spcPts val="0"/>
+                        </a:spcBef>
+                        <a:spcAft>
+                          <a:spcPts val="0"/>
+                        </a:spcAft>
+                        <a:buClrTx/>
+                        <a:buSzTx/>
+                        <a:buFontTx/>
+                        <a:buNone/>
+                        <a:tabLst/>
+                        <a:defRPr/>
+                      </a:pPr>
+                      <a:r>
+                        <a:rPr lang="en-US" sz="1400" dirty="0" smtClean="0">
+                          <a:solidFill>
+                            <a:srgbClr val="FF0000"/>
+                          </a:solidFill>
+                        </a:rPr>
+                        <a:t>[0, 0, 0, 0, 0]</a:t>
+                      </a:r>
+                    </a:p>
+                  </a:txBody>
+                  <a:tcPr marL="68580" marR="68580" marT="34290" marB="34290"/>
+                </a:tc>
+              </a:tr>
+              <a:tr h="274320">
+                <a:tc>
+                  <a:txBody>
+                    <a:bodyPr/>
+                    <a:lstStyle/>
+                    <a:p>
+                      <a:r>
+                        <a:rPr lang="en-US" sz="1400" dirty="0" smtClean="0"/>
+                        <a:t>&lt;op&gt;</a:t>
+                      </a:r>
+                      <a:endParaRPr lang="en-US" sz="1400" dirty="0"/>
+                    </a:p>
+                  </a:txBody>
+                  <a:tcPr marL="68580" marR="68580" marT="34290" marB="34290"/>
+                </a:tc>
+                <a:tc>
+                  <a:txBody>
+                    <a:bodyPr/>
+                    <a:lstStyle/>
+                    <a:p>
+                      <a:r>
+                        <a:rPr lang="en-US" sz="1400" dirty="0" smtClean="0"/>
+                        <a:t>TBD</a:t>
+                      </a:r>
+                      <a:endParaRPr lang="en-US" sz="1400" dirty="0"/>
+                    </a:p>
+                  </a:txBody>
+                  <a:tcPr marL="68580" marR="68580" marT="34290" marB="34290"/>
+                </a:tc>
+                <a:tc>
+                  <a:txBody>
+                    <a:bodyPr/>
+                    <a:lstStyle/>
+                    <a:p>
+                      <a:r>
+                        <a:rPr lang="en-US" sz="1400" dirty="0" smtClean="0"/>
+                        <a:t>0</a:t>
+                      </a:r>
+                      <a:endParaRPr lang="en-US" sz="1400" dirty="0"/>
+                    </a:p>
+                  </a:txBody>
+                  <a:tcPr marL="68580" marR="68580" marT="34290" marB="34290"/>
+                </a:tc>
+                <a:tc>
+                  <a:txBody>
+                    <a:bodyPr/>
+                    <a:lstStyle/>
+                    <a:p>
+                      <a:r>
+                        <a:rPr lang="en-US" sz="1400" dirty="0" smtClean="0"/>
+                        <a:t>embed</a:t>
+                      </a:r>
+                      <a:endParaRPr lang="en-US" sz="1400" dirty="0"/>
+                    </a:p>
+                  </a:txBody>
+                  <a:tcPr marL="68580" marR="68580" marT="34290" marB="34290"/>
+                </a:tc>
+                <a:tc>
+                  <a:txBody>
+                    <a:bodyPr/>
+                    <a:lstStyle/>
+                    <a:p>
+                      <a:pPr marL="0" marR="0" indent="0" algn="l" defTabSz="914400" rtl="0" eaLnBrk="1" fontAlgn="auto" latinLnBrk="0" hangingPunct="1">
+                        <a:lnSpc>
+                          <a:spcPct val="100000"/>
+                        </a:lnSpc>
+                        <a:spcBef>
+                          <a:spcPts val="0"/>
+                        </a:spcBef>
+                        <a:spcAft>
+                          <a:spcPts val="0"/>
+                        </a:spcAft>
+                        <a:buClrTx/>
+                        <a:buSzTx/>
+                        <a:buFontTx/>
+                        <a:buNone/>
+                        <a:tabLst/>
+                        <a:defRPr/>
+                      </a:pPr>
+                      <a:r>
+                        <a:rPr lang="en-US" sz="1400" dirty="0" smtClean="0"/>
+                        <a:t>[0, 0, 0, 0, 0]</a:t>
+                      </a:r>
+                    </a:p>
+                  </a:txBody>
+                  <a:tcPr marL="68580" marR="68580" marT="34290" marB="34290"/>
+                </a:tc>
+                <a:tc>
+                  <a:txBody>
+                    <a:bodyPr/>
+                    <a:lstStyle/>
+                    <a:p>
+                      <a:pPr marL="0" marR="0" indent="0" algn="l" defTabSz="914400" rtl="0" eaLnBrk="1" fontAlgn="auto" latinLnBrk="0" hangingPunct="1">
+                        <a:lnSpc>
+                          <a:spcPct val="100000"/>
+                        </a:lnSpc>
+                        <a:spcBef>
+                          <a:spcPts val="0"/>
+                        </a:spcBef>
+                        <a:spcAft>
+                          <a:spcPts val="0"/>
+                        </a:spcAft>
+                        <a:buClrTx/>
+                        <a:buSzTx/>
+                        <a:buFontTx/>
+                        <a:buNone/>
+                        <a:tabLst/>
+                        <a:defRPr/>
+                      </a:pPr>
+                      <a:r>
+                        <a:rPr lang="en-US" sz="1400" dirty="0" smtClean="0">
+                          <a:solidFill>
+                            <a:srgbClr val="FF0000"/>
+                          </a:solidFill>
+                        </a:rPr>
+                        <a:t>[0, 0, 0, 0, 0]</a:t>
+                      </a:r>
+                    </a:p>
+                  </a:txBody>
+                  <a:tcPr marL="68580" marR="68580" marT="34290" marB="34290"/>
+                </a:tc>
+              </a:tr>
+            </a:tbl>
+          </a:graphicData>
+        </a:graphic>
+      </p:graphicFrame>
+      <p:sp>
+        <p:nvSpPr>
+          <p:cNvPr id="14" name="TextBox 13"/>
+          <p:cNvSpPr txBox="1"/>
+          <p:nvPr/>
+        </p:nvSpPr>
+        <p:spPr>
+          <a:xfrm>
+            <a:off x="7907308" y="3066609"/>
+            <a:ext cx="1225450" cy="300082"/>
+          </a:xfrm>
+          <a:prstGeom prst="rect">
+            <a:avLst/>
+          </a:prstGeom>
+          <a:noFill/>
+        </p:spPr>
+        <p:txBody>
+          <a:bodyPr wrap="square" rtlCol="0">
+            <a:spAutoFit/>
+          </a:bodyPr>
+          <a:lstStyle/>
+          <a:p>
+            <a:r>
+              <a:rPr lang="en-US" sz="1350" dirty="0">
+                <a:solidFill>
+                  <a:srgbClr val="FF0000"/>
+                </a:solidFill>
+              </a:rPr>
+              <a:t>To be decided</a:t>
+            </a:r>
+          </a:p>
+        </p:txBody>
+      </p:sp>
+    </p:spTree>
+    <p:extLst>
+      <p:ext uri="{BB962C8B-B14F-4D97-AF65-F5344CB8AC3E}">
+        <p14:creationId xmlns:p14="http://schemas.microsoft.com/office/powerpoint/2010/main" val="150903635"/>
       </p:ext>
     </p:extLst>
   </p:cSld>
@@ -10270,8 +13990,8 @@
           </a:p>
         </p:txBody>
       </p:sp>
-      <mc:AlternateContent xmlns:mc="http://schemas.openxmlformats.org/markup-compatibility/2006">
-        <mc:Choice xmlns:a14="http://schemas.microsoft.com/office/drawing/2010/main" Requires="a14">
+      <mc:AlternateContent xmlns:mc="http://schemas.openxmlformats.org/markup-compatibility/2006" xmlns:a14="http://schemas.microsoft.com/office/drawing/2010/main">
+        <mc:Choice Requires="a14">
           <p:sp>
             <p:nvSpPr>
               <p:cNvPr id="3" name="Content Placeholder 2"/>
@@ -10443,7 +14163,7 @@
             </p:txBody>
           </p:sp>
         </mc:Choice>
-        <mc:Fallback>
+        <mc:Fallback xmlns="">
           <p:sp>
             <p:nvSpPr>
               <p:cNvPr id="3" name="Content Placeholder 2"/>
@@ -10822,7 +14542,6 @@
               <a:rPr lang="fr-FR" sz="2400" dirty="0"/>
               <a:t> on 2108 tables) </a:t>
             </a:r>
-            <a:endParaRPr lang="fr-FR" sz="2400" dirty="0"/>
           </a:p>
           <a:p>
             <a:pPr lvl="1">
@@ -11055,8 +14774,8 @@
           </a:p>
         </p:txBody>
       </p:sp>
-      <mc:AlternateContent xmlns:mc="http://schemas.openxmlformats.org/markup-compatibility/2006">
-        <mc:Choice xmlns:a14="http://schemas.microsoft.com/office/drawing/2010/main" Requires="a14">
+      <mc:AlternateContent xmlns:mc="http://schemas.openxmlformats.org/markup-compatibility/2006" xmlns:a14="http://schemas.microsoft.com/office/drawing/2010/main">
+        <mc:Choice Requires="a14">
           <p:sp>
             <p:nvSpPr>
               <p:cNvPr id="3" name="Content Placeholder 2"/>
@@ -11374,7 +15093,7 @@
             </p:txBody>
           </p:sp>
         </mc:Choice>
-        <mc:Fallback>
+        <mc:Fallback xmlns="">
           <p:sp>
             <p:nvSpPr>
               <p:cNvPr id="3" name="Content Placeholder 2"/>
@@ -11412,8 +15131,8 @@
           </p:sp>
         </mc:Fallback>
       </mc:AlternateContent>
-      <mc:AlternateContent xmlns:mc="http://schemas.openxmlformats.org/markup-compatibility/2006">
-        <mc:Choice xmlns:a14="http://schemas.microsoft.com/office/drawing/2010/main" Requires="a14">
+      <mc:AlternateContent xmlns:mc="http://schemas.openxmlformats.org/markup-compatibility/2006" xmlns:a14="http://schemas.microsoft.com/office/drawing/2010/main">
+        <mc:Choice Requires="a14">
           <p:sp>
             <p:nvSpPr>
               <p:cNvPr id="4" name="TextBox 3"/>
@@ -11436,6 +15155,7 @@
               </a:bodyPr>
               <a:lstStyle/>
               <a:p>
+                <a:pPr/>
                 <a14:m>
                   <m:oMathPara xmlns:m="http://schemas.openxmlformats.org/officeDocument/2006/math">
                     <m:oMathParaPr>
@@ -11628,7 +15348,7 @@
             </p:txBody>
           </p:sp>
         </mc:Choice>
-        <mc:Fallback>
+        <mc:Fallback xmlns="">
           <p:sp>
             <p:nvSpPr>
               <p:cNvPr id="4" name="TextBox 3"/>
@@ -11910,8 +15630,8 @@
           </a:p>
         </p:txBody>
       </p:sp>
-      <mc:AlternateContent xmlns:mc="http://schemas.openxmlformats.org/markup-compatibility/2006">
-        <mc:Choice xmlns:a14="http://schemas.microsoft.com/office/drawing/2010/main" Requires="a14">
+      <mc:AlternateContent xmlns:mc="http://schemas.openxmlformats.org/markup-compatibility/2006" xmlns:a14="http://schemas.microsoft.com/office/drawing/2010/main">
+        <mc:Choice Requires="a14">
           <p:sp>
             <p:nvSpPr>
               <p:cNvPr id="3" name="Content Placeholder 2"/>
@@ -12019,7 +15739,7 @@
             </p:txBody>
           </p:sp>
         </mc:Choice>
-        <mc:Fallback>
+        <mc:Fallback xmlns="">
           <p:sp>
             <p:nvSpPr>
               <p:cNvPr id="3" name="Content Placeholder 2"/>
